--- a/src/presentazione/slide-discussione.pptx
+++ b/src/presentazione/slide-discussione.pptx
@@ -6,35 +6,37 @@
     <p:sldMasterId id="2147483665" r:id="rId2"/>
   </p:sldMasterIdLst>
   <p:notesMasterIdLst>
-    <p:notesMasterId r:id="rId5"/>
+    <p:notesMasterId r:id="rId7"/>
   </p:notesMasterIdLst>
   <p:sldIdLst>
     <p:sldId id="256" r:id="rId3"/>
     <p:sldId id="257" r:id="rId4"/>
+    <p:sldId id="258" r:id="rId5"/>
+    <p:sldId id="259" r:id="rId6"/>
   </p:sldIdLst>
   <p:sldSz cx="9144000" cy="6858000" type="screen4x3"/>
   <p:notesSz cx="6858000" cy="9144000"/>
   <p:embeddedFontLst>
     <p:embeddedFont>
       <p:font typeface="Calibri" panose="020F0502020204030204" pitchFamily="34" charset="0"/>
-      <p:regular r:id="rId6"/>
-      <p:bold r:id="rId7"/>
-      <p:italic r:id="rId8"/>
-      <p:boldItalic r:id="rId9"/>
+      <p:regular r:id="rId8"/>
+      <p:bold r:id="rId9"/>
+      <p:italic r:id="rId10"/>
+      <p:boldItalic r:id="rId11"/>
     </p:embeddedFont>
     <p:embeddedFont>
       <p:font typeface="Lato" panose="020F0502020204030203" pitchFamily="34" charset="0"/>
-      <p:regular r:id="rId10"/>
-      <p:bold r:id="rId11"/>
-      <p:italic r:id="rId12"/>
-      <p:boldItalic r:id="rId13"/>
+      <p:regular r:id="rId12"/>
+      <p:bold r:id="rId13"/>
+      <p:italic r:id="rId14"/>
+      <p:boldItalic r:id="rId15"/>
     </p:embeddedFont>
     <p:embeddedFont>
       <p:font typeface="Source Sans Pro" panose="020B0503030403020204" pitchFamily="34" charset="0"/>
-      <p:regular r:id="rId14"/>
-      <p:bold r:id="rId15"/>
-      <p:italic r:id="rId16"/>
-      <p:boldItalic r:id="rId17"/>
+      <p:regular r:id="rId16"/>
+      <p:bold r:id="rId17"/>
+      <p:italic r:id="rId18"/>
+      <p:boldItalic r:id="rId19"/>
     </p:embeddedFont>
   </p:embeddedFontLst>
   <p:defaultTextStyle>
@@ -736,20 +738,239 @@
           </a:bodyPr>
           <a:lstStyle/>
           <a:p>
-            <a:pPr marL="0" lvl="0" indent="0" rtl="0">
-              <a:spcBef>
-                <a:spcPts val="0"/>
-              </a:spcBef>
-              <a:spcAft>
-                <a:spcPts val="0"/>
-              </a:spcAft>
-              <a:buNone/>
+            <a:pPr marL="171450" lvl="0" indent="-171450" rtl="0">
+              <a:spcBef>
+                <a:spcPts val="0"/>
+              </a:spcBef>
+              <a:spcAft>
+                <a:spcPts val="0"/>
+              </a:spcAft>
+              <a:buFontTx/>
+              <a:buChar char="-"/>
             </a:pPr>
             <a:endParaRPr dirty="0"/>
           </a:p>
         </p:txBody>
       </p:sp>
     </p:spTree>
+  </p:cSld>
+  <p:clrMapOvr>
+    <a:masterClrMapping/>
+  </p:clrMapOvr>
+</p:notes>
+</file>
+
+<file path=ppt/notesSlides/notesSlide3.xml><?xml version="1.0" encoding="utf-8"?>
+<p:notes xmlns:a="http://schemas.openxmlformats.org/drawingml/2006/main" xmlns:r="http://schemas.openxmlformats.org/officeDocument/2006/relationships" xmlns:p="http://schemas.openxmlformats.org/presentationml/2006/main" showMasterSp="0" showMasterPhAnim="0">
+  <p:cSld>
+    <p:spTree>
+      <p:nvGrpSpPr>
+        <p:cNvPr id="1" name="Shape 95"/>
+        <p:cNvGrpSpPr/>
+        <p:nvPr/>
+      </p:nvGrpSpPr>
+      <p:grpSpPr>
+        <a:xfrm>
+          <a:off x="0" y="0"/>
+          <a:ext cx="0" cy="0"/>
+          <a:chOff x="0" y="0"/>
+          <a:chExt cx="0" cy="0"/>
+        </a:xfrm>
+      </p:grpSpPr>
+      <p:sp>
+        <p:nvSpPr>
+          <p:cNvPr id="96" name="Shape 96"/>
+          <p:cNvSpPr>
+            <a:spLocks noGrp="1" noRot="1" noChangeAspect="1"/>
+          </p:cNvSpPr>
+          <p:nvPr>
+            <p:ph type="sldImg" idx="2"/>
+          </p:nvPr>
+        </p:nvSpPr>
+        <p:spPr>
+          <a:xfrm>
+            <a:off x="1143000" y="685800"/>
+            <a:ext cx="4572000" cy="3429000"/>
+          </a:xfrm>
+          <a:custGeom>
+            <a:avLst/>
+            <a:gdLst/>
+            <a:ahLst/>
+            <a:cxnLst/>
+            <a:rect l="0" t="0" r="0" b="0"/>
+            <a:pathLst>
+              <a:path w="120000" h="120000" extrusionOk="0">
+                <a:moveTo>
+                  <a:pt x="0" y="0"/>
+                </a:moveTo>
+                <a:lnTo>
+                  <a:pt x="120000" y="0"/>
+                </a:lnTo>
+                <a:lnTo>
+                  <a:pt x="120000" y="120000"/>
+                </a:lnTo>
+                <a:lnTo>
+                  <a:pt x="0" y="120000"/>
+                </a:lnTo>
+                <a:close/>
+              </a:path>
+            </a:pathLst>
+          </a:custGeom>
+        </p:spPr>
+      </p:sp>
+      <p:sp>
+        <p:nvSpPr>
+          <p:cNvPr id="97" name="Shape 97"/>
+          <p:cNvSpPr txBox="1">
+            <a:spLocks noGrp="1"/>
+          </p:cNvSpPr>
+          <p:nvPr>
+            <p:ph type="body" idx="1"/>
+          </p:nvPr>
+        </p:nvSpPr>
+        <p:spPr>
+          <a:xfrm>
+            <a:off x="685800" y="4343400"/>
+            <a:ext cx="5486400" cy="4114800"/>
+          </a:xfrm>
+          <a:prstGeom prst="rect">
+            <a:avLst/>
+          </a:prstGeom>
+        </p:spPr>
+        <p:txBody>
+          <a:bodyPr spcFirstLastPara="1" wrap="square" lIns="91425" tIns="91425" rIns="91425" bIns="91425" anchor="t" anchorCtr="0">
+            <a:noAutofit/>
+          </a:bodyPr>
+          <a:lstStyle/>
+          <a:p>
+            <a:pPr marL="0" lvl="0" indent="0" rtl="0">
+              <a:spcBef>
+                <a:spcPts val="0"/>
+              </a:spcBef>
+              <a:spcAft>
+                <a:spcPts val="0"/>
+              </a:spcAft>
+              <a:buNone/>
+            </a:pPr>
+            <a:endParaRPr dirty="0"/>
+          </a:p>
+        </p:txBody>
+      </p:sp>
+    </p:spTree>
+    <p:extLst>
+      <p:ext uri="{BB962C8B-B14F-4D97-AF65-F5344CB8AC3E}">
+        <p14:creationId xmlns:p14="http://schemas.microsoft.com/office/powerpoint/2010/main" val="2933786363"/>
+      </p:ext>
+    </p:extLst>
+  </p:cSld>
+  <p:clrMapOvr>
+    <a:masterClrMapping/>
+  </p:clrMapOvr>
+</p:notes>
+</file>
+
+<file path=ppt/notesSlides/notesSlide4.xml><?xml version="1.0" encoding="utf-8"?>
+<p:notes xmlns:a="http://schemas.openxmlformats.org/drawingml/2006/main" xmlns:r="http://schemas.openxmlformats.org/officeDocument/2006/relationships" xmlns:p="http://schemas.openxmlformats.org/presentationml/2006/main" showMasterSp="0" showMasterPhAnim="0">
+  <p:cSld>
+    <p:spTree>
+      <p:nvGrpSpPr>
+        <p:cNvPr id="1" name="Shape 95"/>
+        <p:cNvGrpSpPr/>
+        <p:nvPr/>
+      </p:nvGrpSpPr>
+      <p:grpSpPr>
+        <a:xfrm>
+          <a:off x="0" y="0"/>
+          <a:ext cx="0" cy="0"/>
+          <a:chOff x="0" y="0"/>
+          <a:chExt cx="0" cy="0"/>
+        </a:xfrm>
+      </p:grpSpPr>
+      <p:sp>
+        <p:nvSpPr>
+          <p:cNvPr id="96" name="Shape 96"/>
+          <p:cNvSpPr>
+            <a:spLocks noGrp="1" noRot="1" noChangeAspect="1"/>
+          </p:cNvSpPr>
+          <p:nvPr>
+            <p:ph type="sldImg" idx="2"/>
+          </p:nvPr>
+        </p:nvSpPr>
+        <p:spPr>
+          <a:xfrm>
+            <a:off x="1143000" y="685800"/>
+            <a:ext cx="4572000" cy="3429000"/>
+          </a:xfrm>
+          <a:custGeom>
+            <a:avLst/>
+            <a:gdLst/>
+            <a:ahLst/>
+            <a:cxnLst/>
+            <a:rect l="0" t="0" r="0" b="0"/>
+            <a:pathLst>
+              <a:path w="120000" h="120000" extrusionOk="0">
+                <a:moveTo>
+                  <a:pt x="0" y="0"/>
+                </a:moveTo>
+                <a:lnTo>
+                  <a:pt x="120000" y="0"/>
+                </a:lnTo>
+                <a:lnTo>
+                  <a:pt x="120000" y="120000"/>
+                </a:lnTo>
+                <a:lnTo>
+                  <a:pt x="0" y="120000"/>
+                </a:lnTo>
+                <a:close/>
+              </a:path>
+            </a:pathLst>
+          </a:custGeom>
+        </p:spPr>
+      </p:sp>
+      <p:sp>
+        <p:nvSpPr>
+          <p:cNvPr id="97" name="Shape 97"/>
+          <p:cNvSpPr txBox="1">
+            <a:spLocks noGrp="1"/>
+          </p:cNvSpPr>
+          <p:nvPr>
+            <p:ph type="body" idx="1"/>
+          </p:nvPr>
+        </p:nvSpPr>
+        <p:spPr>
+          <a:xfrm>
+            <a:off x="685800" y="4343400"/>
+            <a:ext cx="5486400" cy="4114800"/>
+          </a:xfrm>
+          <a:prstGeom prst="rect">
+            <a:avLst/>
+          </a:prstGeom>
+        </p:spPr>
+        <p:txBody>
+          <a:bodyPr spcFirstLastPara="1" wrap="square" lIns="91425" tIns="91425" rIns="91425" bIns="91425" anchor="t" anchorCtr="0">
+            <a:noAutofit/>
+          </a:bodyPr>
+          <a:lstStyle/>
+          <a:p>
+            <a:pPr marL="0" lvl="0" indent="0" rtl="0">
+              <a:spcBef>
+                <a:spcPts val="0"/>
+              </a:spcBef>
+              <a:spcAft>
+                <a:spcPts val="0"/>
+              </a:spcAft>
+              <a:buNone/>
+            </a:pPr>
+            <a:endParaRPr dirty="0"/>
+          </a:p>
+        </p:txBody>
+      </p:sp>
+    </p:spTree>
+    <p:extLst>
+      <p:ext uri="{BB962C8B-B14F-4D97-AF65-F5344CB8AC3E}">
+        <p14:creationId xmlns:p14="http://schemas.microsoft.com/office/powerpoint/2010/main" val="1515194660"/>
+      </p:ext>
+    </p:extLst>
   </p:cSld>
   <p:clrMapOvr>
     <a:masterClrMapping/>
@@ -8028,8 +8249,1362 @@
         </p:blipFill>
         <p:spPr>
           <a:xfrm>
-            <a:off x="457200" y="2174287"/>
-            <a:ext cx="3997937" cy="2509426"/>
+            <a:off x="2772415" y="2596395"/>
+            <a:ext cx="3599169" cy="2259127"/>
+          </a:xfrm>
+          <a:prstGeom prst="rect">
+            <a:avLst/>
+          </a:prstGeom>
+        </p:spPr>
+      </p:pic>
+      <p:sp>
+        <p:nvSpPr>
+          <p:cNvPr id="8" name="TextBox 7">
+            <a:extLst>
+              <a:ext uri="{FF2B5EF4-FFF2-40B4-BE49-F238E27FC236}">
+                <a16:creationId xmlns:a16="http://schemas.microsoft.com/office/drawing/2014/main" id="{12876DE7-DC75-6D87-E591-5F76F93835B8}"/>
+              </a:ext>
+            </a:extLst>
+          </p:cNvPr>
+          <p:cNvSpPr txBox="1"/>
+          <p:nvPr/>
+        </p:nvSpPr>
+        <p:spPr>
+          <a:xfrm>
+            <a:off x="3589197" y="2114162"/>
+            <a:ext cx="1965603" cy="400110"/>
+          </a:xfrm>
+          <a:prstGeom prst="rect">
+            <a:avLst/>
+          </a:prstGeom>
+          <a:noFill/>
+        </p:spPr>
+        <p:txBody>
+          <a:bodyPr wrap="none" rtlCol="0">
+            <a:spAutoFit/>
+          </a:bodyPr>
+          <a:lstStyle/>
+          <a:p>
+            <a:r>
+              <a:rPr lang="en-IT" sz="2000" dirty="0"/>
+              <a:t>Software house</a:t>
+            </a:r>
+          </a:p>
+        </p:txBody>
+      </p:sp>
+      <p:sp>
+        <p:nvSpPr>
+          <p:cNvPr id="9" name="TextBox 8">
+            <a:extLst>
+              <a:ext uri="{FF2B5EF4-FFF2-40B4-BE49-F238E27FC236}">
+                <a16:creationId xmlns:a16="http://schemas.microsoft.com/office/drawing/2014/main" id="{4927336B-8367-EA57-F759-68DDEBC4F50A}"/>
+              </a:ext>
+            </a:extLst>
+          </p:cNvPr>
+          <p:cNvSpPr txBox="1"/>
+          <p:nvPr/>
+        </p:nvSpPr>
+        <p:spPr>
+          <a:xfrm>
+            <a:off x="741305" y="2514272"/>
+            <a:ext cx="1010213" cy="400110"/>
+          </a:xfrm>
+          <a:prstGeom prst="rect">
+            <a:avLst/>
+          </a:prstGeom>
+          <a:noFill/>
+        </p:spPr>
+        <p:txBody>
+          <a:bodyPr wrap="none" rtlCol="0">
+            <a:spAutoFit/>
+          </a:bodyPr>
+          <a:lstStyle/>
+          <a:p>
+            <a:r>
+              <a:rPr lang="en-IT" sz="2000" dirty="0"/>
+              <a:t>Startup</a:t>
+            </a:r>
+          </a:p>
+        </p:txBody>
+      </p:sp>
+      <p:sp>
+        <p:nvSpPr>
+          <p:cNvPr id="10" name="TextBox 9">
+            <a:extLst>
+              <a:ext uri="{FF2B5EF4-FFF2-40B4-BE49-F238E27FC236}">
+                <a16:creationId xmlns:a16="http://schemas.microsoft.com/office/drawing/2014/main" id="{92D47591-FE47-28AB-8C5E-D4F6872856F3}"/>
+              </a:ext>
+            </a:extLst>
+          </p:cNvPr>
+          <p:cNvSpPr txBox="1"/>
+          <p:nvPr/>
+        </p:nvSpPr>
+        <p:spPr>
+          <a:xfrm>
+            <a:off x="7070442" y="2514272"/>
+            <a:ext cx="1398140" cy="400110"/>
+          </a:xfrm>
+          <a:prstGeom prst="rect">
+            <a:avLst/>
+          </a:prstGeom>
+          <a:noFill/>
+        </p:spPr>
+        <p:txBody>
+          <a:bodyPr wrap="none" rtlCol="0">
+            <a:spAutoFit/>
+          </a:bodyPr>
+          <a:lstStyle/>
+          <a:p>
+            <a:r>
+              <a:rPr lang="en-IT" sz="2000" dirty="0"/>
+              <a:t>Consuleza</a:t>
+            </a:r>
+          </a:p>
+        </p:txBody>
+      </p:sp>
+      <p:pic>
+        <p:nvPicPr>
+          <p:cNvPr id="19" name="Picture 18" descr="Icon&#10;&#10;Description automatically generated">
+            <a:extLst>
+              <a:ext uri="{FF2B5EF4-FFF2-40B4-BE49-F238E27FC236}">
+                <a16:creationId xmlns:a16="http://schemas.microsoft.com/office/drawing/2014/main" id="{9EC30336-115F-9A11-6F53-9535BE8BC393}"/>
+              </a:ext>
+            </a:extLst>
+          </p:cNvPr>
+          <p:cNvPicPr>
+            <a:picLocks noChangeAspect="1"/>
+          </p:cNvPicPr>
+          <p:nvPr/>
+        </p:nvPicPr>
+        <p:blipFill>
+          <a:blip r:embed="rId4"/>
+          <a:stretch>
+            <a:fillRect/>
+          </a:stretch>
+        </p:blipFill>
+        <p:spPr>
+          <a:xfrm>
+            <a:off x="7415785" y="1497030"/>
+            <a:ext cx="707455" cy="707455"/>
+          </a:xfrm>
+          <a:prstGeom prst="rect">
+            <a:avLst/>
+          </a:prstGeom>
+        </p:spPr>
+      </p:pic>
+      <p:pic>
+        <p:nvPicPr>
+          <p:cNvPr id="21" name="Picture 20" descr="Icon&#10;&#10;Description automatically generated">
+            <a:extLst>
+              <a:ext uri="{FF2B5EF4-FFF2-40B4-BE49-F238E27FC236}">
+                <a16:creationId xmlns:a16="http://schemas.microsoft.com/office/drawing/2014/main" id="{3219B02C-6CEA-FD9C-7677-553752A3A938}"/>
+              </a:ext>
+            </a:extLst>
+          </p:cNvPr>
+          <p:cNvPicPr>
+            <a:picLocks noChangeAspect="1"/>
+          </p:cNvPicPr>
+          <p:nvPr/>
+        </p:nvPicPr>
+        <p:blipFill>
+          <a:blip r:embed="rId5"/>
+          <a:stretch>
+            <a:fillRect/>
+          </a:stretch>
+        </p:blipFill>
+        <p:spPr>
+          <a:xfrm>
+            <a:off x="892685" y="1497030"/>
+            <a:ext cx="707455" cy="707455"/>
+          </a:xfrm>
+          <a:prstGeom prst="rect">
+            <a:avLst/>
+          </a:prstGeom>
+        </p:spPr>
+      </p:pic>
+      <p:pic>
+        <p:nvPicPr>
+          <p:cNvPr id="23" name="Picture 22" descr="Icon&#10;&#10;Description automatically generated">
+            <a:extLst>
+              <a:ext uri="{FF2B5EF4-FFF2-40B4-BE49-F238E27FC236}">
+                <a16:creationId xmlns:a16="http://schemas.microsoft.com/office/drawing/2014/main" id="{C8D7DE97-AB81-81A2-DBCC-F1D6FDA0F5EF}"/>
+              </a:ext>
+            </a:extLst>
+          </p:cNvPr>
+          <p:cNvPicPr>
+            <a:picLocks noChangeAspect="1"/>
+          </p:cNvPicPr>
+          <p:nvPr/>
+        </p:nvPicPr>
+        <p:blipFill>
+          <a:blip r:embed="rId6"/>
+          <a:stretch>
+            <a:fillRect/>
+          </a:stretch>
+        </p:blipFill>
+        <p:spPr>
+          <a:xfrm>
+            <a:off x="4218272" y="1143303"/>
+            <a:ext cx="707455" cy="707455"/>
+          </a:xfrm>
+          <a:prstGeom prst="rect">
+            <a:avLst/>
+          </a:prstGeom>
+        </p:spPr>
+      </p:pic>
+      <p:pic>
+        <p:nvPicPr>
+          <p:cNvPr id="25" name="Picture 24" descr="Icon&#10;&#10;Description automatically generated">
+            <a:extLst>
+              <a:ext uri="{FF2B5EF4-FFF2-40B4-BE49-F238E27FC236}">
+                <a16:creationId xmlns:a16="http://schemas.microsoft.com/office/drawing/2014/main" id="{C05C6167-35BE-9B51-F78D-6F6B611BE0AE}"/>
+              </a:ext>
+            </a:extLst>
+          </p:cNvPr>
+          <p:cNvPicPr>
+            <a:picLocks noChangeAspect="1"/>
+          </p:cNvPicPr>
+          <p:nvPr/>
+        </p:nvPicPr>
+        <p:blipFill>
+          <a:blip r:embed="rId7"/>
+          <a:stretch>
+            <a:fillRect/>
+          </a:stretch>
+        </p:blipFill>
+        <p:spPr>
+          <a:xfrm flipH="1">
+            <a:off x="1831949" y="5288535"/>
+            <a:ext cx="707455" cy="707455"/>
+          </a:xfrm>
+          <a:prstGeom prst="rect">
+            <a:avLst/>
+          </a:prstGeom>
+        </p:spPr>
+      </p:pic>
+      <p:pic>
+        <p:nvPicPr>
+          <p:cNvPr id="27" name="Picture 26" descr="Icon&#10;&#10;Description automatically generated">
+            <a:extLst>
+              <a:ext uri="{FF2B5EF4-FFF2-40B4-BE49-F238E27FC236}">
+                <a16:creationId xmlns:a16="http://schemas.microsoft.com/office/drawing/2014/main" id="{50B0886A-6767-1FEC-AEB8-4D45AB697040}"/>
+              </a:ext>
+            </a:extLst>
+          </p:cNvPr>
+          <p:cNvPicPr>
+            <a:picLocks noChangeAspect="1"/>
+          </p:cNvPicPr>
+          <p:nvPr/>
+        </p:nvPicPr>
+        <p:blipFill>
+          <a:blip r:embed="rId8"/>
+          <a:stretch>
+            <a:fillRect/>
+          </a:stretch>
+        </p:blipFill>
+        <p:spPr>
+          <a:xfrm>
+            <a:off x="7062057" y="5288535"/>
+            <a:ext cx="707455" cy="707455"/>
+          </a:xfrm>
+          <a:prstGeom prst="rect">
+            <a:avLst/>
+          </a:prstGeom>
+        </p:spPr>
+      </p:pic>
+      <p:sp>
+        <p:nvSpPr>
+          <p:cNvPr id="28" name="TextBox 27">
+            <a:extLst>
+              <a:ext uri="{FF2B5EF4-FFF2-40B4-BE49-F238E27FC236}">
+                <a16:creationId xmlns:a16="http://schemas.microsoft.com/office/drawing/2014/main" id="{4890039A-F6A9-6801-3161-B0D79CE557ED}"/>
+              </a:ext>
+            </a:extLst>
+          </p:cNvPr>
+          <p:cNvSpPr txBox="1"/>
+          <p:nvPr/>
+        </p:nvSpPr>
+        <p:spPr>
+          <a:xfrm>
+            <a:off x="6589275" y="4706121"/>
+            <a:ext cx="1653017" cy="400110"/>
+          </a:xfrm>
+          <a:prstGeom prst="rect">
+            <a:avLst/>
+          </a:prstGeom>
+          <a:noFill/>
+        </p:spPr>
+        <p:txBody>
+          <a:bodyPr wrap="none" rtlCol="0">
+            <a:spAutoFit/>
+          </a:bodyPr>
+          <a:lstStyle/>
+          <a:p>
+            <a:r>
+              <a:rPr lang="en-IT" sz="2000" dirty="0"/>
+              <a:t>Metodo agile</a:t>
+            </a:r>
+          </a:p>
+        </p:txBody>
+      </p:sp>
+      <p:sp>
+        <p:nvSpPr>
+          <p:cNvPr id="29" name="TextBox 28">
+            <a:extLst>
+              <a:ext uri="{FF2B5EF4-FFF2-40B4-BE49-F238E27FC236}">
+                <a16:creationId xmlns:a16="http://schemas.microsoft.com/office/drawing/2014/main" id="{2D756F64-5880-DA60-F181-3A829336831D}"/>
+              </a:ext>
+            </a:extLst>
+          </p:cNvPr>
+          <p:cNvSpPr txBox="1"/>
+          <p:nvPr/>
+        </p:nvSpPr>
+        <p:spPr>
+          <a:xfrm>
+            <a:off x="866977" y="4706121"/>
+            <a:ext cx="2722220" cy="400110"/>
+          </a:xfrm>
+          <a:prstGeom prst="rect">
+            <a:avLst/>
+          </a:prstGeom>
+          <a:noFill/>
+        </p:spPr>
+        <p:txBody>
+          <a:bodyPr wrap="none" rtlCol="0">
+            <a:spAutoFit/>
+          </a:bodyPr>
+          <a:lstStyle/>
+          <a:p>
+            <a:r>
+              <a:rPr lang="en-IT" sz="2000" dirty="0"/>
+              <a:t>Giovane e accogliente</a:t>
+            </a:r>
+          </a:p>
+        </p:txBody>
+      </p:sp>
+    </p:spTree>
+  </p:cSld>
+  <p:clrMapOvr>
+    <a:masterClrMapping/>
+  </p:clrMapOvr>
+</p:sld>
+</file>
+
+<file path=ppt/slides/slide3.xml><?xml version="1.0" encoding="utf-8"?>
+<p:sld xmlns:a="http://schemas.openxmlformats.org/drawingml/2006/main" xmlns:r="http://schemas.openxmlformats.org/officeDocument/2006/relationships" xmlns:p="http://schemas.openxmlformats.org/presentationml/2006/main">
+  <p:cSld>
+    <p:spTree>
+      <p:nvGrpSpPr>
+        <p:cNvPr id="1" name="Shape 98"/>
+        <p:cNvGrpSpPr/>
+        <p:nvPr/>
+      </p:nvGrpSpPr>
+      <p:grpSpPr>
+        <a:xfrm>
+          <a:off x="0" y="0"/>
+          <a:ext cx="0" cy="0"/>
+          <a:chOff x="0" y="0"/>
+          <a:chExt cx="0" cy="0"/>
+        </a:xfrm>
+      </p:grpSpPr>
+      <p:sp>
+        <p:nvSpPr>
+          <p:cNvPr id="99" name="Shape 99"/>
+          <p:cNvSpPr txBox="1">
+            <a:spLocks noGrp="1"/>
+          </p:cNvSpPr>
+          <p:nvPr>
+            <p:ph type="title" idx="4294967295"/>
+          </p:nvPr>
+        </p:nvSpPr>
+        <p:spPr>
+          <a:xfrm>
+            <a:off x="457200" y="-1"/>
+            <a:ext cx="5213100" cy="707455"/>
+          </a:xfrm>
+          <a:prstGeom prst="rect">
+            <a:avLst/>
+          </a:prstGeom>
+        </p:spPr>
+        <p:txBody>
+          <a:bodyPr spcFirstLastPara="1" wrap="square" lIns="82925" tIns="82925" rIns="82925" bIns="82925" anchor="ctr" anchorCtr="0">
+            <a:noAutofit/>
+          </a:bodyPr>
+          <a:lstStyle/>
+          <a:p>
+            <a:pPr marL="0" lvl="0" indent="0" rtl="0">
+              <a:spcBef>
+                <a:spcPts val="0"/>
+              </a:spcBef>
+              <a:spcAft>
+                <a:spcPts val="0"/>
+              </a:spcAft>
+              <a:buNone/>
+            </a:pPr>
+            <a:r>
+              <a:rPr lang="en-US" sz="3000" dirty="0">
+                <a:solidFill>
+                  <a:srgbClr val="FFFFFF"/>
+                </a:solidFill>
+              </a:rPr>
+              <a:t>Progetto</a:t>
+            </a:r>
+            <a:endParaRPr sz="3000" dirty="0">
+              <a:solidFill>
+                <a:srgbClr val="FFFFFF"/>
+              </a:solidFill>
+            </a:endParaRPr>
+          </a:p>
+        </p:txBody>
+      </p:sp>
+      <p:sp>
+        <p:nvSpPr>
+          <p:cNvPr id="101" name="Shape 101"/>
+          <p:cNvSpPr/>
+          <p:nvPr/>
+        </p:nvSpPr>
+        <p:spPr>
+          <a:xfrm>
+            <a:off x="6901544" y="6396100"/>
+            <a:ext cx="2242456" cy="378300"/>
+          </a:xfrm>
+          <a:prstGeom prst="rect">
+            <a:avLst/>
+          </a:prstGeom>
+          <a:solidFill>
+            <a:srgbClr val="9B0014"/>
+          </a:solidFill>
+          <a:ln>
+            <a:noFill/>
+          </a:ln>
+        </p:spPr>
+        <p:txBody>
+          <a:bodyPr spcFirstLastPara="1" wrap="square" lIns="91425" tIns="91425" rIns="91425" bIns="91425" anchor="ctr" anchorCtr="0">
+            <a:noAutofit/>
+          </a:bodyPr>
+          <a:lstStyle/>
+          <a:p>
+            <a:pPr marL="0" lvl="0" indent="0" algn="ctr">
+              <a:spcBef>
+                <a:spcPts val="0"/>
+              </a:spcBef>
+              <a:spcAft>
+                <a:spcPts val="0"/>
+              </a:spcAft>
+              <a:buNone/>
+            </a:pPr>
+            <a:r>
+              <a:rPr lang="en-US" dirty="0">
+                <a:solidFill>
+                  <a:srgbClr val="FF9696"/>
+                </a:solidFill>
+              </a:rPr>
+              <a:t>X di Y</a:t>
+            </a:r>
+            <a:endParaRPr dirty="0">
+              <a:solidFill>
+                <a:srgbClr val="FF9696"/>
+              </a:solidFill>
+            </a:endParaRPr>
+          </a:p>
+        </p:txBody>
+      </p:sp>
+      <p:pic>
+        <p:nvPicPr>
+          <p:cNvPr id="4" name="Picture 3" descr="A picture containing text, sign, gauge&#10;&#10;Description automatically generated">
+            <a:extLst>
+              <a:ext uri="{FF2B5EF4-FFF2-40B4-BE49-F238E27FC236}">
+                <a16:creationId xmlns:a16="http://schemas.microsoft.com/office/drawing/2014/main" id="{30EC4891-99AD-39DF-FE8B-3730F271D5D6}"/>
+              </a:ext>
+            </a:extLst>
+          </p:cNvPr>
+          <p:cNvPicPr>
+            <a:picLocks noChangeAspect="1"/>
+          </p:cNvPicPr>
+          <p:nvPr/>
+        </p:nvPicPr>
+        <p:blipFill>
+          <a:blip r:embed="rId3"/>
+          <a:stretch>
+            <a:fillRect/>
+          </a:stretch>
+        </p:blipFill>
+        <p:spPr>
+          <a:xfrm>
+            <a:off x="2131280" y="1386349"/>
+            <a:ext cx="4881440" cy="707455"/>
+          </a:xfrm>
+          <a:prstGeom prst="rect">
+            <a:avLst/>
+          </a:prstGeom>
+        </p:spPr>
+      </p:pic>
+      <p:sp>
+        <p:nvSpPr>
+          <p:cNvPr id="7" name="Shape 173">
+            <a:extLst>
+              <a:ext uri="{FF2B5EF4-FFF2-40B4-BE49-F238E27FC236}">
+                <a16:creationId xmlns:a16="http://schemas.microsoft.com/office/drawing/2014/main" id="{4E6DAD06-6803-BA81-CB34-20F976BE723F}"/>
+              </a:ext>
+            </a:extLst>
+          </p:cNvPr>
+          <p:cNvSpPr txBox="1">
+            <a:spLocks/>
+          </p:cNvSpPr>
+          <p:nvPr/>
+        </p:nvSpPr>
+        <p:spPr>
+          <a:xfrm>
+            <a:off x="259895" y="3122363"/>
+            <a:ext cx="4671334" cy="2004808"/>
+          </a:xfrm>
+          <a:prstGeom prst="rect">
+            <a:avLst/>
+          </a:prstGeom>
+          <a:noFill/>
+          <a:ln>
+            <a:noFill/>
+          </a:ln>
+        </p:spPr>
+        <p:txBody>
+          <a:bodyPr spcFirstLastPara="1" wrap="square" lIns="82925" tIns="82925" rIns="82925" bIns="82925" anchor="t" anchorCtr="0">
+            <a:noAutofit/>
+          </a:bodyPr>
+          <a:lstStyle>
+            <a:defPPr marR="0" lvl="0" algn="l" rtl="0">
+              <a:lnSpc>
+                <a:spcPct val="100000"/>
+              </a:lnSpc>
+              <a:spcBef>
+                <a:spcPts val="0"/>
+              </a:spcBef>
+              <a:spcAft>
+                <a:spcPts val="0"/>
+              </a:spcAft>
+            </a:defPPr>
+            <a:lvl1pPr marL="457200" marR="0" lvl="0" indent="-311150" algn="l" rtl="0" eaLnBrk="1" hangingPunct="1">
+              <a:lnSpc>
+                <a:spcPct val="93000"/>
+              </a:lnSpc>
+              <a:spcBef>
+                <a:spcPts val="0"/>
+              </a:spcBef>
+              <a:spcAft>
+                <a:spcPts val="0"/>
+              </a:spcAft>
+              <a:buSzPts val="1300"/>
+              <a:buChar char="●"/>
+              <a:defRPr sz="1300" b="0" i="0" u="none" strike="noStrike" cap="none">
+                <a:solidFill>
+                  <a:srgbClr val="000000"/>
+                </a:solidFill>
+                <a:latin typeface="Arial"/>
+                <a:ea typeface="Arial"/>
+                <a:cs typeface="Arial"/>
+                <a:sym typeface="Arial"/>
+              </a:defRPr>
+            </a:lvl1pPr>
+            <a:lvl2pPr marL="914400" marR="0" lvl="1" indent="-311150" algn="l" rtl="0" eaLnBrk="1" hangingPunct="1">
+              <a:lnSpc>
+                <a:spcPct val="93000"/>
+              </a:lnSpc>
+              <a:spcBef>
+                <a:spcPts val="1300"/>
+              </a:spcBef>
+              <a:spcAft>
+                <a:spcPts val="0"/>
+              </a:spcAft>
+              <a:buSzPts val="1300"/>
+              <a:buChar char="○"/>
+              <a:defRPr sz="1300" b="0" i="0" u="none" strike="noStrike" cap="none">
+                <a:solidFill>
+                  <a:srgbClr val="000000"/>
+                </a:solidFill>
+                <a:latin typeface="Arial"/>
+                <a:ea typeface="Arial"/>
+                <a:cs typeface="Arial"/>
+                <a:sym typeface="Arial"/>
+              </a:defRPr>
+            </a:lvl2pPr>
+            <a:lvl3pPr marL="1371600" marR="0" lvl="2" indent="-311150" algn="l" rtl="0" eaLnBrk="1" hangingPunct="1">
+              <a:lnSpc>
+                <a:spcPct val="93000"/>
+              </a:lnSpc>
+              <a:spcBef>
+                <a:spcPts val="1000"/>
+              </a:spcBef>
+              <a:spcAft>
+                <a:spcPts val="0"/>
+              </a:spcAft>
+              <a:buSzPts val="1300"/>
+              <a:buChar char="■"/>
+              <a:defRPr sz="1300" b="0" i="0" u="none" strike="noStrike" cap="none">
+                <a:solidFill>
+                  <a:srgbClr val="000000"/>
+                </a:solidFill>
+                <a:latin typeface="Arial"/>
+                <a:ea typeface="Arial"/>
+                <a:cs typeface="Arial"/>
+                <a:sym typeface="Arial"/>
+              </a:defRPr>
+            </a:lvl3pPr>
+            <a:lvl4pPr marL="1828800" marR="0" lvl="3" indent="-311150" algn="l" rtl="0" eaLnBrk="1" hangingPunct="1">
+              <a:lnSpc>
+                <a:spcPct val="93000"/>
+              </a:lnSpc>
+              <a:spcBef>
+                <a:spcPts val="700"/>
+              </a:spcBef>
+              <a:spcAft>
+                <a:spcPts val="0"/>
+              </a:spcAft>
+              <a:buSzPts val="1300"/>
+              <a:buChar char="●"/>
+              <a:defRPr sz="1300" b="0" i="0" u="none" strike="noStrike" cap="none">
+                <a:solidFill>
+                  <a:srgbClr val="000000"/>
+                </a:solidFill>
+                <a:latin typeface="Arial"/>
+                <a:ea typeface="Arial"/>
+                <a:cs typeface="Arial"/>
+                <a:sym typeface="Arial"/>
+              </a:defRPr>
+            </a:lvl4pPr>
+            <a:lvl5pPr marL="2286000" marR="0" lvl="4" indent="-311150" algn="l" rtl="0" eaLnBrk="1" hangingPunct="1">
+              <a:lnSpc>
+                <a:spcPct val="93000"/>
+              </a:lnSpc>
+              <a:spcBef>
+                <a:spcPts val="500"/>
+              </a:spcBef>
+              <a:spcAft>
+                <a:spcPts val="0"/>
+              </a:spcAft>
+              <a:buSzPts val="1300"/>
+              <a:buChar char="○"/>
+              <a:defRPr sz="1300" b="0" i="0" u="none" strike="noStrike" cap="none">
+                <a:solidFill>
+                  <a:srgbClr val="000000"/>
+                </a:solidFill>
+                <a:latin typeface="Arial"/>
+                <a:ea typeface="Arial"/>
+                <a:cs typeface="Arial"/>
+                <a:sym typeface="Arial"/>
+              </a:defRPr>
+            </a:lvl5pPr>
+            <a:lvl6pPr marL="2743200" marR="0" lvl="5" indent="-311150" algn="l" rtl="0" eaLnBrk="1" hangingPunct="1">
+              <a:lnSpc>
+                <a:spcPct val="93000"/>
+              </a:lnSpc>
+              <a:spcBef>
+                <a:spcPts val="200"/>
+              </a:spcBef>
+              <a:spcAft>
+                <a:spcPts val="0"/>
+              </a:spcAft>
+              <a:buSzPts val="1300"/>
+              <a:buChar char="■"/>
+              <a:defRPr sz="1300" b="0" i="0" u="none" strike="noStrike" cap="none">
+                <a:solidFill>
+                  <a:srgbClr val="000000"/>
+                </a:solidFill>
+                <a:latin typeface="Arial"/>
+                <a:ea typeface="Arial"/>
+                <a:cs typeface="Arial"/>
+                <a:sym typeface="Arial"/>
+              </a:defRPr>
+            </a:lvl6pPr>
+            <a:lvl7pPr marL="3200400" marR="0" lvl="6" indent="-311150" algn="l" rtl="0" eaLnBrk="1" hangingPunct="1">
+              <a:lnSpc>
+                <a:spcPct val="93000"/>
+              </a:lnSpc>
+              <a:spcBef>
+                <a:spcPts val="200"/>
+              </a:spcBef>
+              <a:spcAft>
+                <a:spcPts val="0"/>
+              </a:spcAft>
+              <a:buSzPts val="1300"/>
+              <a:buChar char="●"/>
+              <a:defRPr sz="1300" b="0" i="0" u="none" strike="noStrike" cap="none">
+                <a:solidFill>
+                  <a:srgbClr val="000000"/>
+                </a:solidFill>
+                <a:latin typeface="Arial"/>
+                <a:ea typeface="Arial"/>
+                <a:cs typeface="Arial"/>
+                <a:sym typeface="Arial"/>
+              </a:defRPr>
+            </a:lvl7pPr>
+            <a:lvl8pPr marL="3657600" marR="0" lvl="7" indent="-311150" algn="l" rtl="0" eaLnBrk="1" hangingPunct="1">
+              <a:lnSpc>
+                <a:spcPct val="93000"/>
+              </a:lnSpc>
+              <a:spcBef>
+                <a:spcPts val="200"/>
+              </a:spcBef>
+              <a:spcAft>
+                <a:spcPts val="0"/>
+              </a:spcAft>
+              <a:buSzPts val="1300"/>
+              <a:buChar char="○"/>
+              <a:defRPr sz="1300" b="0" i="0" u="none" strike="noStrike" cap="none">
+                <a:solidFill>
+                  <a:srgbClr val="000000"/>
+                </a:solidFill>
+                <a:latin typeface="Arial"/>
+                <a:ea typeface="Arial"/>
+                <a:cs typeface="Arial"/>
+                <a:sym typeface="Arial"/>
+              </a:defRPr>
+            </a:lvl8pPr>
+            <a:lvl9pPr marL="4114800" marR="0" lvl="8" indent="-311150" algn="l" rtl="0" eaLnBrk="1" hangingPunct="1">
+              <a:lnSpc>
+                <a:spcPct val="93000"/>
+              </a:lnSpc>
+              <a:spcBef>
+                <a:spcPts val="200"/>
+              </a:spcBef>
+              <a:spcAft>
+                <a:spcPts val="200"/>
+              </a:spcAft>
+              <a:buSzPts val="1300"/>
+              <a:buChar char="■"/>
+              <a:defRPr sz="1300" b="0" i="0" u="none" strike="noStrike" cap="none">
+                <a:solidFill>
+                  <a:srgbClr val="000000"/>
+                </a:solidFill>
+                <a:latin typeface="Arial"/>
+                <a:ea typeface="Arial"/>
+                <a:cs typeface="Arial"/>
+                <a:sym typeface="Arial"/>
+              </a:defRPr>
+            </a:lvl9pPr>
+          </a:lstStyle>
+          <a:p>
+            <a:pPr indent="-381000">
+              <a:lnSpc>
+                <a:spcPct val="115000"/>
+              </a:lnSpc>
+              <a:buClr>
+                <a:srgbClr val="9B0014"/>
+              </a:buClr>
+              <a:buSzPts val="2400"/>
+            </a:pPr>
+            <a:r>
+              <a:rPr lang="en-US" sz="2000" dirty="0" err="1"/>
+              <a:t>Applicazione</a:t>
+            </a:r>
+            <a:r>
+              <a:rPr lang="en-US" sz="2000" dirty="0"/>
+              <a:t> web</a:t>
+            </a:r>
+          </a:p>
+          <a:p>
+            <a:pPr indent="-381000">
+              <a:lnSpc>
+                <a:spcPct val="115000"/>
+              </a:lnSpc>
+              <a:buClr>
+                <a:srgbClr val="9B0014"/>
+              </a:buClr>
+              <a:buSzPts val="2400"/>
+            </a:pPr>
+            <a:r>
+              <a:rPr lang="en-US" sz="2000" dirty="0" err="1"/>
+              <a:t>Programmazione</a:t>
+            </a:r>
+            <a:r>
+              <a:rPr lang="en-US" sz="2000" dirty="0"/>
+              <a:t> e </a:t>
+            </a:r>
+            <a:r>
+              <a:rPr lang="en-US" sz="2000" dirty="0" err="1"/>
+              <a:t>gestione</a:t>
+            </a:r>
+            <a:r>
+              <a:rPr lang="en-US" sz="2000" dirty="0"/>
+              <a:t> di </a:t>
+            </a:r>
+            <a:r>
+              <a:rPr lang="en-US" sz="2000" dirty="0" err="1"/>
+              <a:t>eventi</a:t>
+            </a:r>
+            <a:endParaRPr lang="en-US" sz="2000" dirty="0"/>
+          </a:p>
+          <a:p>
+            <a:pPr indent="-381000">
+              <a:lnSpc>
+                <a:spcPct val="115000"/>
+              </a:lnSpc>
+              <a:buClr>
+                <a:srgbClr val="9B0014"/>
+              </a:buClr>
+              <a:buSzPts val="2400"/>
+            </a:pPr>
+            <a:r>
+              <a:rPr lang="en-US" sz="2000" dirty="0" err="1"/>
+              <a:t>Amministrazione</a:t>
+            </a:r>
+            <a:r>
+              <a:rPr lang="en-US" sz="2000" dirty="0"/>
+              <a:t> del Sistema</a:t>
+            </a:r>
+          </a:p>
+          <a:p>
+            <a:pPr indent="-381000">
+              <a:lnSpc>
+                <a:spcPct val="115000"/>
+              </a:lnSpc>
+              <a:buClr>
+                <a:srgbClr val="9B0014"/>
+              </a:buClr>
+              <a:buSzPts val="2400"/>
+            </a:pPr>
+            <a:r>
+              <a:rPr lang="en-US" sz="2000" dirty="0"/>
+              <a:t>Multi-tenant</a:t>
+            </a:r>
+          </a:p>
+        </p:txBody>
+      </p:sp>
+      <p:pic>
+        <p:nvPicPr>
+          <p:cNvPr id="18" name="Picture 17" descr="Icon&#10;&#10;Description automatically generated">
+            <a:extLst>
+              <a:ext uri="{FF2B5EF4-FFF2-40B4-BE49-F238E27FC236}">
+                <a16:creationId xmlns:a16="http://schemas.microsoft.com/office/drawing/2014/main" id="{A3223970-0DEB-3CAD-FF8C-61CE8FBFDF07}"/>
+              </a:ext>
+            </a:extLst>
+          </p:cNvPr>
+          <p:cNvPicPr>
+            <a:picLocks noChangeAspect="1"/>
+          </p:cNvPicPr>
+          <p:nvPr/>
+        </p:nvPicPr>
+        <p:blipFill>
+          <a:blip r:embed="rId4"/>
+          <a:stretch>
+            <a:fillRect/>
+          </a:stretch>
+        </p:blipFill>
+        <p:spPr>
+          <a:xfrm>
+            <a:off x="6901544" y="3310330"/>
+            <a:ext cx="1197428" cy="1197428"/>
+          </a:xfrm>
+          <a:prstGeom prst="rect">
+            <a:avLst/>
+          </a:prstGeom>
+        </p:spPr>
+      </p:pic>
+      <p:sp>
+        <p:nvSpPr>
+          <p:cNvPr id="20" name="Right Arrow 19">
+            <a:extLst>
+              <a:ext uri="{FF2B5EF4-FFF2-40B4-BE49-F238E27FC236}">
+                <a16:creationId xmlns:a16="http://schemas.microsoft.com/office/drawing/2014/main" id="{E702CB1B-951D-9912-87C8-5578A23F1DDE}"/>
+              </a:ext>
+            </a:extLst>
+          </p:cNvPr>
+          <p:cNvSpPr/>
+          <p:nvPr/>
+        </p:nvSpPr>
+        <p:spPr>
+          <a:xfrm>
+            <a:off x="4778829" y="3788229"/>
+            <a:ext cx="1611086" cy="336538"/>
+          </a:xfrm>
+          <a:prstGeom prst="rightArrow">
+            <a:avLst/>
+          </a:prstGeom>
+          <a:solidFill>
+            <a:srgbClr val="C00000"/>
+          </a:solidFill>
+          <a:ln>
+            <a:solidFill>
+              <a:srgbClr val="880000"/>
+            </a:solidFill>
+          </a:ln>
+        </p:spPr>
+        <p:style>
+          <a:lnRef idx="2">
+            <a:schemeClr val="accent1">
+              <a:shade val="50000"/>
+            </a:schemeClr>
+          </a:lnRef>
+          <a:fillRef idx="1">
+            <a:schemeClr val="accent1"/>
+          </a:fillRef>
+          <a:effectRef idx="0">
+            <a:schemeClr val="accent1"/>
+          </a:effectRef>
+          <a:fontRef idx="minor">
+            <a:schemeClr val="lt1"/>
+          </a:fontRef>
+        </p:style>
+        <p:txBody>
+          <a:bodyPr rtlCol="0" anchor="ctr"/>
+          <a:lstStyle/>
+          <a:p>
+            <a:pPr algn="ctr"/>
+            <a:endParaRPr lang="en-IT">
+              <a:solidFill>
+                <a:srgbClr val="FF9696"/>
+              </a:solidFill>
+            </a:endParaRPr>
+          </a:p>
+        </p:txBody>
+      </p:sp>
+    </p:spTree>
+    <p:extLst>
+      <p:ext uri="{BB962C8B-B14F-4D97-AF65-F5344CB8AC3E}">
+        <p14:creationId xmlns:p14="http://schemas.microsoft.com/office/powerpoint/2010/main" val="2745266474"/>
+      </p:ext>
+    </p:extLst>
+  </p:cSld>
+  <p:clrMapOvr>
+    <a:masterClrMapping/>
+  </p:clrMapOvr>
+</p:sld>
+</file>
+
+<file path=ppt/slides/slide4.xml><?xml version="1.0" encoding="utf-8"?>
+<p:sld xmlns:a="http://schemas.openxmlformats.org/drawingml/2006/main" xmlns:r="http://schemas.openxmlformats.org/officeDocument/2006/relationships" xmlns:p="http://schemas.openxmlformats.org/presentationml/2006/main">
+  <p:cSld>
+    <p:spTree>
+      <p:nvGrpSpPr>
+        <p:cNvPr id="1" name="Shape 98"/>
+        <p:cNvGrpSpPr/>
+        <p:nvPr/>
+      </p:nvGrpSpPr>
+      <p:grpSpPr>
+        <a:xfrm>
+          <a:off x="0" y="0"/>
+          <a:ext cx="0" cy="0"/>
+          <a:chOff x="0" y="0"/>
+          <a:chExt cx="0" cy="0"/>
+        </a:xfrm>
+      </p:grpSpPr>
+      <p:sp>
+        <p:nvSpPr>
+          <p:cNvPr id="99" name="Shape 99"/>
+          <p:cNvSpPr txBox="1">
+            <a:spLocks noGrp="1"/>
+          </p:cNvSpPr>
+          <p:nvPr>
+            <p:ph type="title" idx="4294967295"/>
+          </p:nvPr>
+        </p:nvSpPr>
+        <p:spPr>
+          <a:xfrm>
+            <a:off x="457200" y="-1"/>
+            <a:ext cx="5213100" cy="707455"/>
+          </a:xfrm>
+          <a:prstGeom prst="rect">
+            <a:avLst/>
+          </a:prstGeom>
+        </p:spPr>
+        <p:txBody>
+          <a:bodyPr spcFirstLastPara="1" wrap="square" lIns="82925" tIns="82925" rIns="82925" bIns="82925" anchor="ctr" anchorCtr="0">
+            <a:noAutofit/>
+          </a:bodyPr>
+          <a:lstStyle/>
+          <a:p>
+            <a:pPr marL="0" lvl="0" indent="0" rtl="0">
+              <a:spcBef>
+                <a:spcPts val="0"/>
+              </a:spcBef>
+              <a:spcAft>
+                <a:spcPts val="0"/>
+              </a:spcAft>
+              <a:buNone/>
+            </a:pPr>
+            <a:r>
+              <a:rPr lang="en-US" sz="3000" dirty="0">
+                <a:solidFill>
+                  <a:srgbClr val="FFFFFF"/>
+                </a:solidFill>
+              </a:rPr>
+              <a:t>Progetto</a:t>
+            </a:r>
+            <a:endParaRPr sz="3000" dirty="0">
+              <a:solidFill>
+                <a:srgbClr val="FFFFFF"/>
+              </a:solidFill>
+            </a:endParaRPr>
+          </a:p>
+        </p:txBody>
+      </p:sp>
+      <p:sp>
+        <p:nvSpPr>
+          <p:cNvPr id="101" name="Shape 101"/>
+          <p:cNvSpPr/>
+          <p:nvPr/>
+        </p:nvSpPr>
+        <p:spPr>
+          <a:xfrm>
+            <a:off x="6901544" y="6396100"/>
+            <a:ext cx="2242456" cy="378300"/>
+          </a:xfrm>
+          <a:prstGeom prst="rect">
+            <a:avLst/>
+          </a:prstGeom>
+          <a:solidFill>
+            <a:srgbClr val="9B0014"/>
+          </a:solidFill>
+          <a:ln>
+            <a:noFill/>
+          </a:ln>
+        </p:spPr>
+        <p:txBody>
+          <a:bodyPr spcFirstLastPara="1" wrap="square" lIns="91425" tIns="91425" rIns="91425" bIns="91425" anchor="ctr" anchorCtr="0">
+            <a:noAutofit/>
+          </a:bodyPr>
+          <a:lstStyle/>
+          <a:p>
+            <a:pPr marL="0" lvl="0" indent="0" algn="ctr">
+              <a:spcBef>
+                <a:spcPts val="0"/>
+              </a:spcBef>
+              <a:spcAft>
+                <a:spcPts val="0"/>
+              </a:spcAft>
+              <a:buNone/>
+            </a:pPr>
+            <a:r>
+              <a:rPr lang="en-US" dirty="0">
+                <a:solidFill>
+                  <a:srgbClr val="FF9696"/>
+                </a:solidFill>
+              </a:rPr>
+              <a:t>X di Y</a:t>
+            </a:r>
+            <a:endParaRPr dirty="0">
+              <a:solidFill>
+                <a:srgbClr val="FF9696"/>
+              </a:solidFill>
+            </a:endParaRPr>
+          </a:p>
+        </p:txBody>
+      </p:sp>
+      <p:sp>
+        <p:nvSpPr>
+          <p:cNvPr id="7" name="Shape 173">
+            <a:extLst>
+              <a:ext uri="{FF2B5EF4-FFF2-40B4-BE49-F238E27FC236}">
+                <a16:creationId xmlns:a16="http://schemas.microsoft.com/office/drawing/2014/main" id="{4E6DAD06-6803-BA81-CB34-20F976BE723F}"/>
+              </a:ext>
+            </a:extLst>
+          </p:cNvPr>
+          <p:cNvSpPr txBox="1">
+            <a:spLocks/>
+          </p:cNvSpPr>
+          <p:nvPr/>
+        </p:nvSpPr>
+        <p:spPr>
+          <a:xfrm>
+            <a:off x="2185308" y="5602759"/>
+            <a:ext cx="4773384" cy="545732"/>
+          </a:xfrm>
+          <a:prstGeom prst="rect">
+            <a:avLst/>
+          </a:prstGeom>
+          <a:noFill/>
+          <a:ln>
+            <a:noFill/>
+          </a:ln>
+        </p:spPr>
+        <p:txBody>
+          <a:bodyPr spcFirstLastPara="1" wrap="square" lIns="82925" tIns="82925" rIns="82925" bIns="82925" anchor="t" anchorCtr="0">
+            <a:noAutofit/>
+          </a:bodyPr>
+          <a:lstStyle>
+            <a:defPPr marR="0" lvl="0" algn="l" rtl="0">
+              <a:lnSpc>
+                <a:spcPct val="100000"/>
+              </a:lnSpc>
+              <a:spcBef>
+                <a:spcPts val="0"/>
+              </a:spcBef>
+              <a:spcAft>
+                <a:spcPts val="0"/>
+              </a:spcAft>
+            </a:defPPr>
+            <a:lvl1pPr marL="457200" marR="0" lvl="0" indent="-311150" algn="l" rtl="0" eaLnBrk="1" hangingPunct="1">
+              <a:lnSpc>
+                <a:spcPct val="93000"/>
+              </a:lnSpc>
+              <a:spcBef>
+                <a:spcPts val="0"/>
+              </a:spcBef>
+              <a:spcAft>
+                <a:spcPts val="0"/>
+              </a:spcAft>
+              <a:buSzPts val="1300"/>
+              <a:buChar char="●"/>
+              <a:defRPr sz="1300" b="0" i="0" u="none" strike="noStrike" cap="none">
+                <a:solidFill>
+                  <a:srgbClr val="000000"/>
+                </a:solidFill>
+                <a:latin typeface="Arial"/>
+                <a:ea typeface="Arial"/>
+                <a:cs typeface="Arial"/>
+                <a:sym typeface="Arial"/>
+              </a:defRPr>
+            </a:lvl1pPr>
+            <a:lvl2pPr marL="914400" marR="0" lvl="1" indent="-311150" algn="l" rtl="0" eaLnBrk="1" hangingPunct="1">
+              <a:lnSpc>
+                <a:spcPct val="93000"/>
+              </a:lnSpc>
+              <a:spcBef>
+                <a:spcPts val="1300"/>
+              </a:spcBef>
+              <a:spcAft>
+                <a:spcPts val="0"/>
+              </a:spcAft>
+              <a:buSzPts val="1300"/>
+              <a:buChar char="○"/>
+              <a:defRPr sz="1300" b="0" i="0" u="none" strike="noStrike" cap="none">
+                <a:solidFill>
+                  <a:srgbClr val="000000"/>
+                </a:solidFill>
+                <a:latin typeface="Arial"/>
+                <a:ea typeface="Arial"/>
+                <a:cs typeface="Arial"/>
+                <a:sym typeface="Arial"/>
+              </a:defRPr>
+            </a:lvl2pPr>
+            <a:lvl3pPr marL="1371600" marR="0" lvl="2" indent="-311150" algn="l" rtl="0" eaLnBrk="1" hangingPunct="1">
+              <a:lnSpc>
+                <a:spcPct val="93000"/>
+              </a:lnSpc>
+              <a:spcBef>
+                <a:spcPts val="1000"/>
+              </a:spcBef>
+              <a:spcAft>
+                <a:spcPts val="0"/>
+              </a:spcAft>
+              <a:buSzPts val="1300"/>
+              <a:buChar char="■"/>
+              <a:defRPr sz="1300" b="0" i="0" u="none" strike="noStrike" cap="none">
+                <a:solidFill>
+                  <a:srgbClr val="000000"/>
+                </a:solidFill>
+                <a:latin typeface="Arial"/>
+                <a:ea typeface="Arial"/>
+                <a:cs typeface="Arial"/>
+                <a:sym typeface="Arial"/>
+              </a:defRPr>
+            </a:lvl3pPr>
+            <a:lvl4pPr marL="1828800" marR="0" lvl="3" indent="-311150" algn="l" rtl="0" eaLnBrk="1" hangingPunct="1">
+              <a:lnSpc>
+                <a:spcPct val="93000"/>
+              </a:lnSpc>
+              <a:spcBef>
+                <a:spcPts val="700"/>
+              </a:spcBef>
+              <a:spcAft>
+                <a:spcPts val="0"/>
+              </a:spcAft>
+              <a:buSzPts val="1300"/>
+              <a:buChar char="●"/>
+              <a:defRPr sz="1300" b="0" i="0" u="none" strike="noStrike" cap="none">
+                <a:solidFill>
+                  <a:srgbClr val="000000"/>
+                </a:solidFill>
+                <a:latin typeface="Arial"/>
+                <a:ea typeface="Arial"/>
+                <a:cs typeface="Arial"/>
+                <a:sym typeface="Arial"/>
+              </a:defRPr>
+            </a:lvl4pPr>
+            <a:lvl5pPr marL="2286000" marR="0" lvl="4" indent="-311150" algn="l" rtl="0" eaLnBrk="1" hangingPunct="1">
+              <a:lnSpc>
+                <a:spcPct val="93000"/>
+              </a:lnSpc>
+              <a:spcBef>
+                <a:spcPts val="500"/>
+              </a:spcBef>
+              <a:spcAft>
+                <a:spcPts val="0"/>
+              </a:spcAft>
+              <a:buSzPts val="1300"/>
+              <a:buChar char="○"/>
+              <a:defRPr sz="1300" b="0" i="0" u="none" strike="noStrike" cap="none">
+                <a:solidFill>
+                  <a:srgbClr val="000000"/>
+                </a:solidFill>
+                <a:latin typeface="Arial"/>
+                <a:ea typeface="Arial"/>
+                <a:cs typeface="Arial"/>
+                <a:sym typeface="Arial"/>
+              </a:defRPr>
+            </a:lvl5pPr>
+            <a:lvl6pPr marL="2743200" marR="0" lvl="5" indent="-311150" algn="l" rtl="0" eaLnBrk="1" hangingPunct="1">
+              <a:lnSpc>
+                <a:spcPct val="93000"/>
+              </a:lnSpc>
+              <a:spcBef>
+                <a:spcPts val="200"/>
+              </a:spcBef>
+              <a:spcAft>
+                <a:spcPts val="0"/>
+              </a:spcAft>
+              <a:buSzPts val="1300"/>
+              <a:buChar char="■"/>
+              <a:defRPr sz="1300" b="0" i="0" u="none" strike="noStrike" cap="none">
+                <a:solidFill>
+                  <a:srgbClr val="000000"/>
+                </a:solidFill>
+                <a:latin typeface="Arial"/>
+                <a:ea typeface="Arial"/>
+                <a:cs typeface="Arial"/>
+                <a:sym typeface="Arial"/>
+              </a:defRPr>
+            </a:lvl6pPr>
+            <a:lvl7pPr marL="3200400" marR="0" lvl="6" indent="-311150" algn="l" rtl="0" eaLnBrk="1" hangingPunct="1">
+              <a:lnSpc>
+                <a:spcPct val="93000"/>
+              </a:lnSpc>
+              <a:spcBef>
+                <a:spcPts val="200"/>
+              </a:spcBef>
+              <a:spcAft>
+                <a:spcPts val="0"/>
+              </a:spcAft>
+              <a:buSzPts val="1300"/>
+              <a:buChar char="●"/>
+              <a:defRPr sz="1300" b="0" i="0" u="none" strike="noStrike" cap="none">
+                <a:solidFill>
+                  <a:srgbClr val="000000"/>
+                </a:solidFill>
+                <a:latin typeface="Arial"/>
+                <a:ea typeface="Arial"/>
+                <a:cs typeface="Arial"/>
+                <a:sym typeface="Arial"/>
+              </a:defRPr>
+            </a:lvl7pPr>
+            <a:lvl8pPr marL="3657600" marR="0" lvl="7" indent="-311150" algn="l" rtl="0" eaLnBrk="1" hangingPunct="1">
+              <a:lnSpc>
+                <a:spcPct val="93000"/>
+              </a:lnSpc>
+              <a:spcBef>
+                <a:spcPts val="200"/>
+              </a:spcBef>
+              <a:spcAft>
+                <a:spcPts val="0"/>
+              </a:spcAft>
+              <a:buSzPts val="1300"/>
+              <a:buChar char="○"/>
+              <a:defRPr sz="1300" b="0" i="0" u="none" strike="noStrike" cap="none">
+                <a:solidFill>
+                  <a:srgbClr val="000000"/>
+                </a:solidFill>
+                <a:latin typeface="Arial"/>
+                <a:ea typeface="Arial"/>
+                <a:cs typeface="Arial"/>
+                <a:sym typeface="Arial"/>
+              </a:defRPr>
+            </a:lvl8pPr>
+            <a:lvl9pPr marL="4114800" marR="0" lvl="8" indent="-311150" algn="l" rtl="0" eaLnBrk="1" hangingPunct="1">
+              <a:lnSpc>
+                <a:spcPct val="93000"/>
+              </a:lnSpc>
+              <a:spcBef>
+                <a:spcPts val="200"/>
+              </a:spcBef>
+              <a:spcAft>
+                <a:spcPts val="200"/>
+              </a:spcAft>
+              <a:buSzPts val="1300"/>
+              <a:buChar char="■"/>
+              <a:defRPr sz="1300" b="0" i="0" u="none" strike="noStrike" cap="none">
+                <a:solidFill>
+                  <a:srgbClr val="000000"/>
+                </a:solidFill>
+                <a:latin typeface="Arial"/>
+                <a:ea typeface="Arial"/>
+                <a:cs typeface="Arial"/>
+                <a:sym typeface="Arial"/>
+              </a:defRPr>
+            </a:lvl9pPr>
+          </a:lstStyle>
+          <a:p>
+            <a:pPr marL="76200" indent="0" algn="ctr">
+              <a:lnSpc>
+                <a:spcPct val="115000"/>
+              </a:lnSpc>
+              <a:buClr>
+                <a:srgbClr val="9B0014"/>
+              </a:buClr>
+              <a:buSzPts val="2400"/>
+              <a:buNone/>
+            </a:pPr>
+            <a:r>
+              <a:rPr lang="en-US" sz="2000" dirty="0" err="1"/>
+              <a:t>Funzionalità</a:t>
+            </a:r>
+            <a:r>
+              <a:rPr lang="en-US" sz="2000" dirty="0"/>
+              <a:t> </a:t>
+            </a:r>
+            <a:r>
+              <a:rPr lang="en-US" sz="2000" dirty="0" err="1"/>
+              <a:t>basate</a:t>
+            </a:r>
+            <a:r>
+              <a:rPr lang="en-US" sz="2000" dirty="0"/>
+              <a:t> </a:t>
+            </a:r>
+            <a:r>
+              <a:rPr lang="en-US" sz="2000" dirty="0" err="1"/>
+              <a:t>sul</a:t>
+            </a:r>
+            <a:r>
+              <a:rPr lang="en-US" sz="2000" dirty="0"/>
+              <a:t> </a:t>
+            </a:r>
+            <a:r>
+              <a:rPr lang="en-US" sz="2000" dirty="0" err="1"/>
+              <a:t>ruolo</a:t>
+            </a:r>
+            <a:r>
+              <a:rPr lang="en-US" sz="2000" dirty="0"/>
+              <a:t> </a:t>
+            </a:r>
+            <a:r>
+              <a:rPr lang="en-US" sz="2000" dirty="0" err="1"/>
+              <a:t>dell’utente</a:t>
+            </a:r>
+            <a:endParaRPr lang="en-US" sz="2000" dirty="0"/>
+          </a:p>
+        </p:txBody>
+      </p:sp>
+      <p:pic>
+        <p:nvPicPr>
+          <p:cNvPr id="14" name="Picture 13" descr="Graphical user interface, application&#10;&#10;Description automatically generated">
+            <a:extLst>
+              <a:ext uri="{FF2B5EF4-FFF2-40B4-BE49-F238E27FC236}">
+                <a16:creationId xmlns:a16="http://schemas.microsoft.com/office/drawing/2014/main" id="{C664FE9F-372C-BBE0-C18B-539D7C107AC4}"/>
+              </a:ext>
+            </a:extLst>
+          </p:cNvPr>
+          <p:cNvPicPr>
+            <a:picLocks noChangeAspect="1"/>
+          </p:cNvPicPr>
+          <p:nvPr/>
+        </p:nvPicPr>
+        <p:blipFill>
+          <a:blip r:embed="rId3"/>
+          <a:stretch>
+            <a:fillRect/>
+          </a:stretch>
+        </p:blipFill>
+        <p:spPr>
+          <a:xfrm>
+            <a:off x="953463" y="1012973"/>
+            <a:ext cx="7237074" cy="4283709"/>
           </a:xfrm>
           <a:prstGeom prst="rect">
             <a:avLst/>
@@ -8037,6 +9612,11 @@
         </p:spPr>
       </p:pic>
     </p:spTree>
+    <p:extLst>
+      <p:ext uri="{BB962C8B-B14F-4D97-AF65-F5344CB8AC3E}">
+        <p14:creationId xmlns:p14="http://schemas.microsoft.com/office/powerpoint/2010/main" val="78119402"/>
+      </p:ext>
+    </p:extLst>
   </p:cSld>
   <p:clrMapOvr>
     <a:masterClrMapping/>

--- a/src/presentazione/slide-discussione.pptx
+++ b/src/presentazione/slide-discussione.pptx
@@ -6,37 +6,38 @@
     <p:sldMasterId id="2147483665" r:id="rId2"/>
   </p:sldMasterIdLst>
   <p:notesMasterIdLst>
-    <p:notesMasterId r:id="rId7"/>
+    <p:notesMasterId r:id="rId8"/>
   </p:notesMasterIdLst>
   <p:sldIdLst>
     <p:sldId id="256" r:id="rId3"/>
     <p:sldId id="257" r:id="rId4"/>
     <p:sldId id="258" r:id="rId5"/>
     <p:sldId id="259" r:id="rId6"/>
+    <p:sldId id="260" r:id="rId7"/>
   </p:sldIdLst>
   <p:sldSz cx="9144000" cy="6858000" type="screen4x3"/>
   <p:notesSz cx="6858000" cy="9144000"/>
   <p:embeddedFontLst>
     <p:embeddedFont>
       <p:font typeface="Calibri" panose="020F0502020204030204" pitchFamily="34" charset="0"/>
-      <p:regular r:id="rId8"/>
-      <p:bold r:id="rId9"/>
-      <p:italic r:id="rId10"/>
-      <p:boldItalic r:id="rId11"/>
+      <p:regular r:id="rId9"/>
+      <p:bold r:id="rId10"/>
+      <p:italic r:id="rId11"/>
+      <p:boldItalic r:id="rId12"/>
     </p:embeddedFont>
     <p:embeddedFont>
       <p:font typeface="Lato" panose="020F0502020204030203" pitchFamily="34" charset="0"/>
-      <p:regular r:id="rId12"/>
-      <p:bold r:id="rId13"/>
-      <p:italic r:id="rId14"/>
-      <p:boldItalic r:id="rId15"/>
+      <p:regular r:id="rId13"/>
+      <p:bold r:id="rId14"/>
+      <p:italic r:id="rId15"/>
+      <p:boldItalic r:id="rId16"/>
     </p:embeddedFont>
     <p:embeddedFont>
       <p:font typeface="Source Sans Pro" panose="020B0503030403020204" pitchFamily="34" charset="0"/>
-      <p:regular r:id="rId16"/>
-      <p:bold r:id="rId17"/>
-      <p:italic r:id="rId18"/>
-      <p:boldItalic r:id="rId19"/>
+      <p:regular r:id="rId17"/>
+      <p:bold r:id="rId18"/>
+      <p:italic r:id="rId19"/>
+      <p:boldItalic r:id="rId20"/>
     </p:embeddedFont>
   </p:embeddedFontLst>
   <p:defaultTextStyle>
@@ -969,6 +970,115 @@
     <p:extLst>
       <p:ext uri="{BB962C8B-B14F-4D97-AF65-F5344CB8AC3E}">
         <p14:creationId xmlns:p14="http://schemas.microsoft.com/office/powerpoint/2010/main" val="1515194660"/>
+      </p:ext>
+    </p:extLst>
+  </p:cSld>
+  <p:clrMapOvr>
+    <a:masterClrMapping/>
+  </p:clrMapOvr>
+</p:notes>
+</file>
+
+<file path=ppt/notesSlides/notesSlide5.xml><?xml version="1.0" encoding="utf-8"?>
+<p:notes xmlns:a="http://schemas.openxmlformats.org/drawingml/2006/main" xmlns:r="http://schemas.openxmlformats.org/officeDocument/2006/relationships" xmlns:p="http://schemas.openxmlformats.org/presentationml/2006/main" showMasterSp="0" showMasterPhAnim="0">
+  <p:cSld>
+    <p:spTree>
+      <p:nvGrpSpPr>
+        <p:cNvPr id="1" name="Shape 95"/>
+        <p:cNvGrpSpPr/>
+        <p:nvPr/>
+      </p:nvGrpSpPr>
+      <p:grpSpPr>
+        <a:xfrm>
+          <a:off x="0" y="0"/>
+          <a:ext cx="0" cy="0"/>
+          <a:chOff x="0" y="0"/>
+          <a:chExt cx="0" cy="0"/>
+        </a:xfrm>
+      </p:grpSpPr>
+      <p:sp>
+        <p:nvSpPr>
+          <p:cNvPr id="96" name="Shape 96"/>
+          <p:cNvSpPr>
+            <a:spLocks noGrp="1" noRot="1" noChangeAspect="1"/>
+          </p:cNvSpPr>
+          <p:nvPr>
+            <p:ph type="sldImg" idx="2"/>
+          </p:nvPr>
+        </p:nvSpPr>
+        <p:spPr>
+          <a:xfrm>
+            <a:off x="1143000" y="685800"/>
+            <a:ext cx="4572000" cy="3429000"/>
+          </a:xfrm>
+          <a:custGeom>
+            <a:avLst/>
+            <a:gdLst/>
+            <a:ahLst/>
+            <a:cxnLst/>
+            <a:rect l="0" t="0" r="0" b="0"/>
+            <a:pathLst>
+              <a:path w="120000" h="120000" extrusionOk="0">
+                <a:moveTo>
+                  <a:pt x="0" y="0"/>
+                </a:moveTo>
+                <a:lnTo>
+                  <a:pt x="120000" y="0"/>
+                </a:lnTo>
+                <a:lnTo>
+                  <a:pt x="120000" y="120000"/>
+                </a:lnTo>
+                <a:lnTo>
+                  <a:pt x="0" y="120000"/>
+                </a:lnTo>
+                <a:close/>
+              </a:path>
+            </a:pathLst>
+          </a:custGeom>
+        </p:spPr>
+      </p:sp>
+      <p:sp>
+        <p:nvSpPr>
+          <p:cNvPr id="97" name="Shape 97"/>
+          <p:cNvSpPr txBox="1">
+            <a:spLocks noGrp="1"/>
+          </p:cNvSpPr>
+          <p:nvPr>
+            <p:ph type="body" idx="1"/>
+          </p:nvPr>
+        </p:nvSpPr>
+        <p:spPr>
+          <a:xfrm>
+            <a:off x="685800" y="4343400"/>
+            <a:ext cx="5486400" cy="4114800"/>
+          </a:xfrm>
+          <a:prstGeom prst="rect">
+            <a:avLst/>
+          </a:prstGeom>
+        </p:spPr>
+        <p:txBody>
+          <a:bodyPr spcFirstLastPara="1" wrap="square" lIns="91425" tIns="91425" rIns="91425" bIns="91425" anchor="t" anchorCtr="0">
+            <a:noAutofit/>
+          </a:bodyPr>
+          <a:lstStyle/>
+          <a:p>
+            <a:pPr marL="0" lvl="0" indent="0" rtl="0">
+              <a:spcBef>
+                <a:spcPts val="0"/>
+              </a:spcBef>
+              <a:spcAft>
+                <a:spcPts val="0"/>
+              </a:spcAft>
+              <a:buNone/>
+            </a:pPr>
+            <a:endParaRPr dirty="0"/>
+          </a:p>
+        </p:txBody>
+      </p:sp>
+    </p:spTree>
+    <p:extLst>
+      <p:ext uri="{BB962C8B-B14F-4D97-AF65-F5344CB8AC3E}">
+        <p14:creationId xmlns:p14="http://schemas.microsoft.com/office/powerpoint/2010/main" val="4023715530"/>
       </p:ext>
     </p:extLst>
   </p:cSld>
@@ -8755,8 +8865,8 @@
         </p:nvSpPr>
         <p:spPr>
           <a:xfrm>
-            <a:off x="259895" y="3122363"/>
-            <a:ext cx="4671334" cy="2004808"/>
+            <a:off x="281666" y="3022995"/>
+            <a:ext cx="4290334" cy="2592638"/>
           </a:xfrm>
           <a:prstGeom prst="rect">
             <a:avLst/>
@@ -9048,8 +9158,13 @@
             </a:r>
             <a:r>
               <a:rPr lang="en-US" sz="2000" dirty="0"/>
-              <a:t> del Sistema</a:t>
+              <a:t> del </a:t>
             </a:r>
+            <a:r>
+              <a:rPr lang="en-US" sz="2000" dirty="0" err="1"/>
+              <a:t>sistema</a:t>
+            </a:r>
+            <a:endParaRPr lang="en-US" sz="2000" dirty="0"/>
           </a:p>
           <a:p>
             <a:pPr indent="-381000">
@@ -9065,6 +9180,38 @@
               <a:rPr lang="en-US" sz="2000" dirty="0"/>
               <a:t>Multi-tenant</a:t>
             </a:r>
+          </a:p>
+          <a:p>
+            <a:pPr indent="-381000">
+              <a:lnSpc>
+                <a:spcPct val="115000"/>
+              </a:lnSpc>
+              <a:buClr>
+                <a:srgbClr val="9B0014"/>
+              </a:buClr>
+              <a:buSzPts val="2400"/>
+            </a:pPr>
+            <a:r>
+              <a:rPr lang="en-US" sz="2000" dirty="0" err="1"/>
+              <a:t>Integrazioni</a:t>
+            </a:r>
+            <a:r>
+              <a:rPr lang="en-US" sz="2000" dirty="0"/>
+              <a:t> con </a:t>
+            </a:r>
+            <a:r>
+              <a:rPr lang="en-US" sz="2000" dirty="0" err="1"/>
+              <a:t>sistemi</a:t>
+            </a:r>
+            <a:r>
+              <a:rPr lang="en-US" sz="2000" dirty="0"/>
+              <a:t> di </a:t>
+            </a:r>
+            <a:r>
+              <a:rPr lang="en-US" sz="2000" dirty="0" err="1"/>
+              <a:t>videoconferenza</a:t>
+            </a:r>
+            <a:endParaRPr lang="en-US" sz="2000" dirty="0"/>
           </a:p>
         </p:txBody>
       </p:sp>
@@ -9090,7 +9237,7 @@
         </p:blipFill>
         <p:spPr>
           <a:xfrm>
-            <a:off x="6901544" y="3310330"/>
+            <a:off x="6901544" y="3429000"/>
             <a:ext cx="1197428" cy="1197428"/>
           </a:xfrm>
           <a:prstGeom prst="rect">
@@ -9112,7 +9259,7 @@
         </p:nvSpPr>
         <p:spPr>
           <a:xfrm>
-            <a:off x="4778829" y="3788229"/>
+            <a:off x="4778829" y="3906899"/>
             <a:ext cx="1611086" cy="336538"/>
           </a:xfrm>
           <a:prstGeom prst="rightArrow">
@@ -9615,6 +9762,293 @@
     <p:extLst>
       <p:ext uri="{BB962C8B-B14F-4D97-AF65-F5344CB8AC3E}">
         <p14:creationId xmlns:p14="http://schemas.microsoft.com/office/powerpoint/2010/main" val="78119402"/>
+      </p:ext>
+    </p:extLst>
+  </p:cSld>
+  <p:clrMapOvr>
+    <a:masterClrMapping/>
+  </p:clrMapOvr>
+</p:sld>
+</file>
+
+<file path=ppt/slides/slide5.xml><?xml version="1.0" encoding="utf-8"?>
+<p:sld xmlns:a="http://schemas.openxmlformats.org/drawingml/2006/main" xmlns:r="http://schemas.openxmlformats.org/officeDocument/2006/relationships" xmlns:p="http://schemas.openxmlformats.org/presentationml/2006/main">
+  <p:cSld>
+    <p:spTree>
+      <p:nvGrpSpPr>
+        <p:cNvPr id="1" name="Shape 98"/>
+        <p:cNvGrpSpPr/>
+        <p:nvPr/>
+      </p:nvGrpSpPr>
+      <p:grpSpPr>
+        <a:xfrm>
+          <a:off x="0" y="0"/>
+          <a:ext cx="0" cy="0"/>
+          <a:chOff x="0" y="0"/>
+          <a:chExt cx="0" cy="0"/>
+        </a:xfrm>
+      </p:grpSpPr>
+      <p:sp>
+        <p:nvSpPr>
+          <p:cNvPr id="99" name="Shape 99"/>
+          <p:cNvSpPr txBox="1">
+            <a:spLocks noGrp="1"/>
+          </p:cNvSpPr>
+          <p:nvPr>
+            <p:ph type="title" idx="4294967295"/>
+          </p:nvPr>
+        </p:nvSpPr>
+        <p:spPr>
+          <a:xfrm>
+            <a:off x="457200" y="-1"/>
+            <a:ext cx="5213100" cy="707455"/>
+          </a:xfrm>
+          <a:prstGeom prst="rect">
+            <a:avLst/>
+          </a:prstGeom>
+        </p:spPr>
+        <p:txBody>
+          <a:bodyPr spcFirstLastPara="1" wrap="square" lIns="82925" tIns="82925" rIns="82925" bIns="82925" anchor="ctr" anchorCtr="0">
+            <a:noAutofit/>
+          </a:bodyPr>
+          <a:lstStyle/>
+          <a:p>
+            <a:pPr marL="0" lvl="0" indent="0" rtl="0">
+              <a:spcBef>
+                <a:spcPts val="0"/>
+              </a:spcBef>
+              <a:spcAft>
+                <a:spcPts val="0"/>
+              </a:spcAft>
+              <a:buNone/>
+            </a:pPr>
+            <a:r>
+              <a:rPr lang="en-US" sz="3000" dirty="0" err="1">
+                <a:solidFill>
+                  <a:srgbClr val="FFFFFF"/>
+                </a:solidFill>
+              </a:rPr>
+              <a:t>Tecnologie</a:t>
+            </a:r>
+            <a:endParaRPr sz="3000" dirty="0">
+              <a:solidFill>
+                <a:srgbClr val="FFFFFF"/>
+              </a:solidFill>
+            </a:endParaRPr>
+          </a:p>
+        </p:txBody>
+      </p:sp>
+      <p:sp>
+        <p:nvSpPr>
+          <p:cNvPr id="101" name="Shape 101"/>
+          <p:cNvSpPr/>
+          <p:nvPr/>
+        </p:nvSpPr>
+        <p:spPr>
+          <a:xfrm>
+            <a:off x="6901544" y="6396100"/>
+            <a:ext cx="2242456" cy="378300"/>
+          </a:xfrm>
+          <a:prstGeom prst="rect">
+            <a:avLst/>
+          </a:prstGeom>
+          <a:solidFill>
+            <a:srgbClr val="9B0014"/>
+          </a:solidFill>
+          <a:ln>
+            <a:noFill/>
+          </a:ln>
+        </p:spPr>
+        <p:txBody>
+          <a:bodyPr spcFirstLastPara="1" wrap="square" lIns="91425" tIns="91425" rIns="91425" bIns="91425" anchor="ctr" anchorCtr="0">
+            <a:noAutofit/>
+          </a:bodyPr>
+          <a:lstStyle/>
+          <a:p>
+            <a:pPr marL="0" lvl="0" indent="0" algn="ctr">
+              <a:spcBef>
+                <a:spcPts val="0"/>
+              </a:spcBef>
+              <a:spcAft>
+                <a:spcPts val="0"/>
+              </a:spcAft>
+              <a:buNone/>
+            </a:pPr>
+            <a:r>
+              <a:rPr lang="en-US" dirty="0">
+                <a:solidFill>
+                  <a:srgbClr val="FF9696"/>
+                </a:solidFill>
+              </a:rPr>
+              <a:t>X di Y</a:t>
+            </a:r>
+            <a:endParaRPr dirty="0">
+              <a:solidFill>
+                <a:srgbClr val="FF9696"/>
+              </a:solidFill>
+            </a:endParaRPr>
+          </a:p>
+        </p:txBody>
+      </p:sp>
+      <p:pic>
+        <p:nvPicPr>
+          <p:cNvPr id="5" name="Picture 4" descr="Logo&#10;&#10;Description automatically generated">
+            <a:extLst>
+              <a:ext uri="{FF2B5EF4-FFF2-40B4-BE49-F238E27FC236}">
+                <a16:creationId xmlns:a16="http://schemas.microsoft.com/office/drawing/2014/main" id="{1F2F0FF2-6D82-CD1D-6480-DB3B04A78B2E}"/>
+              </a:ext>
+            </a:extLst>
+          </p:cNvPr>
+          <p:cNvPicPr>
+            <a:picLocks noChangeAspect="1"/>
+          </p:cNvPicPr>
+          <p:nvPr/>
+        </p:nvPicPr>
+        <p:blipFill>
+          <a:blip r:embed="rId3"/>
+          <a:stretch>
+            <a:fillRect/>
+          </a:stretch>
+        </p:blipFill>
+        <p:spPr>
+          <a:xfrm>
+            <a:off x="5391406" y="2870345"/>
+            <a:ext cx="2235200" cy="841693"/>
+          </a:xfrm>
+          <a:prstGeom prst="rect">
+            <a:avLst/>
+          </a:prstGeom>
+        </p:spPr>
+      </p:pic>
+      <p:pic>
+        <p:nvPicPr>
+          <p:cNvPr id="8" name="Picture 7" descr="Logo&#10;&#10;Description automatically generated with low confidence">
+            <a:extLst>
+              <a:ext uri="{FF2B5EF4-FFF2-40B4-BE49-F238E27FC236}">
+                <a16:creationId xmlns:a16="http://schemas.microsoft.com/office/drawing/2014/main" id="{574EA77C-9C86-FE15-1EE3-07A4CB0F71C5}"/>
+              </a:ext>
+            </a:extLst>
+          </p:cNvPr>
+          <p:cNvPicPr>
+            <a:picLocks noChangeAspect="1"/>
+          </p:cNvPicPr>
+          <p:nvPr/>
+        </p:nvPicPr>
+        <p:blipFill>
+          <a:blip r:embed="rId4"/>
+          <a:stretch>
+            <a:fillRect/>
+          </a:stretch>
+        </p:blipFill>
+        <p:spPr>
+          <a:xfrm>
+            <a:off x="914445" y="762461"/>
+            <a:ext cx="6712161" cy="1951210"/>
+          </a:xfrm>
+          <a:prstGeom prst="rect">
+            <a:avLst/>
+          </a:prstGeom>
+        </p:spPr>
+      </p:pic>
+      <p:pic>
+        <p:nvPicPr>
+          <p:cNvPr id="15" name="Picture 14" descr="Icon&#10;&#10;Description automatically generated">
+            <a:extLst>
+              <a:ext uri="{FF2B5EF4-FFF2-40B4-BE49-F238E27FC236}">
+                <a16:creationId xmlns:a16="http://schemas.microsoft.com/office/drawing/2014/main" id="{1D46E476-3D57-C238-BF7B-15858C1F3361}"/>
+              </a:ext>
+            </a:extLst>
+          </p:cNvPr>
+          <p:cNvPicPr>
+            <a:picLocks noChangeAspect="1"/>
+          </p:cNvPicPr>
+          <p:nvPr/>
+        </p:nvPicPr>
+        <p:blipFill>
+          <a:blip r:embed="rId5"/>
+          <a:stretch>
+            <a:fillRect/>
+          </a:stretch>
+        </p:blipFill>
+        <p:spPr>
+          <a:xfrm>
+            <a:off x="3184977" y="4144330"/>
+            <a:ext cx="2171095" cy="2177143"/>
+          </a:xfrm>
+          <a:prstGeom prst="rect">
+            <a:avLst/>
+          </a:prstGeom>
+        </p:spPr>
+      </p:pic>
+      <p:pic>
+        <p:nvPicPr>
+          <p:cNvPr id="17" name="Picture 16" descr="Icon&#10;&#10;Description automatically generated">
+            <a:extLst>
+              <a:ext uri="{FF2B5EF4-FFF2-40B4-BE49-F238E27FC236}">
+                <a16:creationId xmlns:a16="http://schemas.microsoft.com/office/drawing/2014/main" id="{B35D72B9-B837-6DFE-F8A1-8E6A984439C8}"/>
+              </a:ext>
+            </a:extLst>
+          </p:cNvPr>
+          <p:cNvPicPr>
+            <a:picLocks noChangeAspect="1"/>
+          </p:cNvPicPr>
+          <p:nvPr/>
+        </p:nvPicPr>
+        <p:blipFill>
+          <a:blip r:embed="rId6"/>
+          <a:stretch>
+            <a:fillRect/>
+          </a:stretch>
+        </p:blipFill>
+        <p:spPr>
+          <a:xfrm>
+            <a:off x="1789536" y="2713671"/>
+            <a:ext cx="784189" cy="784189"/>
+          </a:xfrm>
+          <a:prstGeom prst="rect">
+            <a:avLst/>
+          </a:prstGeom>
+        </p:spPr>
+      </p:pic>
+      <p:sp>
+        <p:nvSpPr>
+          <p:cNvPr id="18" name="TextBox 17">
+            <a:extLst>
+              <a:ext uri="{FF2B5EF4-FFF2-40B4-BE49-F238E27FC236}">
+                <a16:creationId xmlns:a16="http://schemas.microsoft.com/office/drawing/2014/main" id="{013782FE-B4C3-F3C7-6067-A071C50DA887}"/>
+              </a:ext>
+            </a:extLst>
+          </p:cNvPr>
+          <p:cNvSpPr txBox="1"/>
+          <p:nvPr/>
+        </p:nvSpPr>
+        <p:spPr>
+          <a:xfrm>
+            <a:off x="1789536" y="3551819"/>
+            <a:ext cx="784189" cy="400110"/>
+          </a:xfrm>
+          <a:prstGeom prst="rect">
+            <a:avLst/>
+          </a:prstGeom>
+          <a:noFill/>
+        </p:spPr>
+        <p:txBody>
+          <a:bodyPr wrap="none" rtlCol="0">
+            <a:spAutoFit/>
+          </a:bodyPr>
+          <a:lstStyle/>
+          <a:p>
+            <a:r>
+              <a:rPr lang="en-IT" sz="2000" dirty="0"/>
+              <a:t>Ruby</a:t>
+            </a:r>
+          </a:p>
+        </p:txBody>
+      </p:sp>
+    </p:spTree>
+    <p:extLst>
+      <p:ext uri="{BB962C8B-B14F-4D97-AF65-F5344CB8AC3E}">
+        <p14:creationId xmlns:p14="http://schemas.microsoft.com/office/powerpoint/2010/main" val="2326589393"/>
       </p:ext>
     </p:extLst>
   </p:cSld>

--- a/src/presentazione/slide-discussione.pptx
+++ b/src/presentazione/slide-discussione.pptx
@@ -6,7 +6,7 @@
     <p:sldMasterId id="2147483665" r:id="rId2"/>
   </p:sldMasterIdLst>
   <p:notesMasterIdLst>
-    <p:notesMasterId r:id="rId8"/>
+    <p:notesMasterId r:id="rId13"/>
   </p:notesMasterIdLst>
   <p:sldIdLst>
     <p:sldId id="256" r:id="rId3"/>
@@ -14,30 +14,42 @@
     <p:sldId id="258" r:id="rId5"/>
     <p:sldId id="259" r:id="rId6"/>
     <p:sldId id="260" r:id="rId7"/>
+    <p:sldId id="261" r:id="rId8"/>
+    <p:sldId id="262" r:id="rId9"/>
+    <p:sldId id="263" r:id="rId10"/>
+    <p:sldId id="265" r:id="rId11"/>
+    <p:sldId id="264" r:id="rId12"/>
   </p:sldIdLst>
   <p:sldSz cx="9144000" cy="6858000" type="screen4x3"/>
   <p:notesSz cx="6858000" cy="9144000"/>
   <p:embeddedFontLst>
     <p:embeddedFont>
       <p:font typeface="Calibri" panose="020F0502020204030204" pitchFamily="34" charset="0"/>
-      <p:regular r:id="rId9"/>
-      <p:bold r:id="rId10"/>
-      <p:italic r:id="rId11"/>
-      <p:boldItalic r:id="rId12"/>
+      <p:regular r:id="rId14"/>
+      <p:bold r:id="rId15"/>
+      <p:italic r:id="rId16"/>
+      <p:boldItalic r:id="rId17"/>
     </p:embeddedFont>
     <p:embeddedFont>
       <p:font typeface="Lato" panose="020F0502020204030203" pitchFamily="34" charset="0"/>
-      <p:regular r:id="rId13"/>
-      <p:bold r:id="rId14"/>
-      <p:italic r:id="rId15"/>
-      <p:boldItalic r:id="rId16"/>
+      <p:regular r:id="rId18"/>
+      <p:bold r:id="rId19"/>
+      <p:italic r:id="rId20"/>
+      <p:boldItalic r:id="rId21"/>
+    </p:embeddedFont>
+    <p:embeddedFont>
+      <p:font typeface="MesloLGS NF" panose="020B0609030804020204" pitchFamily="49" charset="0"/>
+      <p:regular r:id="rId22"/>
+      <p:bold r:id="rId23"/>
+      <p:italic r:id="rId24"/>
+      <p:boldItalic r:id="rId25"/>
     </p:embeddedFont>
     <p:embeddedFont>
       <p:font typeface="Source Sans Pro" panose="020B0503030403020204" pitchFamily="34" charset="0"/>
-      <p:regular r:id="rId17"/>
-      <p:bold r:id="rId18"/>
-      <p:italic r:id="rId19"/>
-      <p:boldItalic r:id="rId20"/>
+      <p:regular r:id="rId26"/>
+      <p:bold r:id="rId27"/>
+      <p:italic r:id="rId28"/>
+      <p:boldItalic r:id="rId29"/>
     </p:embeddedFont>
   </p:embeddedFontLst>
   <p:defaultTextStyle>
@@ -656,6 +668,115 @@
 </p:notes>
 </file>
 
+<file path=ppt/notesSlides/notesSlide10.xml><?xml version="1.0" encoding="utf-8"?>
+<p:notes xmlns:a="http://schemas.openxmlformats.org/drawingml/2006/main" xmlns:r="http://schemas.openxmlformats.org/officeDocument/2006/relationships" xmlns:p="http://schemas.openxmlformats.org/presentationml/2006/main" showMasterSp="0" showMasterPhAnim="0">
+  <p:cSld>
+    <p:spTree>
+      <p:nvGrpSpPr>
+        <p:cNvPr id="1" name="Shape 95"/>
+        <p:cNvGrpSpPr/>
+        <p:nvPr/>
+      </p:nvGrpSpPr>
+      <p:grpSpPr>
+        <a:xfrm>
+          <a:off x="0" y="0"/>
+          <a:ext cx="0" cy="0"/>
+          <a:chOff x="0" y="0"/>
+          <a:chExt cx="0" cy="0"/>
+        </a:xfrm>
+      </p:grpSpPr>
+      <p:sp>
+        <p:nvSpPr>
+          <p:cNvPr id="96" name="Shape 96"/>
+          <p:cNvSpPr>
+            <a:spLocks noGrp="1" noRot="1" noChangeAspect="1"/>
+          </p:cNvSpPr>
+          <p:nvPr>
+            <p:ph type="sldImg" idx="2"/>
+          </p:nvPr>
+        </p:nvSpPr>
+        <p:spPr>
+          <a:xfrm>
+            <a:off x="1143000" y="685800"/>
+            <a:ext cx="4572000" cy="3429000"/>
+          </a:xfrm>
+          <a:custGeom>
+            <a:avLst/>
+            <a:gdLst/>
+            <a:ahLst/>
+            <a:cxnLst/>
+            <a:rect l="0" t="0" r="0" b="0"/>
+            <a:pathLst>
+              <a:path w="120000" h="120000" extrusionOk="0">
+                <a:moveTo>
+                  <a:pt x="0" y="0"/>
+                </a:moveTo>
+                <a:lnTo>
+                  <a:pt x="120000" y="0"/>
+                </a:lnTo>
+                <a:lnTo>
+                  <a:pt x="120000" y="120000"/>
+                </a:lnTo>
+                <a:lnTo>
+                  <a:pt x="0" y="120000"/>
+                </a:lnTo>
+                <a:close/>
+              </a:path>
+            </a:pathLst>
+          </a:custGeom>
+        </p:spPr>
+      </p:sp>
+      <p:sp>
+        <p:nvSpPr>
+          <p:cNvPr id="97" name="Shape 97"/>
+          <p:cNvSpPr txBox="1">
+            <a:spLocks noGrp="1"/>
+          </p:cNvSpPr>
+          <p:nvPr>
+            <p:ph type="body" idx="1"/>
+          </p:nvPr>
+        </p:nvSpPr>
+        <p:spPr>
+          <a:xfrm>
+            <a:off x="685800" y="4343400"/>
+            <a:ext cx="5486400" cy="4114800"/>
+          </a:xfrm>
+          <a:prstGeom prst="rect">
+            <a:avLst/>
+          </a:prstGeom>
+        </p:spPr>
+        <p:txBody>
+          <a:bodyPr spcFirstLastPara="1" wrap="square" lIns="91425" tIns="91425" rIns="91425" bIns="91425" anchor="t" anchorCtr="0">
+            <a:noAutofit/>
+          </a:bodyPr>
+          <a:lstStyle/>
+          <a:p>
+            <a:pPr marL="0" lvl="0" indent="0" rtl="0">
+              <a:spcBef>
+                <a:spcPts val="0"/>
+              </a:spcBef>
+              <a:spcAft>
+                <a:spcPts val="0"/>
+              </a:spcAft>
+              <a:buNone/>
+            </a:pPr>
+            <a:endParaRPr dirty="0"/>
+          </a:p>
+        </p:txBody>
+      </p:sp>
+    </p:spTree>
+    <p:extLst>
+      <p:ext uri="{BB962C8B-B14F-4D97-AF65-F5344CB8AC3E}">
+        <p14:creationId xmlns:p14="http://schemas.microsoft.com/office/powerpoint/2010/main" val="4185678152"/>
+      </p:ext>
+    </p:extLst>
+  </p:cSld>
+  <p:clrMapOvr>
+    <a:masterClrMapping/>
+  </p:clrMapOvr>
+</p:notes>
+</file>
+
 <file path=ppt/notesSlides/notesSlide2.xml><?xml version="1.0" encoding="utf-8"?>
 <p:notes xmlns:a="http://schemas.openxmlformats.org/drawingml/2006/main" xmlns:r="http://schemas.openxmlformats.org/officeDocument/2006/relationships" xmlns:p="http://schemas.openxmlformats.org/presentationml/2006/main" showMasterSp="0" showMasterPhAnim="0">
   <p:cSld>
@@ -1088,6 +1209,442 @@
 </p:notes>
 </file>
 
+<file path=ppt/notesSlides/notesSlide6.xml><?xml version="1.0" encoding="utf-8"?>
+<p:notes xmlns:a="http://schemas.openxmlformats.org/drawingml/2006/main" xmlns:r="http://schemas.openxmlformats.org/officeDocument/2006/relationships" xmlns:p="http://schemas.openxmlformats.org/presentationml/2006/main" showMasterSp="0" showMasterPhAnim="0">
+  <p:cSld>
+    <p:spTree>
+      <p:nvGrpSpPr>
+        <p:cNvPr id="1" name="Shape 95"/>
+        <p:cNvGrpSpPr/>
+        <p:nvPr/>
+      </p:nvGrpSpPr>
+      <p:grpSpPr>
+        <a:xfrm>
+          <a:off x="0" y="0"/>
+          <a:ext cx="0" cy="0"/>
+          <a:chOff x="0" y="0"/>
+          <a:chExt cx="0" cy="0"/>
+        </a:xfrm>
+      </p:grpSpPr>
+      <p:sp>
+        <p:nvSpPr>
+          <p:cNvPr id="96" name="Shape 96"/>
+          <p:cNvSpPr>
+            <a:spLocks noGrp="1" noRot="1" noChangeAspect="1"/>
+          </p:cNvSpPr>
+          <p:nvPr>
+            <p:ph type="sldImg" idx="2"/>
+          </p:nvPr>
+        </p:nvSpPr>
+        <p:spPr>
+          <a:xfrm>
+            <a:off x="1143000" y="685800"/>
+            <a:ext cx="4572000" cy="3429000"/>
+          </a:xfrm>
+          <a:custGeom>
+            <a:avLst/>
+            <a:gdLst/>
+            <a:ahLst/>
+            <a:cxnLst/>
+            <a:rect l="0" t="0" r="0" b="0"/>
+            <a:pathLst>
+              <a:path w="120000" h="120000" extrusionOk="0">
+                <a:moveTo>
+                  <a:pt x="0" y="0"/>
+                </a:moveTo>
+                <a:lnTo>
+                  <a:pt x="120000" y="0"/>
+                </a:lnTo>
+                <a:lnTo>
+                  <a:pt x="120000" y="120000"/>
+                </a:lnTo>
+                <a:lnTo>
+                  <a:pt x="0" y="120000"/>
+                </a:lnTo>
+                <a:close/>
+              </a:path>
+            </a:pathLst>
+          </a:custGeom>
+        </p:spPr>
+      </p:sp>
+      <p:sp>
+        <p:nvSpPr>
+          <p:cNvPr id="97" name="Shape 97"/>
+          <p:cNvSpPr txBox="1">
+            <a:spLocks noGrp="1"/>
+          </p:cNvSpPr>
+          <p:nvPr>
+            <p:ph type="body" idx="1"/>
+          </p:nvPr>
+        </p:nvSpPr>
+        <p:spPr>
+          <a:xfrm>
+            <a:off x="685800" y="4343400"/>
+            <a:ext cx="5486400" cy="4114800"/>
+          </a:xfrm>
+          <a:prstGeom prst="rect">
+            <a:avLst/>
+          </a:prstGeom>
+        </p:spPr>
+        <p:txBody>
+          <a:bodyPr spcFirstLastPara="1" wrap="square" lIns="91425" tIns="91425" rIns="91425" bIns="91425" anchor="t" anchorCtr="0">
+            <a:noAutofit/>
+          </a:bodyPr>
+          <a:lstStyle/>
+          <a:p>
+            <a:pPr marL="0" lvl="0" indent="0" rtl="0">
+              <a:spcBef>
+                <a:spcPts val="0"/>
+              </a:spcBef>
+              <a:spcAft>
+                <a:spcPts val="0"/>
+              </a:spcAft>
+              <a:buNone/>
+            </a:pPr>
+            <a:endParaRPr dirty="0"/>
+          </a:p>
+        </p:txBody>
+      </p:sp>
+    </p:spTree>
+    <p:extLst>
+      <p:ext uri="{BB962C8B-B14F-4D97-AF65-F5344CB8AC3E}">
+        <p14:creationId xmlns:p14="http://schemas.microsoft.com/office/powerpoint/2010/main" val="2404322660"/>
+      </p:ext>
+    </p:extLst>
+  </p:cSld>
+  <p:clrMapOvr>
+    <a:masterClrMapping/>
+  </p:clrMapOvr>
+</p:notes>
+</file>
+
+<file path=ppt/notesSlides/notesSlide7.xml><?xml version="1.0" encoding="utf-8"?>
+<p:notes xmlns:a="http://schemas.openxmlformats.org/drawingml/2006/main" xmlns:r="http://schemas.openxmlformats.org/officeDocument/2006/relationships" xmlns:p="http://schemas.openxmlformats.org/presentationml/2006/main" showMasterSp="0" showMasterPhAnim="0">
+  <p:cSld>
+    <p:spTree>
+      <p:nvGrpSpPr>
+        <p:cNvPr id="1" name="Shape 95"/>
+        <p:cNvGrpSpPr/>
+        <p:nvPr/>
+      </p:nvGrpSpPr>
+      <p:grpSpPr>
+        <a:xfrm>
+          <a:off x="0" y="0"/>
+          <a:ext cx="0" cy="0"/>
+          <a:chOff x="0" y="0"/>
+          <a:chExt cx="0" cy="0"/>
+        </a:xfrm>
+      </p:grpSpPr>
+      <p:sp>
+        <p:nvSpPr>
+          <p:cNvPr id="96" name="Shape 96"/>
+          <p:cNvSpPr>
+            <a:spLocks noGrp="1" noRot="1" noChangeAspect="1"/>
+          </p:cNvSpPr>
+          <p:nvPr>
+            <p:ph type="sldImg" idx="2"/>
+          </p:nvPr>
+        </p:nvSpPr>
+        <p:spPr>
+          <a:xfrm>
+            <a:off x="1143000" y="685800"/>
+            <a:ext cx="4572000" cy="3429000"/>
+          </a:xfrm>
+          <a:custGeom>
+            <a:avLst/>
+            <a:gdLst/>
+            <a:ahLst/>
+            <a:cxnLst/>
+            <a:rect l="0" t="0" r="0" b="0"/>
+            <a:pathLst>
+              <a:path w="120000" h="120000" extrusionOk="0">
+                <a:moveTo>
+                  <a:pt x="0" y="0"/>
+                </a:moveTo>
+                <a:lnTo>
+                  <a:pt x="120000" y="0"/>
+                </a:lnTo>
+                <a:lnTo>
+                  <a:pt x="120000" y="120000"/>
+                </a:lnTo>
+                <a:lnTo>
+                  <a:pt x="0" y="120000"/>
+                </a:lnTo>
+                <a:close/>
+              </a:path>
+            </a:pathLst>
+          </a:custGeom>
+        </p:spPr>
+      </p:sp>
+      <p:sp>
+        <p:nvSpPr>
+          <p:cNvPr id="97" name="Shape 97"/>
+          <p:cNvSpPr txBox="1">
+            <a:spLocks noGrp="1"/>
+          </p:cNvSpPr>
+          <p:nvPr>
+            <p:ph type="body" idx="1"/>
+          </p:nvPr>
+        </p:nvSpPr>
+        <p:spPr>
+          <a:xfrm>
+            <a:off x="685800" y="4343400"/>
+            <a:ext cx="5486400" cy="4114800"/>
+          </a:xfrm>
+          <a:prstGeom prst="rect">
+            <a:avLst/>
+          </a:prstGeom>
+        </p:spPr>
+        <p:txBody>
+          <a:bodyPr spcFirstLastPara="1" wrap="square" lIns="91425" tIns="91425" rIns="91425" bIns="91425" anchor="t" anchorCtr="0">
+            <a:noAutofit/>
+          </a:bodyPr>
+          <a:lstStyle/>
+          <a:p>
+            <a:pPr marL="0" lvl="0" indent="0" rtl="0">
+              <a:spcBef>
+                <a:spcPts val="0"/>
+              </a:spcBef>
+              <a:spcAft>
+                <a:spcPts val="0"/>
+              </a:spcAft>
+              <a:buNone/>
+            </a:pPr>
+            <a:endParaRPr dirty="0"/>
+          </a:p>
+        </p:txBody>
+      </p:sp>
+    </p:spTree>
+    <p:extLst>
+      <p:ext uri="{BB962C8B-B14F-4D97-AF65-F5344CB8AC3E}">
+        <p14:creationId xmlns:p14="http://schemas.microsoft.com/office/powerpoint/2010/main" val="441012364"/>
+      </p:ext>
+    </p:extLst>
+  </p:cSld>
+  <p:clrMapOvr>
+    <a:masterClrMapping/>
+  </p:clrMapOvr>
+</p:notes>
+</file>
+
+<file path=ppt/notesSlides/notesSlide8.xml><?xml version="1.0" encoding="utf-8"?>
+<p:notes xmlns:a="http://schemas.openxmlformats.org/drawingml/2006/main" xmlns:r="http://schemas.openxmlformats.org/officeDocument/2006/relationships" xmlns:p="http://schemas.openxmlformats.org/presentationml/2006/main" showMasterSp="0" showMasterPhAnim="0">
+  <p:cSld>
+    <p:spTree>
+      <p:nvGrpSpPr>
+        <p:cNvPr id="1" name="Shape 95"/>
+        <p:cNvGrpSpPr/>
+        <p:nvPr/>
+      </p:nvGrpSpPr>
+      <p:grpSpPr>
+        <a:xfrm>
+          <a:off x="0" y="0"/>
+          <a:ext cx="0" cy="0"/>
+          <a:chOff x="0" y="0"/>
+          <a:chExt cx="0" cy="0"/>
+        </a:xfrm>
+      </p:grpSpPr>
+      <p:sp>
+        <p:nvSpPr>
+          <p:cNvPr id="96" name="Shape 96"/>
+          <p:cNvSpPr>
+            <a:spLocks noGrp="1" noRot="1" noChangeAspect="1"/>
+          </p:cNvSpPr>
+          <p:nvPr>
+            <p:ph type="sldImg" idx="2"/>
+          </p:nvPr>
+        </p:nvSpPr>
+        <p:spPr>
+          <a:xfrm>
+            <a:off x="1143000" y="685800"/>
+            <a:ext cx="4572000" cy="3429000"/>
+          </a:xfrm>
+          <a:custGeom>
+            <a:avLst/>
+            <a:gdLst/>
+            <a:ahLst/>
+            <a:cxnLst/>
+            <a:rect l="0" t="0" r="0" b="0"/>
+            <a:pathLst>
+              <a:path w="120000" h="120000" extrusionOk="0">
+                <a:moveTo>
+                  <a:pt x="0" y="0"/>
+                </a:moveTo>
+                <a:lnTo>
+                  <a:pt x="120000" y="0"/>
+                </a:lnTo>
+                <a:lnTo>
+                  <a:pt x="120000" y="120000"/>
+                </a:lnTo>
+                <a:lnTo>
+                  <a:pt x="0" y="120000"/>
+                </a:lnTo>
+                <a:close/>
+              </a:path>
+            </a:pathLst>
+          </a:custGeom>
+        </p:spPr>
+      </p:sp>
+      <p:sp>
+        <p:nvSpPr>
+          <p:cNvPr id="97" name="Shape 97"/>
+          <p:cNvSpPr txBox="1">
+            <a:spLocks noGrp="1"/>
+          </p:cNvSpPr>
+          <p:nvPr>
+            <p:ph type="body" idx="1"/>
+          </p:nvPr>
+        </p:nvSpPr>
+        <p:spPr>
+          <a:xfrm>
+            <a:off x="685800" y="4343400"/>
+            <a:ext cx="5486400" cy="4114800"/>
+          </a:xfrm>
+          <a:prstGeom prst="rect">
+            <a:avLst/>
+          </a:prstGeom>
+        </p:spPr>
+        <p:txBody>
+          <a:bodyPr spcFirstLastPara="1" wrap="square" lIns="91425" tIns="91425" rIns="91425" bIns="91425" anchor="t" anchorCtr="0">
+            <a:noAutofit/>
+          </a:bodyPr>
+          <a:lstStyle/>
+          <a:p>
+            <a:pPr marL="0" lvl="0" indent="0" rtl="0">
+              <a:spcBef>
+                <a:spcPts val="0"/>
+              </a:spcBef>
+              <a:spcAft>
+                <a:spcPts val="0"/>
+              </a:spcAft>
+              <a:buNone/>
+            </a:pPr>
+            <a:endParaRPr dirty="0"/>
+          </a:p>
+        </p:txBody>
+      </p:sp>
+    </p:spTree>
+    <p:extLst>
+      <p:ext uri="{BB962C8B-B14F-4D97-AF65-F5344CB8AC3E}">
+        <p14:creationId xmlns:p14="http://schemas.microsoft.com/office/powerpoint/2010/main" val="2403004286"/>
+      </p:ext>
+    </p:extLst>
+  </p:cSld>
+  <p:clrMapOvr>
+    <a:masterClrMapping/>
+  </p:clrMapOvr>
+</p:notes>
+</file>
+
+<file path=ppt/notesSlides/notesSlide9.xml><?xml version="1.0" encoding="utf-8"?>
+<p:notes xmlns:a="http://schemas.openxmlformats.org/drawingml/2006/main" xmlns:r="http://schemas.openxmlformats.org/officeDocument/2006/relationships" xmlns:p="http://schemas.openxmlformats.org/presentationml/2006/main" showMasterSp="0" showMasterPhAnim="0">
+  <p:cSld>
+    <p:spTree>
+      <p:nvGrpSpPr>
+        <p:cNvPr id="1" name="Shape 95"/>
+        <p:cNvGrpSpPr/>
+        <p:nvPr/>
+      </p:nvGrpSpPr>
+      <p:grpSpPr>
+        <a:xfrm>
+          <a:off x="0" y="0"/>
+          <a:ext cx="0" cy="0"/>
+          <a:chOff x="0" y="0"/>
+          <a:chExt cx="0" cy="0"/>
+        </a:xfrm>
+      </p:grpSpPr>
+      <p:sp>
+        <p:nvSpPr>
+          <p:cNvPr id="96" name="Shape 96"/>
+          <p:cNvSpPr>
+            <a:spLocks noGrp="1" noRot="1" noChangeAspect="1"/>
+          </p:cNvSpPr>
+          <p:nvPr>
+            <p:ph type="sldImg" idx="2"/>
+          </p:nvPr>
+        </p:nvSpPr>
+        <p:spPr>
+          <a:xfrm>
+            <a:off x="1143000" y="685800"/>
+            <a:ext cx="4572000" cy="3429000"/>
+          </a:xfrm>
+          <a:custGeom>
+            <a:avLst/>
+            <a:gdLst/>
+            <a:ahLst/>
+            <a:cxnLst/>
+            <a:rect l="0" t="0" r="0" b="0"/>
+            <a:pathLst>
+              <a:path w="120000" h="120000" extrusionOk="0">
+                <a:moveTo>
+                  <a:pt x="0" y="0"/>
+                </a:moveTo>
+                <a:lnTo>
+                  <a:pt x="120000" y="0"/>
+                </a:lnTo>
+                <a:lnTo>
+                  <a:pt x="120000" y="120000"/>
+                </a:lnTo>
+                <a:lnTo>
+                  <a:pt x="0" y="120000"/>
+                </a:lnTo>
+                <a:close/>
+              </a:path>
+            </a:pathLst>
+          </a:custGeom>
+        </p:spPr>
+      </p:sp>
+      <p:sp>
+        <p:nvSpPr>
+          <p:cNvPr id="97" name="Shape 97"/>
+          <p:cNvSpPr txBox="1">
+            <a:spLocks noGrp="1"/>
+          </p:cNvSpPr>
+          <p:nvPr>
+            <p:ph type="body" idx="1"/>
+          </p:nvPr>
+        </p:nvSpPr>
+        <p:spPr>
+          <a:xfrm>
+            <a:off x="685800" y="4343400"/>
+            <a:ext cx="5486400" cy="4114800"/>
+          </a:xfrm>
+          <a:prstGeom prst="rect">
+            <a:avLst/>
+          </a:prstGeom>
+        </p:spPr>
+        <p:txBody>
+          <a:bodyPr spcFirstLastPara="1" wrap="square" lIns="91425" tIns="91425" rIns="91425" bIns="91425" anchor="t" anchorCtr="0">
+            <a:noAutofit/>
+          </a:bodyPr>
+          <a:lstStyle/>
+          <a:p>
+            <a:pPr marL="0" lvl="0" indent="0" rtl="0">
+              <a:spcBef>
+                <a:spcPts val="0"/>
+              </a:spcBef>
+              <a:spcAft>
+                <a:spcPts val="0"/>
+              </a:spcAft>
+              <a:buNone/>
+            </a:pPr>
+            <a:endParaRPr dirty="0"/>
+          </a:p>
+        </p:txBody>
+      </p:sp>
+    </p:spTree>
+    <p:extLst>
+      <p:ext uri="{BB962C8B-B14F-4D97-AF65-F5344CB8AC3E}">
+        <p14:creationId xmlns:p14="http://schemas.microsoft.com/office/powerpoint/2010/main" val="3585471674"/>
+      </p:ext>
+    </p:extLst>
+  </p:cSld>
+  <p:clrMapOvr>
+    <a:masterClrMapping/>
+  </p:clrMapOvr>
+</p:notes>
+</file>
+
 <file path=ppt/slideLayouts/slideLayout1.xml><?xml version="1.0" encoding="utf-8"?>
 <p:sldLayout xmlns:a="http://schemas.openxmlformats.org/drawingml/2006/main" xmlns:r="http://schemas.openxmlformats.org/officeDocument/2006/relationships" xmlns:p="http://schemas.openxmlformats.org/presentationml/2006/main" type="blank">
   <p:cSld name="Blank">
@@ -1156,200 +1713,6 @@
 </file>
 
 <file path=ppt/slideLayouts/slideLayout10.xml><?xml version="1.0" encoding="utf-8"?>
-<p:sldLayout xmlns:a="http://schemas.openxmlformats.org/drawingml/2006/main" xmlns:r="http://schemas.openxmlformats.org/officeDocument/2006/relationships" xmlns:p="http://schemas.openxmlformats.org/presentationml/2006/main">
-  <p:cSld name="Main point">
-    <p:spTree>
-      <p:nvGrpSpPr>
-        <p:cNvPr id="1" name="Shape 54"/>
-        <p:cNvGrpSpPr/>
-        <p:nvPr/>
-      </p:nvGrpSpPr>
-      <p:grpSpPr>
-        <a:xfrm>
-          <a:off x="0" y="0"/>
-          <a:ext cx="0" cy="0"/>
-          <a:chOff x="0" y="0"/>
-          <a:chExt cx="0" cy="0"/>
-        </a:xfrm>
-      </p:grpSpPr>
-      <p:sp>
-        <p:nvSpPr>
-          <p:cNvPr id="55" name="Shape 55"/>
-          <p:cNvSpPr txBox="1">
-            <a:spLocks noGrp="1"/>
-          </p:cNvSpPr>
-          <p:nvPr>
-            <p:ph type="title"/>
-          </p:nvPr>
-        </p:nvSpPr>
-        <p:spPr>
-          <a:xfrm>
-            <a:off x="490250" y="600200"/>
-            <a:ext cx="6367800" cy="5454300"/>
-          </a:xfrm>
-          <a:prstGeom prst="rect">
-            <a:avLst/>
-          </a:prstGeom>
-        </p:spPr>
-        <p:txBody>
-          <a:bodyPr spcFirstLastPara="1" wrap="square" lIns="91425" tIns="91425" rIns="91425" bIns="91425" anchor="ctr" anchorCtr="0"/>
-          <a:lstStyle>
-            <a:lvl1pPr lvl="0" rtl="0">
-              <a:spcBef>
-                <a:spcPts val="0"/>
-              </a:spcBef>
-              <a:spcAft>
-                <a:spcPts val="0"/>
-              </a:spcAft>
-              <a:buSzPts val="4800"/>
-              <a:buNone/>
-              <a:defRPr sz="4800"/>
-            </a:lvl1pPr>
-            <a:lvl2pPr lvl="1" rtl="0">
-              <a:spcBef>
-                <a:spcPts val="0"/>
-              </a:spcBef>
-              <a:spcAft>
-                <a:spcPts val="0"/>
-              </a:spcAft>
-              <a:buSzPts val="4800"/>
-              <a:buNone/>
-              <a:defRPr sz="4800"/>
-            </a:lvl2pPr>
-            <a:lvl3pPr lvl="2" rtl="0">
-              <a:spcBef>
-                <a:spcPts val="0"/>
-              </a:spcBef>
-              <a:spcAft>
-                <a:spcPts val="0"/>
-              </a:spcAft>
-              <a:buSzPts val="4800"/>
-              <a:buNone/>
-              <a:defRPr sz="4800"/>
-            </a:lvl3pPr>
-            <a:lvl4pPr lvl="3" rtl="0">
-              <a:spcBef>
-                <a:spcPts val="0"/>
-              </a:spcBef>
-              <a:spcAft>
-                <a:spcPts val="0"/>
-              </a:spcAft>
-              <a:buSzPts val="4800"/>
-              <a:buNone/>
-              <a:defRPr sz="4800"/>
-            </a:lvl4pPr>
-            <a:lvl5pPr lvl="4" rtl="0">
-              <a:spcBef>
-                <a:spcPts val="0"/>
-              </a:spcBef>
-              <a:spcAft>
-                <a:spcPts val="0"/>
-              </a:spcAft>
-              <a:buSzPts val="4800"/>
-              <a:buNone/>
-              <a:defRPr sz="4800"/>
-            </a:lvl5pPr>
-            <a:lvl6pPr lvl="5" rtl="0">
-              <a:spcBef>
-                <a:spcPts val="0"/>
-              </a:spcBef>
-              <a:spcAft>
-                <a:spcPts val="0"/>
-              </a:spcAft>
-              <a:buSzPts val="4800"/>
-              <a:buNone/>
-              <a:defRPr sz="4800"/>
-            </a:lvl6pPr>
-            <a:lvl7pPr lvl="6" rtl="0">
-              <a:spcBef>
-                <a:spcPts val="0"/>
-              </a:spcBef>
-              <a:spcAft>
-                <a:spcPts val="0"/>
-              </a:spcAft>
-              <a:buSzPts val="4800"/>
-              <a:buNone/>
-              <a:defRPr sz="4800"/>
-            </a:lvl7pPr>
-            <a:lvl8pPr lvl="7" rtl="0">
-              <a:spcBef>
-                <a:spcPts val="0"/>
-              </a:spcBef>
-              <a:spcAft>
-                <a:spcPts val="0"/>
-              </a:spcAft>
-              <a:buSzPts val="4800"/>
-              <a:buNone/>
-              <a:defRPr sz="4800"/>
-            </a:lvl8pPr>
-            <a:lvl9pPr lvl="8" rtl="0">
-              <a:spcBef>
-                <a:spcPts val="0"/>
-              </a:spcBef>
-              <a:spcAft>
-                <a:spcPts val="0"/>
-              </a:spcAft>
-              <a:buSzPts val="4800"/>
-              <a:buNone/>
-              <a:defRPr sz="4800"/>
-            </a:lvl9pPr>
-          </a:lstStyle>
-          <a:p>
-            <a:endParaRPr/>
-          </a:p>
-        </p:txBody>
-      </p:sp>
-      <p:sp>
-        <p:nvSpPr>
-          <p:cNvPr id="56" name="Shape 56"/>
-          <p:cNvSpPr txBox="1">
-            <a:spLocks noGrp="1"/>
-          </p:cNvSpPr>
-          <p:nvPr>
-            <p:ph type="sldNum" idx="12"/>
-          </p:nvPr>
-        </p:nvSpPr>
-        <p:spPr>
-          <a:xfrm>
-            <a:off x="8472458" y="6217622"/>
-            <a:ext cx="548700" cy="524700"/>
-          </a:xfrm>
-          <a:prstGeom prst="rect">
-            <a:avLst/>
-          </a:prstGeom>
-        </p:spPr>
-        <p:txBody>
-          <a:bodyPr spcFirstLastPara="1" wrap="square" lIns="91425" tIns="91425" rIns="91425" bIns="91425" anchor="ctr" anchorCtr="0">
-            <a:noAutofit/>
-          </a:bodyPr>
-          <a:lstStyle/>
-          <a:p>
-            <a:pPr marL="0" lvl="0" indent="0" rtl="0">
-              <a:spcBef>
-                <a:spcPts val="0"/>
-              </a:spcBef>
-              <a:spcAft>
-                <a:spcPts val="0"/>
-              </a:spcAft>
-              <a:buNone/>
-            </a:pPr>
-            <a:fld id="{00000000-1234-1234-1234-123412341234}" type="slidenum">
-              <a:rPr lang="en"/>
-              <a:t>‹#›</a:t>
-            </a:fld>
-            <a:endParaRPr/>
-          </a:p>
-        </p:txBody>
-      </p:sp>
-    </p:spTree>
-  </p:cSld>
-  <p:clrMapOvr>
-    <a:masterClrMapping/>
-  </p:clrMapOvr>
-</p:sldLayout>
-</file>
-
-<file path=ppt/slideLayouts/slideLayout11.xml><?xml version="1.0" encoding="utf-8"?>
 <p:sldLayout xmlns:a="http://schemas.openxmlformats.org/drawingml/2006/main" xmlns:r="http://schemas.openxmlformats.org/officeDocument/2006/relationships" xmlns:p="http://schemas.openxmlformats.org/presentationml/2006/main">
   <p:cSld name="Section title and description">
     <p:spTree>
@@ -1864,7 +2227,7 @@
 </p:sldLayout>
 </file>
 
-<file path=ppt/slideLayouts/slideLayout12.xml><?xml version="1.0" encoding="utf-8"?>
+<file path=ppt/slideLayouts/slideLayout11.xml><?xml version="1.0" encoding="utf-8"?>
 <p:sldLayout xmlns:a="http://schemas.openxmlformats.org/drawingml/2006/main" xmlns:r="http://schemas.openxmlformats.org/officeDocument/2006/relationships" xmlns:p="http://schemas.openxmlformats.org/presentationml/2006/main">
   <p:cSld name="Caption">
     <p:spTree>
@@ -1973,7 +2336,7 @@
 </p:sldLayout>
 </file>
 
-<file path=ppt/slideLayouts/slideLayout13.xml><?xml version="1.0" encoding="utf-8"?>
+<file path=ppt/slideLayouts/slideLayout12.xml><?xml version="1.0" encoding="utf-8"?>
 <p:sldLayout xmlns:a="http://schemas.openxmlformats.org/drawingml/2006/main" xmlns:r="http://schemas.openxmlformats.org/officeDocument/2006/relationships" xmlns:p="http://schemas.openxmlformats.org/presentationml/2006/main">
   <p:cSld name="Big number">
     <p:spTree>
@@ -2294,7 +2657,7 @@
 </p:sldLayout>
 </file>
 
-<file path=ppt/slideLayouts/slideLayout14.xml><?xml version="1.0" encoding="utf-8"?>
+<file path=ppt/slideLayouts/slideLayout13.xml><?xml version="1.0" encoding="utf-8"?>
 <p:sldLayout xmlns:a="http://schemas.openxmlformats.org/drawingml/2006/main" xmlns:r="http://schemas.openxmlformats.org/officeDocument/2006/relationships" xmlns:p="http://schemas.openxmlformats.org/presentationml/2006/main" type="blank">
   <p:cSld name="Blank">
     <p:spTree>
@@ -2361,7 +2724,7 @@
 </p:sldLayout>
 </file>
 
-<file path=ppt/slideLayouts/slideLayout15.xml><?xml version="1.0" encoding="utf-8"?>
+<file path=ppt/slideLayouts/slideLayout14.xml><?xml version="1.0" encoding="utf-8"?>
 <p:sldLayout xmlns:a="http://schemas.openxmlformats.org/drawingml/2006/main" xmlns:r="http://schemas.openxmlformats.org/officeDocument/2006/relationships" xmlns:p="http://schemas.openxmlformats.org/presentationml/2006/main">
   <p:cSld name=" 2">
     <p:spTree>
@@ -2428,7 +2791,7 @@
 </p:sldLayout>
 </file>
 
-<file path=ppt/slideLayouts/slideLayout16.xml><?xml version="1.0" encoding="utf-8"?>
+<file path=ppt/slideLayouts/slideLayout15.xml><?xml version="1.0" encoding="utf-8"?>
 <p:sldLayout xmlns:a="http://schemas.openxmlformats.org/drawingml/2006/main" xmlns:r="http://schemas.openxmlformats.org/officeDocument/2006/relationships" xmlns:p="http://schemas.openxmlformats.org/presentationml/2006/main">
   <p:cSld name=" 3">
     <p:spTree>
@@ -3839,200 +4202,6 @@
 </file>
 
 <file path=ppt/slideLayouts/slideLayout5.xml><?xml version="1.0" encoding="utf-8"?>
-<p:sldLayout xmlns:a="http://schemas.openxmlformats.org/drawingml/2006/main" xmlns:r="http://schemas.openxmlformats.org/officeDocument/2006/relationships" xmlns:p="http://schemas.openxmlformats.org/presentationml/2006/main" type="secHead">
-  <p:cSld name="Section header">
-    <p:spTree>
-      <p:nvGrpSpPr>
-        <p:cNvPr id="1" name="Shape 35"/>
-        <p:cNvGrpSpPr/>
-        <p:nvPr/>
-      </p:nvGrpSpPr>
-      <p:grpSpPr>
-        <a:xfrm>
-          <a:off x="0" y="0"/>
-          <a:ext cx="0" cy="0"/>
-          <a:chOff x="0" y="0"/>
-          <a:chExt cx="0" cy="0"/>
-        </a:xfrm>
-      </p:grpSpPr>
-      <p:sp>
-        <p:nvSpPr>
-          <p:cNvPr id="36" name="Shape 36"/>
-          <p:cNvSpPr txBox="1">
-            <a:spLocks noGrp="1"/>
-          </p:cNvSpPr>
-          <p:nvPr>
-            <p:ph type="title"/>
-          </p:nvPr>
-        </p:nvSpPr>
-        <p:spPr>
-          <a:xfrm>
-            <a:off x="311700" y="2867800"/>
-            <a:ext cx="8520600" cy="1122300"/>
-          </a:xfrm>
-          <a:prstGeom prst="rect">
-            <a:avLst/>
-          </a:prstGeom>
-        </p:spPr>
-        <p:txBody>
-          <a:bodyPr spcFirstLastPara="1" wrap="square" lIns="91425" tIns="91425" rIns="91425" bIns="91425" anchor="ctr" anchorCtr="0"/>
-          <a:lstStyle>
-            <a:lvl1pPr lvl="0" algn="ctr" rtl="0">
-              <a:spcBef>
-                <a:spcPts val="0"/>
-              </a:spcBef>
-              <a:spcAft>
-                <a:spcPts val="0"/>
-              </a:spcAft>
-              <a:buSzPts val="3600"/>
-              <a:buNone/>
-              <a:defRPr sz="3600"/>
-            </a:lvl1pPr>
-            <a:lvl2pPr lvl="1" algn="ctr" rtl="0">
-              <a:spcBef>
-                <a:spcPts val="0"/>
-              </a:spcBef>
-              <a:spcAft>
-                <a:spcPts val="0"/>
-              </a:spcAft>
-              <a:buSzPts val="3600"/>
-              <a:buNone/>
-              <a:defRPr sz="3600"/>
-            </a:lvl2pPr>
-            <a:lvl3pPr lvl="2" algn="ctr" rtl="0">
-              <a:spcBef>
-                <a:spcPts val="0"/>
-              </a:spcBef>
-              <a:spcAft>
-                <a:spcPts val="0"/>
-              </a:spcAft>
-              <a:buSzPts val="3600"/>
-              <a:buNone/>
-              <a:defRPr sz="3600"/>
-            </a:lvl3pPr>
-            <a:lvl4pPr lvl="3" algn="ctr" rtl="0">
-              <a:spcBef>
-                <a:spcPts val="0"/>
-              </a:spcBef>
-              <a:spcAft>
-                <a:spcPts val="0"/>
-              </a:spcAft>
-              <a:buSzPts val="3600"/>
-              <a:buNone/>
-              <a:defRPr sz="3600"/>
-            </a:lvl4pPr>
-            <a:lvl5pPr lvl="4" algn="ctr" rtl="0">
-              <a:spcBef>
-                <a:spcPts val="0"/>
-              </a:spcBef>
-              <a:spcAft>
-                <a:spcPts val="0"/>
-              </a:spcAft>
-              <a:buSzPts val="3600"/>
-              <a:buNone/>
-              <a:defRPr sz="3600"/>
-            </a:lvl5pPr>
-            <a:lvl6pPr lvl="5" algn="ctr" rtl="0">
-              <a:spcBef>
-                <a:spcPts val="0"/>
-              </a:spcBef>
-              <a:spcAft>
-                <a:spcPts val="0"/>
-              </a:spcAft>
-              <a:buSzPts val="3600"/>
-              <a:buNone/>
-              <a:defRPr sz="3600"/>
-            </a:lvl6pPr>
-            <a:lvl7pPr lvl="6" algn="ctr" rtl="0">
-              <a:spcBef>
-                <a:spcPts val="0"/>
-              </a:spcBef>
-              <a:spcAft>
-                <a:spcPts val="0"/>
-              </a:spcAft>
-              <a:buSzPts val="3600"/>
-              <a:buNone/>
-              <a:defRPr sz="3600"/>
-            </a:lvl7pPr>
-            <a:lvl8pPr lvl="7" algn="ctr" rtl="0">
-              <a:spcBef>
-                <a:spcPts val="0"/>
-              </a:spcBef>
-              <a:spcAft>
-                <a:spcPts val="0"/>
-              </a:spcAft>
-              <a:buSzPts val="3600"/>
-              <a:buNone/>
-              <a:defRPr sz="3600"/>
-            </a:lvl8pPr>
-            <a:lvl9pPr lvl="8" algn="ctr" rtl="0">
-              <a:spcBef>
-                <a:spcPts val="0"/>
-              </a:spcBef>
-              <a:spcAft>
-                <a:spcPts val="0"/>
-              </a:spcAft>
-              <a:buSzPts val="3600"/>
-              <a:buNone/>
-              <a:defRPr sz="3600"/>
-            </a:lvl9pPr>
-          </a:lstStyle>
-          <a:p>
-            <a:endParaRPr/>
-          </a:p>
-        </p:txBody>
-      </p:sp>
-      <p:sp>
-        <p:nvSpPr>
-          <p:cNvPr id="37" name="Shape 37"/>
-          <p:cNvSpPr txBox="1">
-            <a:spLocks noGrp="1"/>
-          </p:cNvSpPr>
-          <p:nvPr>
-            <p:ph type="sldNum" idx="12"/>
-          </p:nvPr>
-        </p:nvSpPr>
-        <p:spPr>
-          <a:xfrm>
-            <a:off x="8472458" y="6217622"/>
-            <a:ext cx="548700" cy="524700"/>
-          </a:xfrm>
-          <a:prstGeom prst="rect">
-            <a:avLst/>
-          </a:prstGeom>
-        </p:spPr>
-        <p:txBody>
-          <a:bodyPr spcFirstLastPara="1" wrap="square" lIns="91425" tIns="91425" rIns="91425" bIns="91425" anchor="ctr" anchorCtr="0">
-            <a:noAutofit/>
-          </a:bodyPr>
-          <a:lstStyle/>
-          <a:p>
-            <a:pPr marL="0" lvl="0" indent="0" rtl="0">
-              <a:spcBef>
-                <a:spcPts val="0"/>
-              </a:spcBef>
-              <a:spcAft>
-                <a:spcPts val="0"/>
-              </a:spcAft>
-              <a:buNone/>
-            </a:pPr>
-            <a:fld id="{00000000-1234-1234-1234-123412341234}" type="slidenum">
-              <a:rPr lang="en"/>
-              <a:t>‹#›</a:t>
-            </a:fld>
-            <a:endParaRPr/>
-          </a:p>
-        </p:txBody>
-      </p:sp>
-    </p:spTree>
-  </p:cSld>
-  <p:clrMapOvr>
-    <a:masterClrMapping/>
-  </p:clrMapOvr>
-</p:sldLayout>
-</file>
-
-<file path=ppt/slideLayouts/slideLayout6.xml><?xml version="1.0" encoding="utf-8"?>
 <p:sldLayout xmlns:a="http://schemas.openxmlformats.org/drawingml/2006/main" xmlns:r="http://schemas.openxmlformats.org/officeDocument/2006/relationships" xmlns:p="http://schemas.openxmlformats.org/presentationml/2006/main" type="tx">
   <p:cSld name="Title and body">
     <p:spTree>
@@ -4353,7 +4522,7 @@
 </p:sldLayout>
 </file>
 
-<file path=ppt/slideLayouts/slideLayout7.xml><?xml version="1.0" encoding="utf-8"?>
+<file path=ppt/slideLayouts/slideLayout6.xml><?xml version="1.0" encoding="utf-8"?>
 <p:sldLayout xmlns:a="http://schemas.openxmlformats.org/drawingml/2006/main" xmlns:r="http://schemas.openxmlformats.org/officeDocument/2006/relationships" xmlns:p="http://schemas.openxmlformats.org/presentationml/2006/main" type="twoColTx">
   <p:cSld name="Title and two columns">
     <p:spTree>
@@ -4801,7 +4970,7 @@
 </p:sldLayout>
 </file>
 
-<file path=ppt/slideLayouts/slideLayout8.xml><?xml version="1.0" encoding="utf-8"?>
+<file path=ppt/slideLayouts/slideLayout7.xml><?xml version="1.0" encoding="utf-8"?>
 <p:sldLayout xmlns:a="http://schemas.openxmlformats.org/drawingml/2006/main" xmlns:r="http://schemas.openxmlformats.org/officeDocument/2006/relationships" xmlns:p="http://schemas.openxmlformats.org/presentationml/2006/main" type="titleOnly">
   <p:cSld name="Title only">
     <p:spTree>
@@ -4995,7 +5164,7 @@
 </p:sldLayout>
 </file>
 
-<file path=ppt/slideLayouts/slideLayout9.xml><?xml version="1.0" encoding="utf-8"?>
+<file path=ppt/slideLayouts/slideLayout8.xml><?xml version="1.0" encoding="utf-8"?>
 <p:sldLayout xmlns:a="http://schemas.openxmlformats.org/drawingml/2006/main" xmlns:r="http://schemas.openxmlformats.org/officeDocument/2006/relationships" xmlns:p="http://schemas.openxmlformats.org/presentationml/2006/main">
   <p:cSld name="One column text">
     <p:spTree>
@@ -5269,6 +5438,200 @@
       <p:sp>
         <p:nvSpPr>
           <p:cNvPr id="53" name="Shape 53"/>
+          <p:cNvSpPr txBox="1">
+            <a:spLocks noGrp="1"/>
+          </p:cNvSpPr>
+          <p:nvPr>
+            <p:ph type="sldNum" idx="12"/>
+          </p:nvPr>
+        </p:nvSpPr>
+        <p:spPr>
+          <a:xfrm>
+            <a:off x="8472458" y="6217622"/>
+            <a:ext cx="548700" cy="524700"/>
+          </a:xfrm>
+          <a:prstGeom prst="rect">
+            <a:avLst/>
+          </a:prstGeom>
+        </p:spPr>
+        <p:txBody>
+          <a:bodyPr spcFirstLastPara="1" wrap="square" lIns="91425" tIns="91425" rIns="91425" bIns="91425" anchor="ctr" anchorCtr="0">
+            <a:noAutofit/>
+          </a:bodyPr>
+          <a:lstStyle/>
+          <a:p>
+            <a:pPr marL="0" lvl="0" indent="0" rtl="0">
+              <a:spcBef>
+                <a:spcPts val="0"/>
+              </a:spcBef>
+              <a:spcAft>
+                <a:spcPts val="0"/>
+              </a:spcAft>
+              <a:buNone/>
+            </a:pPr>
+            <a:fld id="{00000000-1234-1234-1234-123412341234}" type="slidenum">
+              <a:rPr lang="en"/>
+              <a:t>‹#›</a:t>
+            </a:fld>
+            <a:endParaRPr/>
+          </a:p>
+        </p:txBody>
+      </p:sp>
+    </p:spTree>
+  </p:cSld>
+  <p:clrMapOvr>
+    <a:masterClrMapping/>
+  </p:clrMapOvr>
+</p:sldLayout>
+</file>
+
+<file path=ppt/slideLayouts/slideLayout9.xml><?xml version="1.0" encoding="utf-8"?>
+<p:sldLayout xmlns:a="http://schemas.openxmlformats.org/drawingml/2006/main" xmlns:r="http://schemas.openxmlformats.org/officeDocument/2006/relationships" xmlns:p="http://schemas.openxmlformats.org/presentationml/2006/main">
+  <p:cSld name="Main point">
+    <p:spTree>
+      <p:nvGrpSpPr>
+        <p:cNvPr id="1" name="Shape 54"/>
+        <p:cNvGrpSpPr/>
+        <p:nvPr/>
+      </p:nvGrpSpPr>
+      <p:grpSpPr>
+        <a:xfrm>
+          <a:off x="0" y="0"/>
+          <a:ext cx="0" cy="0"/>
+          <a:chOff x="0" y="0"/>
+          <a:chExt cx="0" cy="0"/>
+        </a:xfrm>
+      </p:grpSpPr>
+      <p:sp>
+        <p:nvSpPr>
+          <p:cNvPr id="55" name="Shape 55"/>
+          <p:cNvSpPr txBox="1">
+            <a:spLocks noGrp="1"/>
+          </p:cNvSpPr>
+          <p:nvPr>
+            <p:ph type="title"/>
+          </p:nvPr>
+        </p:nvSpPr>
+        <p:spPr>
+          <a:xfrm>
+            <a:off x="490250" y="600200"/>
+            <a:ext cx="6367800" cy="5454300"/>
+          </a:xfrm>
+          <a:prstGeom prst="rect">
+            <a:avLst/>
+          </a:prstGeom>
+        </p:spPr>
+        <p:txBody>
+          <a:bodyPr spcFirstLastPara="1" wrap="square" lIns="91425" tIns="91425" rIns="91425" bIns="91425" anchor="ctr" anchorCtr="0"/>
+          <a:lstStyle>
+            <a:lvl1pPr lvl="0" rtl="0">
+              <a:spcBef>
+                <a:spcPts val="0"/>
+              </a:spcBef>
+              <a:spcAft>
+                <a:spcPts val="0"/>
+              </a:spcAft>
+              <a:buSzPts val="4800"/>
+              <a:buNone/>
+              <a:defRPr sz="4800"/>
+            </a:lvl1pPr>
+            <a:lvl2pPr lvl="1" rtl="0">
+              <a:spcBef>
+                <a:spcPts val="0"/>
+              </a:spcBef>
+              <a:spcAft>
+                <a:spcPts val="0"/>
+              </a:spcAft>
+              <a:buSzPts val="4800"/>
+              <a:buNone/>
+              <a:defRPr sz="4800"/>
+            </a:lvl2pPr>
+            <a:lvl3pPr lvl="2" rtl="0">
+              <a:spcBef>
+                <a:spcPts val="0"/>
+              </a:spcBef>
+              <a:spcAft>
+                <a:spcPts val="0"/>
+              </a:spcAft>
+              <a:buSzPts val="4800"/>
+              <a:buNone/>
+              <a:defRPr sz="4800"/>
+            </a:lvl3pPr>
+            <a:lvl4pPr lvl="3" rtl="0">
+              <a:spcBef>
+                <a:spcPts val="0"/>
+              </a:spcBef>
+              <a:spcAft>
+                <a:spcPts val="0"/>
+              </a:spcAft>
+              <a:buSzPts val="4800"/>
+              <a:buNone/>
+              <a:defRPr sz="4800"/>
+            </a:lvl4pPr>
+            <a:lvl5pPr lvl="4" rtl="0">
+              <a:spcBef>
+                <a:spcPts val="0"/>
+              </a:spcBef>
+              <a:spcAft>
+                <a:spcPts val="0"/>
+              </a:spcAft>
+              <a:buSzPts val="4800"/>
+              <a:buNone/>
+              <a:defRPr sz="4800"/>
+            </a:lvl5pPr>
+            <a:lvl6pPr lvl="5" rtl="0">
+              <a:spcBef>
+                <a:spcPts val="0"/>
+              </a:spcBef>
+              <a:spcAft>
+                <a:spcPts val="0"/>
+              </a:spcAft>
+              <a:buSzPts val="4800"/>
+              <a:buNone/>
+              <a:defRPr sz="4800"/>
+            </a:lvl6pPr>
+            <a:lvl7pPr lvl="6" rtl="0">
+              <a:spcBef>
+                <a:spcPts val="0"/>
+              </a:spcBef>
+              <a:spcAft>
+                <a:spcPts val="0"/>
+              </a:spcAft>
+              <a:buSzPts val="4800"/>
+              <a:buNone/>
+              <a:defRPr sz="4800"/>
+            </a:lvl7pPr>
+            <a:lvl8pPr lvl="7" rtl="0">
+              <a:spcBef>
+                <a:spcPts val="0"/>
+              </a:spcBef>
+              <a:spcAft>
+                <a:spcPts val="0"/>
+              </a:spcAft>
+              <a:buSzPts val="4800"/>
+              <a:buNone/>
+              <a:defRPr sz="4800"/>
+            </a:lvl8pPr>
+            <a:lvl9pPr lvl="8" rtl="0">
+              <a:spcBef>
+                <a:spcPts val="0"/>
+              </a:spcBef>
+              <a:spcAft>
+                <a:spcPts val="0"/>
+              </a:spcAft>
+              <a:buSzPts val="4800"/>
+              <a:buNone/>
+              <a:defRPr sz="4800"/>
+            </a:lvl9pPr>
+          </a:lstStyle>
+          <a:p>
+            <a:endParaRPr/>
+          </a:p>
+        </p:txBody>
+      </p:sp>
+      <p:sp>
+        <p:nvSpPr>
+          <p:cNvPr id="56" name="Shape 56"/>
           <p:cNvSpPr txBox="1">
             <a:spLocks noGrp="1"/>
           </p:cNvSpPr>
@@ -7116,18 +7479,17 @@
   <p:clrMap bg1="lt1" tx1="dk1" bg2="dk2" tx2="lt2" accent1="accent1" accent2="accent2" accent3="accent3" accent4="accent4" accent5="accent5" accent6="accent6" hlink="hlink" folHlink="folHlink"/>
   <p:sldLayoutIdLst>
     <p:sldLayoutId id="2147483651" r:id="rId1"/>
-    <p:sldLayoutId id="2147483652" r:id="rId2"/>
-    <p:sldLayoutId id="2147483653" r:id="rId3"/>
-    <p:sldLayoutId id="2147483654" r:id="rId4"/>
-    <p:sldLayoutId id="2147483655" r:id="rId5"/>
-    <p:sldLayoutId id="2147483656" r:id="rId6"/>
-    <p:sldLayoutId id="2147483657" r:id="rId7"/>
-    <p:sldLayoutId id="2147483658" r:id="rId8"/>
-    <p:sldLayoutId id="2147483659" r:id="rId9"/>
-    <p:sldLayoutId id="2147483660" r:id="rId10"/>
-    <p:sldLayoutId id="2147483661" r:id="rId11"/>
-    <p:sldLayoutId id="2147483662" r:id="rId12"/>
-    <p:sldLayoutId id="2147483663" r:id="rId13"/>
+    <p:sldLayoutId id="2147483653" r:id="rId2"/>
+    <p:sldLayoutId id="2147483654" r:id="rId3"/>
+    <p:sldLayoutId id="2147483655" r:id="rId4"/>
+    <p:sldLayoutId id="2147483656" r:id="rId5"/>
+    <p:sldLayoutId id="2147483657" r:id="rId6"/>
+    <p:sldLayoutId id="2147483658" r:id="rId7"/>
+    <p:sldLayoutId id="2147483659" r:id="rId8"/>
+    <p:sldLayoutId id="2147483660" r:id="rId9"/>
+    <p:sldLayoutId id="2147483661" r:id="rId10"/>
+    <p:sldLayoutId id="2147483662" r:id="rId11"/>
+    <p:sldLayoutId id="2147483663" r:id="rId12"/>
   </p:sldLayoutIdLst>
   <p:hf sldNum="0" hdr="0" ftr="0" dt="0"/>
   <p:txStyles>
@@ -7714,7 +8076,7 @@
               </a:spcAft>
               <a:buNone/>
             </a:pPr>
-            <a:endParaRPr/>
+            <a:endParaRPr lang="it-IT" dirty="0"/>
           </a:p>
         </p:txBody>
       </p:sp>
@@ -7760,7 +8122,7 @@
               </a:spcAft>
               <a:buNone/>
             </a:pPr>
-            <a:endParaRPr dirty="0"/>
+            <a:endParaRPr lang="it-IT" dirty="0"/>
           </a:p>
         </p:txBody>
       </p:sp>
@@ -7795,116 +8157,36 @@
               </a:lnSpc>
             </a:pPr>
             <a:r>
-              <a:rPr lang="en-US" sz="3200" dirty="0" err="1">
+              <a:rPr lang="it-IT" sz="3200" dirty="0">
                 <a:solidFill>
                   <a:schemeClr val="bg1"/>
                 </a:solidFill>
                 <a:latin typeface="Arial" panose="020B0604020202020204" pitchFamily="34" charset="0"/>
                 <a:cs typeface="Arial" panose="020B0604020202020204" pitchFamily="34" charset="0"/>
               </a:rPr>
-              <a:t>Analisi</a:t>
+              <a:t>Analisi, progettazione e sviluppo del </a:t>
             </a:r>
             <a:r>
-              <a:rPr lang="en-US" sz="3200" dirty="0">
+              <a:rPr lang="it-IT" sz="3200" dirty="0" err="1">
                 <a:solidFill>
                   <a:schemeClr val="bg1"/>
                 </a:solidFill>
                 <a:latin typeface="Arial" panose="020B0604020202020204" pitchFamily="34" charset="0"/>
                 <a:cs typeface="Arial" panose="020B0604020202020204" pitchFamily="34" charset="0"/>
               </a:rPr>
-              <a:t>, </a:t>
+              <a:t>backend</a:t>
             </a:r>
             <a:r>
-              <a:rPr lang="en-US" sz="3200" dirty="0" err="1">
+              <a:rPr lang="it-IT" sz="3200" dirty="0">
                 <a:solidFill>
                   <a:schemeClr val="bg1"/>
                 </a:solidFill>
                 <a:latin typeface="Arial" panose="020B0604020202020204" pitchFamily="34" charset="0"/>
                 <a:cs typeface="Arial" panose="020B0604020202020204" pitchFamily="34" charset="0"/>
               </a:rPr>
-              <a:t>progettazione</a:t>
+              <a:t> di un’applicazione web per la gestione di eventi</a:t>
             </a:r>
-            <a:r>
-              <a:rPr lang="en-US" sz="3200" dirty="0">
-                <a:solidFill>
-                  <a:schemeClr val="bg1"/>
-                </a:solidFill>
-                <a:latin typeface="Arial" panose="020B0604020202020204" pitchFamily="34" charset="0"/>
-                <a:cs typeface="Arial" panose="020B0604020202020204" pitchFamily="34" charset="0"/>
-              </a:rPr>
-              <a:t> e </a:t>
-            </a:r>
-            <a:r>
-              <a:rPr lang="en-US" sz="3200" dirty="0" err="1">
-                <a:solidFill>
-                  <a:schemeClr val="bg1"/>
-                </a:solidFill>
-                <a:latin typeface="Arial" panose="020B0604020202020204" pitchFamily="34" charset="0"/>
-                <a:cs typeface="Arial" panose="020B0604020202020204" pitchFamily="34" charset="0"/>
-              </a:rPr>
-              <a:t>sviluppo</a:t>
-            </a:r>
-            <a:r>
-              <a:rPr lang="en-US" sz="3200" dirty="0">
-                <a:solidFill>
-                  <a:schemeClr val="bg1"/>
-                </a:solidFill>
-                <a:latin typeface="Arial" panose="020B0604020202020204" pitchFamily="34" charset="0"/>
-                <a:cs typeface="Arial" panose="020B0604020202020204" pitchFamily="34" charset="0"/>
-              </a:rPr>
-              <a:t> del backend di </a:t>
-            </a:r>
-            <a:r>
-              <a:rPr lang="en-US" sz="3200" dirty="0" err="1">
-                <a:solidFill>
-                  <a:schemeClr val="bg1"/>
-                </a:solidFill>
-                <a:latin typeface="Arial" panose="020B0604020202020204" pitchFamily="34" charset="0"/>
-                <a:cs typeface="Arial" panose="020B0604020202020204" pitchFamily="34" charset="0"/>
-              </a:rPr>
-              <a:t>un’applicazione</a:t>
-            </a:r>
-            <a:r>
-              <a:rPr lang="en-US" sz="3200" dirty="0">
-                <a:solidFill>
-                  <a:schemeClr val="bg1"/>
-                </a:solidFill>
-                <a:latin typeface="Arial" panose="020B0604020202020204" pitchFamily="34" charset="0"/>
-                <a:cs typeface="Arial" panose="020B0604020202020204" pitchFamily="34" charset="0"/>
-              </a:rPr>
-              <a:t> web per la </a:t>
-            </a:r>
-            <a:r>
-              <a:rPr lang="en-US" sz="3200" dirty="0" err="1">
-                <a:solidFill>
-                  <a:schemeClr val="bg1"/>
-                </a:solidFill>
-                <a:latin typeface="Arial" panose="020B0604020202020204" pitchFamily="34" charset="0"/>
-                <a:cs typeface="Arial" panose="020B0604020202020204" pitchFamily="34" charset="0"/>
-              </a:rPr>
-              <a:t>gestione</a:t>
-            </a:r>
-            <a:r>
-              <a:rPr lang="en-US" sz="3200" dirty="0">
-                <a:solidFill>
-                  <a:schemeClr val="bg1"/>
-                </a:solidFill>
-                <a:latin typeface="Arial" panose="020B0604020202020204" pitchFamily="34" charset="0"/>
-                <a:cs typeface="Arial" panose="020B0604020202020204" pitchFamily="34" charset="0"/>
-              </a:rPr>
-              <a:t> di </a:t>
-            </a:r>
-            <a:r>
-              <a:rPr lang="en-US" sz="3200" dirty="0" err="1">
-                <a:solidFill>
-                  <a:schemeClr val="bg1"/>
-                </a:solidFill>
-                <a:latin typeface="Arial" panose="020B0604020202020204" pitchFamily="34" charset="0"/>
-                <a:cs typeface="Arial" panose="020B0604020202020204" pitchFamily="34" charset="0"/>
-              </a:rPr>
-              <a:t>eventi</a:t>
-            </a:r>
-            <a:endParaRPr lang="en-US" sz="4800" dirty="0">
+            <a:endParaRPr lang="it-IT" sz="4800" dirty="0">
               <a:solidFill>
                 <a:schemeClr val="bg1"/>
               </a:solidFill>
@@ -7946,7 +8228,7 @@
               <a:buSzPts val="1100"/>
             </a:pPr>
             <a:r>
-              <a:rPr lang="en-US" sz="2400" dirty="0" err="1">
+              <a:rPr lang="it-IT" sz="2400" dirty="0">
                 <a:solidFill>
                   <a:srgbClr val="FFFFFF"/>
                 </a:solidFill>
@@ -7954,84 +8236,7 @@
                 <a:cs typeface="Arial" panose="020B0604020202020204" pitchFamily="34" charset="0"/>
                 <a:sym typeface="Calibri"/>
               </a:rPr>
-              <a:t>Dipartimento</a:t>
-            </a:r>
-            <a:r>
-              <a:rPr lang="en-US" sz="2400" dirty="0">
-                <a:solidFill>
-                  <a:srgbClr val="FFFFFF"/>
-                </a:solidFill>
-                <a:latin typeface="Arial" panose="020B0604020202020204" pitchFamily="34" charset="0"/>
-                <a:cs typeface="Arial" panose="020B0604020202020204" pitchFamily="34" charset="0"/>
-                <a:sym typeface="Calibri"/>
-              </a:rPr>
-              <a:t> di </a:t>
-            </a:r>
-            <a:r>
-              <a:rPr lang="en-US" sz="2400" dirty="0" err="1">
-                <a:solidFill>
-                  <a:srgbClr val="FFFFFF"/>
-                </a:solidFill>
-                <a:latin typeface="Arial" panose="020B0604020202020204" pitchFamily="34" charset="0"/>
-                <a:cs typeface="Arial" panose="020B0604020202020204" pitchFamily="34" charset="0"/>
-                <a:sym typeface="Calibri"/>
-              </a:rPr>
-              <a:t>Matematica</a:t>
-            </a:r>
-            <a:r>
-              <a:rPr lang="en-US" sz="2400" dirty="0">
-                <a:solidFill>
-                  <a:srgbClr val="FFFFFF"/>
-                </a:solidFill>
-                <a:latin typeface="Arial" panose="020B0604020202020204" pitchFamily="34" charset="0"/>
-                <a:cs typeface="Arial" panose="020B0604020202020204" pitchFamily="34" charset="0"/>
-                <a:sym typeface="Calibri"/>
-              </a:rPr>
-              <a:t> “</a:t>
-            </a:r>
-            <a:r>
-              <a:rPr lang="en-US" sz="2400" dirty="0" err="1">
-                <a:solidFill>
-                  <a:srgbClr val="FFFFFF"/>
-                </a:solidFill>
-                <a:latin typeface="Arial" panose="020B0604020202020204" pitchFamily="34" charset="0"/>
-                <a:cs typeface="Arial" panose="020B0604020202020204" pitchFamily="34" charset="0"/>
-                <a:sym typeface="Calibri"/>
-              </a:rPr>
-              <a:t>Tullio</a:t>
-            </a:r>
-            <a:r>
-              <a:rPr lang="en-US" sz="2400" dirty="0">
-                <a:solidFill>
-                  <a:srgbClr val="FFFFFF"/>
-                </a:solidFill>
-                <a:latin typeface="Arial" panose="020B0604020202020204" pitchFamily="34" charset="0"/>
-                <a:cs typeface="Arial" panose="020B0604020202020204" pitchFamily="34" charset="0"/>
-                <a:sym typeface="Calibri"/>
-              </a:rPr>
-              <a:t> Levi-</a:t>
-            </a:r>
-            <a:r>
-              <a:rPr lang="en-US" sz="2400" dirty="0" err="1">
-                <a:solidFill>
-                  <a:srgbClr val="FFFFFF"/>
-                </a:solidFill>
-                <a:latin typeface="Arial" panose="020B0604020202020204" pitchFamily="34" charset="0"/>
-                <a:cs typeface="Arial" panose="020B0604020202020204" pitchFamily="34" charset="0"/>
-                <a:sym typeface="Calibri"/>
-              </a:rPr>
-              <a:t>Civita</a:t>
-            </a:r>
-            <a:r>
-              <a:rPr lang="en-US" sz="2400" dirty="0">
-                <a:solidFill>
-                  <a:srgbClr val="FFFFFF"/>
-                </a:solidFill>
-                <a:latin typeface="Arial" panose="020B0604020202020204" pitchFamily="34" charset="0"/>
-                <a:cs typeface="Arial" panose="020B0604020202020204" pitchFamily="34" charset="0"/>
-                <a:sym typeface="Calibri"/>
-              </a:rPr>
-              <a:t>”</a:t>
+              <a:t>Dipartimento di Matematica “Tullio Levi-Civita”</a:t>
             </a:r>
           </a:p>
           <a:p>
@@ -8042,7 +8247,7 @@
               <a:buSzPts val="1100"/>
             </a:pPr>
             <a:r>
-              <a:rPr lang="en-US" sz="2400" dirty="0">
+              <a:rPr lang="it-IT" sz="2400" dirty="0">
                 <a:solidFill>
                   <a:srgbClr val="FFFFFF"/>
                 </a:solidFill>
@@ -8050,38 +8255,8 @@
                 <a:cs typeface="Arial" panose="020B0604020202020204" pitchFamily="34" charset="0"/>
                 <a:sym typeface="Calibri"/>
               </a:rPr>
-              <a:t>Corso di </a:t>
+              <a:t>Corso di Laurea in Informatica</a:t>
             </a:r>
-            <a:r>
-              <a:rPr lang="en-US" sz="2400" dirty="0" err="1">
-                <a:solidFill>
-                  <a:srgbClr val="FFFFFF"/>
-                </a:solidFill>
-                <a:latin typeface="Arial" panose="020B0604020202020204" pitchFamily="34" charset="0"/>
-                <a:cs typeface="Arial" panose="020B0604020202020204" pitchFamily="34" charset="0"/>
-                <a:sym typeface="Calibri"/>
-              </a:rPr>
-              <a:t>Laurea</a:t>
-            </a:r>
-            <a:r>
-              <a:rPr lang="en-US" sz="2400" dirty="0">
-                <a:solidFill>
-                  <a:srgbClr val="FFFFFF"/>
-                </a:solidFill>
-                <a:latin typeface="Arial" panose="020B0604020202020204" pitchFamily="34" charset="0"/>
-                <a:cs typeface="Arial" panose="020B0604020202020204" pitchFamily="34" charset="0"/>
-                <a:sym typeface="Calibri"/>
-              </a:rPr>
-              <a:t> in Informatica</a:t>
-            </a:r>
-            <a:endParaRPr sz="2400" dirty="0">
-              <a:solidFill>
-                <a:srgbClr val="FFFFFF"/>
-              </a:solidFill>
-              <a:latin typeface="Arial" panose="020B0604020202020204" pitchFamily="34" charset="0"/>
-              <a:cs typeface="Arial" panose="020B0604020202020204" pitchFamily="34" charset="0"/>
-              <a:sym typeface="Calibri"/>
-            </a:endParaRPr>
           </a:p>
         </p:txBody>
       </p:sp>
@@ -8120,7 +8295,7 @@
               <a:buNone/>
             </a:pPr>
             <a:r>
-              <a:rPr lang="en-US" sz="1800" dirty="0">
+              <a:rPr lang="it-IT" sz="1800" dirty="0">
                 <a:solidFill>
                   <a:srgbClr val="FFFFFF"/>
                 </a:solidFill>
@@ -8141,42 +8316,15 @@
               <a:buNone/>
             </a:pPr>
             <a:r>
-              <a:rPr lang="en-US" sz="1800" dirty="0">
+              <a:rPr lang="it-IT" sz="1800" dirty="0">
                 <a:solidFill>
                   <a:srgbClr val="FFFFFF"/>
                 </a:solidFill>
                 <a:latin typeface="Arial" panose="020B0604020202020204" pitchFamily="34" charset="0"/>
                 <a:cs typeface="Arial" panose="020B0604020202020204" pitchFamily="34" charset="0"/>
               </a:rPr>
-              <a:t>21 </a:t>
+              <a:t>21 Luglio 2022</a:t>
             </a:r>
-            <a:r>
-              <a:rPr lang="en-US" sz="1800" dirty="0" err="1">
-                <a:solidFill>
-                  <a:srgbClr val="FFFFFF"/>
-                </a:solidFill>
-                <a:latin typeface="Arial" panose="020B0604020202020204" pitchFamily="34" charset="0"/>
-                <a:cs typeface="Arial" panose="020B0604020202020204" pitchFamily="34" charset="0"/>
-              </a:rPr>
-              <a:t>Luglio</a:t>
-            </a:r>
-            <a:r>
-              <a:rPr lang="en-US" sz="1800" dirty="0">
-                <a:solidFill>
-                  <a:srgbClr val="FFFFFF"/>
-                </a:solidFill>
-                <a:latin typeface="Arial" panose="020B0604020202020204" pitchFamily="34" charset="0"/>
-                <a:cs typeface="Arial" panose="020B0604020202020204" pitchFamily="34" charset="0"/>
-              </a:rPr>
-              <a:t> 2022</a:t>
-            </a:r>
-            <a:endParaRPr sz="1800" dirty="0">
-              <a:solidFill>
-                <a:srgbClr val="FFFFFF"/>
-              </a:solidFill>
-              <a:latin typeface="Arial" panose="020B0604020202020204" pitchFamily="34" charset="0"/>
-              <a:cs typeface="Arial" panose="020B0604020202020204" pitchFamily="34" charset="0"/>
-            </a:endParaRPr>
           </a:p>
         </p:txBody>
       </p:sp>
@@ -8211,6 +8359,133 @@
         </p:spPr>
       </p:pic>
     </p:spTree>
+  </p:cSld>
+  <p:clrMapOvr>
+    <a:masterClrMapping/>
+  </p:clrMapOvr>
+</p:sld>
+</file>
+
+<file path=ppt/slides/slide10.xml><?xml version="1.0" encoding="utf-8"?>
+<p:sld xmlns:a="http://schemas.openxmlformats.org/drawingml/2006/main" xmlns:r="http://schemas.openxmlformats.org/officeDocument/2006/relationships" xmlns:p="http://schemas.openxmlformats.org/presentationml/2006/main">
+  <p:cSld>
+    <p:spTree>
+      <p:nvGrpSpPr>
+        <p:cNvPr id="1" name="Shape 98"/>
+        <p:cNvGrpSpPr/>
+        <p:nvPr/>
+      </p:nvGrpSpPr>
+      <p:grpSpPr>
+        <a:xfrm>
+          <a:off x="0" y="0"/>
+          <a:ext cx="0" cy="0"/>
+          <a:chOff x="0" y="0"/>
+          <a:chExt cx="0" cy="0"/>
+        </a:xfrm>
+      </p:grpSpPr>
+      <p:sp>
+        <p:nvSpPr>
+          <p:cNvPr id="99" name="Shape 99"/>
+          <p:cNvSpPr txBox="1">
+            <a:spLocks noGrp="1"/>
+          </p:cNvSpPr>
+          <p:nvPr>
+            <p:ph type="title" idx="4294967295"/>
+          </p:nvPr>
+        </p:nvSpPr>
+        <p:spPr>
+          <a:xfrm>
+            <a:off x="457200" y="-1"/>
+            <a:ext cx="5213100" cy="707455"/>
+          </a:xfrm>
+          <a:prstGeom prst="rect">
+            <a:avLst/>
+          </a:prstGeom>
+        </p:spPr>
+        <p:txBody>
+          <a:bodyPr spcFirstLastPara="1" wrap="square" lIns="82925" tIns="82925" rIns="82925" bIns="82925" anchor="ctr" anchorCtr="0">
+            <a:noAutofit/>
+          </a:bodyPr>
+          <a:lstStyle/>
+          <a:p>
+            <a:pPr marL="0" lvl="0" indent="0" rtl="0">
+              <a:spcBef>
+                <a:spcPts val="0"/>
+              </a:spcBef>
+              <a:spcAft>
+                <a:spcPts val="0"/>
+              </a:spcAft>
+              <a:buNone/>
+            </a:pPr>
+            <a:r>
+              <a:rPr lang="it-IT" sz="3000" noProof="0" dirty="0">
+                <a:solidFill>
+                  <a:srgbClr val="FFFFFF"/>
+                </a:solidFill>
+              </a:rPr>
+              <a:t>Controller - autorizzazioni</a:t>
+            </a:r>
+          </a:p>
+        </p:txBody>
+      </p:sp>
+      <p:sp>
+        <p:nvSpPr>
+          <p:cNvPr id="101" name="Shape 101"/>
+          <p:cNvSpPr/>
+          <p:nvPr/>
+        </p:nvSpPr>
+        <p:spPr>
+          <a:xfrm>
+            <a:off x="6901544" y="6396100"/>
+            <a:ext cx="2242456" cy="378300"/>
+          </a:xfrm>
+          <a:prstGeom prst="rect">
+            <a:avLst/>
+          </a:prstGeom>
+          <a:solidFill>
+            <a:srgbClr val="9B0014"/>
+          </a:solidFill>
+          <a:ln>
+            <a:noFill/>
+          </a:ln>
+        </p:spPr>
+        <p:txBody>
+          <a:bodyPr spcFirstLastPara="1" wrap="square" lIns="91425" tIns="91425" rIns="91425" bIns="91425" anchor="ctr" anchorCtr="0">
+            <a:noAutofit/>
+          </a:bodyPr>
+          <a:lstStyle/>
+          <a:p>
+            <a:pPr marL="0" lvl="0" indent="0" algn="ctr">
+              <a:spcBef>
+                <a:spcPts val="0"/>
+              </a:spcBef>
+              <a:spcAft>
+                <a:spcPts val="0"/>
+              </a:spcAft>
+              <a:buNone/>
+            </a:pPr>
+            <a:r>
+              <a:rPr lang="en-US" dirty="0">
+                <a:solidFill>
+                  <a:srgbClr val="FF9696"/>
+                </a:solidFill>
+              </a:rPr>
+              <a:t>X di Y</a:t>
+            </a:r>
+            <a:endParaRPr dirty="0">
+              <a:solidFill>
+                <a:srgbClr val="FF9696"/>
+              </a:solidFill>
+            </a:endParaRPr>
+          </a:p>
+        </p:txBody>
+      </p:sp>
+    </p:spTree>
+    <p:extLst>
+      <p:ext uri="{BB962C8B-B14F-4D97-AF65-F5344CB8AC3E}">
+        <p14:creationId xmlns:p14="http://schemas.microsoft.com/office/powerpoint/2010/main" val="3998977162"/>
+      </p:ext>
+    </p:extLst>
   </p:cSld>
   <p:clrMapOvr>
     <a:masterClrMapping/>
@@ -8270,18 +8545,13 @@
               <a:buNone/>
             </a:pPr>
             <a:r>
-              <a:rPr lang="en-US" sz="3000" dirty="0" err="1">
+              <a:rPr lang="it-IT" sz="3000" dirty="0">
                 <a:solidFill>
                   <a:srgbClr val="FFFFFF"/>
                 </a:solidFill>
               </a:rPr>
               <a:t>Azienda</a:t>
             </a:r>
-            <a:endParaRPr sz="3000" dirty="0">
-              <a:solidFill>
-                <a:srgbClr val="FFFFFF"/>
-              </a:solidFill>
-            </a:endParaRPr>
           </a:p>
         </p:txBody>
       </p:sp>
@@ -8322,18 +8592,13 @@
               <a:buNone/>
             </a:pPr>
             <a:r>
-              <a:rPr lang="en-US" dirty="0">
+              <a:rPr lang="it-IT">
                 <a:solidFill>
                   <a:srgbClr val="FF9696"/>
                 </a:solidFill>
               </a:rPr>
               <a:t>X di Y</a:t>
             </a:r>
-            <a:endParaRPr dirty="0">
-              <a:solidFill>
-                <a:srgbClr val="FF9696"/>
-              </a:solidFill>
-            </a:endParaRPr>
           </a:p>
         </p:txBody>
       </p:sp>
@@ -8396,7 +8661,7 @@
           <a:lstStyle/>
           <a:p>
             <a:r>
-              <a:rPr lang="en-IT" sz="2000" dirty="0"/>
+              <a:rPr lang="it-IT" sz="2000"/>
               <a:t>Software house</a:t>
             </a:r>
           </a:p>
@@ -8431,7 +8696,7 @@
           <a:lstStyle/>
           <a:p>
             <a:r>
-              <a:rPr lang="en-IT" sz="2000" dirty="0"/>
+              <a:rPr lang="it-IT" sz="2000"/>
               <a:t>Startup</a:t>
             </a:r>
           </a:p>
@@ -8451,8 +8716,8 @@
         </p:nvSpPr>
         <p:spPr>
           <a:xfrm>
-            <a:off x="7070442" y="2514272"/>
-            <a:ext cx="1398140" cy="400110"/>
+            <a:off x="6999109" y="2514272"/>
+            <a:ext cx="1540806" cy="400110"/>
           </a:xfrm>
           <a:prstGeom prst="rect">
             <a:avLst/>
@@ -8466,8 +8731,8 @@
           <a:lstStyle/>
           <a:p>
             <a:r>
-              <a:rPr lang="en-IT" sz="2000" dirty="0"/>
-              <a:t>Consuleza</a:t>
+              <a:rPr lang="it-IT" sz="2000"/>
+              <a:t>Consulenza</a:t>
             </a:r>
           </a:p>
         </p:txBody>
@@ -8651,7 +8916,7 @@
           <a:lstStyle/>
           <a:p>
             <a:r>
-              <a:rPr lang="en-IT" sz="2000" dirty="0"/>
+              <a:rPr lang="it-IT" sz="2000"/>
               <a:t>Metodo agile</a:t>
             </a:r>
           </a:p>
@@ -8686,7 +8951,7 @@
           <a:lstStyle/>
           <a:p>
             <a:r>
-              <a:rPr lang="en-IT" sz="2000" dirty="0"/>
+              <a:rPr lang="it-IT" sz="2000"/>
               <a:t>Giovane e accogliente</a:t>
             </a:r>
           </a:p>
@@ -8752,18 +9017,13 @@
               <a:buNone/>
             </a:pPr>
             <a:r>
-              <a:rPr lang="en-US" sz="3000" dirty="0">
+              <a:rPr lang="it-IT" sz="3000" noProof="0" dirty="0">
                 <a:solidFill>
                   <a:srgbClr val="FFFFFF"/>
                 </a:solidFill>
               </a:rPr>
               <a:t>Progetto</a:t>
             </a:r>
-            <a:endParaRPr sz="3000" dirty="0">
-              <a:solidFill>
-                <a:srgbClr val="FFFFFF"/>
-              </a:solidFill>
-            </a:endParaRPr>
           </a:p>
         </p:txBody>
       </p:sp>
@@ -9102,12 +9362,8 @@
               <a:buSzPts val="2400"/>
             </a:pPr>
             <a:r>
-              <a:rPr lang="en-US" sz="2000" dirty="0" err="1"/>
-              <a:t>Applicazione</a:t>
-            </a:r>
-            <a:r>
-              <a:rPr lang="en-US" sz="2000" dirty="0"/>
-              <a:t> web</a:t>
+              <a:rPr lang="it-IT" sz="2000" dirty="0"/>
+              <a:t>Applicazione web</a:t>
             </a:r>
           </a:p>
           <a:p>
@@ -9121,26 +9377,9 @@
               <a:buSzPts val="2400"/>
             </a:pPr>
             <a:r>
-              <a:rPr lang="en-US" sz="2000" dirty="0" err="1"/>
-              <a:t>Programmazione</a:t>
+              <a:rPr lang="it-IT" sz="2000" dirty="0"/>
+              <a:t>Programmazione e gestione di eventi</a:t>
             </a:r>
-            <a:r>
-              <a:rPr lang="en-US" sz="2000" dirty="0"/>
-              <a:t> e </a:t>
-            </a:r>
-            <a:r>
-              <a:rPr lang="en-US" sz="2000" dirty="0" err="1"/>
-              <a:t>gestione</a:t>
-            </a:r>
-            <a:r>
-              <a:rPr lang="en-US" sz="2000" dirty="0"/>
-              <a:t> di </a:t>
-            </a:r>
-            <a:r>
-              <a:rPr lang="en-US" sz="2000" dirty="0" err="1"/>
-              <a:t>eventi</a:t>
-            </a:r>
-            <a:endParaRPr lang="en-US" sz="2000" dirty="0"/>
           </a:p>
           <a:p>
             <a:pPr indent="-381000">
@@ -9153,18 +9392,9 @@
               <a:buSzPts val="2400"/>
             </a:pPr>
             <a:r>
-              <a:rPr lang="en-US" sz="2000" dirty="0" err="1"/>
-              <a:t>Amministrazione</a:t>
+              <a:rPr lang="it-IT" sz="2000" dirty="0"/>
+              <a:t>Amministrazione del sistema</a:t>
             </a:r>
-            <a:r>
-              <a:rPr lang="en-US" sz="2000" dirty="0"/>
-              <a:t> del </a:t>
-            </a:r>
-            <a:r>
-              <a:rPr lang="en-US" sz="2000" dirty="0" err="1"/>
-              <a:t>sistema</a:t>
-            </a:r>
-            <a:endParaRPr lang="en-US" sz="2000" dirty="0"/>
           </a:p>
           <a:p>
             <a:pPr indent="-381000">
@@ -9177,9 +9407,14 @@
               <a:buSzPts val="2400"/>
             </a:pPr>
             <a:r>
-              <a:rPr lang="en-US" sz="2000" dirty="0"/>
-              <a:t>Multi-tenant</a:t>
+              <a:rPr lang="it-IT" sz="2000" dirty="0"/>
+              <a:t>Multi-</a:t>
             </a:r>
+            <a:r>
+              <a:rPr lang="it-IT" sz="2000" dirty="0" err="1"/>
+              <a:t>tenant</a:t>
+            </a:r>
+            <a:endParaRPr lang="it-IT" sz="2000" dirty="0"/>
           </a:p>
           <a:p>
             <a:pPr indent="-381000">
@@ -9192,26 +9427,9 @@
               <a:buSzPts val="2400"/>
             </a:pPr>
             <a:r>
-              <a:rPr lang="en-US" sz="2000" dirty="0" err="1"/>
-              <a:t>Integrazioni</a:t>
+              <a:rPr lang="it-IT" sz="2000" dirty="0"/>
+              <a:t>Integrazioni con sistemi di videoconferenza</a:t>
             </a:r>
-            <a:r>
-              <a:rPr lang="en-US" sz="2000" dirty="0"/>
-              <a:t> con </a:t>
-            </a:r>
-            <a:r>
-              <a:rPr lang="en-US" sz="2000" dirty="0" err="1"/>
-              <a:t>sistemi</a:t>
-            </a:r>
-            <a:r>
-              <a:rPr lang="en-US" sz="2000" dirty="0"/>
-              <a:t> di </a:t>
-            </a:r>
-            <a:r>
-              <a:rPr lang="en-US" sz="2000" dirty="0" err="1"/>
-              <a:t>videoconferenza</a:t>
-            </a:r>
-            <a:endParaRPr lang="en-US" sz="2000" dirty="0"/>
           </a:p>
         </p:txBody>
       </p:sp>
@@ -9368,18 +9586,13 @@
               <a:buNone/>
             </a:pPr>
             <a:r>
-              <a:rPr lang="en-US" sz="3000" dirty="0">
+              <a:rPr lang="it-IT" sz="3000" noProof="0" dirty="0">
                 <a:solidFill>
                   <a:srgbClr val="FFFFFF"/>
                 </a:solidFill>
               </a:rPr>
               <a:t>Progetto</a:t>
             </a:r>
-            <a:endParaRPr sz="3000" dirty="0">
-              <a:solidFill>
-                <a:srgbClr val="FFFFFF"/>
-              </a:solidFill>
-            </a:endParaRPr>
           </a:p>
         </p:txBody>
       </p:sp>
@@ -9689,42 +9902,9 @@
               <a:buNone/>
             </a:pPr>
             <a:r>
-              <a:rPr lang="en-US" sz="2000" dirty="0" err="1"/>
-              <a:t>Funzionalità</a:t>
+              <a:rPr lang="it-IT" sz="2000" dirty="0"/>
+              <a:t>Funzionalità basate sul ruolo dell’utente</a:t>
             </a:r>
-            <a:r>
-              <a:rPr lang="en-US" sz="2000" dirty="0"/>
-              <a:t> </a:t>
-            </a:r>
-            <a:r>
-              <a:rPr lang="en-US" sz="2000" dirty="0" err="1"/>
-              <a:t>basate</a:t>
-            </a:r>
-            <a:r>
-              <a:rPr lang="en-US" sz="2000" dirty="0"/>
-              <a:t> </a:t>
-            </a:r>
-            <a:r>
-              <a:rPr lang="en-US" sz="2000" dirty="0" err="1"/>
-              <a:t>sul</a:t>
-            </a:r>
-            <a:r>
-              <a:rPr lang="en-US" sz="2000" dirty="0"/>
-              <a:t> </a:t>
-            </a:r>
-            <a:r>
-              <a:rPr lang="en-US" sz="2000" dirty="0" err="1"/>
-              <a:t>ruolo</a:t>
-            </a:r>
-            <a:r>
-              <a:rPr lang="en-US" sz="2000" dirty="0"/>
-              <a:t> </a:t>
-            </a:r>
-            <a:r>
-              <a:rPr lang="en-US" sz="2000" dirty="0" err="1"/>
-              <a:t>dell’utente</a:t>
-            </a:r>
-            <a:endParaRPr lang="en-US" sz="2000" dirty="0"/>
           </a:p>
         </p:txBody>
       </p:sp>
@@ -9823,14 +10003,2579 @@
               <a:buNone/>
             </a:pPr>
             <a:r>
-              <a:rPr lang="en-US" sz="3000" dirty="0" err="1">
+              <a:rPr lang="it-IT" sz="3000" dirty="0">
                 <a:solidFill>
                   <a:srgbClr val="FFFFFF"/>
                 </a:solidFill>
               </a:rPr>
               <a:t>Tecnologie</a:t>
             </a:r>
-            <a:endParaRPr sz="3000" dirty="0">
+          </a:p>
+        </p:txBody>
+      </p:sp>
+      <p:sp>
+        <p:nvSpPr>
+          <p:cNvPr id="101" name="Shape 101"/>
+          <p:cNvSpPr/>
+          <p:nvPr/>
+        </p:nvSpPr>
+        <p:spPr>
+          <a:xfrm>
+            <a:off x="6901544" y="6396100"/>
+            <a:ext cx="2242456" cy="378300"/>
+          </a:xfrm>
+          <a:prstGeom prst="rect">
+            <a:avLst/>
+          </a:prstGeom>
+          <a:solidFill>
+            <a:srgbClr val="9B0014"/>
+          </a:solidFill>
+          <a:ln>
+            <a:noFill/>
+          </a:ln>
+        </p:spPr>
+        <p:txBody>
+          <a:bodyPr spcFirstLastPara="1" wrap="square" lIns="91425" tIns="91425" rIns="91425" bIns="91425" anchor="ctr" anchorCtr="0">
+            <a:noAutofit/>
+          </a:bodyPr>
+          <a:lstStyle/>
+          <a:p>
+            <a:pPr marL="0" lvl="0" indent="0" algn="ctr">
+              <a:spcBef>
+                <a:spcPts val="0"/>
+              </a:spcBef>
+              <a:spcAft>
+                <a:spcPts val="0"/>
+              </a:spcAft>
+              <a:buNone/>
+            </a:pPr>
+            <a:r>
+              <a:rPr lang="it-IT" dirty="0">
+                <a:solidFill>
+                  <a:srgbClr val="FF9696"/>
+                </a:solidFill>
+              </a:rPr>
+              <a:t>X di Y</a:t>
+            </a:r>
+          </a:p>
+        </p:txBody>
+      </p:sp>
+      <p:pic>
+        <p:nvPicPr>
+          <p:cNvPr id="5" name="Picture 4" descr="Logo&#10;&#10;Description automatically generated">
+            <a:extLst>
+              <a:ext uri="{FF2B5EF4-FFF2-40B4-BE49-F238E27FC236}">
+                <a16:creationId xmlns:a16="http://schemas.microsoft.com/office/drawing/2014/main" id="{1F2F0FF2-6D82-CD1D-6480-DB3B04A78B2E}"/>
+              </a:ext>
+            </a:extLst>
+          </p:cNvPr>
+          <p:cNvPicPr>
+            <a:picLocks noChangeAspect="1"/>
+          </p:cNvPicPr>
+          <p:nvPr/>
+        </p:nvPicPr>
+        <p:blipFill>
+          <a:blip r:embed="rId3"/>
+          <a:stretch>
+            <a:fillRect/>
+          </a:stretch>
+        </p:blipFill>
+        <p:spPr>
+          <a:xfrm>
+            <a:off x="5724819" y="2881231"/>
+            <a:ext cx="2235200" cy="841693"/>
+          </a:xfrm>
+          <a:prstGeom prst="rect">
+            <a:avLst/>
+          </a:prstGeom>
+        </p:spPr>
+      </p:pic>
+      <p:pic>
+        <p:nvPicPr>
+          <p:cNvPr id="8" name="Picture 7" descr="Logo&#10;&#10;Description automatically generated with low confidence">
+            <a:extLst>
+              <a:ext uri="{FF2B5EF4-FFF2-40B4-BE49-F238E27FC236}">
+                <a16:creationId xmlns:a16="http://schemas.microsoft.com/office/drawing/2014/main" id="{574EA77C-9C86-FE15-1EE3-07A4CB0F71C5}"/>
+              </a:ext>
+            </a:extLst>
+          </p:cNvPr>
+          <p:cNvPicPr>
+            <a:picLocks noChangeAspect="1"/>
+          </p:cNvPicPr>
+          <p:nvPr/>
+        </p:nvPicPr>
+        <p:blipFill>
+          <a:blip r:embed="rId4"/>
+          <a:stretch>
+            <a:fillRect/>
+          </a:stretch>
+        </p:blipFill>
+        <p:spPr>
+          <a:xfrm>
+            <a:off x="1060239" y="764246"/>
+            <a:ext cx="6712161" cy="1951210"/>
+          </a:xfrm>
+          <a:prstGeom prst="rect">
+            <a:avLst/>
+          </a:prstGeom>
+        </p:spPr>
+      </p:pic>
+      <p:pic>
+        <p:nvPicPr>
+          <p:cNvPr id="15" name="Picture 14" descr="Icon&#10;&#10;Description automatically generated">
+            <a:extLst>
+              <a:ext uri="{FF2B5EF4-FFF2-40B4-BE49-F238E27FC236}">
+                <a16:creationId xmlns:a16="http://schemas.microsoft.com/office/drawing/2014/main" id="{1D46E476-3D57-C238-BF7B-15858C1F3361}"/>
+              </a:ext>
+            </a:extLst>
+          </p:cNvPr>
+          <p:cNvPicPr>
+            <a:picLocks noChangeAspect="1"/>
+          </p:cNvPicPr>
+          <p:nvPr/>
+        </p:nvPicPr>
+        <p:blipFill>
+          <a:blip r:embed="rId5"/>
+          <a:stretch>
+            <a:fillRect/>
+          </a:stretch>
+        </p:blipFill>
+        <p:spPr>
+          <a:xfrm>
+            <a:off x="2312469" y="4501364"/>
+            <a:ext cx="1654392" cy="1659000"/>
+          </a:xfrm>
+          <a:prstGeom prst="rect">
+            <a:avLst/>
+          </a:prstGeom>
+        </p:spPr>
+      </p:pic>
+      <p:pic>
+        <p:nvPicPr>
+          <p:cNvPr id="17" name="Picture 16" descr="Icon&#10;&#10;Description automatically generated">
+            <a:extLst>
+              <a:ext uri="{FF2B5EF4-FFF2-40B4-BE49-F238E27FC236}">
+                <a16:creationId xmlns:a16="http://schemas.microsoft.com/office/drawing/2014/main" id="{B35D72B9-B837-6DFE-F8A1-8E6A984439C8}"/>
+              </a:ext>
+            </a:extLst>
+          </p:cNvPr>
+          <p:cNvPicPr>
+            <a:picLocks noChangeAspect="1"/>
+          </p:cNvPicPr>
+          <p:nvPr/>
+        </p:nvPicPr>
+        <p:blipFill>
+          <a:blip r:embed="rId6"/>
+          <a:stretch>
+            <a:fillRect/>
+          </a:stretch>
+        </p:blipFill>
+        <p:spPr>
+          <a:xfrm>
+            <a:off x="1371600" y="2637007"/>
+            <a:ext cx="940869" cy="940869"/>
+          </a:xfrm>
+          <a:prstGeom prst="rect">
+            <a:avLst/>
+          </a:prstGeom>
+        </p:spPr>
+      </p:pic>
+      <p:sp>
+        <p:nvSpPr>
+          <p:cNvPr id="18" name="TextBox 17">
+            <a:extLst>
+              <a:ext uri="{FF2B5EF4-FFF2-40B4-BE49-F238E27FC236}">
+                <a16:creationId xmlns:a16="http://schemas.microsoft.com/office/drawing/2014/main" id="{013782FE-B4C3-F3C7-6067-A071C50DA887}"/>
+              </a:ext>
+            </a:extLst>
+          </p:cNvPr>
+          <p:cNvSpPr txBox="1"/>
+          <p:nvPr/>
+        </p:nvSpPr>
+        <p:spPr>
+          <a:xfrm>
+            <a:off x="1452080" y="3617712"/>
+            <a:ext cx="784189" cy="400110"/>
+          </a:xfrm>
+          <a:prstGeom prst="rect">
+            <a:avLst/>
+          </a:prstGeom>
+          <a:noFill/>
+        </p:spPr>
+        <p:txBody>
+          <a:bodyPr wrap="none" rtlCol="0">
+            <a:spAutoFit/>
+          </a:bodyPr>
+          <a:lstStyle/>
+          <a:p>
+            <a:r>
+              <a:rPr lang="it-IT" sz="2000" dirty="0"/>
+              <a:t>Ruby</a:t>
+            </a:r>
+          </a:p>
+        </p:txBody>
+      </p:sp>
+      <p:pic>
+        <p:nvPicPr>
+          <p:cNvPr id="20" name="Picture 19" descr="A picture containing text, clipart&#10;&#10;Description automatically generated">
+            <a:extLst>
+              <a:ext uri="{FF2B5EF4-FFF2-40B4-BE49-F238E27FC236}">
+                <a16:creationId xmlns:a16="http://schemas.microsoft.com/office/drawing/2014/main" id="{2237DF7E-E441-0377-D0B4-82832BD7A273}"/>
+              </a:ext>
+            </a:extLst>
+          </p:cNvPr>
+          <p:cNvPicPr>
+            <a:picLocks noChangeAspect="1"/>
+          </p:cNvPicPr>
+          <p:nvPr/>
+        </p:nvPicPr>
+        <p:blipFill>
+          <a:blip r:embed="rId7"/>
+          <a:stretch>
+            <a:fillRect/>
+          </a:stretch>
+        </p:blipFill>
+        <p:spPr>
+          <a:xfrm>
+            <a:off x="4776269" y="4588217"/>
+            <a:ext cx="2261315" cy="1187191"/>
+          </a:xfrm>
+          <a:prstGeom prst="rect">
+            <a:avLst/>
+          </a:prstGeom>
+        </p:spPr>
+      </p:pic>
+      <p:sp>
+        <p:nvSpPr>
+          <p:cNvPr id="21" name="TextBox 20">
+            <a:extLst>
+              <a:ext uri="{FF2B5EF4-FFF2-40B4-BE49-F238E27FC236}">
+                <a16:creationId xmlns:a16="http://schemas.microsoft.com/office/drawing/2014/main" id="{B769C35B-7C81-FC5F-8D6F-AD88B3AA0F02}"/>
+              </a:ext>
+            </a:extLst>
+          </p:cNvPr>
+          <p:cNvSpPr txBox="1"/>
+          <p:nvPr/>
+        </p:nvSpPr>
+        <p:spPr>
+          <a:xfrm>
+            <a:off x="5151751" y="5716707"/>
+            <a:ext cx="1510350" cy="400110"/>
+          </a:xfrm>
+          <a:prstGeom prst="rect">
+            <a:avLst/>
+          </a:prstGeom>
+          <a:noFill/>
+        </p:spPr>
+        <p:txBody>
+          <a:bodyPr wrap="none" rtlCol="0">
+            <a:spAutoFit/>
+          </a:bodyPr>
+          <a:lstStyle/>
+          <a:p>
+            <a:r>
+              <a:rPr lang="it-IT" sz="2000" dirty="0"/>
+              <a:t>Amazon S3</a:t>
+            </a:r>
+          </a:p>
+        </p:txBody>
+      </p:sp>
+    </p:spTree>
+    <p:extLst>
+      <p:ext uri="{BB962C8B-B14F-4D97-AF65-F5344CB8AC3E}">
+        <p14:creationId xmlns:p14="http://schemas.microsoft.com/office/powerpoint/2010/main" val="2326589393"/>
+      </p:ext>
+    </p:extLst>
+  </p:cSld>
+  <p:clrMapOvr>
+    <a:masterClrMapping/>
+  </p:clrMapOvr>
+</p:sld>
+</file>
+
+<file path=ppt/slides/slide6.xml><?xml version="1.0" encoding="utf-8"?>
+<p:sld xmlns:a="http://schemas.openxmlformats.org/drawingml/2006/main" xmlns:r="http://schemas.openxmlformats.org/officeDocument/2006/relationships" xmlns:p="http://schemas.openxmlformats.org/presentationml/2006/main">
+  <p:cSld>
+    <p:spTree>
+      <p:nvGrpSpPr>
+        <p:cNvPr id="1" name="Shape 98"/>
+        <p:cNvGrpSpPr/>
+        <p:nvPr/>
+      </p:nvGrpSpPr>
+      <p:grpSpPr>
+        <a:xfrm>
+          <a:off x="0" y="0"/>
+          <a:ext cx="0" cy="0"/>
+          <a:chOff x="0" y="0"/>
+          <a:chExt cx="0" cy="0"/>
+        </a:xfrm>
+      </p:grpSpPr>
+      <p:sp>
+        <p:nvSpPr>
+          <p:cNvPr id="99" name="Shape 99"/>
+          <p:cNvSpPr txBox="1">
+            <a:spLocks noGrp="1"/>
+          </p:cNvSpPr>
+          <p:nvPr>
+            <p:ph type="title" idx="4294967295"/>
+          </p:nvPr>
+        </p:nvSpPr>
+        <p:spPr>
+          <a:xfrm>
+            <a:off x="457200" y="-1"/>
+            <a:ext cx="5213100" cy="707455"/>
+          </a:xfrm>
+          <a:prstGeom prst="rect">
+            <a:avLst/>
+          </a:prstGeom>
+        </p:spPr>
+        <p:txBody>
+          <a:bodyPr spcFirstLastPara="1" wrap="square" lIns="82925" tIns="82925" rIns="82925" bIns="82925" anchor="ctr" anchorCtr="0">
+            <a:noAutofit/>
+          </a:bodyPr>
+          <a:lstStyle/>
+          <a:p>
+            <a:pPr marL="0" lvl="0" indent="0" rtl="0">
+              <a:spcBef>
+                <a:spcPts val="0"/>
+              </a:spcBef>
+              <a:spcAft>
+                <a:spcPts val="0"/>
+              </a:spcAft>
+              <a:buNone/>
+            </a:pPr>
+            <a:r>
+              <a:rPr lang="it-IT" sz="3000">
+                <a:solidFill>
+                  <a:srgbClr val="FFFFFF"/>
+                </a:solidFill>
+              </a:rPr>
+              <a:t>Modelli</a:t>
+            </a:r>
+          </a:p>
+        </p:txBody>
+      </p:sp>
+      <p:sp>
+        <p:nvSpPr>
+          <p:cNvPr id="101" name="Shape 101"/>
+          <p:cNvSpPr/>
+          <p:nvPr/>
+        </p:nvSpPr>
+        <p:spPr>
+          <a:xfrm>
+            <a:off x="6901544" y="6396100"/>
+            <a:ext cx="2242456" cy="378300"/>
+          </a:xfrm>
+          <a:prstGeom prst="rect">
+            <a:avLst/>
+          </a:prstGeom>
+          <a:solidFill>
+            <a:srgbClr val="9B0014"/>
+          </a:solidFill>
+          <a:ln>
+            <a:noFill/>
+          </a:ln>
+        </p:spPr>
+        <p:txBody>
+          <a:bodyPr spcFirstLastPara="1" wrap="square" lIns="91425" tIns="91425" rIns="91425" bIns="91425" anchor="ctr" anchorCtr="0">
+            <a:noAutofit/>
+          </a:bodyPr>
+          <a:lstStyle/>
+          <a:p>
+            <a:pPr marL="0" lvl="0" indent="0" algn="ctr">
+              <a:spcBef>
+                <a:spcPts val="0"/>
+              </a:spcBef>
+              <a:spcAft>
+                <a:spcPts val="0"/>
+              </a:spcAft>
+              <a:buNone/>
+            </a:pPr>
+            <a:r>
+              <a:rPr lang="it-IT">
+                <a:solidFill>
+                  <a:srgbClr val="FF9696"/>
+                </a:solidFill>
+              </a:rPr>
+              <a:t>X di Y</a:t>
+            </a:r>
+          </a:p>
+        </p:txBody>
+      </p:sp>
+      <p:pic>
+        <p:nvPicPr>
+          <p:cNvPr id="9" name="Graphic 8">
+            <a:extLst>
+              <a:ext uri="{FF2B5EF4-FFF2-40B4-BE49-F238E27FC236}">
+                <a16:creationId xmlns:a16="http://schemas.microsoft.com/office/drawing/2014/main" id="{7CB2BADF-BE64-71CF-8855-ADA8FA091D55}"/>
+              </a:ext>
+            </a:extLst>
+          </p:cNvPr>
+          <p:cNvPicPr>
+            <a:picLocks noChangeAspect="1"/>
+          </p:cNvPicPr>
+          <p:nvPr/>
+        </p:nvPicPr>
+        <p:blipFill>
+          <a:blip r:embed="rId3">
+            <a:extLst>
+              <a:ext uri="{96DAC541-7B7A-43D3-8B79-37D633B846F1}">
+                <asvg:svgBlip xmlns:asvg="http://schemas.microsoft.com/office/drawing/2016/SVG/main" r:embed="rId4"/>
+              </a:ext>
+            </a:extLst>
+          </a:blip>
+          <a:stretch>
+            <a:fillRect/>
+          </a:stretch>
+        </p:blipFill>
+        <p:spPr>
+          <a:xfrm>
+            <a:off x="508334" y="2423280"/>
+            <a:ext cx="8127332" cy="3200400"/>
+          </a:xfrm>
+          <a:prstGeom prst="rect">
+            <a:avLst/>
+          </a:prstGeom>
+        </p:spPr>
+      </p:pic>
+      <p:sp>
+        <p:nvSpPr>
+          <p:cNvPr id="10" name="Shape 173">
+            <a:extLst>
+              <a:ext uri="{FF2B5EF4-FFF2-40B4-BE49-F238E27FC236}">
+                <a16:creationId xmlns:a16="http://schemas.microsoft.com/office/drawing/2014/main" id="{237C7461-6319-A30A-9F79-5297F96E4832}"/>
+              </a:ext>
+            </a:extLst>
+          </p:cNvPr>
+          <p:cNvSpPr txBox="1">
+            <a:spLocks/>
+          </p:cNvSpPr>
+          <p:nvPr/>
+        </p:nvSpPr>
+        <p:spPr>
+          <a:xfrm>
+            <a:off x="2185308" y="1218472"/>
+            <a:ext cx="4773384" cy="545732"/>
+          </a:xfrm>
+          <a:prstGeom prst="rect">
+            <a:avLst/>
+          </a:prstGeom>
+          <a:noFill/>
+          <a:ln>
+            <a:noFill/>
+          </a:ln>
+        </p:spPr>
+        <p:txBody>
+          <a:bodyPr spcFirstLastPara="1" wrap="square" lIns="82925" tIns="82925" rIns="82925" bIns="82925" anchor="t" anchorCtr="0">
+            <a:noAutofit/>
+          </a:bodyPr>
+          <a:lstStyle>
+            <a:defPPr marR="0" lvl="0" algn="l" rtl="0">
+              <a:lnSpc>
+                <a:spcPct val="100000"/>
+              </a:lnSpc>
+              <a:spcBef>
+                <a:spcPts val="0"/>
+              </a:spcBef>
+              <a:spcAft>
+                <a:spcPts val="0"/>
+              </a:spcAft>
+            </a:defPPr>
+            <a:lvl1pPr marL="457200" marR="0" lvl="0" indent="-311150" algn="l" rtl="0" eaLnBrk="1" hangingPunct="1">
+              <a:lnSpc>
+                <a:spcPct val="93000"/>
+              </a:lnSpc>
+              <a:spcBef>
+                <a:spcPts val="0"/>
+              </a:spcBef>
+              <a:spcAft>
+                <a:spcPts val="0"/>
+              </a:spcAft>
+              <a:buSzPts val="1300"/>
+              <a:buChar char="●"/>
+              <a:defRPr sz="1300" b="0" i="0" u="none" strike="noStrike" cap="none">
+                <a:solidFill>
+                  <a:srgbClr val="000000"/>
+                </a:solidFill>
+                <a:latin typeface="Arial"/>
+                <a:ea typeface="Arial"/>
+                <a:cs typeface="Arial"/>
+                <a:sym typeface="Arial"/>
+              </a:defRPr>
+            </a:lvl1pPr>
+            <a:lvl2pPr marL="914400" marR="0" lvl="1" indent="-311150" algn="l" rtl="0" eaLnBrk="1" hangingPunct="1">
+              <a:lnSpc>
+                <a:spcPct val="93000"/>
+              </a:lnSpc>
+              <a:spcBef>
+                <a:spcPts val="1300"/>
+              </a:spcBef>
+              <a:spcAft>
+                <a:spcPts val="0"/>
+              </a:spcAft>
+              <a:buSzPts val="1300"/>
+              <a:buChar char="○"/>
+              <a:defRPr sz="1300" b="0" i="0" u="none" strike="noStrike" cap="none">
+                <a:solidFill>
+                  <a:srgbClr val="000000"/>
+                </a:solidFill>
+                <a:latin typeface="Arial"/>
+                <a:ea typeface="Arial"/>
+                <a:cs typeface="Arial"/>
+                <a:sym typeface="Arial"/>
+              </a:defRPr>
+            </a:lvl2pPr>
+            <a:lvl3pPr marL="1371600" marR="0" lvl="2" indent="-311150" algn="l" rtl="0" eaLnBrk="1" hangingPunct="1">
+              <a:lnSpc>
+                <a:spcPct val="93000"/>
+              </a:lnSpc>
+              <a:spcBef>
+                <a:spcPts val="1000"/>
+              </a:spcBef>
+              <a:spcAft>
+                <a:spcPts val="0"/>
+              </a:spcAft>
+              <a:buSzPts val="1300"/>
+              <a:buChar char="■"/>
+              <a:defRPr sz="1300" b="0" i="0" u="none" strike="noStrike" cap="none">
+                <a:solidFill>
+                  <a:srgbClr val="000000"/>
+                </a:solidFill>
+                <a:latin typeface="Arial"/>
+                <a:ea typeface="Arial"/>
+                <a:cs typeface="Arial"/>
+                <a:sym typeface="Arial"/>
+              </a:defRPr>
+            </a:lvl3pPr>
+            <a:lvl4pPr marL="1828800" marR="0" lvl="3" indent="-311150" algn="l" rtl="0" eaLnBrk="1" hangingPunct="1">
+              <a:lnSpc>
+                <a:spcPct val="93000"/>
+              </a:lnSpc>
+              <a:spcBef>
+                <a:spcPts val="700"/>
+              </a:spcBef>
+              <a:spcAft>
+                <a:spcPts val="0"/>
+              </a:spcAft>
+              <a:buSzPts val="1300"/>
+              <a:buChar char="●"/>
+              <a:defRPr sz="1300" b="0" i="0" u="none" strike="noStrike" cap="none">
+                <a:solidFill>
+                  <a:srgbClr val="000000"/>
+                </a:solidFill>
+                <a:latin typeface="Arial"/>
+                <a:ea typeface="Arial"/>
+                <a:cs typeface="Arial"/>
+                <a:sym typeface="Arial"/>
+              </a:defRPr>
+            </a:lvl4pPr>
+            <a:lvl5pPr marL="2286000" marR="0" lvl="4" indent="-311150" algn="l" rtl="0" eaLnBrk="1" hangingPunct="1">
+              <a:lnSpc>
+                <a:spcPct val="93000"/>
+              </a:lnSpc>
+              <a:spcBef>
+                <a:spcPts val="500"/>
+              </a:spcBef>
+              <a:spcAft>
+                <a:spcPts val="0"/>
+              </a:spcAft>
+              <a:buSzPts val="1300"/>
+              <a:buChar char="○"/>
+              <a:defRPr sz="1300" b="0" i="0" u="none" strike="noStrike" cap="none">
+                <a:solidFill>
+                  <a:srgbClr val="000000"/>
+                </a:solidFill>
+                <a:latin typeface="Arial"/>
+                <a:ea typeface="Arial"/>
+                <a:cs typeface="Arial"/>
+                <a:sym typeface="Arial"/>
+              </a:defRPr>
+            </a:lvl5pPr>
+            <a:lvl6pPr marL="2743200" marR="0" lvl="5" indent="-311150" algn="l" rtl="0" eaLnBrk="1" hangingPunct="1">
+              <a:lnSpc>
+                <a:spcPct val="93000"/>
+              </a:lnSpc>
+              <a:spcBef>
+                <a:spcPts val="200"/>
+              </a:spcBef>
+              <a:spcAft>
+                <a:spcPts val="0"/>
+              </a:spcAft>
+              <a:buSzPts val="1300"/>
+              <a:buChar char="■"/>
+              <a:defRPr sz="1300" b="0" i="0" u="none" strike="noStrike" cap="none">
+                <a:solidFill>
+                  <a:srgbClr val="000000"/>
+                </a:solidFill>
+                <a:latin typeface="Arial"/>
+                <a:ea typeface="Arial"/>
+                <a:cs typeface="Arial"/>
+                <a:sym typeface="Arial"/>
+              </a:defRPr>
+            </a:lvl6pPr>
+            <a:lvl7pPr marL="3200400" marR="0" lvl="6" indent="-311150" algn="l" rtl="0" eaLnBrk="1" hangingPunct="1">
+              <a:lnSpc>
+                <a:spcPct val="93000"/>
+              </a:lnSpc>
+              <a:spcBef>
+                <a:spcPts val="200"/>
+              </a:spcBef>
+              <a:spcAft>
+                <a:spcPts val="0"/>
+              </a:spcAft>
+              <a:buSzPts val="1300"/>
+              <a:buChar char="●"/>
+              <a:defRPr sz="1300" b="0" i="0" u="none" strike="noStrike" cap="none">
+                <a:solidFill>
+                  <a:srgbClr val="000000"/>
+                </a:solidFill>
+                <a:latin typeface="Arial"/>
+                <a:ea typeface="Arial"/>
+                <a:cs typeface="Arial"/>
+                <a:sym typeface="Arial"/>
+              </a:defRPr>
+            </a:lvl7pPr>
+            <a:lvl8pPr marL="3657600" marR="0" lvl="7" indent="-311150" algn="l" rtl="0" eaLnBrk="1" hangingPunct="1">
+              <a:lnSpc>
+                <a:spcPct val="93000"/>
+              </a:lnSpc>
+              <a:spcBef>
+                <a:spcPts val="200"/>
+              </a:spcBef>
+              <a:spcAft>
+                <a:spcPts val="0"/>
+              </a:spcAft>
+              <a:buSzPts val="1300"/>
+              <a:buChar char="○"/>
+              <a:defRPr sz="1300" b="0" i="0" u="none" strike="noStrike" cap="none">
+                <a:solidFill>
+                  <a:srgbClr val="000000"/>
+                </a:solidFill>
+                <a:latin typeface="Arial"/>
+                <a:ea typeface="Arial"/>
+                <a:cs typeface="Arial"/>
+                <a:sym typeface="Arial"/>
+              </a:defRPr>
+            </a:lvl8pPr>
+            <a:lvl9pPr marL="4114800" marR="0" lvl="8" indent="-311150" algn="l" rtl="0" eaLnBrk="1" hangingPunct="1">
+              <a:lnSpc>
+                <a:spcPct val="93000"/>
+              </a:lnSpc>
+              <a:spcBef>
+                <a:spcPts val="200"/>
+              </a:spcBef>
+              <a:spcAft>
+                <a:spcPts val="200"/>
+              </a:spcAft>
+              <a:buSzPts val="1300"/>
+              <a:buChar char="■"/>
+              <a:defRPr sz="1300" b="0" i="0" u="none" strike="noStrike" cap="none">
+                <a:solidFill>
+                  <a:srgbClr val="000000"/>
+                </a:solidFill>
+                <a:latin typeface="Arial"/>
+                <a:ea typeface="Arial"/>
+                <a:cs typeface="Arial"/>
+                <a:sym typeface="Arial"/>
+              </a:defRPr>
+            </a:lvl9pPr>
+          </a:lstStyle>
+          <a:p>
+            <a:pPr marL="76200" indent="0" algn="ctr">
+              <a:lnSpc>
+                <a:spcPct val="115000"/>
+              </a:lnSpc>
+              <a:buClr>
+                <a:srgbClr val="9B0014"/>
+              </a:buClr>
+              <a:buSzPts val="2400"/>
+              <a:buNone/>
+            </a:pPr>
+            <a:r>
+              <a:rPr lang="it-IT" sz="2000" b="1">
+                <a:solidFill>
+                  <a:srgbClr val="C00000"/>
+                </a:solidFill>
+              </a:rPr>
+              <a:t>Modelli implementati</a:t>
+            </a:r>
+          </a:p>
+        </p:txBody>
+      </p:sp>
+    </p:spTree>
+    <p:extLst>
+      <p:ext uri="{BB962C8B-B14F-4D97-AF65-F5344CB8AC3E}">
+        <p14:creationId xmlns:p14="http://schemas.microsoft.com/office/powerpoint/2010/main" val="1910488708"/>
+      </p:ext>
+    </p:extLst>
+  </p:cSld>
+  <p:clrMapOvr>
+    <a:masterClrMapping/>
+  </p:clrMapOvr>
+</p:sld>
+</file>
+
+<file path=ppt/slides/slide7.xml><?xml version="1.0" encoding="utf-8"?>
+<p:sld xmlns:a="http://schemas.openxmlformats.org/drawingml/2006/main" xmlns:r="http://schemas.openxmlformats.org/officeDocument/2006/relationships" xmlns:p="http://schemas.openxmlformats.org/presentationml/2006/main">
+  <p:cSld>
+    <p:spTree>
+      <p:nvGrpSpPr>
+        <p:cNvPr id="1" name="Shape 98"/>
+        <p:cNvGrpSpPr/>
+        <p:nvPr/>
+      </p:nvGrpSpPr>
+      <p:grpSpPr>
+        <a:xfrm>
+          <a:off x="0" y="0"/>
+          <a:ext cx="0" cy="0"/>
+          <a:chOff x="0" y="0"/>
+          <a:chExt cx="0" cy="0"/>
+        </a:xfrm>
+      </p:grpSpPr>
+      <p:sp>
+        <p:nvSpPr>
+          <p:cNvPr id="99" name="Shape 99"/>
+          <p:cNvSpPr txBox="1">
+            <a:spLocks noGrp="1"/>
+          </p:cNvSpPr>
+          <p:nvPr>
+            <p:ph type="title" idx="4294967295"/>
+          </p:nvPr>
+        </p:nvSpPr>
+        <p:spPr>
+          <a:xfrm>
+            <a:off x="457200" y="-1"/>
+            <a:ext cx="5213100" cy="707455"/>
+          </a:xfrm>
+          <a:prstGeom prst="rect">
+            <a:avLst/>
+          </a:prstGeom>
+        </p:spPr>
+        <p:txBody>
+          <a:bodyPr spcFirstLastPara="1" wrap="square" lIns="82925" tIns="82925" rIns="82925" bIns="82925" anchor="ctr" anchorCtr="0">
+            <a:noAutofit/>
+          </a:bodyPr>
+          <a:lstStyle/>
+          <a:p>
+            <a:pPr marL="0" lvl="0" indent="0" rtl="0">
+              <a:spcBef>
+                <a:spcPts val="0"/>
+              </a:spcBef>
+              <a:spcAft>
+                <a:spcPts val="0"/>
+              </a:spcAft>
+              <a:buNone/>
+            </a:pPr>
+            <a:r>
+              <a:rPr lang="it-IT" sz="3000" dirty="0">
+                <a:solidFill>
+                  <a:srgbClr val="FFFFFF"/>
+                </a:solidFill>
+              </a:rPr>
+              <a:t>Modelli - implementazione</a:t>
+            </a:r>
+          </a:p>
+        </p:txBody>
+      </p:sp>
+      <p:sp>
+        <p:nvSpPr>
+          <p:cNvPr id="101" name="Shape 101"/>
+          <p:cNvSpPr/>
+          <p:nvPr/>
+        </p:nvSpPr>
+        <p:spPr>
+          <a:xfrm>
+            <a:off x="6901544" y="6396100"/>
+            <a:ext cx="2242456" cy="378300"/>
+          </a:xfrm>
+          <a:prstGeom prst="rect">
+            <a:avLst/>
+          </a:prstGeom>
+          <a:solidFill>
+            <a:srgbClr val="9B0014"/>
+          </a:solidFill>
+          <a:ln>
+            <a:noFill/>
+          </a:ln>
+        </p:spPr>
+        <p:txBody>
+          <a:bodyPr spcFirstLastPara="1" wrap="square" lIns="91425" tIns="91425" rIns="91425" bIns="91425" anchor="ctr" anchorCtr="0">
+            <a:noAutofit/>
+          </a:bodyPr>
+          <a:lstStyle/>
+          <a:p>
+            <a:pPr marL="0" lvl="0" indent="0" algn="ctr">
+              <a:spcBef>
+                <a:spcPts val="0"/>
+              </a:spcBef>
+              <a:spcAft>
+                <a:spcPts val="0"/>
+              </a:spcAft>
+              <a:buNone/>
+            </a:pPr>
+            <a:r>
+              <a:rPr lang="it-IT">
+                <a:solidFill>
+                  <a:srgbClr val="FF9696"/>
+                </a:solidFill>
+              </a:rPr>
+              <a:t>X di Y</a:t>
+            </a:r>
+          </a:p>
+        </p:txBody>
+      </p:sp>
+      <p:sp>
+        <p:nvSpPr>
+          <p:cNvPr id="20" name="TextBox 19">
+            <a:extLst>
+              <a:ext uri="{FF2B5EF4-FFF2-40B4-BE49-F238E27FC236}">
+                <a16:creationId xmlns:a16="http://schemas.microsoft.com/office/drawing/2014/main" id="{CE72DCA1-5DC2-4331-2624-820953D2EE4B}"/>
+              </a:ext>
+            </a:extLst>
+          </p:cNvPr>
+          <p:cNvSpPr txBox="1"/>
+          <p:nvPr/>
+        </p:nvSpPr>
+        <p:spPr>
+          <a:xfrm>
+            <a:off x="4433329" y="1766934"/>
+            <a:ext cx="4330700" cy="3600986"/>
+          </a:xfrm>
+          <a:prstGeom prst="rect">
+            <a:avLst/>
+          </a:prstGeom>
+          <a:solidFill>
+            <a:schemeClr val="accent6">
+              <a:lumMod val="95000"/>
+            </a:schemeClr>
+          </a:solidFill>
+          <a:effectLst>
+            <a:outerShdw blurRad="601992" dist="186219" dir="5400000" sx="97573" sy="97573" algn="t" rotWithShape="0">
+              <a:prstClr val="black">
+                <a:alpha val="0"/>
+              </a:prstClr>
+            </a:outerShdw>
+          </a:effectLst>
+        </p:spPr>
+        <p:txBody>
+          <a:bodyPr wrap="square">
+            <a:spAutoFit/>
+          </a:bodyPr>
+          <a:lstStyle/>
+          <a:p>
+            <a:r>
+              <a:rPr lang="it-IT" sz="1200" dirty="0">
+                <a:solidFill>
+                  <a:srgbClr val="107802"/>
+                </a:solidFill>
+                <a:latin typeface="MesloLGS NF" panose="020B0609030804020204" pitchFamily="49" charset="0"/>
+                <a:ea typeface="MesloLGS NF" panose="020B0609030804020204" pitchFamily="49" charset="0"/>
+                <a:cs typeface="MesloLGS NF" panose="020B0609030804020204" pitchFamily="49" charset="0"/>
+              </a:rPr>
+              <a:t># app/models/</a:t>
+            </a:r>
+            <a:r>
+              <a:rPr lang="it-IT" sz="1200" dirty="0" err="1">
+                <a:solidFill>
+                  <a:srgbClr val="107802"/>
+                </a:solidFill>
+                <a:latin typeface="MesloLGS NF" panose="020B0609030804020204" pitchFamily="49" charset="0"/>
+                <a:ea typeface="MesloLGS NF" panose="020B0609030804020204" pitchFamily="49" charset="0"/>
+                <a:cs typeface="MesloLGS NF" panose="020B0609030804020204" pitchFamily="49" charset="0"/>
+              </a:rPr>
+              <a:t>organizer.rb</a:t>
+            </a:r>
+            <a:endParaRPr lang="it-IT" sz="1200" dirty="0">
+              <a:solidFill>
+                <a:srgbClr val="107802"/>
+              </a:solidFill>
+              <a:latin typeface="MesloLGS NF" panose="020B0609030804020204" pitchFamily="49" charset="0"/>
+              <a:ea typeface="MesloLGS NF" panose="020B0609030804020204" pitchFamily="49" charset="0"/>
+              <a:cs typeface="MesloLGS NF" panose="020B0609030804020204" pitchFamily="49" charset="0"/>
+            </a:endParaRPr>
+          </a:p>
+          <a:p>
+            <a:endParaRPr lang="it-IT" sz="1200" dirty="0">
+              <a:solidFill>
+                <a:srgbClr val="107802"/>
+              </a:solidFill>
+              <a:latin typeface="MesloLGS NF" panose="020B0609030804020204" pitchFamily="49" charset="0"/>
+              <a:ea typeface="MesloLGS NF" panose="020B0609030804020204" pitchFamily="49" charset="0"/>
+              <a:cs typeface="MesloLGS NF" panose="020B0609030804020204" pitchFamily="49" charset="0"/>
+            </a:endParaRPr>
+          </a:p>
+          <a:p>
+            <a:r>
+              <a:rPr lang="it-IT" sz="1200" dirty="0">
+                <a:solidFill>
+                  <a:srgbClr val="9800FF"/>
+                </a:solidFill>
+                <a:latin typeface="MesloLGS NF" panose="020B0609030804020204" pitchFamily="49" charset="0"/>
+                <a:ea typeface="MesloLGS NF" panose="020B0609030804020204" pitchFamily="49" charset="0"/>
+                <a:cs typeface="MesloLGS NF" panose="020B0609030804020204" pitchFamily="49" charset="0"/>
+              </a:rPr>
+              <a:t>class </a:t>
+            </a:r>
+            <a:r>
+              <a:rPr lang="it-IT" sz="1200" dirty="0">
+                <a:solidFill>
+                  <a:srgbClr val="0000FF"/>
+                </a:solidFill>
+                <a:latin typeface="MesloLGS NF" panose="020B0609030804020204" pitchFamily="49" charset="0"/>
+                <a:ea typeface="MesloLGS NF" panose="020B0609030804020204" pitchFamily="49" charset="0"/>
+                <a:cs typeface="MesloLGS NF" panose="020B0609030804020204" pitchFamily="49" charset="0"/>
+              </a:rPr>
+              <a:t>Organizer </a:t>
+            </a:r>
+            <a:r>
+              <a:rPr lang="it-IT" sz="1200" dirty="0">
+                <a:solidFill>
+                  <a:srgbClr val="535353"/>
+                </a:solidFill>
+                <a:latin typeface="MesloLGS NF" panose="020B0609030804020204" pitchFamily="49" charset="0"/>
+                <a:ea typeface="MesloLGS NF" panose="020B0609030804020204" pitchFamily="49" charset="0"/>
+                <a:cs typeface="MesloLGS NF" panose="020B0609030804020204" pitchFamily="49" charset="0"/>
+              </a:rPr>
+              <a:t>&lt; </a:t>
+            </a:r>
+            <a:r>
+              <a:rPr lang="it-IT" sz="1200" dirty="0" err="1">
+                <a:solidFill>
+                  <a:srgbClr val="730002"/>
+                </a:solidFill>
+                <a:latin typeface="MesloLGS NF" panose="020B0609030804020204" pitchFamily="49" charset="0"/>
+                <a:ea typeface="MesloLGS NF" panose="020B0609030804020204" pitchFamily="49" charset="0"/>
+                <a:cs typeface="MesloLGS NF" panose="020B0609030804020204" pitchFamily="49" charset="0"/>
+              </a:rPr>
+              <a:t>ApplicationRecord</a:t>
+            </a:r>
+            <a:endParaRPr lang="it-IT" sz="1200" dirty="0">
+              <a:solidFill>
+                <a:srgbClr val="730002"/>
+              </a:solidFill>
+              <a:latin typeface="MesloLGS NF" panose="020B0609030804020204" pitchFamily="49" charset="0"/>
+              <a:ea typeface="MesloLGS NF" panose="020B0609030804020204" pitchFamily="49" charset="0"/>
+              <a:cs typeface="MesloLGS NF" panose="020B0609030804020204" pitchFamily="49" charset="0"/>
+            </a:endParaRPr>
+          </a:p>
+          <a:p>
+            <a:r>
+              <a:rPr lang="it-IT" sz="1200" dirty="0">
+                <a:solidFill>
+                  <a:srgbClr val="9800FF"/>
+                </a:solidFill>
+                <a:latin typeface="MesloLGS NF" panose="020B0609030804020204" pitchFamily="49" charset="0"/>
+                <a:ea typeface="MesloLGS NF" panose="020B0609030804020204" pitchFamily="49" charset="0"/>
+                <a:cs typeface="MesloLGS NF" panose="020B0609030804020204" pitchFamily="49" charset="0"/>
+              </a:rPr>
+              <a:t>  include </a:t>
+            </a:r>
+            <a:r>
+              <a:rPr lang="it-IT" sz="1200" dirty="0">
+                <a:solidFill>
+                  <a:srgbClr val="730002"/>
+                </a:solidFill>
+                <a:latin typeface="MesloLGS NF" panose="020B0609030804020204" pitchFamily="49" charset="0"/>
+                <a:ea typeface="MesloLGS NF" panose="020B0609030804020204" pitchFamily="49" charset="0"/>
+                <a:cs typeface="MesloLGS NF" panose="020B0609030804020204" pitchFamily="49" charset="0"/>
+              </a:rPr>
+              <a:t>Creator</a:t>
+            </a:r>
+          </a:p>
+          <a:p>
+            <a:r>
+              <a:rPr lang="it-IT" sz="1200" dirty="0">
+                <a:solidFill>
+                  <a:srgbClr val="000000"/>
+                </a:solidFill>
+                <a:latin typeface="MesloLGS NF" panose="020B0609030804020204" pitchFamily="49" charset="0"/>
+                <a:ea typeface="MesloLGS NF" panose="020B0609030804020204" pitchFamily="49" charset="0"/>
+                <a:cs typeface="MesloLGS NF" panose="020B0609030804020204" pitchFamily="49" charset="0"/>
+              </a:rPr>
+              <a:t>  </a:t>
+            </a:r>
+            <a:r>
+              <a:rPr lang="it-IT" sz="1200" dirty="0" err="1">
+                <a:solidFill>
+                  <a:srgbClr val="000000"/>
+                </a:solidFill>
+                <a:latin typeface="MesloLGS NF" panose="020B0609030804020204" pitchFamily="49" charset="0"/>
+                <a:ea typeface="MesloLGS NF" panose="020B0609030804020204" pitchFamily="49" charset="0"/>
+                <a:cs typeface="MesloLGS NF" panose="020B0609030804020204" pitchFamily="49" charset="0"/>
+              </a:rPr>
+              <a:t>belongs_to</a:t>
+            </a:r>
+            <a:r>
+              <a:rPr lang="it-IT" sz="1200" dirty="0">
+                <a:solidFill>
+                  <a:srgbClr val="000000"/>
+                </a:solidFill>
+                <a:latin typeface="MesloLGS NF" panose="020B0609030804020204" pitchFamily="49" charset="0"/>
+                <a:ea typeface="MesloLGS NF" panose="020B0609030804020204" pitchFamily="49" charset="0"/>
+                <a:cs typeface="MesloLGS NF" panose="020B0609030804020204" pitchFamily="49" charset="0"/>
+              </a:rPr>
+              <a:t> </a:t>
+            </a:r>
+            <a:r>
+              <a:rPr lang="it-IT" sz="1200" dirty="0">
+                <a:solidFill>
+                  <a:srgbClr val="A8750C"/>
+                </a:solidFill>
+                <a:latin typeface="MesloLGS NF" panose="020B0609030804020204" pitchFamily="49" charset="0"/>
+                <a:ea typeface="MesloLGS NF" panose="020B0609030804020204" pitchFamily="49" charset="0"/>
+                <a:cs typeface="MesloLGS NF" panose="020B0609030804020204" pitchFamily="49" charset="0"/>
+              </a:rPr>
+              <a:t>:</a:t>
+            </a:r>
+            <a:r>
+              <a:rPr lang="it-IT" sz="1200" dirty="0" err="1">
+                <a:solidFill>
+                  <a:srgbClr val="A8750C"/>
+                </a:solidFill>
+                <a:latin typeface="MesloLGS NF" panose="020B0609030804020204" pitchFamily="49" charset="0"/>
+                <a:ea typeface="MesloLGS NF" panose="020B0609030804020204" pitchFamily="49" charset="0"/>
+                <a:cs typeface="MesloLGS NF" panose="020B0609030804020204" pitchFamily="49" charset="0"/>
+              </a:rPr>
+              <a:t>platform</a:t>
+            </a:r>
+            <a:endParaRPr lang="it-IT" sz="1200" dirty="0">
+              <a:solidFill>
+                <a:srgbClr val="A8750C"/>
+              </a:solidFill>
+              <a:latin typeface="MesloLGS NF" panose="020B0609030804020204" pitchFamily="49" charset="0"/>
+              <a:ea typeface="MesloLGS NF" panose="020B0609030804020204" pitchFamily="49" charset="0"/>
+              <a:cs typeface="MesloLGS NF" panose="020B0609030804020204" pitchFamily="49" charset="0"/>
+            </a:endParaRPr>
+          </a:p>
+          <a:p>
+            <a:endParaRPr lang="it-IT" sz="1200" dirty="0">
+              <a:solidFill>
+                <a:srgbClr val="A8750C"/>
+              </a:solidFill>
+              <a:latin typeface="MesloLGS NF" panose="020B0609030804020204" pitchFamily="49" charset="0"/>
+              <a:ea typeface="MesloLGS NF" panose="020B0609030804020204" pitchFamily="49" charset="0"/>
+              <a:cs typeface="MesloLGS NF" panose="020B0609030804020204" pitchFamily="49" charset="0"/>
+            </a:endParaRPr>
+          </a:p>
+          <a:p>
+            <a:r>
+              <a:rPr lang="it-IT" sz="1200" dirty="0">
+                <a:solidFill>
+                  <a:srgbClr val="000000"/>
+                </a:solidFill>
+                <a:latin typeface="MesloLGS NF" panose="020B0609030804020204" pitchFamily="49" charset="0"/>
+                <a:ea typeface="MesloLGS NF" panose="020B0609030804020204" pitchFamily="49" charset="0"/>
+                <a:cs typeface="MesloLGS NF" panose="020B0609030804020204" pitchFamily="49" charset="0"/>
+              </a:rPr>
+              <a:t>  </a:t>
+            </a:r>
+            <a:r>
+              <a:rPr lang="it-IT" sz="1200" dirty="0" err="1">
+                <a:solidFill>
+                  <a:srgbClr val="000000"/>
+                </a:solidFill>
+                <a:latin typeface="MesloLGS NF" panose="020B0609030804020204" pitchFamily="49" charset="0"/>
+                <a:ea typeface="MesloLGS NF" panose="020B0609030804020204" pitchFamily="49" charset="0"/>
+                <a:cs typeface="MesloLGS NF" panose="020B0609030804020204" pitchFamily="49" charset="0"/>
+              </a:rPr>
+              <a:t>has_many</a:t>
+            </a:r>
+            <a:r>
+              <a:rPr lang="it-IT" sz="1200" dirty="0">
+                <a:solidFill>
+                  <a:srgbClr val="000000"/>
+                </a:solidFill>
+                <a:latin typeface="MesloLGS NF" panose="020B0609030804020204" pitchFamily="49" charset="0"/>
+                <a:ea typeface="MesloLGS NF" panose="020B0609030804020204" pitchFamily="49" charset="0"/>
+                <a:cs typeface="MesloLGS NF" panose="020B0609030804020204" pitchFamily="49" charset="0"/>
+              </a:rPr>
+              <a:t> </a:t>
+            </a:r>
+            <a:r>
+              <a:rPr lang="it-IT" sz="1200" dirty="0">
+                <a:solidFill>
+                  <a:srgbClr val="A8750C"/>
+                </a:solidFill>
+                <a:latin typeface="MesloLGS NF" panose="020B0609030804020204" pitchFamily="49" charset="0"/>
+                <a:ea typeface="MesloLGS NF" panose="020B0609030804020204" pitchFamily="49" charset="0"/>
+                <a:cs typeface="MesloLGS NF" panose="020B0609030804020204" pitchFamily="49" charset="0"/>
+              </a:rPr>
+              <a:t>:locations</a:t>
+            </a:r>
+            <a:r>
+              <a:rPr lang="it-IT" sz="1200" dirty="0">
+                <a:solidFill>
+                  <a:srgbClr val="000000"/>
+                </a:solidFill>
+                <a:latin typeface="MesloLGS NF" panose="020B0609030804020204" pitchFamily="49" charset="0"/>
+                <a:ea typeface="MesloLGS NF" panose="020B0609030804020204" pitchFamily="49" charset="0"/>
+                <a:cs typeface="MesloLGS NF" panose="020B0609030804020204" pitchFamily="49" charset="0"/>
+              </a:rPr>
+              <a:t>, </a:t>
+            </a:r>
+            <a:r>
+              <a:rPr lang="it-IT" sz="1200" dirty="0" err="1">
+                <a:solidFill>
+                  <a:srgbClr val="A8750C"/>
+                </a:solidFill>
+                <a:latin typeface="MesloLGS NF" panose="020B0609030804020204" pitchFamily="49" charset="0"/>
+                <a:ea typeface="MesloLGS NF" panose="020B0609030804020204" pitchFamily="49" charset="0"/>
+                <a:cs typeface="MesloLGS NF" panose="020B0609030804020204" pitchFamily="49" charset="0"/>
+              </a:rPr>
+              <a:t>dependent</a:t>
+            </a:r>
+            <a:r>
+              <a:rPr lang="it-IT" sz="1200" dirty="0">
+                <a:solidFill>
+                  <a:srgbClr val="000000"/>
+                </a:solidFill>
+                <a:latin typeface="MesloLGS NF" panose="020B0609030804020204" pitchFamily="49" charset="0"/>
+                <a:ea typeface="MesloLGS NF" panose="020B0609030804020204" pitchFamily="49" charset="0"/>
+                <a:cs typeface="MesloLGS NF" panose="020B0609030804020204" pitchFamily="49" charset="0"/>
+              </a:rPr>
+              <a:t>: </a:t>
+            </a:r>
+            <a:r>
+              <a:rPr lang="it-IT" sz="1200" dirty="0">
+                <a:solidFill>
+                  <a:srgbClr val="A8750C"/>
+                </a:solidFill>
+                <a:latin typeface="MesloLGS NF" panose="020B0609030804020204" pitchFamily="49" charset="0"/>
+                <a:ea typeface="MesloLGS NF" panose="020B0609030804020204" pitchFamily="49" charset="0"/>
+                <a:cs typeface="MesloLGS NF" panose="020B0609030804020204" pitchFamily="49" charset="0"/>
+              </a:rPr>
+              <a:t>:</a:t>
+            </a:r>
+            <a:r>
+              <a:rPr lang="it-IT" sz="1200" dirty="0" err="1">
+                <a:solidFill>
+                  <a:srgbClr val="A8750C"/>
+                </a:solidFill>
+                <a:latin typeface="MesloLGS NF" panose="020B0609030804020204" pitchFamily="49" charset="0"/>
+                <a:ea typeface="MesloLGS NF" panose="020B0609030804020204" pitchFamily="49" charset="0"/>
+                <a:cs typeface="MesloLGS NF" panose="020B0609030804020204" pitchFamily="49" charset="0"/>
+              </a:rPr>
+              <a:t>nullify</a:t>
+            </a:r>
+            <a:endParaRPr lang="it-IT" sz="1200" dirty="0">
+              <a:solidFill>
+                <a:srgbClr val="A8750C"/>
+              </a:solidFill>
+              <a:latin typeface="MesloLGS NF" panose="020B0609030804020204" pitchFamily="49" charset="0"/>
+              <a:ea typeface="MesloLGS NF" panose="020B0609030804020204" pitchFamily="49" charset="0"/>
+              <a:cs typeface="MesloLGS NF" panose="020B0609030804020204" pitchFamily="49" charset="0"/>
+            </a:endParaRPr>
+          </a:p>
+          <a:p>
+            <a:endParaRPr lang="it-IT" sz="1200" dirty="0">
+              <a:solidFill>
+                <a:srgbClr val="A8750C"/>
+              </a:solidFill>
+              <a:latin typeface="MesloLGS NF" panose="020B0609030804020204" pitchFamily="49" charset="0"/>
+              <a:ea typeface="MesloLGS NF" panose="020B0609030804020204" pitchFamily="49" charset="0"/>
+              <a:cs typeface="MesloLGS NF" panose="020B0609030804020204" pitchFamily="49" charset="0"/>
+            </a:endParaRPr>
+          </a:p>
+          <a:p>
+            <a:r>
+              <a:rPr lang="it-IT" sz="1200" dirty="0">
+                <a:solidFill>
+                  <a:srgbClr val="000000"/>
+                </a:solidFill>
+                <a:latin typeface="MesloLGS NF" panose="020B0609030804020204" pitchFamily="49" charset="0"/>
+                <a:ea typeface="MesloLGS NF" panose="020B0609030804020204" pitchFamily="49" charset="0"/>
+                <a:cs typeface="MesloLGS NF" panose="020B0609030804020204" pitchFamily="49" charset="0"/>
+              </a:rPr>
+              <a:t>  </a:t>
+            </a:r>
+            <a:r>
+              <a:rPr lang="it-IT" sz="1200" dirty="0" err="1">
+                <a:solidFill>
+                  <a:srgbClr val="000000"/>
+                </a:solidFill>
+                <a:latin typeface="MesloLGS NF" panose="020B0609030804020204" pitchFamily="49" charset="0"/>
+                <a:ea typeface="MesloLGS NF" panose="020B0609030804020204" pitchFamily="49" charset="0"/>
+                <a:cs typeface="MesloLGS NF" panose="020B0609030804020204" pitchFamily="49" charset="0"/>
+              </a:rPr>
+              <a:t>has_one_attached</a:t>
+            </a:r>
+            <a:r>
+              <a:rPr lang="it-IT" sz="1200" dirty="0">
+                <a:solidFill>
+                  <a:srgbClr val="000000"/>
+                </a:solidFill>
+                <a:latin typeface="MesloLGS NF" panose="020B0609030804020204" pitchFamily="49" charset="0"/>
+                <a:ea typeface="MesloLGS NF" panose="020B0609030804020204" pitchFamily="49" charset="0"/>
+                <a:cs typeface="MesloLGS NF" panose="020B0609030804020204" pitchFamily="49" charset="0"/>
+              </a:rPr>
+              <a:t> </a:t>
+            </a:r>
+            <a:r>
+              <a:rPr lang="it-IT" sz="1200" dirty="0">
+                <a:solidFill>
+                  <a:srgbClr val="A8750C"/>
+                </a:solidFill>
+                <a:latin typeface="MesloLGS NF" panose="020B0609030804020204" pitchFamily="49" charset="0"/>
+                <a:ea typeface="MesloLGS NF" panose="020B0609030804020204" pitchFamily="49" charset="0"/>
+                <a:cs typeface="MesloLGS NF" panose="020B0609030804020204" pitchFamily="49" charset="0"/>
+              </a:rPr>
+              <a:t>:logo</a:t>
+            </a:r>
+          </a:p>
+          <a:p>
+            <a:r>
+              <a:rPr lang="it-IT" sz="1200" dirty="0">
+                <a:solidFill>
+                  <a:srgbClr val="000000"/>
+                </a:solidFill>
+                <a:latin typeface="MesloLGS NF" panose="020B0609030804020204" pitchFamily="49" charset="0"/>
+                <a:ea typeface="MesloLGS NF" panose="020B0609030804020204" pitchFamily="49" charset="0"/>
+                <a:cs typeface="MesloLGS NF" panose="020B0609030804020204" pitchFamily="49" charset="0"/>
+              </a:rPr>
+              <a:t>  </a:t>
+            </a:r>
+            <a:r>
+              <a:rPr lang="it-IT" sz="1200" dirty="0" err="1">
+                <a:solidFill>
+                  <a:srgbClr val="000000"/>
+                </a:solidFill>
+                <a:latin typeface="MesloLGS NF" panose="020B0609030804020204" pitchFamily="49" charset="0"/>
+                <a:ea typeface="MesloLGS NF" panose="020B0609030804020204" pitchFamily="49" charset="0"/>
+                <a:cs typeface="MesloLGS NF" panose="020B0609030804020204" pitchFamily="49" charset="0"/>
+              </a:rPr>
+              <a:t>validates</a:t>
+            </a:r>
+            <a:r>
+              <a:rPr lang="it-IT" sz="1200" dirty="0">
+                <a:solidFill>
+                  <a:srgbClr val="000000"/>
+                </a:solidFill>
+                <a:latin typeface="MesloLGS NF" panose="020B0609030804020204" pitchFamily="49" charset="0"/>
+                <a:ea typeface="MesloLGS NF" panose="020B0609030804020204" pitchFamily="49" charset="0"/>
+                <a:cs typeface="MesloLGS NF" panose="020B0609030804020204" pitchFamily="49" charset="0"/>
+              </a:rPr>
+              <a:t> </a:t>
+            </a:r>
+            <a:r>
+              <a:rPr lang="it-IT" sz="1200" dirty="0">
+                <a:solidFill>
+                  <a:srgbClr val="A8750C"/>
+                </a:solidFill>
+                <a:latin typeface="MesloLGS NF" panose="020B0609030804020204" pitchFamily="49" charset="0"/>
+                <a:ea typeface="MesloLGS NF" panose="020B0609030804020204" pitchFamily="49" charset="0"/>
+                <a:cs typeface="MesloLGS NF" panose="020B0609030804020204" pitchFamily="49" charset="0"/>
+              </a:rPr>
+              <a:t>:logo</a:t>
+            </a:r>
+            <a:r>
+              <a:rPr lang="it-IT" sz="1200" dirty="0">
+                <a:solidFill>
+                  <a:srgbClr val="000000"/>
+                </a:solidFill>
+                <a:latin typeface="MesloLGS NF" panose="020B0609030804020204" pitchFamily="49" charset="0"/>
+                <a:ea typeface="MesloLGS NF" panose="020B0609030804020204" pitchFamily="49" charset="0"/>
+                <a:cs typeface="MesloLGS NF" panose="020B0609030804020204" pitchFamily="49" charset="0"/>
+              </a:rPr>
+              <a:t>, </a:t>
+            </a:r>
+            <a:r>
+              <a:rPr lang="it-IT" sz="1200" dirty="0" err="1">
+                <a:solidFill>
+                  <a:srgbClr val="A8750C"/>
+                </a:solidFill>
+                <a:latin typeface="MesloLGS NF" panose="020B0609030804020204" pitchFamily="49" charset="0"/>
+                <a:ea typeface="MesloLGS NF" panose="020B0609030804020204" pitchFamily="49" charset="0"/>
+                <a:cs typeface="MesloLGS NF" panose="020B0609030804020204" pitchFamily="49" charset="0"/>
+              </a:rPr>
+              <a:t>attached</a:t>
+            </a:r>
+            <a:r>
+              <a:rPr lang="it-IT" sz="1200" dirty="0">
+                <a:solidFill>
+                  <a:srgbClr val="000000"/>
+                </a:solidFill>
+                <a:latin typeface="MesloLGS NF" panose="020B0609030804020204" pitchFamily="49" charset="0"/>
+                <a:ea typeface="MesloLGS NF" panose="020B0609030804020204" pitchFamily="49" charset="0"/>
+                <a:cs typeface="MesloLGS NF" panose="020B0609030804020204" pitchFamily="49" charset="0"/>
+              </a:rPr>
+              <a:t>: </a:t>
+            </a:r>
+            <a:r>
+              <a:rPr lang="it-IT" sz="1200" dirty="0" err="1">
+                <a:solidFill>
+                  <a:srgbClr val="9800FF"/>
+                </a:solidFill>
+                <a:latin typeface="MesloLGS NF" panose="020B0609030804020204" pitchFamily="49" charset="0"/>
+                <a:ea typeface="MesloLGS NF" panose="020B0609030804020204" pitchFamily="49" charset="0"/>
+                <a:cs typeface="MesloLGS NF" panose="020B0609030804020204" pitchFamily="49" charset="0"/>
+              </a:rPr>
+              <a:t>true</a:t>
+            </a:r>
+            <a:r>
+              <a:rPr lang="it-IT" sz="1200" dirty="0">
+                <a:solidFill>
+                  <a:srgbClr val="000000"/>
+                </a:solidFill>
+                <a:latin typeface="MesloLGS NF" panose="020B0609030804020204" pitchFamily="49" charset="0"/>
+                <a:ea typeface="MesloLGS NF" panose="020B0609030804020204" pitchFamily="49" charset="0"/>
+                <a:cs typeface="MesloLGS NF" panose="020B0609030804020204" pitchFamily="49" charset="0"/>
+              </a:rPr>
+              <a:t>,</a:t>
+            </a:r>
+          </a:p>
+          <a:p>
+            <a:r>
+              <a:rPr lang="it-IT" sz="1200" dirty="0">
+                <a:latin typeface="MesloLGS NF" panose="020B0609030804020204" pitchFamily="49" charset="0"/>
+                <a:ea typeface="MesloLGS NF" panose="020B0609030804020204" pitchFamily="49" charset="0"/>
+                <a:cs typeface="MesloLGS NF" panose="020B0609030804020204" pitchFamily="49" charset="0"/>
+              </a:rPr>
+              <a:t>    </a:t>
+            </a:r>
+            <a:r>
+              <a:rPr lang="it-IT" sz="1200" dirty="0" err="1">
+                <a:solidFill>
+                  <a:srgbClr val="A8750C"/>
+                </a:solidFill>
+                <a:latin typeface="MesloLGS NF" panose="020B0609030804020204" pitchFamily="49" charset="0"/>
+                <a:ea typeface="MesloLGS NF" panose="020B0609030804020204" pitchFamily="49" charset="0"/>
+                <a:cs typeface="MesloLGS NF" panose="020B0609030804020204" pitchFamily="49" charset="0"/>
+              </a:rPr>
+              <a:t>content_type</a:t>
+            </a:r>
+            <a:r>
+              <a:rPr lang="it-IT" sz="1200" dirty="0">
+                <a:solidFill>
+                  <a:srgbClr val="000000"/>
+                </a:solidFill>
+                <a:latin typeface="MesloLGS NF" panose="020B0609030804020204" pitchFamily="49" charset="0"/>
+                <a:ea typeface="MesloLGS NF" panose="020B0609030804020204" pitchFamily="49" charset="0"/>
+                <a:cs typeface="MesloLGS NF" panose="020B0609030804020204" pitchFamily="49" charset="0"/>
+              </a:rPr>
+              <a:t>: </a:t>
+            </a:r>
+            <a:r>
+              <a:rPr lang="it-IT" sz="1200" dirty="0">
+                <a:solidFill>
+                  <a:srgbClr val="535353"/>
+                </a:solidFill>
+                <a:latin typeface="MesloLGS NF" panose="020B0609030804020204" pitchFamily="49" charset="0"/>
+                <a:ea typeface="MesloLGS NF" panose="020B0609030804020204" pitchFamily="49" charset="0"/>
+                <a:cs typeface="MesloLGS NF" panose="020B0609030804020204" pitchFamily="49" charset="0"/>
+              </a:rPr>
+              <a:t>[</a:t>
+            </a:r>
+            <a:r>
+              <a:rPr lang="it-IT" sz="1200" dirty="0">
+                <a:solidFill>
+                  <a:srgbClr val="AA3135"/>
+                </a:solidFill>
+                <a:latin typeface="MesloLGS NF" panose="020B0609030804020204" pitchFamily="49" charset="0"/>
+                <a:ea typeface="MesloLGS NF" panose="020B0609030804020204" pitchFamily="49" charset="0"/>
+                <a:cs typeface="MesloLGS NF" panose="020B0609030804020204" pitchFamily="49" charset="0"/>
+              </a:rPr>
+              <a:t>'image/png'</a:t>
+            </a:r>
+            <a:r>
+              <a:rPr lang="it-IT" sz="1200" dirty="0">
+                <a:solidFill>
+                  <a:srgbClr val="000000"/>
+                </a:solidFill>
+                <a:latin typeface="MesloLGS NF" panose="020B0609030804020204" pitchFamily="49" charset="0"/>
+                <a:ea typeface="MesloLGS NF" panose="020B0609030804020204" pitchFamily="49" charset="0"/>
+                <a:cs typeface="MesloLGS NF" panose="020B0609030804020204" pitchFamily="49" charset="0"/>
+              </a:rPr>
+              <a:t>, </a:t>
+            </a:r>
+            <a:r>
+              <a:rPr lang="it-IT" sz="1200" dirty="0">
+                <a:solidFill>
+                  <a:srgbClr val="AA3135"/>
+                </a:solidFill>
+                <a:latin typeface="MesloLGS NF" panose="020B0609030804020204" pitchFamily="49" charset="0"/>
+                <a:ea typeface="MesloLGS NF" panose="020B0609030804020204" pitchFamily="49" charset="0"/>
+                <a:cs typeface="MesloLGS NF" panose="020B0609030804020204" pitchFamily="49" charset="0"/>
+              </a:rPr>
+              <a:t>'image/jpeg’</a:t>
+            </a:r>
+            <a:r>
+              <a:rPr lang="it-IT" sz="1200" dirty="0">
+                <a:solidFill>
+                  <a:srgbClr val="535353"/>
+                </a:solidFill>
+                <a:latin typeface="MesloLGS NF" panose="020B0609030804020204" pitchFamily="49" charset="0"/>
+                <a:ea typeface="MesloLGS NF" panose="020B0609030804020204" pitchFamily="49" charset="0"/>
+                <a:cs typeface="MesloLGS NF" panose="020B0609030804020204" pitchFamily="49" charset="0"/>
+              </a:rPr>
+              <a:t>]</a:t>
+            </a:r>
+          </a:p>
+          <a:p>
+            <a:endParaRPr lang="it-IT" sz="1200" dirty="0">
+              <a:solidFill>
+                <a:srgbClr val="535353"/>
+              </a:solidFill>
+              <a:latin typeface="MesloLGS NF" panose="020B0609030804020204" pitchFamily="49" charset="0"/>
+              <a:ea typeface="MesloLGS NF" panose="020B0609030804020204" pitchFamily="49" charset="0"/>
+              <a:cs typeface="MesloLGS NF" panose="020B0609030804020204" pitchFamily="49" charset="0"/>
+            </a:endParaRPr>
+          </a:p>
+          <a:p>
+            <a:r>
+              <a:rPr lang="it-IT" sz="1200" dirty="0">
+                <a:solidFill>
+                  <a:srgbClr val="000000"/>
+                </a:solidFill>
+                <a:latin typeface="MesloLGS NF" panose="020B0609030804020204" pitchFamily="49" charset="0"/>
+                <a:ea typeface="MesloLGS NF" panose="020B0609030804020204" pitchFamily="49" charset="0"/>
+                <a:cs typeface="MesloLGS NF" panose="020B0609030804020204" pitchFamily="49" charset="0"/>
+              </a:rPr>
+              <a:t>  </a:t>
+            </a:r>
+            <a:r>
+              <a:rPr lang="it-IT" sz="1200" dirty="0" err="1">
+                <a:solidFill>
+                  <a:srgbClr val="000000"/>
+                </a:solidFill>
+                <a:latin typeface="MesloLGS NF" panose="020B0609030804020204" pitchFamily="49" charset="0"/>
+                <a:ea typeface="MesloLGS NF" panose="020B0609030804020204" pitchFamily="49" charset="0"/>
+                <a:cs typeface="MesloLGS NF" panose="020B0609030804020204" pitchFamily="49" charset="0"/>
+              </a:rPr>
+              <a:t>validates</a:t>
+            </a:r>
+            <a:r>
+              <a:rPr lang="it-IT" sz="1200" dirty="0">
+                <a:solidFill>
+                  <a:srgbClr val="000000"/>
+                </a:solidFill>
+                <a:latin typeface="MesloLGS NF" panose="020B0609030804020204" pitchFamily="49" charset="0"/>
+                <a:ea typeface="MesloLGS NF" panose="020B0609030804020204" pitchFamily="49" charset="0"/>
+                <a:cs typeface="MesloLGS NF" panose="020B0609030804020204" pitchFamily="49" charset="0"/>
+              </a:rPr>
+              <a:t> </a:t>
+            </a:r>
+            <a:r>
+              <a:rPr lang="it-IT" sz="1200" dirty="0">
+                <a:solidFill>
+                  <a:srgbClr val="A8750C"/>
+                </a:solidFill>
+                <a:latin typeface="MesloLGS NF" panose="020B0609030804020204" pitchFamily="49" charset="0"/>
+                <a:ea typeface="MesloLGS NF" panose="020B0609030804020204" pitchFamily="49" charset="0"/>
+                <a:cs typeface="MesloLGS NF" panose="020B0609030804020204" pitchFamily="49" charset="0"/>
+              </a:rPr>
+              <a:t>:name</a:t>
+            </a:r>
+            <a:r>
+              <a:rPr lang="it-IT" sz="1200" dirty="0">
+                <a:solidFill>
+                  <a:srgbClr val="000000"/>
+                </a:solidFill>
+                <a:latin typeface="MesloLGS NF" panose="020B0609030804020204" pitchFamily="49" charset="0"/>
+                <a:ea typeface="MesloLGS NF" panose="020B0609030804020204" pitchFamily="49" charset="0"/>
+                <a:cs typeface="MesloLGS NF" panose="020B0609030804020204" pitchFamily="49" charset="0"/>
+              </a:rPr>
+              <a:t>,</a:t>
+            </a:r>
+          </a:p>
+          <a:p>
+            <a:r>
+              <a:rPr lang="it-IT" sz="1200" dirty="0">
+                <a:solidFill>
+                  <a:srgbClr val="A8750C"/>
+                </a:solidFill>
+                <a:latin typeface="MesloLGS NF" panose="020B0609030804020204" pitchFamily="49" charset="0"/>
+                <a:ea typeface="MesloLGS NF" panose="020B0609030804020204" pitchFamily="49" charset="0"/>
+                <a:cs typeface="MesloLGS NF" panose="020B0609030804020204" pitchFamily="49" charset="0"/>
+              </a:rPr>
+              <a:t>            :</a:t>
+            </a:r>
+            <a:r>
+              <a:rPr lang="it-IT" sz="1200" dirty="0" err="1">
+                <a:solidFill>
+                  <a:srgbClr val="A8750C"/>
+                </a:solidFill>
+                <a:latin typeface="MesloLGS NF" panose="020B0609030804020204" pitchFamily="49" charset="0"/>
+                <a:ea typeface="MesloLGS NF" panose="020B0609030804020204" pitchFamily="49" charset="0"/>
+                <a:cs typeface="MesloLGS NF" panose="020B0609030804020204" pitchFamily="49" charset="0"/>
+              </a:rPr>
+              <a:t>vat</a:t>
+            </a:r>
+            <a:r>
+              <a:rPr lang="it-IT" sz="1200" dirty="0">
+                <a:solidFill>
+                  <a:srgbClr val="000000"/>
+                </a:solidFill>
+                <a:latin typeface="MesloLGS NF" panose="020B0609030804020204" pitchFamily="49" charset="0"/>
+                <a:ea typeface="MesloLGS NF" panose="020B0609030804020204" pitchFamily="49" charset="0"/>
+                <a:cs typeface="MesloLGS NF" panose="020B0609030804020204" pitchFamily="49" charset="0"/>
+              </a:rPr>
+              <a:t>,</a:t>
+            </a:r>
+          </a:p>
+          <a:p>
+            <a:r>
+              <a:rPr lang="it-IT" sz="1200" dirty="0">
+                <a:solidFill>
+                  <a:srgbClr val="A8750C"/>
+                </a:solidFill>
+                <a:latin typeface="MesloLGS NF" panose="020B0609030804020204" pitchFamily="49" charset="0"/>
+                <a:ea typeface="MesloLGS NF" panose="020B0609030804020204" pitchFamily="49" charset="0"/>
+                <a:cs typeface="MesloLGS NF" panose="020B0609030804020204" pitchFamily="49" charset="0"/>
+              </a:rPr>
+              <a:t>            :</a:t>
+            </a:r>
+            <a:r>
+              <a:rPr lang="it-IT" sz="1200" dirty="0" err="1">
+                <a:solidFill>
+                  <a:srgbClr val="A8750C"/>
+                </a:solidFill>
+                <a:latin typeface="MesloLGS NF" panose="020B0609030804020204" pitchFamily="49" charset="0"/>
+                <a:ea typeface="MesloLGS NF" panose="020B0609030804020204" pitchFamily="49" charset="0"/>
+                <a:cs typeface="MesloLGS NF" panose="020B0609030804020204" pitchFamily="49" charset="0"/>
+              </a:rPr>
+              <a:t>address</a:t>
+            </a:r>
+            <a:r>
+              <a:rPr lang="it-IT" sz="1200" dirty="0">
+                <a:solidFill>
+                  <a:srgbClr val="000000"/>
+                </a:solidFill>
+                <a:latin typeface="MesloLGS NF" panose="020B0609030804020204" pitchFamily="49" charset="0"/>
+                <a:ea typeface="MesloLGS NF" panose="020B0609030804020204" pitchFamily="49" charset="0"/>
+                <a:cs typeface="MesloLGS NF" panose="020B0609030804020204" pitchFamily="49" charset="0"/>
+              </a:rPr>
+              <a:t>,</a:t>
+            </a:r>
+          </a:p>
+          <a:p>
+            <a:r>
+              <a:rPr lang="it-IT" sz="1200" dirty="0">
+                <a:solidFill>
+                  <a:srgbClr val="A8750C"/>
+                </a:solidFill>
+                <a:latin typeface="MesloLGS NF" panose="020B0609030804020204" pitchFamily="49" charset="0"/>
+                <a:ea typeface="MesloLGS NF" panose="020B0609030804020204" pitchFamily="49" charset="0"/>
+                <a:cs typeface="MesloLGS NF" panose="020B0609030804020204" pitchFamily="49" charset="0"/>
+              </a:rPr>
+              <a:t>            </a:t>
+            </a:r>
+            <a:r>
+              <a:rPr lang="it-IT" sz="1200" dirty="0" err="1">
+                <a:solidFill>
+                  <a:srgbClr val="A8750C"/>
+                </a:solidFill>
+                <a:latin typeface="MesloLGS NF" panose="020B0609030804020204" pitchFamily="49" charset="0"/>
+                <a:ea typeface="MesloLGS NF" panose="020B0609030804020204" pitchFamily="49" charset="0"/>
+                <a:cs typeface="MesloLGS NF" panose="020B0609030804020204" pitchFamily="49" charset="0"/>
+              </a:rPr>
+              <a:t>presence</a:t>
+            </a:r>
+            <a:r>
+              <a:rPr lang="it-IT" sz="1200" dirty="0">
+                <a:solidFill>
+                  <a:srgbClr val="000000"/>
+                </a:solidFill>
+                <a:latin typeface="MesloLGS NF" panose="020B0609030804020204" pitchFamily="49" charset="0"/>
+                <a:ea typeface="MesloLGS NF" panose="020B0609030804020204" pitchFamily="49" charset="0"/>
+                <a:cs typeface="MesloLGS NF" panose="020B0609030804020204" pitchFamily="49" charset="0"/>
+              </a:rPr>
+              <a:t>: </a:t>
+            </a:r>
+            <a:r>
+              <a:rPr lang="it-IT" sz="1200" dirty="0" err="1">
+                <a:solidFill>
+                  <a:srgbClr val="9800FF"/>
+                </a:solidFill>
+                <a:latin typeface="MesloLGS NF" panose="020B0609030804020204" pitchFamily="49" charset="0"/>
+                <a:ea typeface="MesloLGS NF" panose="020B0609030804020204" pitchFamily="49" charset="0"/>
+                <a:cs typeface="MesloLGS NF" panose="020B0609030804020204" pitchFamily="49" charset="0"/>
+              </a:rPr>
+              <a:t>true</a:t>
+            </a:r>
+            <a:endParaRPr lang="it-IT" sz="1200" dirty="0">
+              <a:solidFill>
+                <a:srgbClr val="9800FF"/>
+              </a:solidFill>
+              <a:latin typeface="MesloLGS NF" panose="020B0609030804020204" pitchFamily="49" charset="0"/>
+              <a:ea typeface="MesloLGS NF" panose="020B0609030804020204" pitchFamily="49" charset="0"/>
+              <a:cs typeface="MesloLGS NF" panose="020B0609030804020204" pitchFamily="49" charset="0"/>
+            </a:endParaRPr>
+          </a:p>
+          <a:p>
+            <a:endParaRPr lang="it-IT" sz="1200" dirty="0">
+              <a:solidFill>
+                <a:srgbClr val="000000"/>
+              </a:solidFill>
+              <a:latin typeface="MesloLGS NF" panose="020B0609030804020204" pitchFamily="49" charset="0"/>
+              <a:ea typeface="MesloLGS NF" panose="020B0609030804020204" pitchFamily="49" charset="0"/>
+              <a:cs typeface="MesloLGS NF" panose="020B0609030804020204" pitchFamily="49" charset="0"/>
+            </a:endParaRPr>
+          </a:p>
+          <a:p>
+            <a:r>
+              <a:rPr lang="it-IT" sz="1200" dirty="0">
+                <a:solidFill>
+                  <a:srgbClr val="000000"/>
+                </a:solidFill>
+                <a:latin typeface="MesloLGS NF" panose="020B0609030804020204" pitchFamily="49" charset="0"/>
+                <a:ea typeface="MesloLGS NF" panose="020B0609030804020204" pitchFamily="49" charset="0"/>
+                <a:cs typeface="MesloLGS NF" panose="020B0609030804020204" pitchFamily="49" charset="0"/>
+              </a:rPr>
+              <a:t>  </a:t>
+            </a:r>
+            <a:r>
+              <a:rPr lang="it-IT" sz="1200" dirty="0" err="1">
+                <a:solidFill>
+                  <a:srgbClr val="000000"/>
+                </a:solidFill>
+                <a:latin typeface="MesloLGS NF" panose="020B0609030804020204" pitchFamily="49" charset="0"/>
+                <a:ea typeface="MesloLGS NF" panose="020B0609030804020204" pitchFamily="49" charset="0"/>
+                <a:cs typeface="MesloLGS NF" panose="020B0609030804020204" pitchFamily="49" charset="0"/>
+              </a:rPr>
+              <a:t>validates</a:t>
+            </a:r>
+            <a:r>
+              <a:rPr lang="it-IT" sz="1200" dirty="0">
+                <a:solidFill>
+                  <a:srgbClr val="000000"/>
+                </a:solidFill>
+                <a:latin typeface="MesloLGS NF" panose="020B0609030804020204" pitchFamily="49" charset="0"/>
+                <a:ea typeface="MesloLGS NF" panose="020B0609030804020204" pitchFamily="49" charset="0"/>
+                <a:cs typeface="MesloLGS NF" panose="020B0609030804020204" pitchFamily="49" charset="0"/>
+              </a:rPr>
+              <a:t> </a:t>
+            </a:r>
+            <a:r>
+              <a:rPr lang="it-IT" sz="1200" dirty="0">
+                <a:solidFill>
+                  <a:srgbClr val="A8750C"/>
+                </a:solidFill>
+                <a:latin typeface="MesloLGS NF" panose="020B0609030804020204" pitchFamily="49" charset="0"/>
+                <a:ea typeface="MesloLGS NF" panose="020B0609030804020204" pitchFamily="49" charset="0"/>
+                <a:cs typeface="MesloLGS NF" panose="020B0609030804020204" pitchFamily="49" charset="0"/>
+              </a:rPr>
+              <a:t>:</a:t>
+            </a:r>
+            <a:r>
+              <a:rPr lang="it-IT" sz="1200" dirty="0" err="1">
+                <a:solidFill>
+                  <a:srgbClr val="A8750C"/>
+                </a:solidFill>
+                <a:latin typeface="MesloLGS NF" panose="020B0609030804020204" pitchFamily="49" charset="0"/>
+                <a:ea typeface="MesloLGS NF" panose="020B0609030804020204" pitchFamily="49" charset="0"/>
+                <a:cs typeface="MesloLGS NF" panose="020B0609030804020204" pitchFamily="49" charset="0"/>
+              </a:rPr>
+              <a:t>vat</a:t>
+            </a:r>
+            <a:r>
+              <a:rPr lang="it-IT" sz="1200" dirty="0">
+                <a:solidFill>
+                  <a:srgbClr val="000000"/>
+                </a:solidFill>
+                <a:latin typeface="MesloLGS NF" panose="020B0609030804020204" pitchFamily="49" charset="0"/>
+                <a:ea typeface="MesloLGS NF" panose="020B0609030804020204" pitchFamily="49" charset="0"/>
+                <a:cs typeface="MesloLGS NF" panose="020B0609030804020204" pitchFamily="49" charset="0"/>
+              </a:rPr>
+              <a:t>, </a:t>
+            </a:r>
+            <a:r>
+              <a:rPr lang="it-IT" sz="1200" dirty="0" err="1">
+                <a:solidFill>
+                  <a:srgbClr val="A8750C"/>
+                </a:solidFill>
+                <a:latin typeface="MesloLGS NF" panose="020B0609030804020204" pitchFamily="49" charset="0"/>
+                <a:ea typeface="MesloLGS NF" panose="020B0609030804020204" pitchFamily="49" charset="0"/>
+                <a:cs typeface="MesloLGS NF" panose="020B0609030804020204" pitchFamily="49" charset="0"/>
+              </a:rPr>
+              <a:t>uniqueness</a:t>
+            </a:r>
+            <a:r>
+              <a:rPr lang="it-IT" sz="1200" dirty="0">
+                <a:solidFill>
+                  <a:srgbClr val="000000"/>
+                </a:solidFill>
+                <a:latin typeface="MesloLGS NF" panose="020B0609030804020204" pitchFamily="49" charset="0"/>
+                <a:ea typeface="MesloLGS NF" panose="020B0609030804020204" pitchFamily="49" charset="0"/>
+                <a:cs typeface="MesloLGS NF" panose="020B0609030804020204" pitchFamily="49" charset="0"/>
+              </a:rPr>
+              <a:t>: </a:t>
+            </a:r>
+            <a:r>
+              <a:rPr lang="it-IT" sz="1200" dirty="0" err="1">
+                <a:solidFill>
+                  <a:srgbClr val="9800FF"/>
+                </a:solidFill>
+                <a:latin typeface="MesloLGS NF" panose="020B0609030804020204" pitchFamily="49" charset="0"/>
+                <a:ea typeface="MesloLGS NF" panose="020B0609030804020204" pitchFamily="49" charset="0"/>
+                <a:cs typeface="MesloLGS NF" panose="020B0609030804020204" pitchFamily="49" charset="0"/>
+              </a:rPr>
+              <a:t>true</a:t>
+            </a:r>
+            <a:br>
+              <a:rPr lang="it-IT" sz="1200" dirty="0">
+                <a:solidFill>
+                  <a:srgbClr val="9800FF"/>
+                </a:solidFill>
+                <a:latin typeface="MesloLGS NF" panose="020B0609030804020204" pitchFamily="49" charset="0"/>
+                <a:ea typeface="MesloLGS NF" panose="020B0609030804020204" pitchFamily="49" charset="0"/>
+                <a:cs typeface="MesloLGS NF" panose="020B0609030804020204" pitchFamily="49" charset="0"/>
+              </a:rPr>
+            </a:br>
+            <a:r>
+              <a:rPr lang="it-IT" sz="1200" dirty="0">
+                <a:solidFill>
+                  <a:srgbClr val="9800FF"/>
+                </a:solidFill>
+                <a:latin typeface="MesloLGS NF" panose="020B0609030804020204" pitchFamily="49" charset="0"/>
+                <a:ea typeface="MesloLGS NF" panose="020B0609030804020204" pitchFamily="49" charset="0"/>
+                <a:cs typeface="MesloLGS NF" panose="020B0609030804020204" pitchFamily="49" charset="0"/>
+              </a:rPr>
+              <a:t>end</a:t>
+            </a:r>
+            <a:endParaRPr lang="it-IT" sz="1200" dirty="0">
+              <a:latin typeface="MesloLGS NF" panose="020B0609030804020204" pitchFamily="49" charset="0"/>
+              <a:ea typeface="MesloLGS NF" panose="020B0609030804020204" pitchFamily="49" charset="0"/>
+              <a:cs typeface="MesloLGS NF" panose="020B0609030804020204" pitchFamily="49" charset="0"/>
+            </a:endParaRPr>
+          </a:p>
+        </p:txBody>
+      </p:sp>
+      <p:sp>
+        <p:nvSpPr>
+          <p:cNvPr id="22" name="Shape 173">
+            <a:extLst>
+              <a:ext uri="{FF2B5EF4-FFF2-40B4-BE49-F238E27FC236}">
+                <a16:creationId xmlns:a16="http://schemas.microsoft.com/office/drawing/2014/main" id="{04758A38-D100-2599-4B21-DB488C3AC93C}"/>
+              </a:ext>
+            </a:extLst>
+          </p:cNvPr>
+          <p:cNvSpPr txBox="1">
+            <a:spLocks/>
+          </p:cNvSpPr>
+          <p:nvPr/>
+        </p:nvSpPr>
+        <p:spPr>
+          <a:xfrm>
+            <a:off x="123567" y="2786429"/>
+            <a:ext cx="4140200" cy="1561996"/>
+          </a:xfrm>
+          <a:prstGeom prst="rect">
+            <a:avLst/>
+          </a:prstGeom>
+          <a:noFill/>
+          <a:ln>
+            <a:noFill/>
+          </a:ln>
+        </p:spPr>
+        <p:txBody>
+          <a:bodyPr spcFirstLastPara="1" wrap="square" lIns="82925" tIns="82925" rIns="82925" bIns="82925" anchor="t" anchorCtr="0">
+            <a:noAutofit/>
+          </a:bodyPr>
+          <a:lstStyle>
+            <a:defPPr marR="0" lvl="0" algn="l" rtl="0">
+              <a:lnSpc>
+                <a:spcPct val="100000"/>
+              </a:lnSpc>
+              <a:spcBef>
+                <a:spcPts val="0"/>
+              </a:spcBef>
+              <a:spcAft>
+                <a:spcPts val="0"/>
+              </a:spcAft>
+            </a:defPPr>
+            <a:lvl1pPr marL="457200" marR="0" lvl="0" indent="-311150" algn="l" rtl="0" eaLnBrk="1" hangingPunct="1">
+              <a:lnSpc>
+                <a:spcPct val="93000"/>
+              </a:lnSpc>
+              <a:spcBef>
+                <a:spcPts val="0"/>
+              </a:spcBef>
+              <a:spcAft>
+                <a:spcPts val="0"/>
+              </a:spcAft>
+              <a:buSzPts val="1300"/>
+              <a:buChar char="●"/>
+              <a:defRPr sz="1300" b="0" i="0" u="none" strike="noStrike" cap="none">
+                <a:solidFill>
+                  <a:srgbClr val="000000"/>
+                </a:solidFill>
+                <a:latin typeface="Arial"/>
+                <a:ea typeface="Arial"/>
+                <a:cs typeface="Arial"/>
+                <a:sym typeface="Arial"/>
+              </a:defRPr>
+            </a:lvl1pPr>
+            <a:lvl2pPr marL="914400" marR="0" lvl="1" indent="-311150" algn="l" rtl="0" eaLnBrk="1" hangingPunct="1">
+              <a:lnSpc>
+                <a:spcPct val="93000"/>
+              </a:lnSpc>
+              <a:spcBef>
+                <a:spcPts val="1300"/>
+              </a:spcBef>
+              <a:spcAft>
+                <a:spcPts val="0"/>
+              </a:spcAft>
+              <a:buSzPts val="1300"/>
+              <a:buChar char="○"/>
+              <a:defRPr sz="1300" b="0" i="0" u="none" strike="noStrike" cap="none">
+                <a:solidFill>
+                  <a:srgbClr val="000000"/>
+                </a:solidFill>
+                <a:latin typeface="Arial"/>
+                <a:ea typeface="Arial"/>
+                <a:cs typeface="Arial"/>
+                <a:sym typeface="Arial"/>
+              </a:defRPr>
+            </a:lvl2pPr>
+            <a:lvl3pPr marL="1371600" marR="0" lvl="2" indent="-311150" algn="l" rtl="0" eaLnBrk="1" hangingPunct="1">
+              <a:lnSpc>
+                <a:spcPct val="93000"/>
+              </a:lnSpc>
+              <a:spcBef>
+                <a:spcPts val="1000"/>
+              </a:spcBef>
+              <a:spcAft>
+                <a:spcPts val="0"/>
+              </a:spcAft>
+              <a:buSzPts val="1300"/>
+              <a:buChar char="■"/>
+              <a:defRPr sz="1300" b="0" i="0" u="none" strike="noStrike" cap="none">
+                <a:solidFill>
+                  <a:srgbClr val="000000"/>
+                </a:solidFill>
+                <a:latin typeface="Arial"/>
+                <a:ea typeface="Arial"/>
+                <a:cs typeface="Arial"/>
+                <a:sym typeface="Arial"/>
+              </a:defRPr>
+            </a:lvl3pPr>
+            <a:lvl4pPr marL="1828800" marR="0" lvl="3" indent="-311150" algn="l" rtl="0" eaLnBrk="1" hangingPunct="1">
+              <a:lnSpc>
+                <a:spcPct val="93000"/>
+              </a:lnSpc>
+              <a:spcBef>
+                <a:spcPts val="700"/>
+              </a:spcBef>
+              <a:spcAft>
+                <a:spcPts val="0"/>
+              </a:spcAft>
+              <a:buSzPts val="1300"/>
+              <a:buChar char="●"/>
+              <a:defRPr sz="1300" b="0" i="0" u="none" strike="noStrike" cap="none">
+                <a:solidFill>
+                  <a:srgbClr val="000000"/>
+                </a:solidFill>
+                <a:latin typeface="Arial"/>
+                <a:ea typeface="Arial"/>
+                <a:cs typeface="Arial"/>
+                <a:sym typeface="Arial"/>
+              </a:defRPr>
+            </a:lvl4pPr>
+            <a:lvl5pPr marL="2286000" marR="0" lvl="4" indent="-311150" algn="l" rtl="0" eaLnBrk="1" hangingPunct="1">
+              <a:lnSpc>
+                <a:spcPct val="93000"/>
+              </a:lnSpc>
+              <a:spcBef>
+                <a:spcPts val="500"/>
+              </a:spcBef>
+              <a:spcAft>
+                <a:spcPts val="0"/>
+              </a:spcAft>
+              <a:buSzPts val="1300"/>
+              <a:buChar char="○"/>
+              <a:defRPr sz="1300" b="0" i="0" u="none" strike="noStrike" cap="none">
+                <a:solidFill>
+                  <a:srgbClr val="000000"/>
+                </a:solidFill>
+                <a:latin typeface="Arial"/>
+                <a:ea typeface="Arial"/>
+                <a:cs typeface="Arial"/>
+                <a:sym typeface="Arial"/>
+              </a:defRPr>
+            </a:lvl5pPr>
+            <a:lvl6pPr marL="2743200" marR="0" lvl="5" indent="-311150" algn="l" rtl="0" eaLnBrk="1" hangingPunct="1">
+              <a:lnSpc>
+                <a:spcPct val="93000"/>
+              </a:lnSpc>
+              <a:spcBef>
+                <a:spcPts val="200"/>
+              </a:spcBef>
+              <a:spcAft>
+                <a:spcPts val="0"/>
+              </a:spcAft>
+              <a:buSzPts val="1300"/>
+              <a:buChar char="■"/>
+              <a:defRPr sz="1300" b="0" i="0" u="none" strike="noStrike" cap="none">
+                <a:solidFill>
+                  <a:srgbClr val="000000"/>
+                </a:solidFill>
+                <a:latin typeface="Arial"/>
+                <a:ea typeface="Arial"/>
+                <a:cs typeface="Arial"/>
+                <a:sym typeface="Arial"/>
+              </a:defRPr>
+            </a:lvl6pPr>
+            <a:lvl7pPr marL="3200400" marR="0" lvl="6" indent="-311150" algn="l" rtl="0" eaLnBrk="1" hangingPunct="1">
+              <a:lnSpc>
+                <a:spcPct val="93000"/>
+              </a:lnSpc>
+              <a:spcBef>
+                <a:spcPts val="200"/>
+              </a:spcBef>
+              <a:spcAft>
+                <a:spcPts val="0"/>
+              </a:spcAft>
+              <a:buSzPts val="1300"/>
+              <a:buChar char="●"/>
+              <a:defRPr sz="1300" b="0" i="0" u="none" strike="noStrike" cap="none">
+                <a:solidFill>
+                  <a:srgbClr val="000000"/>
+                </a:solidFill>
+                <a:latin typeface="Arial"/>
+                <a:ea typeface="Arial"/>
+                <a:cs typeface="Arial"/>
+                <a:sym typeface="Arial"/>
+              </a:defRPr>
+            </a:lvl7pPr>
+            <a:lvl8pPr marL="3657600" marR="0" lvl="7" indent="-311150" algn="l" rtl="0" eaLnBrk="1" hangingPunct="1">
+              <a:lnSpc>
+                <a:spcPct val="93000"/>
+              </a:lnSpc>
+              <a:spcBef>
+                <a:spcPts val="200"/>
+              </a:spcBef>
+              <a:spcAft>
+                <a:spcPts val="0"/>
+              </a:spcAft>
+              <a:buSzPts val="1300"/>
+              <a:buChar char="○"/>
+              <a:defRPr sz="1300" b="0" i="0" u="none" strike="noStrike" cap="none">
+                <a:solidFill>
+                  <a:srgbClr val="000000"/>
+                </a:solidFill>
+                <a:latin typeface="Arial"/>
+                <a:ea typeface="Arial"/>
+                <a:cs typeface="Arial"/>
+                <a:sym typeface="Arial"/>
+              </a:defRPr>
+            </a:lvl8pPr>
+            <a:lvl9pPr marL="4114800" marR="0" lvl="8" indent="-311150" algn="l" rtl="0" eaLnBrk="1" hangingPunct="1">
+              <a:lnSpc>
+                <a:spcPct val="93000"/>
+              </a:lnSpc>
+              <a:spcBef>
+                <a:spcPts val="200"/>
+              </a:spcBef>
+              <a:spcAft>
+                <a:spcPts val="200"/>
+              </a:spcAft>
+              <a:buSzPts val="1300"/>
+              <a:buChar char="■"/>
+              <a:defRPr sz="1300" b="0" i="0" u="none" strike="noStrike" cap="none">
+                <a:solidFill>
+                  <a:srgbClr val="000000"/>
+                </a:solidFill>
+                <a:latin typeface="Arial"/>
+                <a:ea typeface="Arial"/>
+                <a:cs typeface="Arial"/>
+                <a:sym typeface="Arial"/>
+              </a:defRPr>
+            </a:lvl9pPr>
+          </a:lstStyle>
+          <a:p>
+            <a:pPr indent="-381000">
+              <a:lnSpc>
+                <a:spcPct val="115000"/>
+              </a:lnSpc>
+              <a:buClr>
+                <a:srgbClr val="9B0014"/>
+              </a:buClr>
+              <a:buSzPts val="2400"/>
+            </a:pPr>
+            <a:r>
+              <a:rPr lang="it-IT" sz="2000" dirty="0"/>
+              <a:t>Migrazione del database</a:t>
+            </a:r>
+          </a:p>
+          <a:p>
+            <a:pPr indent="-381000">
+              <a:lnSpc>
+                <a:spcPct val="115000"/>
+              </a:lnSpc>
+              <a:buClr>
+                <a:srgbClr val="9B0014"/>
+              </a:buClr>
+              <a:buSzPts val="2400"/>
+            </a:pPr>
+            <a:r>
+              <a:rPr lang="it-IT" sz="2000" dirty="0"/>
+              <a:t>Associazioni</a:t>
+            </a:r>
+          </a:p>
+          <a:p>
+            <a:pPr indent="-381000">
+              <a:lnSpc>
+                <a:spcPct val="115000"/>
+              </a:lnSpc>
+              <a:buClr>
+                <a:srgbClr val="9B0014"/>
+              </a:buClr>
+              <a:buSzPts val="2400"/>
+            </a:pPr>
+            <a:r>
+              <a:rPr lang="it-IT" sz="2000" dirty="0"/>
+              <a:t>Attachments</a:t>
+            </a:r>
+          </a:p>
+          <a:p>
+            <a:pPr indent="-381000">
+              <a:lnSpc>
+                <a:spcPct val="115000"/>
+              </a:lnSpc>
+              <a:buClr>
+                <a:srgbClr val="9B0014"/>
+              </a:buClr>
+              <a:buSzPts val="2400"/>
+            </a:pPr>
+            <a:r>
+              <a:rPr lang="it-IT" sz="2000" dirty="0"/>
+              <a:t>Validazioni</a:t>
+            </a:r>
+          </a:p>
+        </p:txBody>
+      </p:sp>
+    </p:spTree>
+    <p:extLst>
+      <p:ext uri="{BB962C8B-B14F-4D97-AF65-F5344CB8AC3E}">
+        <p14:creationId xmlns:p14="http://schemas.microsoft.com/office/powerpoint/2010/main" val="1456965799"/>
+      </p:ext>
+    </p:extLst>
+  </p:cSld>
+  <p:clrMapOvr>
+    <a:masterClrMapping/>
+  </p:clrMapOvr>
+</p:sld>
+</file>
+
+<file path=ppt/slides/slide8.xml><?xml version="1.0" encoding="utf-8"?>
+<p:sld xmlns:a="http://schemas.openxmlformats.org/drawingml/2006/main" xmlns:r="http://schemas.openxmlformats.org/officeDocument/2006/relationships" xmlns:p="http://schemas.openxmlformats.org/presentationml/2006/main">
+  <p:cSld>
+    <p:spTree>
+      <p:nvGrpSpPr>
+        <p:cNvPr id="1" name="Shape 98"/>
+        <p:cNvGrpSpPr/>
+        <p:nvPr/>
+      </p:nvGrpSpPr>
+      <p:grpSpPr>
+        <a:xfrm>
+          <a:off x="0" y="0"/>
+          <a:ext cx="0" cy="0"/>
+          <a:chOff x="0" y="0"/>
+          <a:chExt cx="0" cy="0"/>
+        </a:xfrm>
+      </p:grpSpPr>
+      <p:sp>
+        <p:nvSpPr>
+          <p:cNvPr id="99" name="Shape 99"/>
+          <p:cNvSpPr txBox="1">
+            <a:spLocks noGrp="1"/>
+          </p:cNvSpPr>
+          <p:nvPr>
+            <p:ph type="title" idx="4294967295"/>
+          </p:nvPr>
+        </p:nvSpPr>
+        <p:spPr>
+          <a:xfrm>
+            <a:off x="457200" y="-1"/>
+            <a:ext cx="5213100" cy="707455"/>
+          </a:xfrm>
+          <a:prstGeom prst="rect">
+            <a:avLst/>
+          </a:prstGeom>
+        </p:spPr>
+        <p:txBody>
+          <a:bodyPr spcFirstLastPara="1" wrap="square" lIns="82925" tIns="82925" rIns="82925" bIns="82925" anchor="ctr" anchorCtr="0">
+            <a:noAutofit/>
+          </a:bodyPr>
+          <a:lstStyle/>
+          <a:p>
+            <a:pPr marL="0" lvl="0" indent="0" rtl="0">
+              <a:spcBef>
+                <a:spcPts val="0"/>
+              </a:spcBef>
+              <a:spcAft>
+                <a:spcPts val="0"/>
+              </a:spcAft>
+              <a:buNone/>
+            </a:pPr>
+            <a:r>
+              <a:rPr lang="it-IT" sz="3000" noProof="0" dirty="0">
+                <a:solidFill>
+                  <a:srgbClr val="FFFFFF"/>
+                </a:solidFill>
+              </a:rPr>
+              <a:t>Controller</a:t>
+            </a:r>
+          </a:p>
+        </p:txBody>
+      </p:sp>
+      <p:sp>
+        <p:nvSpPr>
+          <p:cNvPr id="101" name="Shape 101"/>
+          <p:cNvSpPr/>
+          <p:nvPr/>
+        </p:nvSpPr>
+        <p:spPr>
+          <a:xfrm>
+            <a:off x="6901544" y="6396100"/>
+            <a:ext cx="2242456" cy="378300"/>
+          </a:xfrm>
+          <a:prstGeom prst="rect">
+            <a:avLst/>
+          </a:prstGeom>
+          <a:solidFill>
+            <a:srgbClr val="9B0014"/>
+          </a:solidFill>
+          <a:ln>
+            <a:noFill/>
+          </a:ln>
+        </p:spPr>
+        <p:txBody>
+          <a:bodyPr spcFirstLastPara="1" wrap="square" lIns="91425" tIns="91425" rIns="91425" bIns="91425" anchor="ctr" anchorCtr="0">
+            <a:noAutofit/>
+          </a:bodyPr>
+          <a:lstStyle/>
+          <a:p>
+            <a:pPr marL="0" lvl="0" indent="0" algn="ctr">
+              <a:spcBef>
+                <a:spcPts val="0"/>
+              </a:spcBef>
+              <a:spcAft>
+                <a:spcPts val="0"/>
+              </a:spcAft>
+              <a:buNone/>
+            </a:pPr>
+            <a:r>
+              <a:rPr lang="en-US" dirty="0">
+                <a:solidFill>
+                  <a:srgbClr val="FF9696"/>
+                </a:solidFill>
+              </a:rPr>
+              <a:t>X di Y</a:t>
+            </a:r>
+            <a:endParaRPr dirty="0">
+              <a:solidFill>
+                <a:srgbClr val="FF9696"/>
+              </a:solidFill>
+            </a:endParaRPr>
+          </a:p>
+        </p:txBody>
+      </p:sp>
+      <p:pic>
+        <p:nvPicPr>
+          <p:cNvPr id="9" name="Picture 8" descr="Graphical user interface&#10;&#10;Description automatically generated with medium confidence">
+            <a:extLst>
+              <a:ext uri="{FF2B5EF4-FFF2-40B4-BE49-F238E27FC236}">
+                <a16:creationId xmlns:a16="http://schemas.microsoft.com/office/drawing/2014/main" id="{4F0CD9A4-0A44-EDA3-3032-04CB11A4BAE1}"/>
+              </a:ext>
+            </a:extLst>
+          </p:cNvPr>
+          <p:cNvPicPr>
+            <a:picLocks noChangeAspect="1"/>
+          </p:cNvPicPr>
+          <p:nvPr/>
+        </p:nvPicPr>
+        <p:blipFill>
+          <a:blip r:embed="rId3"/>
+          <a:stretch>
+            <a:fillRect/>
+          </a:stretch>
+        </p:blipFill>
+        <p:spPr>
+          <a:xfrm>
+            <a:off x="286608" y="2091166"/>
+            <a:ext cx="2505357" cy="2873375"/>
+          </a:xfrm>
+          <a:prstGeom prst="rect">
+            <a:avLst/>
+          </a:prstGeom>
+        </p:spPr>
+      </p:pic>
+      <p:sp>
+        <p:nvSpPr>
+          <p:cNvPr id="11" name="Shape 173">
+            <a:extLst>
+              <a:ext uri="{FF2B5EF4-FFF2-40B4-BE49-F238E27FC236}">
+                <a16:creationId xmlns:a16="http://schemas.microsoft.com/office/drawing/2014/main" id="{422BFC9F-CE35-59D7-C610-85A6EBE92FD9}"/>
+              </a:ext>
+            </a:extLst>
+          </p:cNvPr>
+          <p:cNvSpPr txBox="1">
+            <a:spLocks/>
+          </p:cNvSpPr>
+          <p:nvPr/>
+        </p:nvSpPr>
+        <p:spPr>
+          <a:xfrm>
+            <a:off x="3212031" y="2908750"/>
+            <a:ext cx="5499482" cy="1238206"/>
+          </a:xfrm>
+          <a:prstGeom prst="rect">
+            <a:avLst/>
+          </a:prstGeom>
+          <a:noFill/>
+          <a:ln>
+            <a:noFill/>
+          </a:ln>
+        </p:spPr>
+        <p:txBody>
+          <a:bodyPr spcFirstLastPara="1" wrap="square" lIns="82925" tIns="82925" rIns="82925" bIns="82925" anchor="t" anchorCtr="0">
+            <a:noAutofit/>
+          </a:bodyPr>
+          <a:lstStyle>
+            <a:defPPr marR="0" lvl="0" algn="l" rtl="0">
+              <a:lnSpc>
+                <a:spcPct val="100000"/>
+              </a:lnSpc>
+              <a:spcBef>
+                <a:spcPts val="0"/>
+              </a:spcBef>
+              <a:spcAft>
+                <a:spcPts val="0"/>
+              </a:spcAft>
+            </a:defPPr>
+            <a:lvl1pPr marL="457200" marR="0" lvl="0" indent="-311150" algn="l" rtl="0" eaLnBrk="1" hangingPunct="1">
+              <a:lnSpc>
+                <a:spcPct val="93000"/>
+              </a:lnSpc>
+              <a:spcBef>
+                <a:spcPts val="0"/>
+              </a:spcBef>
+              <a:spcAft>
+                <a:spcPts val="0"/>
+              </a:spcAft>
+              <a:buSzPts val="1300"/>
+              <a:buChar char="●"/>
+              <a:defRPr sz="1300" b="0" i="0" u="none" strike="noStrike" cap="none">
+                <a:solidFill>
+                  <a:srgbClr val="000000"/>
+                </a:solidFill>
+                <a:latin typeface="Arial"/>
+                <a:ea typeface="Arial"/>
+                <a:cs typeface="Arial"/>
+                <a:sym typeface="Arial"/>
+              </a:defRPr>
+            </a:lvl1pPr>
+            <a:lvl2pPr marL="914400" marR="0" lvl="1" indent="-311150" algn="l" rtl="0" eaLnBrk="1" hangingPunct="1">
+              <a:lnSpc>
+                <a:spcPct val="93000"/>
+              </a:lnSpc>
+              <a:spcBef>
+                <a:spcPts val="1300"/>
+              </a:spcBef>
+              <a:spcAft>
+                <a:spcPts val="0"/>
+              </a:spcAft>
+              <a:buSzPts val="1300"/>
+              <a:buChar char="○"/>
+              <a:defRPr sz="1300" b="0" i="0" u="none" strike="noStrike" cap="none">
+                <a:solidFill>
+                  <a:srgbClr val="000000"/>
+                </a:solidFill>
+                <a:latin typeface="Arial"/>
+                <a:ea typeface="Arial"/>
+                <a:cs typeface="Arial"/>
+                <a:sym typeface="Arial"/>
+              </a:defRPr>
+            </a:lvl2pPr>
+            <a:lvl3pPr marL="1371600" marR="0" lvl="2" indent="-311150" algn="l" rtl="0" eaLnBrk="1" hangingPunct="1">
+              <a:lnSpc>
+                <a:spcPct val="93000"/>
+              </a:lnSpc>
+              <a:spcBef>
+                <a:spcPts val="1000"/>
+              </a:spcBef>
+              <a:spcAft>
+                <a:spcPts val="0"/>
+              </a:spcAft>
+              <a:buSzPts val="1300"/>
+              <a:buChar char="■"/>
+              <a:defRPr sz="1300" b="0" i="0" u="none" strike="noStrike" cap="none">
+                <a:solidFill>
+                  <a:srgbClr val="000000"/>
+                </a:solidFill>
+                <a:latin typeface="Arial"/>
+                <a:ea typeface="Arial"/>
+                <a:cs typeface="Arial"/>
+                <a:sym typeface="Arial"/>
+              </a:defRPr>
+            </a:lvl3pPr>
+            <a:lvl4pPr marL="1828800" marR="0" lvl="3" indent="-311150" algn="l" rtl="0" eaLnBrk="1" hangingPunct="1">
+              <a:lnSpc>
+                <a:spcPct val="93000"/>
+              </a:lnSpc>
+              <a:spcBef>
+                <a:spcPts val="700"/>
+              </a:spcBef>
+              <a:spcAft>
+                <a:spcPts val="0"/>
+              </a:spcAft>
+              <a:buSzPts val="1300"/>
+              <a:buChar char="●"/>
+              <a:defRPr sz="1300" b="0" i="0" u="none" strike="noStrike" cap="none">
+                <a:solidFill>
+                  <a:srgbClr val="000000"/>
+                </a:solidFill>
+                <a:latin typeface="Arial"/>
+                <a:ea typeface="Arial"/>
+                <a:cs typeface="Arial"/>
+                <a:sym typeface="Arial"/>
+              </a:defRPr>
+            </a:lvl4pPr>
+            <a:lvl5pPr marL="2286000" marR="0" lvl="4" indent="-311150" algn="l" rtl="0" eaLnBrk="1" hangingPunct="1">
+              <a:lnSpc>
+                <a:spcPct val="93000"/>
+              </a:lnSpc>
+              <a:spcBef>
+                <a:spcPts val="500"/>
+              </a:spcBef>
+              <a:spcAft>
+                <a:spcPts val="0"/>
+              </a:spcAft>
+              <a:buSzPts val="1300"/>
+              <a:buChar char="○"/>
+              <a:defRPr sz="1300" b="0" i="0" u="none" strike="noStrike" cap="none">
+                <a:solidFill>
+                  <a:srgbClr val="000000"/>
+                </a:solidFill>
+                <a:latin typeface="Arial"/>
+                <a:ea typeface="Arial"/>
+                <a:cs typeface="Arial"/>
+                <a:sym typeface="Arial"/>
+              </a:defRPr>
+            </a:lvl5pPr>
+            <a:lvl6pPr marL="2743200" marR="0" lvl="5" indent="-311150" algn="l" rtl="0" eaLnBrk="1" hangingPunct="1">
+              <a:lnSpc>
+                <a:spcPct val="93000"/>
+              </a:lnSpc>
+              <a:spcBef>
+                <a:spcPts val="200"/>
+              </a:spcBef>
+              <a:spcAft>
+                <a:spcPts val="0"/>
+              </a:spcAft>
+              <a:buSzPts val="1300"/>
+              <a:buChar char="■"/>
+              <a:defRPr sz="1300" b="0" i="0" u="none" strike="noStrike" cap="none">
+                <a:solidFill>
+                  <a:srgbClr val="000000"/>
+                </a:solidFill>
+                <a:latin typeface="Arial"/>
+                <a:ea typeface="Arial"/>
+                <a:cs typeface="Arial"/>
+                <a:sym typeface="Arial"/>
+              </a:defRPr>
+            </a:lvl6pPr>
+            <a:lvl7pPr marL="3200400" marR="0" lvl="6" indent="-311150" algn="l" rtl="0" eaLnBrk="1" hangingPunct="1">
+              <a:lnSpc>
+                <a:spcPct val="93000"/>
+              </a:lnSpc>
+              <a:spcBef>
+                <a:spcPts val="200"/>
+              </a:spcBef>
+              <a:spcAft>
+                <a:spcPts val="0"/>
+              </a:spcAft>
+              <a:buSzPts val="1300"/>
+              <a:buChar char="●"/>
+              <a:defRPr sz="1300" b="0" i="0" u="none" strike="noStrike" cap="none">
+                <a:solidFill>
+                  <a:srgbClr val="000000"/>
+                </a:solidFill>
+                <a:latin typeface="Arial"/>
+                <a:ea typeface="Arial"/>
+                <a:cs typeface="Arial"/>
+                <a:sym typeface="Arial"/>
+              </a:defRPr>
+            </a:lvl7pPr>
+            <a:lvl8pPr marL="3657600" marR="0" lvl="7" indent="-311150" algn="l" rtl="0" eaLnBrk="1" hangingPunct="1">
+              <a:lnSpc>
+                <a:spcPct val="93000"/>
+              </a:lnSpc>
+              <a:spcBef>
+                <a:spcPts val="200"/>
+              </a:spcBef>
+              <a:spcAft>
+                <a:spcPts val="0"/>
+              </a:spcAft>
+              <a:buSzPts val="1300"/>
+              <a:buChar char="○"/>
+              <a:defRPr sz="1300" b="0" i="0" u="none" strike="noStrike" cap="none">
+                <a:solidFill>
+                  <a:srgbClr val="000000"/>
+                </a:solidFill>
+                <a:latin typeface="Arial"/>
+                <a:ea typeface="Arial"/>
+                <a:cs typeface="Arial"/>
+                <a:sym typeface="Arial"/>
+              </a:defRPr>
+            </a:lvl8pPr>
+            <a:lvl9pPr marL="4114800" marR="0" lvl="8" indent="-311150" algn="l" rtl="0" eaLnBrk="1" hangingPunct="1">
+              <a:lnSpc>
+                <a:spcPct val="93000"/>
+              </a:lnSpc>
+              <a:spcBef>
+                <a:spcPts val="200"/>
+              </a:spcBef>
+              <a:spcAft>
+                <a:spcPts val="200"/>
+              </a:spcAft>
+              <a:buSzPts val="1300"/>
+              <a:buChar char="■"/>
+              <a:defRPr sz="1300" b="0" i="0" u="none" strike="noStrike" cap="none">
+                <a:solidFill>
+                  <a:srgbClr val="000000"/>
+                </a:solidFill>
+                <a:latin typeface="Arial"/>
+                <a:ea typeface="Arial"/>
+                <a:cs typeface="Arial"/>
+                <a:sym typeface="Arial"/>
+              </a:defRPr>
+            </a:lvl9pPr>
+          </a:lstStyle>
+          <a:p>
+            <a:pPr indent="-381000">
+              <a:lnSpc>
+                <a:spcPct val="115000"/>
+              </a:lnSpc>
+              <a:buClr>
+                <a:srgbClr val="9B0014"/>
+              </a:buClr>
+              <a:buSzPts val="2400"/>
+            </a:pPr>
+            <a:r>
+              <a:rPr lang="it-IT" sz="2000" dirty="0"/>
+              <a:t>Operazioni CRUD sui modelli</a:t>
+            </a:r>
+          </a:p>
+          <a:p>
+            <a:pPr indent="-381000">
+              <a:lnSpc>
+                <a:spcPct val="115000"/>
+              </a:lnSpc>
+              <a:buClr>
+                <a:srgbClr val="9B0014"/>
+              </a:buClr>
+              <a:buSzPts val="2400"/>
+            </a:pPr>
+            <a:r>
+              <a:rPr lang="it-IT" sz="2000" dirty="0"/>
+              <a:t>Visibilità delle informazioni: </a:t>
+            </a:r>
+            <a:r>
+              <a:rPr lang="it-IT" sz="2000" dirty="0" err="1"/>
+              <a:t>serializzatori</a:t>
+            </a:r>
+            <a:endParaRPr lang="it-IT" sz="2000" dirty="0"/>
+          </a:p>
+          <a:p>
+            <a:pPr indent="-381000">
+              <a:lnSpc>
+                <a:spcPct val="115000"/>
+              </a:lnSpc>
+              <a:buClr>
+                <a:srgbClr val="9B0014"/>
+              </a:buClr>
+              <a:buSzPts val="2400"/>
+            </a:pPr>
+            <a:r>
+              <a:rPr lang="it-IT" sz="2000" dirty="0"/>
+              <a:t>Permessi degli utenti: autorizzazione</a:t>
+            </a:r>
+          </a:p>
+        </p:txBody>
+      </p:sp>
+    </p:spTree>
+    <p:extLst>
+      <p:ext uri="{BB962C8B-B14F-4D97-AF65-F5344CB8AC3E}">
+        <p14:creationId xmlns:p14="http://schemas.microsoft.com/office/powerpoint/2010/main" val="2730756366"/>
+      </p:ext>
+    </p:extLst>
+  </p:cSld>
+  <p:clrMapOvr>
+    <a:masterClrMapping/>
+  </p:clrMapOvr>
+</p:sld>
+</file>
+
+<file path=ppt/slides/slide9.xml><?xml version="1.0" encoding="utf-8"?>
+<p:sld xmlns:a="http://schemas.openxmlformats.org/drawingml/2006/main" xmlns:r="http://schemas.openxmlformats.org/officeDocument/2006/relationships" xmlns:p="http://schemas.openxmlformats.org/presentationml/2006/main">
+  <p:cSld>
+    <p:spTree>
+      <p:nvGrpSpPr>
+        <p:cNvPr id="1" name="Shape 98"/>
+        <p:cNvGrpSpPr/>
+        <p:nvPr/>
+      </p:nvGrpSpPr>
+      <p:grpSpPr>
+        <a:xfrm>
+          <a:off x="0" y="0"/>
+          <a:ext cx="0" cy="0"/>
+          <a:chOff x="0" y="0"/>
+          <a:chExt cx="0" cy="0"/>
+        </a:xfrm>
+      </p:grpSpPr>
+      <p:sp>
+        <p:nvSpPr>
+          <p:cNvPr id="99" name="Shape 99"/>
+          <p:cNvSpPr txBox="1">
+            <a:spLocks noGrp="1"/>
+          </p:cNvSpPr>
+          <p:nvPr>
+            <p:ph type="title" idx="4294967295"/>
+          </p:nvPr>
+        </p:nvSpPr>
+        <p:spPr>
+          <a:xfrm>
+            <a:off x="457200" y="-1"/>
+            <a:ext cx="5213100" cy="707455"/>
+          </a:xfrm>
+          <a:prstGeom prst="rect">
+            <a:avLst/>
+          </a:prstGeom>
+        </p:spPr>
+        <p:txBody>
+          <a:bodyPr spcFirstLastPara="1" wrap="square" lIns="82925" tIns="82925" rIns="82925" bIns="82925" anchor="ctr" anchorCtr="0">
+            <a:noAutofit/>
+          </a:bodyPr>
+          <a:lstStyle/>
+          <a:p>
+            <a:pPr marL="0" lvl="0" indent="0" rtl="0">
+              <a:spcBef>
+                <a:spcPts val="0"/>
+              </a:spcBef>
+              <a:spcAft>
+                <a:spcPts val="0"/>
+              </a:spcAft>
+              <a:buNone/>
+            </a:pPr>
+            <a:r>
+              <a:rPr lang="it-IT" sz="3000" noProof="0" dirty="0">
+                <a:solidFill>
+                  <a:srgbClr val="FFFFFF"/>
+                </a:solidFill>
+              </a:rPr>
+              <a:t>Controller - </a:t>
+            </a:r>
+            <a:r>
+              <a:rPr lang="it-IT" sz="3000" noProof="0" dirty="0" err="1">
+                <a:solidFill>
+                  <a:srgbClr val="FFFFFF"/>
+                </a:solidFill>
+              </a:rPr>
+              <a:t>APIController</a:t>
+            </a:r>
+            <a:endParaRPr lang="it-IT" sz="3000" noProof="0" dirty="0">
               <a:solidFill>
                 <a:srgbClr val="FFFFFF"/>
               </a:solidFill>
@@ -9890,12 +12635,435 @@
           </a:p>
         </p:txBody>
       </p:sp>
+      <p:sp>
+        <p:nvSpPr>
+          <p:cNvPr id="4" name="TextBox 3">
+            <a:extLst>
+              <a:ext uri="{FF2B5EF4-FFF2-40B4-BE49-F238E27FC236}">
+                <a16:creationId xmlns:a16="http://schemas.microsoft.com/office/drawing/2014/main" id="{8A0B13DD-8B24-6553-D54E-1C6F1FF660CE}"/>
+              </a:ext>
+            </a:extLst>
+          </p:cNvPr>
+          <p:cNvSpPr txBox="1"/>
+          <p:nvPr/>
+        </p:nvSpPr>
+        <p:spPr>
+          <a:xfrm>
+            <a:off x="1297459" y="1604698"/>
+            <a:ext cx="6549081" cy="400110"/>
+          </a:xfrm>
+          <a:prstGeom prst="rect">
+            <a:avLst/>
+          </a:prstGeom>
+          <a:noFill/>
+        </p:spPr>
+        <p:txBody>
+          <a:bodyPr wrap="square">
+            <a:spAutoFit/>
+          </a:bodyPr>
+          <a:lstStyle/>
+          <a:p>
+            <a:pPr algn="ctr"/>
+            <a:r>
+              <a:rPr lang="it-IT" sz="2000" b="1" dirty="0">
+                <a:solidFill>
+                  <a:srgbClr val="9800FF"/>
+                </a:solidFill>
+                <a:latin typeface="MesloLGS NF" panose="020B0609030804020204" pitchFamily="49" charset="0"/>
+                <a:ea typeface="MesloLGS NF" panose="020B0609030804020204" pitchFamily="49" charset="0"/>
+                <a:cs typeface="MesloLGS NF" panose="020B0609030804020204" pitchFamily="49" charset="0"/>
+              </a:rPr>
+              <a:t>class </a:t>
+            </a:r>
+            <a:r>
+              <a:rPr lang="en-US" sz="2000" b="1" dirty="0" err="1">
+                <a:solidFill>
+                  <a:srgbClr val="0000FF"/>
+                </a:solidFill>
+                <a:effectLst/>
+                <a:latin typeface="MesloLGS NF" panose="020B0609030804020204" pitchFamily="49" charset="0"/>
+                <a:ea typeface="MesloLGS NF" panose="020B0609030804020204" pitchFamily="49" charset="0"/>
+                <a:cs typeface="MesloLGS NF" panose="020B0609030804020204" pitchFamily="49" charset="0"/>
+              </a:rPr>
+              <a:t>Platform</a:t>
+            </a:r>
+            <a:r>
+              <a:rPr lang="en-US" sz="2000" b="1" dirty="0" err="1">
+                <a:solidFill>
+                  <a:srgbClr val="0000FF"/>
+                </a:solidFill>
+                <a:latin typeface="MesloLGS NF" panose="020B0609030804020204" pitchFamily="49" charset="0"/>
+                <a:ea typeface="MesloLGS NF" panose="020B0609030804020204" pitchFamily="49" charset="0"/>
+                <a:cs typeface="MesloLGS NF" panose="020B0609030804020204" pitchFamily="49" charset="0"/>
+              </a:rPr>
+              <a:t>sController</a:t>
+            </a:r>
+            <a:r>
+              <a:rPr lang="en-US" sz="2000" b="1" dirty="0">
+                <a:solidFill>
+                  <a:srgbClr val="D19A66"/>
+                </a:solidFill>
+                <a:effectLst/>
+                <a:latin typeface="MesloLGS NF" panose="020B0609030804020204" pitchFamily="49" charset="0"/>
+                <a:ea typeface="MesloLGS NF" panose="020B0609030804020204" pitchFamily="49" charset="0"/>
+                <a:cs typeface="MesloLGS NF" panose="020B0609030804020204" pitchFamily="49" charset="0"/>
+              </a:rPr>
+              <a:t> </a:t>
+            </a:r>
+            <a:r>
+              <a:rPr lang="en-US" sz="2000" b="1" dirty="0">
+                <a:latin typeface="MesloLGS NF" panose="020B0609030804020204" pitchFamily="49" charset="0"/>
+                <a:ea typeface="MesloLGS NF" panose="020B0609030804020204" pitchFamily="49" charset="0"/>
+                <a:cs typeface="MesloLGS NF" panose="020B0609030804020204" pitchFamily="49" charset="0"/>
+              </a:rPr>
+              <a:t>&lt; </a:t>
+            </a:r>
+            <a:r>
+              <a:rPr lang="en-US" sz="2000" b="1" dirty="0" err="1">
+                <a:solidFill>
+                  <a:srgbClr val="730002"/>
+                </a:solidFill>
+                <a:latin typeface="MesloLGS NF" panose="020B0609030804020204" pitchFamily="49" charset="0"/>
+                <a:ea typeface="MesloLGS NF" panose="020B0609030804020204" pitchFamily="49" charset="0"/>
+                <a:cs typeface="MesloLGS NF" panose="020B0609030804020204" pitchFamily="49" charset="0"/>
+              </a:rPr>
+              <a:t>APIController</a:t>
+            </a:r>
+            <a:endParaRPr lang="it-IT" sz="2000" b="1" dirty="0">
+              <a:solidFill>
+                <a:srgbClr val="730002"/>
+              </a:solidFill>
+              <a:latin typeface="MesloLGS NF" panose="020B0609030804020204" pitchFamily="49" charset="0"/>
+              <a:ea typeface="MesloLGS NF" panose="020B0609030804020204" pitchFamily="49" charset="0"/>
+              <a:cs typeface="MesloLGS NF" panose="020B0609030804020204" pitchFamily="49" charset="0"/>
+            </a:endParaRPr>
+          </a:p>
+        </p:txBody>
+      </p:sp>
+      <p:sp>
+        <p:nvSpPr>
+          <p:cNvPr id="5" name="Shape 173">
+            <a:extLst>
+              <a:ext uri="{FF2B5EF4-FFF2-40B4-BE49-F238E27FC236}">
+                <a16:creationId xmlns:a16="http://schemas.microsoft.com/office/drawing/2014/main" id="{6E7538AC-8E03-0B0B-4446-83272366DA9B}"/>
+              </a:ext>
+            </a:extLst>
+          </p:cNvPr>
+          <p:cNvSpPr txBox="1">
+            <a:spLocks/>
+          </p:cNvSpPr>
+          <p:nvPr/>
+        </p:nvSpPr>
+        <p:spPr>
+          <a:xfrm>
+            <a:off x="457200" y="3090432"/>
+            <a:ext cx="4140200" cy="1955107"/>
+          </a:xfrm>
+          <a:prstGeom prst="rect">
+            <a:avLst/>
+          </a:prstGeom>
+          <a:noFill/>
+          <a:ln>
+            <a:noFill/>
+          </a:ln>
+        </p:spPr>
+        <p:txBody>
+          <a:bodyPr spcFirstLastPara="1" wrap="square" lIns="82925" tIns="82925" rIns="82925" bIns="82925" anchor="t" anchorCtr="0">
+            <a:noAutofit/>
+          </a:bodyPr>
+          <a:lstStyle>
+            <a:defPPr marR="0" lvl="0" algn="l" rtl="0">
+              <a:lnSpc>
+                <a:spcPct val="100000"/>
+              </a:lnSpc>
+              <a:spcBef>
+                <a:spcPts val="0"/>
+              </a:spcBef>
+              <a:spcAft>
+                <a:spcPts val="0"/>
+              </a:spcAft>
+            </a:defPPr>
+            <a:lvl1pPr marL="457200" marR="0" lvl="0" indent="-311150" algn="l" rtl="0" eaLnBrk="1" hangingPunct="1">
+              <a:lnSpc>
+                <a:spcPct val="93000"/>
+              </a:lnSpc>
+              <a:spcBef>
+                <a:spcPts val="0"/>
+              </a:spcBef>
+              <a:spcAft>
+                <a:spcPts val="0"/>
+              </a:spcAft>
+              <a:buSzPts val="1300"/>
+              <a:buChar char="●"/>
+              <a:defRPr sz="1300" b="0" i="0" u="none" strike="noStrike" cap="none">
+                <a:solidFill>
+                  <a:srgbClr val="000000"/>
+                </a:solidFill>
+                <a:latin typeface="Arial"/>
+                <a:ea typeface="Arial"/>
+                <a:cs typeface="Arial"/>
+                <a:sym typeface="Arial"/>
+              </a:defRPr>
+            </a:lvl1pPr>
+            <a:lvl2pPr marL="914400" marR="0" lvl="1" indent="-311150" algn="l" rtl="0" eaLnBrk="1" hangingPunct="1">
+              <a:lnSpc>
+                <a:spcPct val="93000"/>
+              </a:lnSpc>
+              <a:spcBef>
+                <a:spcPts val="1300"/>
+              </a:spcBef>
+              <a:spcAft>
+                <a:spcPts val="0"/>
+              </a:spcAft>
+              <a:buSzPts val="1300"/>
+              <a:buChar char="○"/>
+              <a:defRPr sz="1300" b="0" i="0" u="none" strike="noStrike" cap="none">
+                <a:solidFill>
+                  <a:srgbClr val="000000"/>
+                </a:solidFill>
+                <a:latin typeface="Arial"/>
+                <a:ea typeface="Arial"/>
+                <a:cs typeface="Arial"/>
+                <a:sym typeface="Arial"/>
+              </a:defRPr>
+            </a:lvl2pPr>
+            <a:lvl3pPr marL="1371600" marR="0" lvl="2" indent="-311150" algn="l" rtl="0" eaLnBrk="1" hangingPunct="1">
+              <a:lnSpc>
+                <a:spcPct val="93000"/>
+              </a:lnSpc>
+              <a:spcBef>
+                <a:spcPts val="1000"/>
+              </a:spcBef>
+              <a:spcAft>
+                <a:spcPts val="0"/>
+              </a:spcAft>
+              <a:buSzPts val="1300"/>
+              <a:buChar char="■"/>
+              <a:defRPr sz="1300" b="0" i="0" u="none" strike="noStrike" cap="none">
+                <a:solidFill>
+                  <a:srgbClr val="000000"/>
+                </a:solidFill>
+                <a:latin typeface="Arial"/>
+                <a:ea typeface="Arial"/>
+                <a:cs typeface="Arial"/>
+                <a:sym typeface="Arial"/>
+              </a:defRPr>
+            </a:lvl3pPr>
+            <a:lvl4pPr marL="1828800" marR="0" lvl="3" indent="-311150" algn="l" rtl="0" eaLnBrk="1" hangingPunct="1">
+              <a:lnSpc>
+                <a:spcPct val="93000"/>
+              </a:lnSpc>
+              <a:spcBef>
+                <a:spcPts val="700"/>
+              </a:spcBef>
+              <a:spcAft>
+                <a:spcPts val="0"/>
+              </a:spcAft>
+              <a:buSzPts val="1300"/>
+              <a:buChar char="●"/>
+              <a:defRPr sz="1300" b="0" i="0" u="none" strike="noStrike" cap="none">
+                <a:solidFill>
+                  <a:srgbClr val="000000"/>
+                </a:solidFill>
+                <a:latin typeface="Arial"/>
+                <a:ea typeface="Arial"/>
+                <a:cs typeface="Arial"/>
+                <a:sym typeface="Arial"/>
+              </a:defRPr>
+            </a:lvl4pPr>
+            <a:lvl5pPr marL="2286000" marR="0" lvl="4" indent="-311150" algn="l" rtl="0" eaLnBrk="1" hangingPunct="1">
+              <a:lnSpc>
+                <a:spcPct val="93000"/>
+              </a:lnSpc>
+              <a:spcBef>
+                <a:spcPts val="500"/>
+              </a:spcBef>
+              <a:spcAft>
+                <a:spcPts val="0"/>
+              </a:spcAft>
+              <a:buSzPts val="1300"/>
+              <a:buChar char="○"/>
+              <a:defRPr sz="1300" b="0" i="0" u="none" strike="noStrike" cap="none">
+                <a:solidFill>
+                  <a:srgbClr val="000000"/>
+                </a:solidFill>
+                <a:latin typeface="Arial"/>
+                <a:ea typeface="Arial"/>
+                <a:cs typeface="Arial"/>
+                <a:sym typeface="Arial"/>
+              </a:defRPr>
+            </a:lvl5pPr>
+            <a:lvl6pPr marL="2743200" marR="0" lvl="5" indent="-311150" algn="l" rtl="0" eaLnBrk="1" hangingPunct="1">
+              <a:lnSpc>
+                <a:spcPct val="93000"/>
+              </a:lnSpc>
+              <a:spcBef>
+                <a:spcPts val="200"/>
+              </a:spcBef>
+              <a:spcAft>
+                <a:spcPts val="0"/>
+              </a:spcAft>
+              <a:buSzPts val="1300"/>
+              <a:buChar char="■"/>
+              <a:defRPr sz="1300" b="0" i="0" u="none" strike="noStrike" cap="none">
+                <a:solidFill>
+                  <a:srgbClr val="000000"/>
+                </a:solidFill>
+                <a:latin typeface="Arial"/>
+                <a:ea typeface="Arial"/>
+                <a:cs typeface="Arial"/>
+                <a:sym typeface="Arial"/>
+              </a:defRPr>
+            </a:lvl6pPr>
+            <a:lvl7pPr marL="3200400" marR="0" lvl="6" indent="-311150" algn="l" rtl="0" eaLnBrk="1" hangingPunct="1">
+              <a:lnSpc>
+                <a:spcPct val="93000"/>
+              </a:lnSpc>
+              <a:spcBef>
+                <a:spcPts val="200"/>
+              </a:spcBef>
+              <a:spcAft>
+                <a:spcPts val="0"/>
+              </a:spcAft>
+              <a:buSzPts val="1300"/>
+              <a:buChar char="●"/>
+              <a:defRPr sz="1300" b="0" i="0" u="none" strike="noStrike" cap="none">
+                <a:solidFill>
+                  <a:srgbClr val="000000"/>
+                </a:solidFill>
+                <a:latin typeface="Arial"/>
+                <a:ea typeface="Arial"/>
+                <a:cs typeface="Arial"/>
+                <a:sym typeface="Arial"/>
+              </a:defRPr>
+            </a:lvl7pPr>
+            <a:lvl8pPr marL="3657600" marR="0" lvl="7" indent="-311150" algn="l" rtl="0" eaLnBrk="1" hangingPunct="1">
+              <a:lnSpc>
+                <a:spcPct val="93000"/>
+              </a:lnSpc>
+              <a:spcBef>
+                <a:spcPts val="200"/>
+              </a:spcBef>
+              <a:spcAft>
+                <a:spcPts val="0"/>
+              </a:spcAft>
+              <a:buSzPts val="1300"/>
+              <a:buChar char="○"/>
+              <a:defRPr sz="1300" b="0" i="0" u="none" strike="noStrike" cap="none">
+                <a:solidFill>
+                  <a:srgbClr val="000000"/>
+                </a:solidFill>
+                <a:latin typeface="Arial"/>
+                <a:ea typeface="Arial"/>
+                <a:cs typeface="Arial"/>
+                <a:sym typeface="Arial"/>
+              </a:defRPr>
+            </a:lvl8pPr>
+            <a:lvl9pPr marL="4114800" marR="0" lvl="8" indent="-311150" algn="l" rtl="0" eaLnBrk="1" hangingPunct="1">
+              <a:lnSpc>
+                <a:spcPct val="93000"/>
+              </a:lnSpc>
+              <a:spcBef>
+                <a:spcPts val="200"/>
+              </a:spcBef>
+              <a:spcAft>
+                <a:spcPts val="200"/>
+              </a:spcAft>
+              <a:buSzPts val="1300"/>
+              <a:buChar char="■"/>
+              <a:defRPr sz="1300" b="0" i="0" u="none" strike="noStrike" cap="none">
+                <a:solidFill>
+                  <a:srgbClr val="000000"/>
+                </a:solidFill>
+                <a:latin typeface="Arial"/>
+                <a:ea typeface="Arial"/>
+                <a:cs typeface="Arial"/>
+                <a:sym typeface="Arial"/>
+              </a:defRPr>
+            </a:lvl9pPr>
+          </a:lstStyle>
+          <a:p>
+            <a:pPr indent="-381000">
+              <a:lnSpc>
+                <a:spcPct val="115000"/>
+              </a:lnSpc>
+              <a:buClr>
+                <a:srgbClr val="9B0014"/>
+              </a:buClr>
+              <a:buSzPts val="2400"/>
+            </a:pPr>
+            <a:r>
+              <a:rPr lang="it-IT" sz="2000" dirty="0"/>
+              <a:t>Gestione degli errori</a:t>
+            </a:r>
+          </a:p>
+          <a:p>
+            <a:pPr marL="76200" indent="0">
+              <a:lnSpc>
+                <a:spcPct val="115000"/>
+              </a:lnSpc>
+              <a:buClr>
+                <a:srgbClr val="9B0014"/>
+              </a:buClr>
+              <a:buSzPts val="2400"/>
+              <a:buNone/>
+            </a:pPr>
+            <a:endParaRPr lang="it-IT" sz="2000" dirty="0"/>
+          </a:p>
+          <a:p>
+            <a:pPr indent="-381000">
+              <a:lnSpc>
+                <a:spcPct val="115000"/>
+              </a:lnSpc>
+              <a:buClr>
+                <a:srgbClr val="9B0014"/>
+              </a:buClr>
+              <a:buSzPts val="2400"/>
+            </a:pPr>
+            <a:r>
+              <a:rPr lang="it-IT" sz="2000" dirty="0" err="1"/>
+              <a:t>Attach</a:t>
+            </a:r>
+            <a:r>
+              <a:rPr lang="it-IT" sz="2000" dirty="0"/>
+              <a:t> dei file</a:t>
+            </a:r>
+          </a:p>
+          <a:p>
+            <a:pPr indent="-381000">
+              <a:lnSpc>
+                <a:spcPct val="115000"/>
+              </a:lnSpc>
+              <a:buClr>
+                <a:srgbClr val="9B0014"/>
+              </a:buClr>
+              <a:buSzPts val="2400"/>
+            </a:pPr>
+            <a:endParaRPr lang="it-IT" sz="2000" dirty="0"/>
+          </a:p>
+          <a:p>
+            <a:pPr indent="-381000">
+              <a:lnSpc>
+                <a:spcPct val="115000"/>
+              </a:lnSpc>
+              <a:buClr>
+                <a:srgbClr val="9B0014"/>
+              </a:buClr>
+              <a:buSzPts val="2400"/>
+            </a:pPr>
+            <a:r>
+              <a:rPr lang="it-IT" sz="2000" dirty="0"/>
+              <a:t>Paginazione dei risultati</a:t>
+            </a:r>
+          </a:p>
+        </p:txBody>
+      </p:sp>
       <p:pic>
         <p:nvPicPr>
-          <p:cNvPr id="5" name="Picture 4" descr="Logo&#10;&#10;Description automatically generated">
+          <p:cNvPr id="7" name="Picture 6" descr="A picture containing text, electronics, display, vector graphics&#10;&#10;Description automatically generated">
             <a:extLst>
               <a:ext uri="{FF2B5EF4-FFF2-40B4-BE49-F238E27FC236}">
-                <a16:creationId xmlns:a16="http://schemas.microsoft.com/office/drawing/2014/main" id="{1F2F0FF2-6D82-CD1D-6480-DB3B04A78B2E}"/>
+                <a16:creationId xmlns:a16="http://schemas.microsoft.com/office/drawing/2014/main" id="{2EE7E2BB-AB5B-F7F0-2C45-8AA4C12676CE}"/>
               </a:ext>
             </a:extLst>
           </p:cNvPr>
@@ -9912,8 +13080,8 @@
         </p:blipFill>
         <p:spPr>
           <a:xfrm>
-            <a:off x="5391406" y="2870345"/>
-            <a:ext cx="2235200" cy="841693"/>
+            <a:off x="4840943" y="2902052"/>
+            <a:ext cx="585813" cy="585813"/>
           </a:xfrm>
           <a:prstGeom prst="rect">
             <a:avLst/>
@@ -9922,10 +13090,10 @@
       </p:pic>
       <p:pic>
         <p:nvPicPr>
-          <p:cNvPr id="8" name="Picture 7" descr="Logo&#10;&#10;Description automatically generated with low confidence">
+          <p:cNvPr id="10" name="Picture 9" descr="Icon&#10;&#10;Description automatically generated">
             <a:extLst>
               <a:ext uri="{FF2B5EF4-FFF2-40B4-BE49-F238E27FC236}">
-                <a16:creationId xmlns:a16="http://schemas.microsoft.com/office/drawing/2014/main" id="{574EA77C-9C86-FE15-1EE3-07A4CB0F71C5}"/>
+                <a16:creationId xmlns:a16="http://schemas.microsoft.com/office/drawing/2014/main" id="{3C83A1E2-6B4A-6C6F-9796-6BBAE6E6A731}"/>
               </a:ext>
             </a:extLst>
           </p:cNvPr>
@@ -9942,8 +13110,8 @@
         </p:blipFill>
         <p:spPr>
           <a:xfrm>
-            <a:off x="914445" y="762461"/>
-            <a:ext cx="6712161" cy="1951210"/>
+            <a:off x="4840943" y="3728801"/>
+            <a:ext cx="585813" cy="585813"/>
           </a:xfrm>
           <a:prstGeom prst="rect">
             <a:avLst/>
@@ -9952,10 +13120,10 @@
       </p:pic>
       <p:pic>
         <p:nvPicPr>
-          <p:cNvPr id="15" name="Picture 14" descr="Icon&#10;&#10;Description automatically generated">
+          <p:cNvPr id="15" name="Picture 14" descr="Diagram&#10;&#10;Description automatically generated with medium confidence">
             <a:extLst>
               <a:ext uri="{FF2B5EF4-FFF2-40B4-BE49-F238E27FC236}">
-                <a16:creationId xmlns:a16="http://schemas.microsoft.com/office/drawing/2014/main" id="{1D46E476-3D57-C238-BF7B-15858C1F3361}"/>
+                <a16:creationId xmlns:a16="http://schemas.microsoft.com/office/drawing/2014/main" id="{8D9B8C8A-4214-C93A-05BC-0CF8C6857DA8}"/>
               </a:ext>
             </a:extLst>
           </p:cNvPr>
@@ -9972,38 +13140,8 @@
         </p:blipFill>
         <p:spPr>
           <a:xfrm>
-            <a:off x="3184977" y="4144330"/>
-            <a:ext cx="2171095" cy="2177143"/>
-          </a:xfrm>
-          <a:prstGeom prst="rect">
-            <a:avLst/>
-          </a:prstGeom>
-        </p:spPr>
-      </p:pic>
-      <p:pic>
-        <p:nvPicPr>
-          <p:cNvPr id="17" name="Picture 16" descr="Icon&#10;&#10;Description automatically generated">
-            <a:extLst>
-              <a:ext uri="{FF2B5EF4-FFF2-40B4-BE49-F238E27FC236}">
-                <a16:creationId xmlns:a16="http://schemas.microsoft.com/office/drawing/2014/main" id="{B35D72B9-B837-6DFE-F8A1-8E6A984439C8}"/>
-              </a:ext>
-            </a:extLst>
-          </p:cNvPr>
-          <p:cNvPicPr>
-            <a:picLocks noChangeAspect="1"/>
-          </p:cNvPicPr>
-          <p:nvPr/>
-        </p:nvPicPr>
-        <p:blipFill>
-          <a:blip r:embed="rId6"/>
-          <a:stretch>
-            <a:fillRect/>
-          </a:stretch>
-        </p:blipFill>
-        <p:spPr>
-          <a:xfrm>
-            <a:off x="1789536" y="2713671"/>
-            <a:ext cx="784189" cy="784189"/>
+            <a:off x="4279093" y="4571177"/>
+            <a:ext cx="1981200" cy="406400"/>
           </a:xfrm>
           <a:prstGeom prst="rect">
             <a:avLst/>
@@ -10012,43 +13150,70 @@
       </p:pic>
       <p:sp>
         <p:nvSpPr>
-          <p:cNvPr id="18" name="TextBox 17">
+          <p:cNvPr id="24" name="Bent-Up Arrow 23">
             <a:extLst>
               <a:ext uri="{FF2B5EF4-FFF2-40B4-BE49-F238E27FC236}">
-                <a16:creationId xmlns:a16="http://schemas.microsoft.com/office/drawing/2014/main" id="{013782FE-B4C3-F3C7-6067-A071C50DA887}"/>
+                <a16:creationId xmlns:a16="http://schemas.microsoft.com/office/drawing/2014/main" id="{275EC016-4EFE-BA68-F336-21241BB0A8D4}"/>
               </a:ext>
             </a:extLst>
           </p:cNvPr>
-          <p:cNvSpPr txBox="1"/>
+          <p:cNvSpPr/>
           <p:nvPr/>
         </p:nvSpPr>
         <p:spPr>
-          <a:xfrm>
-            <a:off x="1789536" y="3551819"/>
-            <a:ext cx="784189" cy="400110"/>
+          <a:xfrm rot="16200000" flipH="1">
+            <a:off x="5545430" y="2840225"/>
+            <a:ext cx="2070977" cy="641251"/>
           </a:xfrm>
-          <a:prstGeom prst="rect">
-            <a:avLst/>
+          <a:prstGeom prst="bentUpArrow">
+            <a:avLst>
+              <a:gd name="adj1" fmla="val 13740"/>
+              <a:gd name="adj2" fmla="val 30630"/>
+              <a:gd name="adj3" fmla="val 36260"/>
+            </a:avLst>
           </a:prstGeom>
-          <a:noFill/>
+          <a:solidFill>
+            <a:srgbClr val="C00000"/>
+          </a:solidFill>
+          <a:ln>
+            <a:solidFill>
+              <a:srgbClr val="880000"/>
+            </a:solidFill>
+          </a:ln>
         </p:spPr>
+        <p:style>
+          <a:lnRef idx="2">
+            <a:schemeClr val="accent1">
+              <a:shade val="50000"/>
+            </a:schemeClr>
+          </a:lnRef>
+          <a:fillRef idx="1">
+            <a:schemeClr val="accent1"/>
+          </a:fillRef>
+          <a:effectRef idx="0">
+            <a:schemeClr val="accent1"/>
+          </a:effectRef>
+          <a:fontRef idx="minor">
+            <a:schemeClr val="lt1"/>
+          </a:fontRef>
+        </p:style>
         <p:txBody>
-          <a:bodyPr wrap="none" rtlCol="0">
-            <a:spAutoFit/>
-          </a:bodyPr>
+          <a:bodyPr rtlCol="0" anchor="ctr"/>
           <a:lstStyle/>
           <a:p>
-            <a:r>
-              <a:rPr lang="en-IT" sz="2000" dirty="0"/>
-              <a:t>Ruby</a:t>
-            </a:r>
+            <a:pPr algn="ctr"/>
+            <a:endParaRPr lang="it-IT">
+              <a:solidFill>
+                <a:srgbClr val="FF9696"/>
+              </a:solidFill>
+            </a:endParaRPr>
           </a:p>
         </p:txBody>
       </p:sp>
     </p:spTree>
     <p:extLst>
       <p:ext uri="{BB962C8B-B14F-4D97-AF65-F5344CB8AC3E}">
-        <p14:creationId xmlns:p14="http://schemas.microsoft.com/office/powerpoint/2010/main" val="2326589393"/>
+        <p14:creationId xmlns:p14="http://schemas.microsoft.com/office/powerpoint/2010/main" val="3016207141"/>
       </p:ext>
     </p:extLst>
   </p:cSld>

--- a/src/presentazione/slide-discussione.pptx
+++ b/src/presentazione/slide-discussione.pptx
@@ -6,7 +6,7 @@
     <p:sldMasterId id="2147483665" r:id="rId2"/>
   </p:sldMasterIdLst>
   <p:notesMasterIdLst>
-    <p:notesMasterId r:id="rId13"/>
+    <p:notesMasterId r:id="rId16"/>
   </p:notesMasterIdLst>
   <p:sldIdLst>
     <p:sldId id="256" r:id="rId3"/>
@@ -19,37 +19,40 @@
     <p:sldId id="263" r:id="rId10"/>
     <p:sldId id="265" r:id="rId11"/>
     <p:sldId id="264" r:id="rId12"/>
+    <p:sldId id="266" r:id="rId13"/>
+    <p:sldId id="267" r:id="rId14"/>
+    <p:sldId id="268" r:id="rId15"/>
   </p:sldIdLst>
   <p:sldSz cx="9144000" cy="6858000" type="screen4x3"/>
   <p:notesSz cx="6858000" cy="9144000"/>
   <p:embeddedFontLst>
     <p:embeddedFont>
       <p:font typeface="Calibri" panose="020F0502020204030204" pitchFamily="34" charset="0"/>
-      <p:regular r:id="rId14"/>
-      <p:bold r:id="rId15"/>
-      <p:italic r:id="rId16"/>
-      <p:boldItalic r:id="rId17"/>
+      <p:regular r:id="rId17"/>
+      <p:bold r:id="rId18"/>
+      <p:italic r:id="rId19"/>
+      <p:boldItalic r:id="rId20"/>
     </p:embeddedFont>
     <p:embeddedFont>
       <p:font typeface="Lato" panose="020F0502020204030203" pitchFamily="34" charset="0"/>
-      <p:regular r:id="rId18"/>
-      <p:bold r:id="rId19"/>
-      <p:italic r:id="rId20"/>
-      <p:boldItalic r:id="rId21"/>
+      <p:regular r:id="rId21"/>
+      <p:bold r:id="rId22"/>
+      <p:italic r:id="rId23"/>
+      <p:boldItalic r:id="rId24"/>
     </p:embeddedFont>
     <p:embeddedFont>
       <p:font typeface="MesloLGS NF" panose="020B0609030804020204" pitchFamily="49" charset="0"/>
-      <p:regular r:id="rId22"/>
-      <p:bold r:id="rId23"/>
-      <p:italic r:id="rId24"/>
-      <p:boldItalic r:id="rId25"/>
+      <p:regular r:id="rId25"/>
+      <p:bold r:id="rId26"/>
+      <p:italic r:id="rId27"/>
+      <p:boldItalic r:id="rId28"/>
     </p:embeddedFont>
     <p:embeddedFont>
       <p:font typeface="Source Sans Pro" panose="020B0503030403020204" pitchFamily="34" charset="0"/>
-      <p:regular r:id="rId26"/>
-      <p:bold r:id="rId27"/>
-      <p:italic r:id="rId28"/>
-      <p:boldItalic r:id="rId29"/>
+      <p:regular r:id="rId29"/>
+      <p:bold r:id="rId30"/>
+      <p:italic r:id="rId31"/>
+      <p:boldItalic r:id="rId32"/>
     </p:embeddedFont>
   </p:embeddedFontLst>
   <p:defaultTextStyle>
@@ -768,6 +771,224 @@
     <p:extLst>
       <p:ext uri="{BB962C8B-B14F-4D97-AF65-F5344CB8AC3E}">
         <p14:creationId xmlns:p14="http://schemas.microsoft.com/office/powerpoint/2010/main" val="4185678152"/>
+      </p:ext>
+    </p:extLst>
+  </p:cSld>
+  <p:clrMapOvr>
+    <a:masterClrMapping/>
+  </p:clrMapOvr>
+</p:notes>
+</file>
+
+<file path=ppt/notesSlides/notesSlide11.xml><?xml version="1.0" encoding="utf-8"?>
+<p:notes xmlns:a="http://schemas.openxmlformats.org/drawingml/2006/main" xmlns:r="http://schemas.openxmlformats.org/officeDocument/2006/relationships" xmlns:p="http://schemas.openxmlformats.org/presentationml/2006/main" showMasterSp="0" showMasterPhAnim="0">
+  <p:cSld>
+    <p:spTree>
+      <p:nvGrpSpPr>
+        <p:cNvPr id="1" name="Shape 95"/>
+        <p:cNvGrpSpPr/>
+        <p:nvPr/>
+      </p:nvGrpSpPr>
+      <p:grpSpPr>
+        <a:xfrm>
+          <a:off x="0" y="0"/>
+          <a:ext cx="0" cy="0"/>
+          <a:chOff x="0" y="0"/>
+          <a:chExt cx="0" cy="0"/>
+        </a:xfrm>
+      </p:grpSpPr>
+      <p:sp>
+        <p:nvSpPr>
+          <p:cNvPr id="96" name="Shape 96"/>
+          <p:cNvSpPr>
+            <a:spLocks noGrp="1" noRot="1" noChangeAspect="1"/>
+          </p:cNvSpPr>
+          <p:nvPr>
+            <p:ph type="sldImg" idx="2"/>
+          </p:nvPr>
+        </p:nvSpPr>
+        <p:spPr>
+          <a:xfrm>
+            <a:off x="1143000" y="685800"/>
+            <a:ext cx="4572000" cy="3429000"/>
+          </a:xfrm>
+          <a:custGeom>
+            <a:avLst/>
+            <a:gdLst/>
+            <a:ahLst/>
+            <a:cxnLst/>
+            <a:rect l="0" t="0" r="0" b="0"/>
+            <a:pathLst>
+              <a:path w="120000" h="120000" extrusionOk="0">
+                <a:moveTo>
+                  <a:pt x="0" y="0"/>
+                </a:moveTo>
+                <a:lnTo>
+                  <a:pt x="120000" y="0"/>
+                </a:lnTo>
+                <a:lnTo>
+                  <a:pt x="120000" y="120000"/>
+                </a:lnTo>
+                <a:lnTo>
+                  <a:pt x="0" y="120000"/>
+                </a:lnTo>
+                <a:close/>
+              </a:path>
+            </a:pathLst>
+          </a:custGeom>
+        </p:spPr>
+      </p:sp>
+      <p:sp>
+        <p:nvSpPr>
+          <p:cNvPr id="97" name="Shape 97"/>
+          <p:cNvSpPr txBox="1">
+            <a:spLocks noGrp="1"/>
+          </p:cNvSpPr>
+          <p:nvPr>
+            <p:ph type="body" idx="1"/>
+          </p:nvPr>
+        </p:nvSpPr>
+        <p:spPr>
+          <a:xfrm>
+            <a:off x="685800" y="4343400"/>
+            <a:ext cx="5486400" cy="4114800"/>
+          </a:xfrm>
+          <a:prstGeom prst="rect">
+            <a:avLst/>
+          </a:prstGeom>
+        </p:spPr>
+        <p:txBody>
+          <a:bodyPr spcFirstLastPara="1" wrap="square" lIns="91425" tIns="91425" rIns="91425" bIns="91425" anchor="t" anchorCtr="0">
+            <a:noAutofit/>
+          </a:bodyPr>
+          <a:lstStyle/>
+          <a:p>
+            <a:pPr marL="0" lvl="0" indent="0" rtl="0">
+              <a:spcBef>
+                <a:spcPts val="0"/>
+              </a:spcBef>
+              <a:spcAft>
+                <a:spcPts val="0"/>
+              </a:spcAft>
+              <a:buNone/>
+            </a:pPr>
+            <a:endParaRPr dirty="0"/>
+          </a:p>
+        </p:txBody>
+      </p:sp>
+    </p:spTree>
+    <p:extLst>
+      <p:ext uri="{BB962C8B-B14F-4D97-AF65-F5344CB8AC3E}">
+        <p14:creationId xmlns:p14="http://schemas.microsoft.com/office/powerpoint/2010/main" val="3582832827"/>
+      </p:ext>
+    </p:extLst>
+  </p:cSld>
+  <p:clrMapOvr>
+    <a:masterClrMapping/>
+  </p:clrMapOvr>
+</p:notes>
+</file>
+
+<file path=ppt/notesSlides/notesSlide12.xml><?xml version="1.0" encoding="utf-8"?>
+<p:notes xmlns:a="http://schemas.openxmlformats.org/drawingml/2006/main" xmlns:r="http://schemas.openxmlformats.org/officeDocument/2006/relationships" xmlns:p="http://schemas.openxmlformats.org/presentationml/2006/main" showMasterSp="0" showMasterPhAnim="0">
+  <p:cSld>
+    <p:spTree>
+      <p:nvGrpSpPr>
+        <p:cNvPr id="1" name="Shape 95"/>
+        <p:cNvGrpSpPr/>
+        <p:nvPr/>
+      </p:nvGrpSpPr>
+      <p:grpSpPr>
+        <a:xfrm>
+          <a:off x="0" y="0"/>
+          <a:ext cx="0" cy="0"/>
+          <a:chOff x="0" y="0"/>
+          <a:chExt cx="0" cy="0"/>
+        </a:xfrm>
+      </p:grpSpPr>
+      <p:sp>
+        <p:nvSpPr>
+          <p:cNvPr id="96" name="Shape 96"/>
+          <p:cNvSpPr>
+            <a:spLocks noGrp="1" noRot="1" noChangeAspect="1"/>
+          </p:cNvSpPr>
+          <p:nvPr>
+            <p:ph type="sldImg" idx="2"/>
+          </p:nvPr>
+        </p:nvSpPr>
+        <p:spPr>
+          <a:xfrm>
+            <a:off x="1143000" y="685800"/>
+            <a:ext cx="4572000" cy="3429000"/>
+          </a:xfrm>
+          <a:custGeom>
+            <a:avLst/>
+            <a:gdLst/>
+            <a:ahLst/>
+            <a:cxnLst/>
+            <a:rect l="0" t="0" r="0" b="0"/>
+            <a:pathLst>
+              <a:path w="120000" h="120000" extrusionOk="0">
+                <a:moveTo>
+                  <a:pt x="0" y="0"/>
+                </a:moveTo>
+                <a:lnTo>
+                  <a:pt x="120000" y="0"/>
+                </a:lnTo>
+                <a:lnTo>
+                  <a:pt x="120000" y="120000"/>
+                </a:lnTo>
+                <a:lnTo>
+                  <a:pt x="0" y="120000"/>
+                </a:lnTo>
+                <a:close/>
+              </a:path>
+            </a:pathLst>
+          </a:custGeom>
+        </p:spPr>
+      </p:sp>
+      <p:sp>
+        <p:nvSpPr>
+          <p:cNvPr id="97" name="Shape 97"/>
+          <p:cNvSpPr txBox="1">
+            <a:spLocks noGrp="1"/>
+          </p:cNvSpPr>
+          <p:nvPr>
+            <p:ph type="body" idx="1"/>
+          </p:nvPr>
+        </p:nvSpPr>
+        <p:spPr>
+          <a:xfrm>
+            <a:off x="685800" y="4343400"/>
+            <a:ext cx="5486400" cy="4114800"/>
+          </a:xfrm>
+          <a:prstGeom prst="rect">
+            <a:avLst/>
+          </a:prstGeom>
+        </p:spPr>
+        <p:txBody>
+          <a:bodyPr spcFirstLastPara="1" wrap="square" lIns="91425" tIns="91425" rIns="91425" bIns="91425" anchor="t" anchorCtr="0">
+            <a:noAutofit/>
+          </a:bodyPr>
+          <a:lstStyle/>
+          <a:p>
+            <a:pPr marL="0" lvl="0" indent="0" rtl="0">
+              <a:spcBef>
+                <a:spcPts val="0"/>
+              </a:spcBef>
+              <a:spcAft>
+                <a:spcPts val="0"/>
+              </a:spcAft>
+              <a:buNone/>
+            </a:pPr>
+            <a:endParaRPr dirty="0"/>
+          </a:p>
+        </p:txBody>
+      </p:sp>
+    </p:spTree>
+    <p:extLst>
+      <p:ext uri="{BB962C8B-B14F-4D97-AF65-F5344CB8AC3E}">
+        <p14:creationId xmlns:p14="http://schemas.microsoft.com/office/powerpoint/2010/main" val="327285823"/>
       </p:ext>
     </p:extLst>
   </p:cSld>
@@ -7952,88 +8173,6 @@
           <a:chExt cx="0" cy="0"/>
         </a:xfrm>
       </p:grpSpPr>
-      <p:pic>
-        <p:nvPicPr>
-          <p:cNvPr id="80" name="Shape 80" descr="unipd_logo.png"/>
-          <p:cNvPicPr preferRelativeResize="0"/>
-          <p:nvPr/>
-        </p:nvPicPr>
-        <p:blipFill>
-          <a:blip r:embed="rId3">
-            <a:alphaModFix/>
-          </a:blip>
-          <a:stretch>
-            <a:fillRect/>
-          </a:stretch>
-        </p:blipFill>
-        <p:spPr>
-          <a:xfrm>
-            <a:off x="56951" y="1446974"/>
-            <a:ext cx="932141" cy="914401"/>
-          </a:xfrm>
-          <a:prstGeom prst="rect">
-            <a:avLst/>
-          </a:prstGeom>
-          <a:noFill/>
-          <a:ln>
-            <a:noFill/>
-          </a:ln>
-        </p:spPr>
-      </p:pic>
-      <p:cxnSp>
-        <p:nvCxnSpPr>
-          <p:cNvPr id="81" name="Shape 81"/>
-          <p:cNvCxnSpPr/>
-          <p:nvPr/>
-        </p:nvCxnSpPr>
-        <p:spPr>
-          <a:xfrm>
-            <a:off x="1101750" y="1587651"/>
-            <a:ext cx="0" cy="633000"/>
-          </a:xfrm>
-          <a:prstGeom prst="straightConnector1">
-            <a:avLst/>
-          </a:prstGeom>
-          <a:noFill/>
-          <a:ln w="19050" cap="flat" cmpd="sng">
-            <a:solidFill>
-              <a:srgbClr val="666666"/>
-            </a:solidFill>
-            <a:prstDash val="solid"/>
-            <a:round/>
-            <a:headEnd type="none" w="lg" len="lg"/>
-            <a:tailEnd type="none" w="lg" len="lg"/>
-          </a:ln>
-        </p:spPr>
-      </p:cxnSp>
-      <p:pic>
-        <p:nvPicPr>
-          <p:cNvPr id="82" name="Shape 82"/>
-          <p:cNvPicPr preferRelativeResize="0"/>
-          <p:nvPr/>
-        </p:nvPicPr>
-        <p:blipFill>
-          <a:blip r:embed="rId4">
-            <a:alphaModFix/>
-          </a:blip>
-          <a:stretch>
-            <a:fillRect/>
-          </a:stretch>
-        </p:blipFill>
-        <p:spPr>
-          <a:xfrm>
-            <a:off x="1212835" y="1657989"/>
-            <a:ext cx="2349316" cy="422031"/>
-          </a:xfrm>
-          <a:prstGeom prst="rect">
-            <a:avLst/>
-          </a:prstGeom>
-          <a:noFill/>
-          <a:ln>
-            <a:noFill/>
-          </a:ln>
-        </p:spPr>
-      </p:pic>
       <p:sp>
         <p:nvSpPr>
           <p:cNvPr id="83" name="Shape 83"/>
@@ -8134,8 +8273,8 @@
         </p:nvSpPr>
         <p:spPr>
           <a:xfrm>
-            <a:off x="685800" y="1154778"/>
-            <a:ext cx="7772399" cy="1805400"/>
+            <a:off x="1137835" y="2017189"/>
+            <a:ext cx="6849086" cy="1524045"/>
           </a:xfrm>
           <a:prstGeom prst="rect">
             <a:avLst/>
@@ -8157,7 +8296,7 @@
               </a:lnSpc>
             </a:pPr>
             <a:r>
-              <a:rPr lang="it-IT" sz="3200" dirty="0">
+              <a:rPr lang="it-IT" sz="3000" dirty="0">
                 <a:solidFill>
                   <a:schemeClr val="bg1"/>
                 </a:solidFill>
@@ -8167,7 +8306,7 @@
               <a:t>Analisi, progettazione e sviluppo del </a:t>
             </a:r>
             <a:r>
-              <a:rPr lang="it-IT" sz="3200" dirty="0" err="1">
+              <a:rPr lang="it-IT" sz="3000" dirty="0" err="1">
                 <a:solidFill>
                   <a:schemeClr val="bg1"/>
                 </a:solidFill>
@@ -8177,7 +8316,7 @@
               <a:t>backend</a:t>
             </a:r>
             <a:r>
-              <a:rPr lang="it-IT" sz="3200" dirty="0">
+              <a:rPr lang="it-IT" sz="3000" dirty="0">
                 <a:solidFill>
                   <a:schemeClr val="bg1"/>
                 </a:solidFill>
@@ -8186,13 +8325,6 @@
               </a:rPr>
               <a:t> di un’applicazione web per la gestione di eventi</a:t>
             </a:r>
-            <a:endParaRPr lang="it-IT" sz="4800" dirty="0">
-              <a:solidFill>
-                <a:schemeClr val="bg1"/>
-              </a:solidFill>
-              <a:latin typeface="Arial" panose="020B0604020202020204" pitchFamily="34" charset="0"/>
-              <a:cs typeface="Arial" panose="020B0604020202020204" pitchFamily="34" charset="0"/>
-            </a:endParaRPr>
           </a:p>
         </p:txBody>
       </p:sp>
@@ -8204,8 +8336,8 @@
         </p:nvSpPr>
         <p:spPr>
           <a:xfrm>
-            <a:off x="998770" y="3309730"/>
-            <a:ext cx="7127216" cy="794010"/>
+            <a:off x="1805945" y="3923407"/>
+            <a:ext cx="5532108" cy="794010"/>
           </a:xfrm>
           <a:prstGeom prst="rect">
             <a:avLst/>
@@ -8228,7 +8360,7 @@
               <a:buSzPts val="1100"/>
             </a:pPr>
             <a:r>
-              <a:rPr lang="it-IT" sz="2400" dirty="0">
+              <a:rPr lang="it-IT" sz="2000" dirty="0">
                 <a:solidFill>
                   <a:srgbClr val="FFFFFF"/>
                 </a:solidFill>
@@ -8247,7 +8379,7 @@
               <a:buSzPts val="1100"/>
             </a:pPr>
             <a:r>
-              <a:rPr lang="it-IT" sz="2400" dirty="0">
+              <a:rPr lang="it-IT" sz="2000" dirty="0">
                 <a:solidFill>
                   <a:srgbClr val="FFFFFF"/>
                 </a:solidFill>
@@ -8330,10 +8462,10 @@
       </p:sp>
       <p:pic>
         <p:nvPicPr>
-          <p:cNvPr id="4" name="Picture 3">
+          <p:cNvPr id="2" name="Picture 1" descr="A picture containing logo&#10;&#10;Description automatically generated">
             <a:extLst>
               <a:ext uri="{FF2B5EF4-FFF2-40B4-BE49-F238E27FC236}">
-                <a16:creationId xmlns:a16="http://schemas.microsoft.com/office/drawing/2014/main" id="{987B8E23-EF74-2194-F17C-5C41B3438327}"/>
+                <a16:creationId xmlns:a16="http://schemas.microsoft.com/office/drawing/2014/main" id="{2429B256-BD98-3E09-C50B-94FBCC0F115F}"/>
               </a:ext>
             </a:extLst>
           </p:cNvPr>
@@ -8343,21 +8475,103 @@
           <p:nvPr/>
         </p:nvPicPr>
         <p:blipFill>
-          <a:blip r:embed="rId5"/>
+          <a:blip r:embed="rId3"/>
           <a:stretch>
             <a:fillRect/>
           </a:stretch>
         </p:blipFill>
         <p:spPr>
           <a:xfrm>
-            <a:off x="6540500" y="5290533"/>
-            <a:ext cx="2374881" cy="1460608"/>
+            <a:off x="3277363" y="428916"/>
+            <a:ext cx="2589272" cy="1158735"/>
           </a:xfrm>
           <a:prstGeom prst="rect">
             <a:avLst/>
           </a:prstGeom>
         </p:spPr>
       </p:pic>
+      <p:pic>
+        <p:nvPicPr>
+          <p:cNvPr id="80" name="Shape 80" descr="unipd_logo.png"/>
+          <p:cNvPicPr preferRelativeResize="0"/>
+          <p:nvPr/>
+        </p:nvPicPr>
+        <p:blipFill>
+          <a:blip r:embed="rId4">
+            <a:alphaModFix/>
+          </a:blip>
+          <a:stretch>
+            <a:fillRect/>
+          </a:stretch>
+        </p:blipFill>
+        <p:spPr>
+          <a:xfrm>
+            <a:off x="5400564" y="5654635"/>
+            <a:ext cx="932141" cy="914401"/>
+          </a:xfrm>
+          <a:prstGeom prst="rect">
+            <a:avLst/>
+          </a:prstGeom>
+          <a:noFill/>
+          <a:ln>
+            <a:noFill/>
+          </a:ln>
+        </p:spPr>
+      </p:pic>
+      <p:pic>
+        <p:nvPicPr>
+          <p:cNvPr id="82" name="Shape 82"/>
+          <p:cNvPicPr preferRelativeResize="0"/>
+          <p:nvPr/>
+        </p:nvPicPr>
+        <p:blipFill>
+          <a:blip r:embed="rId5">
+            <a:alphaModFix/>
+          </a:blip>
+          <a:stretch>
+            <a:fillRect/>
+          </a:stretch>
+        </p:blipFill>
+        <p:spPr>
+          <a:xfrm>
+            <a:off x="6547034" y="5884450"/>
+            <a:ext cx="2349316" cy="422031"/>
+          </a:xfrm>
+          <a:prstGeom prst="rect">
+            <a:avLst/>
+          </a:prstGeom>
+          <a:noFill/>
+          <a:ln>
+            <a:noFill/>
+          </a:ln>
+        </p:spPr>
+      </p:pic>
+      <p:cxnSp>
+        <p:nvCxnSpPr>
+          <p:cNvPr id="81" name="Shape 81"/>
+          <p:cNvCxnSpPr/>
+          <p:nvPr/>
+        </p:nvCxnSpPr>
+        <p:spPr>
+          <a:xfrm>
+            <a:off x="6439869" y="5795335"/>
+            <a:ext cx="0" cy="633000"/>
+          </a:xfrm>
+          <a:prstGeom prst="straightConnector1">
+            <a:avLst/>
+          </a:prstGeom>
+          <a:noFill/>
+          <a:ln w="19050" cap="flat" cmpd="sng">
+            <a:solidFill>
+              <a:srgbClr val="666666"/>
+            </a:solidFill>
+            <a:prstDash val="solid"/>
+            <a:round/>
+            <a:headEnd type="none" w="lg" len="lg"/>
+            <a:tailEnd type="none" w="lg" len="lg"/>
+          </a:ln>
+        </p:spPr>
+      </p:cxnSp>
     </p:spTree>
   </p:cSld>
   <p:clrMapOvr>
@@ -8484,6 +8698,960 @@
     <p:extLst>
       <p:ext uri="{BB962C8B-B14F-4D97-AF65-F5344CB8AC3E}">
         <p14:creationId xmlns:p14="http://schemas.microsoft.com/office/powerpoint/2010/main" val="3998977162"/>
+      </p:ext>
+    </p:extLst>
+  </p:cSld>
+  <p:clrMapOvr>
+    <a:masterClrMapping/>
+  </p:clrMapOvr>
+</p:sld>
+</file>
+
+<file path=ppt/slides/slide11.xml><?xml version="1.0" encoding="utf-8"?>
+<p:sld xmlns:a="http://schemas.openxmlformats.org/drawingml/2006/main" xmlns:r="http://schemas.openxmlformats.org/officeDocument/2006/relationships" xmlns:p="http://schemas.openxmlformats.org/presentationml/2006/main">
+  <p:cSld>
+    <p:spTree>
+      <p:nvGrpSpPr>
+        <p:cNvPr id="1" name="Shape 98"/>
+        <p:cNvGrpSpPr/>
+        <p:nvPr/>
+      </p:nvGrpSpPr>
+      <p:grpSpPr>
+        <a:xfrm>
+          <a:off x="0" y="0"/>
+          <a:ext cx="0" cy="0"/>
+          <a:chOff x="0" y="0"/>
+          <a:chExt cx="0" cy="0"/>
+        </a:xfrm>
+      </p:grpSpPr>
+      <p:sp>
+        <p:nvSpPr>
+          <p:cNvPr id="99" name="Shape 99"/>
+          <p:cNvSpPr txBox="1">
+            <a:spLocks noGrp="1"/>
+          </p:cNvSpPr>
+          <p:nvPr>
+            <p:ph type="title" idx="4294967295"/>
+          </p:nvPr>
+        </p:nvSpPr>
+        <p:spPr>
+          <a:xfrm>
+            <a:off x="457200" y="-1"/>
+            <a:ext cx="5213100" cy="707455"/>
+          </a:xfrm>
+          <a:prstGeom prst="rect">
+            <a:avLst/>
+          </a:prstGeom>
+        </p:spPr>
+        <p:txBody>
+          <a:bodyPr spcFirstLastPara="1" wrap="square" lIns="82925" tIns="82925" rIns="82925" bIns="82925" anchor="ctr" anchorCtr="0">
+            <a:noAutofit/>
+          </a:bodyPr>
+          <a:lstStyle/>
+          <a:p>
+            <a:pPr marL="0" lvl="0" indent="0" rtl="0">
+              <a:spcBef>
+                <a:spcPts val="0"/>
+              </a:spcBef>
+              <a:spcAft>
+                <a:spcPts val="0"/>
+              </a:spcAft>
+              <a:buNone/>
+            </a:pPr>
+            <a:r>
+              <a:rPr lang="it-IT" sz="3000" noProof="0" dirty="0">
+                <a:solidFill>
+                  <a:srgbClr val="FFFFFF"/>
+                </a:solidFill>
+              </a:rPr>
+              <a:t>Stato finale</a:t>
+            </a:r>
+          </a:p>
+        </p:txBody>
+      </p:sp>
+      <p:sp>
+        <p:nvSpPr>
+          <p:cNvPr id="101" name="Shape 101"/>
+          <p:cNvSpPr/>
+          <p:nvPr/>
+        </p:nvSpPr>
+        <p:spPr>
+          <a:xfrm>
+            <a:off x="6901544" y="6396100"/>
+            <a:ext cx="2242456" cy="378300"/>
+          </a:xfrm>
+          <a:prstGeom prst="rect">
+            <a:avLst/>
+          </a:prstGeom>
+          <a:solidFill>
+            <a:srgbClr val="9B0014"/>
+          </a:solidFill>
+          <a:ln>
+            <a:noFill/>
+          </a:ln>
+        </p:spPr>
+        <p:txBody>
+          <a:bodyPr spcFirstLastPara="1" wrap="square" lIns="91425" tIns="91425" rIns="91425" bIns="91425" anchor="ctr" anchorCtr="0">
+            <a:noAutofit/>
+          </a:bodyPr>
+          <a:lstStyle/>
+          <a:p>
+            <a:pPr marL="0" lvl="0" indent="0" algn="ctr">
+              <a:spcBef>
+                <a:spcPts val="0"/>
+              </a:spcBef>
+              <a:spcAft>
+                <a:spcPts val="0"/>
+              </a:spcAft>
+              <a:buNone/>
+            </a:pPr>
+            <a:r>
+              <a:rPr lang="en-US" dirty="0">
+                <a:solidFill>
+                  <a:srgbClr val="FF9696"/>
+                </a:solidFill>
+              </a:rPr>
+              <a:t>X di Y</a:t>
+            </a:r>
+            <a:endParaRPr dirty="0">
+              <a:solidFill>
+                <a:srgbClr val="FF9696"/>
+              </a:solidFill>
+            </a:endParaRPr>
+          </a:p>
+        </p:txBody>
+      </p:sp>
+      <p:sp>
+        <p:nvSpPr>
+          <p:cNvPr id="3" name="TextBox 2">
+            <a:extLst>
+              <a:ext uri="{FF2B5EF4-FFF2-40B4-BE49-F238E27FC236}">
+                <a16:creationId xmlns:a16="http://schemas.microsoft.com/office/drawing/2014/main" id="{7CCBA94D-7D61-774F-883C-D6DBEAC86DF6}"/>
+              </a:ext>
+            </a:extLst>
+          </p:cNvPr>
+          <p:cNvSpPr txBox="1"/>
+          <p:nvPr/>
+        </p:nvSpPr>
+        <p:spPr>
+          <a:xfrm>
+            <a:off x="840300" y="2184407"/>
+            <a:ext cx="2631223" cy="707886"/>
+          </a:xfrm>
+          <a:prstGeom prst="rect">
+            <a:avLst/>
+          </a:prstGeom>
+          <a:noFill/>
+        </p:spPr>
+        <p:txBody>
+          <a:bodyPr wrap="square" rtlCol="0">
+            <a:spAutoFit/>
+          </a:bodyPr>
+          <a:lstStyle/>
+          <a:p>
+            <a:pPr algn="ctr"/>
+            <a:r>
+              <a:rPr lang="it-IT" sz="2000" dirty="0"/>
+              <a:t>Molti modelli ancora da implementare</a:t>
+            </a:r>
+          </a:p>
+        </p:txBody>
+      </p:sp>
+      <p:pic>
+        <p:nvPicPr>
+          <p:cNvPr id="5" name="Picture 4" descr="Icon&#10;&#10;Description automatically generated">
+            <a:extLst>
+              <a:ext uri="{FF2B5EF4-FFF2-40B4-BE49-F238E27FC236}">
+                <a16:creationId xmlns:a16="http://schemas.microsoft.com/office/drawing/2014/main" id="{1C1BE8CA-E111-1D49-0A90-C80EF4DD9912}"/>
+              </a:ext>
+            </a:extLst>
+          </p:cNvPr>
+          <p:cNvPicPr>
+            <a:picLocks noChangeAspect="1"/>
+          </p:cNvPicPr>
+          <p:nvPr/>
+        </p:nvPicPr>
+        <p:blipFill>
+          <a:blip r:embed="rId3"/>
+          <a:stretch>
+            <a:fillRect/>
+          </a:stretch>
+        </p:blipFill>
+        <p:spPr>
+          <a:xfrm>
+            <a:off x="2007247" y="1267742"/>
+            <a:ext cx="707455" cy="707455"/>
+          </a:xfrm>
+          <a:prstGeom prst="rect">
+            <a:avLst/>
+          </a:prstGeom>
+        </p:spPr>
+      </p:pic>
+      <p:sp>
+        <p:nvSpPr>
+          <p:cNvPr id="6" name="TextBox 5">
+            <a:extLst>
+              <a:ext uri="{FF2B5EF4-FFF2-40B4-BE49-F238E27FC236}">
+                <a16:creationId xmlns:a16="http://schemas.microsoft.com/office/drawing/2014/main" id="{B01B1A0F-F17D-DBEA-FC02-4A455D8C7BDA}"/>
+              </a:ext>
+            </a:extLst>
+          </p:cNvPr>
+          <p:cNvSpPr txBox="1"/>
+          <p:nvPr/>
+        </p:nvSpPr>
+        <p:spPr>
+          <a:xfrm>
+            <a:off x="5390823" y="2090613"/>
+            <a:ext cx="2631223" cy="770083"/>
+          </a:xfrm>
+          <a:prstGeom prst="rect">
+            <a:avLst/>
+          </a:prstGeom>
+          <a:noFill/>
+        </p:spPr>
+        <p:txBody>
+          <a:bodyPr wrap="square" rtlCol="0">
+            <a:spAutoFit/>
+          </a:bodyPr>
+          <a:lstStyle/>
+          <a:p>
+            <a:pPr indent="-381000" algn="ctr">
+              <a:lnSpc>
+                <a:spcPct val="115000"/>
+              </a:lnSpc>
+              <a:buClr>
+                <a:srgbClr val="9B0014"/>
+              </a:buClr>
+              <a:buSzPts val="2400"/>
+            </a:pPr>
+            <a:r>
+              <a:rPr lang="it-IT" sz="2000" dirty="0"/>
+              <a:t>Basi solide per il progetto</a:t>
+            </a:r>
+          </a:p>
+        </p:txBody>
+      </p:sp>
+      <p:pic>
+        <p:nvPicPr>
+          <p:cNvPr id="8" name="Picture 7" descr="Icon&#10;&#10;Description automatically generated">
+            <a:extLst>
+              <a:ext uri="{FF2B5EF4-FFF2-40B4-BE49-F238E27FC236}">
+                <a16:creationId xmlns:a16="http://schemas.microsoft.com/office/drawing/2014/main" id="{F3266415-5BA0-1BDB-0594-57E4C4A1ED75}"/>
+              </a:ext>
+            </a:extLst>
+          </p:cNvPr>
+          <p:cNvPicPr>
+            <a:picLocks noChangeAspect="1"/>
+          </p:cNvPicPr>
+          <p:nvPr/>
+        </p:nvPicPr>
+        <p:blipFill>
+          <a:blip r:embed="rId4"/>
+          <a:stretch>
+            <a:fillRect/>
+          </a:stretch>
+        </p:blipFill>
+        <p:spPr>
+          <a:xfrm>
+            <a:off x="6352706" y="1301762"/>
+            <a:ext cx="707456" cy="707456"/>
+          </a:xfrm>
+          <a:prstGeom prst="rect">
+            <a:avLst/>
+          </a:prstGeom>
+        </p:spPr>
+      </p:pic>
+      <p:sp>
+        <p:nvSpPr>
+          <p:cNvPr id="11" name="TextBox 10">
+            <a:extLst>
+              <a:ext uri="{FF2B5EF4-FFF2-40B4-BE49-F238E27FC236}">
+                <a16:creationId xmlns:a16="http://schemas.microsoft.com/office/drawing/2014/main" id="{ECE021D6-C009-0AD4-6E1C-F78FBDB661A9}"/>
+              </a:ext>
+            </a:extLst>
+          </p:cNvPr>
+          <p:cNvSpPr txBox="1"/>
+          <p:nvPr/>
+        </p:nvSpPr>
+        <p:spPr>
+          <a:xfrm>
+            <a:off x="840300" y="4930650"/>
+            <a:ext cx="2631223" cy="770083"/>
+          </a:xfrm>
+          <a:prstGeom prst="rect">
+            <a:avLst/>
+          </a:prstGeom>
+          <a:noFill/>
+        </p:spPr>
+        <p:txBody>
+          <a:bodyPr wrap="square" rtlCol="0">
+            <a:spAutoFit/>
+          </a:bodyPr>
+          <a:lstStyle/>
+          <a:p>
+            <a:pPr indent="-381000" algn="ctr">
+              <a:lnSpc>
+                <a:spcPct val="115000"/>
+              </a:lnSpc>
+              <a:buClr>
+                <a:srgbClr val="9B0014"/>
+              </a:buClr>
+              <a:buSzPts val="2400"/>
+            </a:pPr>
+            <a:r>
+              <a:rPr lang="it-IT" sz="2000" dirty="0"/>
+              <a:t>Dettagli da rivedere nelle fasi avanzate</a:t>
+            </a:r>
+          </a:p>
+        </p:txBody>
+      </p:sp>
+      <p:sp>
+        <p:nvSpPr>
+          <p:cNvPr id="12" name="TextBox 11">
+            <a:extLst>
+              <a:ext uri="{FF2B5EF4-FFF2-40B4-BE49-F238E27FC236}">
+                <a16:creationId xmlns:a16="http://schemas.microsoft.com/office/drawing/2014/main" id="{F0E57568-2C65-6EE6-855D-628384FD73EB}"/>
+              </a:ext>
+            </a:extLst>
+          </p:cNvPr>
+          <p:cNvSpPr txBox="1"/>
+          <p:nvPr/>
+        </p:nvSpPr>
+        <p:spPr>
+          <a:xfrm>
+            <a:off x="5391549" y="4930649"/>
+            <a:ext cx="2631223" cy="770083"/>
+          </a:xfrm>
+          <a:prstGeom prst="rect">
+            <a:avLst/>
+          </a:prstGeom>
+          <a:noFill/>
+        </p:spPr>
+        <p:txBody>
+          <a:bodyPr wrap="square" rtlCol="0">
+            <a:spAutoFit/>
+          </a:bodyPr>
+          <a:lstStyle/>
+          <a:p>
+            <a:pPr indent="-381000" algn="ctr">
+              <a:lnSpc>
+                <a:spcPct val="115000"/>
+              </a:lnSpc>
+              <a:buClr>
+                <a:srgbClr val="9B0014"/>
+              </a:buClr>
+              <a:buSzPts val="2400"/>
+            </a:pPr>
+            <a:r>
+              <a:rPr lang="it-IT" sz="2000" dirty="0"/>
+              <a:t>Prosegue come progetto di stage</a:t>
+            </a:r>
+          </a:p>
+        </p:txBody>
+      </p:sp>
+      <p:pic>
+        <p:nvPicPr>
+          <p:cNvPr id="14" name="Picture 13" descr="Icon&#10;&#10;Description automatically generated">
+            <a:extLst>
+              <a:ext uri="{FF2B5EF4-FFF2-40B4-BE49-F238E27FC236}">
+                <a16:creationId xmlns:a16="http://schemas.microsoft.com/office/drawing/2014/main" id="{A9935314-57FD-7F65-1508-7A406D859AB1}"/>
+              </a:ext>
+            </a:extLst>
+          </p:cNvPr>
+          <p:cNvPicPr>
+            <a:picLocks noChangeAspect="1"/>
+          </p:cNvPicPr>
+          <p:nvPr/>
+        </p:nvPicPr>
+        <p:blipFill>
+          <a:blip r:embed="rId5"/>
+          <a:stretch>
+            <a:fillRect/>
+          </a:stretch>
+        </p:blipFill>
+        <p:spPr>
+          <a:xfrm>
+            <a:off x="1802183" y="3959859"/>
+            <a:ext cx="707456" cy="707456"/>
+          </a:xfrm>
+          <a:prstGeom prst="rect">
+            <a:avLst/>
+          </a:prstGeom>
+        </p:spPr>
+      </p:pic>
+      <p:pic>
+        <p:nvPicPr>
+          <p:cNvPr id="18" name="Picture 17" descr="A picture containing text, sign, clock&#10;&#10;Description automatically generated">
+            <a:extLst>
+              <a:ext uri="{FF2B5EF4-FFF2-40B4-BE49-F238E27FC236}">
+                <a16:creationId xmlns:a16="http://schemas.microsoft.com/office/drawing/2014/main" id="{F50BDA61-436F-717B-8562-65AF965DD763}"/>
+              </a:ext>
+            </a:extLst>
+          </p:cNvPr>
+          <p:cNvPicPr>
+            <a:picLocks noChangeAspect="1"/>
+          </p:cNvPicPr>
+          <p:nvPr/>
+        </p:nvPicPr>
+        <p:blipFill>
+          <a:blip r:embed="rId6"/>
+          <a:stretch>
+            <a:fillRect/>
+          </a:stretch>
+        </p:blipFill>
+        <p:spPr>
+          <a:xfrm>
+            <a:off x="6352706" y="3965556"/>
+            <a:ext cx="707456" cy="707456"/>
+          </a:xfrm>
+          <a:prstGeom prst="rect">
+            <a:avLst/>
+          </a:prstGeom>
+        </p:spPr>
+      </p:pic>
+    </p:spTree>
+    <p:extLst>
+      <p:ext uri="{BB962C8B-B14F-4D97-AF65-F5344CB8AC3E}">
+        <p14:creationId xmlns:p14="http://schemas.microsoft.com/office/powerpoint/2010/main" val="2482419287"/>
+      </p:ext>
+    </p:extLst>
+  </p:cSld>
+  <p:clrMapOvr>
+    <a:masterClrMapping/>
+  </p:clrMapOvr>
+</p:sld>
+</file>
+
+<file path=ppt/slides/slide12.xml><?xml version="1.0" encoding="utf-8"?>
+<p:sld xmlns:a="http://schemas.openxmlformats.org/drawingml/2006/main" xmlns:r="http://schemas.openxmlformats.org/officeDocument/2006/relationships" xmlns:p="http://schemas.openxmlformats.org/presentationml/2006/main">
+  <p:cSld>
+    <p:spTree>
+      <p:nvGrpSpPr>
+        <p:cNvPr id="1" name="Shape 98"/>
+        <p:cNvGrpSpPr/>
+        <p:nvPr/>
+      </p:nvGrpSpPr>
+      <p:grpSpPr>
+        <a:xfrm>
+          <a:off x="0" y="0"/>
+          <a:ext cx="0" cy="0"/>
+          <a:chOff x="0" y="0"/>
+          <a:chExt cx="0" cy="0"/>
+        </a:xfrm>
+      </p:grpSpPr>
+      <p:sp>
+        <p:nvSpPr>
+          <p:cNvPr id="99" name="Shape 99"/>
+          <p:cNvSpPr txBox="1">
+            <a:spLocks noGrp="1"/>
+          </p:cNvSpPr>
+          <p:nvPr>
+            <p:ph type="title" idx="4294967295"/>
+          </p:nvPr>
+        </p:nvSpPr>
+        <p:spPr>
+          <a:xfrm>
+            <a:off x="457200" y="-1"/>
+            <a:ext cx="5213100" cy="707455"/>
+          </a:xfrm>
+          <a:prstGeom prst="rect">
+            <a:avLst/>
+          </a:prstGeom>
+        </p:spPr>
+        <p:txBody>
+          <a:bodyPr spcFirstLastPara="1" wrap="square" lIns="82925" tIns="82925" rIns="82925" bIns="82925" anchor="ctr" anchorCtr="0">
+            <a:noAutofit/>
+          </a:bodyPr>
+          <a:lstStyle/>
+          <a:p>
+            <a:pPr marL="0" lvl="0" indent="0" rtl="0">
+              <a:spcBef>
+                <a:spcPts val="0"/>
+              </a:spcBef>
+              <a:spcAft>
+                <a:spcPts val="0"/>
+              </a:spcAft>
+              <a:buNone/>
+            </a:pPr>
+            <a:r>
+              <a:rPr lang="it-IT" sz="3000" noProof="0" dirty="0">
+                <a:solidFill>
+                  <a:srgbClr val="FFFFFF"/>
+                </a:solidFill>
+              </a:rPr>
+              <a:t>Conclusioni</a:t>
+            </a:r>
+          </a:p>
+        </p:txBody>
+      </p:sp>
+      <p:sp>
+        <p:nvSpPr>
+          <p:cNvPr id="101" name="Shape 101"/>
+          <p:cNvSpPr/>
+          <p:nvPr/>
+        </p:nvSpPr>
+        <p:spPr>
+          <a:xfrm>
+            <a:off x="6901544" y="6396100"/>
+            <a:ext cx="2242456" cy="378300"/>
+          </a:xfrm>
+          <a:prstGeom prst="rect">
+            <a:avLst/>
+          </a:prstGeom>
+          <a:solidFill>
+            <a:srgbClr val="9B0014"/>
+          </a:solidFill>
+          <a:ln>
+            <a:noFill/>
+          </a:ln>
+        </p:spPr>
+        <p:txBody>
+          <a:bodyPr spcFirstLastPara="1" wrap="square" lIns="91425" tIns="91425" rIns="91425" bIns="91425" anchor="ctr" anchorCtr="0">
+            <a:noAutofit/>
+          </a:bodyPr>
+          <a:lstStyle/>
+          <a:p>
+            <a:pPr marL="0" lvl="0" indent="0" algn="ctr">
+              <a:spcBef>
+                <a:spcPts val="0"/>
+              </a:spcBef>
+              <a:spcAft>
+                <a:spcPts val="0"/>
+              </a:spcAft>
+              <a:buNone/>
+            </a:pPr>
+            <a:r>
+              <a:rPr lang="en-US" dirty="0">
+                <a:solidFill>
+                  <a:srgbClr val="FF9696"/>
+                </a:solidFill>
+              </a:rPr>
+              <a:t>X di Y</a:t>
+            </a:r>
+            <a:endParaRPr dirty="0">
+              <a:solidFill>
+                <a:srgbClr val="FF9696"/>
+              </a:solidFill>
+            </a:endParaRPr>
+          </a:p>
+        </p:txBody>
+      </p:sp>
+      <p:sp>
+        <p:nvSpPr>
+          <p:cNvPr id="3" name="Shape 173">
+            <a:extLst>
+              <a:ext uri="{FF2B5EF4-FFF2-40B4-BE49-F238E27FC236}">
+                <a16:creationId xmlns:a16="http://schemas.microsoft.com/office/drawing/2014/main" id="{85C6E5BF-82FC-1DC3-B476-E90D2454FC9E}"/>
+              </a:ext>
+            </a:extLst>
+          </p:cNvPr>
+          <p:cNvSpPr txBox="1">
+            <a:spLocks/>
+          </p:cNvSpPr>
+          <p:nvPr/>
+        </p:nvSpPr>
+        <p:spPr>
+          <a:xfrm>
+            <a:off x="1128192" y="2450037"/>
+            <a:ext cx="6887615" cy="1957925"/>
+          </a:xfrm>
+          <a:prstGeom prst="rect">
+            <a:avLst/>
+          </a:prstGeom>
+          <a:noFill/>
+          <a:ln>
+            <a:noFill/>
+          </a:ln>
+        </p:spPr>
+        <p:txBody>
+          <a:bodyPr spcFirstLastPara="1" wrap="square" lIns="82925" tIns="82925" rIns="82925" bIns="82925" anchor="t" anchorCtr="0">
+            <a:noAutofit/>
+          </a:bodyPr>
+          <a:lstStyle>
+            <a:defPPr marR="0" lvl="0" algn="l" rtl="0">
+              <a:lnSpc>
+                <a:spcPct val="100000"/>
+              </a:lnSpc>
+              <a:spcBef>
+                <a:spcPts val="0"/>
+              </a:spcBef>
+              <a:spcAft>
+                <a:spcPts val="0"/>
+              </a:spcAft>
+            </a:defPPr>
+            <a:lvl1pPr marL="457200" marR="0" lvl="0" indent="-311150" algn="l" rtl="0" eaLnBrk="1" hangingPunct="1">
+              <a:lnSpc>
+                <a:spcPct val="93000"/>
+              </a:lnSpc>
+              <a:spcBef>
+                <a:spcPts val="0"/>
+              </a:spcBef>
+              <a:spcAft>
+                <a:spcPts val="0"/>
+              </a:spcAft>
+              <a:buSzPts val="1300"/>
+              <a:buChar char="●"/>
+              <a:defRPr sz="1300" b="0" i="0" u="none" strike="noStrike" cap="none">
+                <a:solidFill>
+                  <a:srgbClr val="000000"/>
+                </a:solidFill>
+                <a:latin typeface="Arial"/>
+                <a:ea typeface="Arial"/>
+                <a:cs typeface="Arial"/>
+                <a:sym typeface="Arial"/>
+              </a:defRPr>
+            </a:lvl1pPr>
+            <a:lvl2pPr marL="914400" marR="0" lvl="1" indent="-311150" algn="l" rtl="0" eaLnBrk="1" hangingPunct="1">
+              <a:lnSpc>
+                <a:spcPct val="93000"/>
+              </a:lnSpc>
+              <a:spcBef>
+                <a:spcPts val="1300"/>
+              </a:spcBef>
+              <a:spcAft>
+                <a:spcPts val="0"/>
+              </a:spcAft>
+              <a:buSzPts val="1300"/>
+              <a:buChar char="○"/>
+              <a:defRPr sz="1300" b="0" i="0" u="none" strike="noStrike" cap="none">
+                <a:solidFill>
+                  <a:srgbClr val="000000"/>
+                </a:solidFill>
+                <a:latin typeface="Arial"/>
+                <a:ea typeface="Arial"/>
+                <a:cs typeface="Arial"/>
+                <a:sym typeface="Arial"/>
+              </a:defRPr>
+            </a:lvl2pPr>
+            <a:lvl3pPr marL="1371600" marR="0" lvl="2" indent="-311150" algn="l" rtl="0" eaLnBrk="1" hangingPunct="1">
+              <a:lnSpc>
+                <a:spcPct val="93000"/>
+              </a:lnSpc>
+              <a:spcBef>
+                <a:spcPts val="1000"/>
+              </a:spcBef>
+              <a:spcAft>
+                <a:spcPts val="0"/>
+              </a:spcAft>
+              <a:buSzPts val="1300"/>
+              <a:buChar char="■"/>
+              <a:defRPr sz="1300" b="0" i="0" u="none" strike="noStrike" cap="none">
+                <a:solidFill>
+                  <a:srgbClr val="000000"/>
+                </a:solidFill>
+                <a:latin typeface="Arial"/>
+                <a:ea typeface="Arial"/>
+                <a:cs typeface="Arial"/>
+                <a:sym typeface="Arial"/>
+              </a:defRPr>
+            </a:lvl3pPr>
+            <a:lvl4pPr marL="1828800" marR="0" lvl="3" indent="-311150" algn="l" rtl="0" eaLnBrk="1" hangingPunct="1">
+              <a:lnSpc>
+                <a:spcPct val="93000"/>
+              </a:lnSpc>
+              <a:spcBef>
+                <a:spcPts val="700"/>
+              </a:spcBef>
+              <a:spcAft>
+                <a:spcPts val="0"/>
+              </a:spcAft>
+              <a:buSzPts val="1300"/>
+              <a:buChar char="●"/>
+              <a:defRPr sz="1300" b="0" i="0" u="none" strike="noStrike" cap="none">
+                <a:solidFill>
+                  <a:srgbClr val="000000"/>
+                </a:solidFill>
+                <a:latin typeface="Arial"/>
+                <a:ea typeface="Arial"/>
+                <a:cs typeface="Arial"/>
+                <a:sym typeface="Arial"/>
+              </a:defRPr>
+            </a:lvl4pPr>
+            <a:lvl5pPr marL="2286000" marR="0" lvl="4" indent="-311150" algn="l" rtl="0" eaLnBrk="1" hangingPunct="1">
+              <a:lnSpc>
+                <a:spcPct val="93000"/>
+              </a:lnSpc>
+              <a:spcBef>
+                <a:spcPts val="500"/>
+              </a:spcBef>
+              <a:spcAft>
+                <a:spcPts val="0"/>
+              </a:spcAft>
+              <a:buSzPts val="1300"/>
+              <a:buChar char="○"/>
+              <a:defRPr sz="1300" b="0" i="0" u="none" strike="noStrike" cap="none">
+                <a:solidFill>
+                  <a:srgbClr val="000000"/>
+                </a:solidFill>
+                <a:latin typeface="Arial"/>
+                <a:ea typeface="Arial"/>
+                <a:cs typeface="Arial"/>
+                <a:sym typeface="Arial"/>
+              </a:defRPr>
+            </a:lvl5pPr>
+            <a:lvl6pPr marL="2743200" marR="0" lvl="5" indent="-311150" algn="l" rtl="0" eaLnBrk="1" hangingPunct="1">
+              <a:lnSpc>
+                <a:spcPct val="93000"/>
+              </a:lnSpc>
+              <a:spcBef>
+                <a:spcPts val="200"/>
+              </a:spcBef>
+              <a:spcAft>
+                <a:spcPts val="0"/>
+              </a:spcAft>
+              <a:buSzPts val="1300"/>
+              <a:buChar char="■"/>
+              <a:defRPr sz="1300" b="0" i="0" u="none" strike="noStrike" cap="none">
+                <a:solidFill>
+                  <a:srgbClr val="000000"/>
+                </a:solidFill>
+                <a:latin typeface="Arial"/>
+                <a:ea typeface="Arial"/>
+                <a:cs typeface="Arial"/>
+                <a:sym typeface="Arial"/>
+              </a:defRPr>
+            </a:lvl6pPr>
+            <a:lvl7pPr marL="3200400" marR="0" lvl="6" indent="-311150" algn="l" rtl="0" eaLnBrk="1" hangingPunct="1">
+              <a:lnSpc>
+                <a:spcPct val="93000"/>
+              </a:lnSpc>
+              <a:spcBef>
+                <a:spcPts val="200"/>
+              </a:spcBef>
+              <a:spcAft>
+                <a:spcPts val="0"/>
+              </a:spcAft>
+              <a:buSzPts val="1300"/>
+              <a:buChar char="●"/>
+              <a:defRPr sz="1300" b="0" i="0" u="none" strike="noStrike" cap="none">
+                <a:solidFill>
+                  <a:srgbClr val="000000"/>
+                </a:solidFill>
+                <a:latin typeface="Arial"/>
+                <a:ea typeface="Arial"/>
+                <a:cs typeface="Arial"/>
+                <a:sym typeface="Arial"/>
+              </a:defRPr>
+            </a:lvl7pPr>
+            <a:lvl8pPr marL="3657600" marR="0" lvl="7" indent="-311150" algn="l" rtl="0" eaLnBrk="1" hangingPunct="1">
+              <a:lnSpc>
+                <a:spcPct val="93000"/>
+              </a:lnSpc>
+              <a:spcBef>
+                <a:spcPts val="200"/>
+              </a:spcBef>
+              <a:spcAft>
+                <a:spcPts val="0"/>
+              </a:spcAft>
+              <a:buSzPts val="1300"/>
+              <a:buChar char="○"/>
+              <a:defRPr sz="1300" b="0" i="0" u="none" strike="noStrike" cap="none">
+                <a:solidFill>
+                  <a:srgbClr val="000000"/>
+                </a:solidFill>
+                <a:latin typeface="Arial"/>
+                <a:ea typeface="Arial"/>
+                <a:cs typeface="Arial"/>
+                <a:sym typeface="Arial"/>
+              </a:defRPr>
+            </a:lvl8pPr>
+            <a:lvl9pPr marL="4114800" marR="0" lvl="8" indent="-311150" algn="l" rtl="0" eaLnBrk="1" hangingPunct="1">
+              <a:lnSpc>
+                <a:spcPct val="93000"/>
+              </a:lnSpc>
+              <a:spcBef>
+                <a:spcPts val="200"/>
+              </a:spcBef>
+              <a:spcAft>
+                <a:spcPts val="200"/>
+              </a:spcAft>
+              <a:buSzPts val="1300"/>
+              <a:buChar char="■"/>
+              <a:defRPr sz="1300" b="0" i="0" u="none" strike="noStrike" cap="none">
+                <a:solidFill>
+                  <a:srgbClr val="000000"/>
+                </a:solidFill>
+                <a:latin typeface="Arial"/>
+                <a:ea typeface="Arial"/>
+                <a:cs typeface="Arial"/>
+                <a:sym typeface="Arial"/>
+              </a:defRPr>
+            </a:lvl9pPr>
+          </a:lstStyle>
+          <a:p>
+            <a:pPr indent="-381000">
+              <a:lnSpc>
+                <a:spcPct val="115000"/>
+              </a:lnSpc>
+              <a:buClr>
+                <a:srgbClr val="9B0014"/>
+              </a:buClr>
+              <a:buSzPts val="2400"/>
+            </a:pPr>
+            <a:r>
+              <a:rPr lang="it-IT" sz="2000" dirty="0"/>
+              <a:t>Sperimentate e consolidate competenze tecniche e trasversali</a:t>
+            </a:r>
+          </a:p>
+          <a:p>
+            <a:pPr indent="-381000">
+              <a:lnSpc>
+                <a:spcPct val="115000"/>
+              </a:lnSpc>
+              <a:buClr>
+                <a:srgbClr val="9B0014"/>
+              </a:buClr>
+              <a:buSzPts val="2400"/>
+            </a:pPr>
+            <a:r>
+              <a:rPr lang="it-IT" sz="2000" dirty="0"/>
+              <a:t>Scoperte nuove filosofie di sviluppo e programmazione</a:t>
+            </a:r>
+          </a:p>
+          <a:p>
+            <a:pPr indent="-381000">
+              <a:lnSpc>
+                <a:spcPct val="115000"/>
+              </a:lnSpc>
+              <a:buClr>
+                <a:srgbClr val="9B0014"/>
+              </a:buClr>
+              <a:buSzPts val="2400"/>
+            </a:pPr>
+            <a:r>
+              <a:rPr lang="it-IT" sz="2000" dirty="0"/>
+              <a:t>Conosciute le dinamiche aziendali</a:t>
+            </a:r>
+          </a:p>
+          <a:p>
+            <a:pPr indent="-381000">
+              <a:lnSpc>
+                <a:spcPct val="115000"/>
+              </a:lnSpc>
+              <a:buClr>
+                <a:srgbClr val="9B0014"/>
+              </a:buClr>
+              <a:buSzPts val="2400"/>
+            </a:pPr>
+            <a:r>
+              <a:rPr lang="it-IT" sz="2000" dirty="0"/>
+              <a:t>Esperienza di progetto reale</a:t>
+            </a:r>
+          </a:p>
+        </p:txBody>
+      </p:sp>
+    </p:spTree>
+    <p:extLst>
+      <p:ext uri="{BB962C8B-B14F-4D97-AF65-F5344CB8AC3E}">
+        <p14:creationId xmlns:p14="http://schemas.microsoft.com/office/powerpoint/2010/main" val="4189702141"/>
+      </p:ext>
+    </p:extLst>
+  </p:cSld>
+  <p:clrMapOvr>
+    <a:masterClrMapping/>
+  </p:clrMapOvr>
+</p:sld>
+</file>
+
+<file path=ppt/slides/slide13.xml><?xml version="1.0" encoding="utf-8"?>
+<p:sld xmlns:a="http://schemas.openxmlformats.org/drawingml/2006/main" xmlns:r="http://schemas.openxmlformats.org/officeDocument/2006/relationships" xmlns:p="http://schemas.openxmlformats.org/presentationml/2006/main" showMasterSp="0">
+  <p:cSld>
+    <p:bg>
+      <p:bgPr>
+        <a:solidFill>
+          <a:srgbClr val="9B0014"/>
+        </a:solidFill>
+        <a:effectLst/>
+      </p:bgPr>
+    </p:bg>
+    <p:spTree>
+      <p:nvGrpSpPr>
+        <p:cNvPr id="1" name=""/>
+        <p:cNvGrpSpPr/>
+        <p:nvPr/>
+      </p:nvGrpSpPr>
+      <p:grpSpPr>
+        <a:xfrm>
+          <a:off x="0" y="0"/>
+          <a:ext cx="0" cy="0"/>
+          <a:chOff x="0" y="0"/>
+          <a:chExt cx="0" cy="0"/>
+        </a:xfrm>
+      </p:grpSpPr>
+      <p:sp>
+        <p:nvSpPr>
+          <p:cNvPr id="5" name="TextBox 4">
+            <a:extLst>
+              <a:ext uri="{FF2B5EF4-FFF2-40B4-BE49-F238E27FC236}">
+                <a16:creationId xmlns:a16="http://schemas.microsoft.com/office/drawing/2014/main" id="{AD37DCE3-422F-9979-7267-9514E55EDE53}"/>
+              </a:ext>
+            </a:extLst>
+          </p:cNvPr>
+          <p:cNvSpPr txBox="1"/>
+          <p:nvPr/>
+        </p:nvSpPr>
+        <p:spPr>
+          <a:xfrm>
+            <a:off x="1752935" y="2519003"/>
+            <a:ext cx="5638127" cy="707886"/>
+          </a:xfrm>
+          <a:prstGeom prst="rect">
+            <a:avLst/>
+          </a:prstGeom>
+          <a:noFill/>
+        </p:spPr>
+        <p:txBody>
+          <a:bodyPr wrap="square" rtlCol="0">
+            <a:spAutoFit/>
+          </a:bodyPr>
+          <a:lstStyle/>
+          <a:p>
+            <a:pPr algn="ctr"/>
+            <a:r>
+              <a:rPr lang="it-IT" sz="4000" dirty="0">
+                <a:solidFill>
+                  <a:schemeClr val="bg1"/>
+                </a:solidFill>
+              </a:rPr>
+              <a:t>Grazie per l’attenzione</a:t>
+            </a:r>
+          </a:p>
+        </p:txBody>
+      </p:sp>
+      <p:pic>
+        <p:nvPicPr>
+          <p:cNvPr id="11" name="Picture 10" descr="A picture containing logo&#10;&#10;Description automatically generated">
+            <a:extLst>
+              <a:ext uri="{FF2B5EF4-FFF2-40B4-BE49-F238E27FC236}">
+                <a16:creationId xmlns:a16="http://schemas.microsoft.com/office/drawing/2014/main" id="{CC614749-CCDE-4382-6BC3-E4C5334B302D}"/>
+              </a:ext>
+            </a:extLst>
+          </p:cNvPr>
+          <p:cNvPicPr>
+            <a:picLocks noChangeAspect="1"/>
+          </p:cNvPicPr>
+          <p:nvPr/>
+        </p:nvPicPr>
+        <p:blipFill>
+          <a:blip r:embed="rId2"/>
+          <a:stretch>
+            <a:fillRect/>
+          </a:stretch>
+        </p:blipFill>
+        <p:spPr>
+          <a:xfrm>
+            <a:off x="2732346" y="4204613"/>
+            <a:ext cx="3679308" cy="1646541"/>
+          </a:xfrm>
+          <a:prstGeom prst="rect">
+            <a:avLst/>
+          </a:prstGeom>
+        </p:spPr>
+      </p:pic>
+    </p:spTree>
+    <p:extLst>
+      <p:ext uri="{BB962C8B-B14F-4D97-AF65-F5344CB8AC3E}">
+        <p14:creationId xmlns:p14="http://schemas.microsoft.com/office/powerpoint/2010/main" val="3528221979"/>
       </p:ext>
     </p:extLst>
   </p:cSld>
@@ -10194,7 +11362,7 @@
         </p:nvSpPr>
         <p:spPr>
           <a:xfrm>
-            <a:off x="1452080" y="3617712"/>
+            <a:off x="1449939" y="3712443"/>
             <a:ext cx="784189" cy="400110"/>
           </a:xfrm>
           <a:prstGeom prst="rect">

--- a/src/presentazione/slide-discussione.pptx
+++ b/src/presentazione/slide-discussione.pptx
@@ -8669,31 +8669,407 @@
           </a:bodyPr>
           <a:lstStyle/>
           <a:p>
-            <a:pPr marL="0" lvl="0" indent="0" algn="ctr">
-              <a:spcBef>
-                <a:spcPts val="0"/>
-              </a:spcBef>
-              <a:spcAft>
-                <a:spcPts val="0"/>
-              </a:spcAft>
-              <a:buNone/>
-            </a:pPr>
+            <a:pPr lvl="0" algn="ctr"/>
             <a:r>
-              <a:rPr lang="en-US" dirty="0">
+              <a:rPr lang="it-IT" dirty="0">
                 <a:solidFill>
                   <a:srgbClr val="FF9696"/>
                 </a:solidFill>
               </a:rPr>
-              <a:t>X di Y</a:t>
+              <a:t>10 di 12</a:t>
             </a:r>
-            <a:endParaRPr dirty="0">
-              <a:solidFill>
-                <a:srgbClr val="FF9696"/>
-              </a:solidFill>
-            </a:endParaRPr>
           </a:p>
         </p:txBody>
       </p:sp>
+      <p:sp>
+        <p:nvSpPr>
+          <p:cNvPr id="2" name="TextBox 1">
+            <a:extLst>
+              <a:ext uri="{FF2B5EF4-FFF2-40B4-BE49-F238E27FC236}">
+                <a16:creationId xmlns:a16="http://schemas.microsoft.com/office/drawing/2014/main" id="{5C65DA74-9952-4E9B-AAC6-A4A01D39FD8E}"/>
+              </a:ext>
+            </a:extLst>
+          </p:cNvPr>
+          <p:cNvSpPr txBox="1"/>
+          <p:nvPr/>
+        </p:nvSpPr>
+        <p:spPr>
+          <a:xfrm>
+            <a:off x="4177584" y="1383957"/>
+            <a:ext cx="1492716" cy="646331"/>
+          </a:xfrm>
+          <a:prstGeom prst="rect">
+            <a:avLst/>
+          </a:prstGeom>
+          <a:noFill/>
+        </p:spPr>
+        <p:txBody>
+          <a:bodyPr wrap="none" rtlCol="0">
+            <a:spAutoFit/>
+          </a:bodyPr>
+          <a:lstStyle/>
+          <a:p>
+            <a:r>
+              <a:rPr lang="it-IT" sz="3600" dirty="0" err="1"/>
+              <a:t>Pundit</a:t>
+            </a:r>
+            <a:endParaRPr lang="it-IT" sz="3600" dirty="0"/>
+          </a:p>
+        </p:txBody>
+      </p:sp>
+      <p:pic>
+        <p:nvPicPr>
+          <p:cNvPr id="4" name="Picture 3" descr="A picture containing aircraft&#10;&#10;Description automatically generated">
+            <a:extLst>
+              <a:ext uri="{FF2B5EF4-FFF2-40B4-BE49-F238E27FC236}">
+                <a16:creationId xmlns:a16="http://schemas.microsoft.com/office/drawing/2014/main" id="{6BA44E36-217F-A15E-B8F2-1485A85F4B0B}"/>
+              </a:ext>
+            </a:extLst>
+          </p:cNvPr>
+          <p:cNvPicPr>
+            <a:picLocks noChangeAspect="1"/>
+          </p:cNvPicPr>
+          <p:nvPr/>
+        </p:nvPicPr>
+        <p:blipFill>
+          <a:blip r:embed="rId3"/>
+          <a:stretch>
+            <a:fillRect/>
+          </a:stretch>
+        </p:blipFill>
+        <p:spPr>
+          <a:xfrm>
+            <a:off x="3209640" y="1322833"/>
+            <a:ext cx="780935" cy="780935"/>
+          </a:xfrm>
+          <a:prstGeom prst="rect">
+            <a:avLst/>
+          </a:prstGeom>
+        </p:spPr>
+      </p:pic>
+      <p:sp>
+        <p:nvSpPr>
+          <p:cNvPr id="5" name="Shape 173">
+            <a:extLst>
+              <a:ext uri="{FF2B5EF4-FFF2-40B4-BE49-F238E27FC236}">
+                <a16:creationId xmlns:a16="http://schemas.microsoft.com/office/drawing/2014/main" id="{1A0EC1C8-35B2-42F7-DC21-235537B47099}"/>
+              </a:ext>
+            </a:extLst>
+          </p:cNvPr>
+          <p:cNvSpPr txBox="1">
+            <a:spLocks/>
+          </p:cNvSpPr>
+          <p:nvPr/>
+        </p:nvSpPr>
+        <p:spPr>
+          <a:xfrm>
+            <a:off x="459899" y="3429000"/>
+            <a:ext cx="5499482" cy="1238206"/>
+          </a:xfrm>
+          <a:prstGeom prst="rect">
+            <a:avLst/>
+          </a:prstGeom>
+          <a:noFill/>
+          <a:ln>
+            <a:noFill/>
+          </a:ln>
+        </p:spPr>
+        <p:txBody>
+          <a:bodyPr spcFirstLastPara="1" wrap="square" lIns="82925" tIns="82925" rIns="82925" bIns="82925" anchor="t" anchorCtr="0">
+            <a:noAutofit/>
+          </a:bodyPr>
+          <a:lstStyle>
+            <a:defPPr marR="0" lvl="0" algn="l" rtl="0">
+              <a:lnSpc>
+                <a:spcPct val="100000"/>
+              </a:lnSpc>
+              <a:spcBef>
+                <a:spcPts val="0"/>
+              </a:spcBef>
+              <a:spcAft>
+                <a:spcPts val="0"/>
+              </a:spcAft>
+            </a:defPPr>
+            <a:lvl1pPr marL="457200" marR="0" lvl="0" indent="-311150" algn="l" rtl="0" eaLnBrk="1" hangingPunct="1">
+              <a:lnSpc>
+                <a:spcPct val="93000"/>
+              </a:lnSpc>
+              <a:spcBef>
+                <a:spcPts val="0"/>
+              </a:spcBef>
+              <a:spcAft>
+                <a:spcPts val="0"/>
+              </a:spcAft>
+              <a:buSzPts val="1300"/>
+              <a:buChar char="●"/>
+              <a:defRPr sz="1300" b="0" i="0" u="none" strike="noStrike" cap="none">
+                <a:solidFill>
+                  <a:srgbClr val="000000"/>
+                </a:solidFill>
+                <a:latin typeface="Arial"/>
+                <a:ea typeface="Arial"/>
+                <a:cs typeface="Arial"/>
+                <a:sym typeface="Arial"/>
+              </a:defRPr>
+            </a:lvl1pPr>
+            <a:lvl2pPr marL="914400" marR="0" lvl="1" indent="-311150" algn="l" rtl="0" eaLnBrk="1" hangingPunct="1">
+              <a:lnSpc>
+                <a:spcPct val="93000"/>
+              </a:lnSpc>
+              <a:spcBef>
+                <a:spcPts val="1300"/>
+              </a:spcBef>
+              <a:spcAft>
+                <a:spcPts val="0"/>
+              </a:spcAft>
+              <a:buSzPts val="1300"/>
+              <a:buChar char="○"/>
+              <a:defRPr sz="1300" b="0" i="0" u="none" strike="noStrike" cap="none">
+                <a:solidFill>
+                  <a:srgbClr val="000000"/>
+                </a:solidFill>
+                <a:latin typeface="Arial"/>
+                <a:ea typeface="Arial"/>
+                <a:cs typeface="Arial"/>
+                <a:sym typeface="Arial"/>
+              </a:defRPr>
+            </a:lvl2pPr>
+            <a:lvl3pPr marL="1371600" marR="0" lvl="2" indent="-311150" algn="l" rtl="0" eaLnBrk="1" hangingPunct="1">
+              <a:lnSpc>
+                <a:spcPct val="93000"/>
+              </a:lnSpc>
+              <a:spcBef>
+                <a:spcPts val="1000"/>
+              </a:spcBef>
+              <a:spcAft>
+                <a:spcPts val="0"/>
+              </a:spcAft>
+              <a:buSzPts val="1300"/>
+              <a:buChar char="■"/>
+              <a:defRPr sz="1300" b="0" i="0" u="none" strike="noStrike" cap="none">
+                <a:solidFill>
+                  <a:srgbClr val="000000"/>
+                </a:solidFill>
+                <a:latin typeface="Arial"/>
+                <a:ea typeface="Arial"/>
+                <a:cs typeface="Arial"/>
+                <a:sym typeface="Arial"/>
+              </a:defRPr>
+            </a:lvl3pPr>
+            <a:lvl4pPr marL="1828800" marR="0" lvl="3" indent="-311150" algn="l" rtl="0" eaLnBrk="1" hangingPunct="1">
+              <a:lnSpc>
+                <a:spcPct val="93000"/>
+              </a:lnSpc>
+              <a:spcBef>
+                <a:spcPts val="700"/>
+              </a:spcBef>
+              <a:spcAft>
+                <a:spcPts val="0"/>
+              </a:spcAft>
+              <a:buSzPts val="1300"/>
+              <a:buChar char="●"/>
+              <a:defRPr sz="1300" b="0" i="0" u="none" strike="noStrike" cap="none">
+                <a:solidFill>
+                  <a:srgbClr val="000000"/>
+                </a:solidFill>
+                <a:latin typeface="Arial"/>
+                <a:ea typeface="Arial"/>
+                <a:cs typeface="Arial"/>
+                <a:sym typeface="Arial"/>
+              </a:defRPr>
+            </a:lvl4pPr>
+            <a:lvl5pPr marL="2286000" marR="0" lvl="4" indent="-311150" algn="l" rtl="0" eaLnBrk="1" hangingPunct="1">
+              <a:lnSpc>
+                <a:spcPct val="93000"/>
+              </a:lnSpc>
+              <a:spcBef>
+                <a:spcPts val="500"/>
+              </a:spcBef>
+              <a:spcAft>
+                <a:spcPts val="0"/>
+              </a:spcAft>
+              <a:buSzPts val="1300"/>
+              <a:buChar char="○"/>
+              <a:defRPr sz="1300" b="0" i="0" u="none" strike="noStrike" cap="none">
+                <a:solidFill>
+                  <a:srgbClr val="000000"/>
+                </a:solidFill>
+                <a:latin typeface="Arial"/>
+                <a:ea typeface="Arial"/>
+                <a:cs typeface="Arial"/>
+                <a:sym typeface="Arial"/>
+              </a:defRPr>
+            </a:lvl5pPr>
+            <a:lvl6pPr marL="2743200" marR="0" lvl="5" indent="-311150" algn="l" rtl="0" eaLnBrk="1" hangingPunct="1">
+              <a:lnSpc>
+                <a:spcPct val="93000"/>
+              </a:lnSpc>
+              <a:spcBef>
+                <a:spcPts val="200"/>
+              </a:spcBef>
+              <a:spcAft>
+                <a:spcPts val="0"/>
+              </a:spcAft>
+              <a:buSzPts val="1300"/>
+              <a:buChar char="■"/>
+              <a:defRPr sz="1300" b="0" i="0" u="none" strike="noStrike" cap="none">
+                <a:solidFill>
+                  <a:srgbClr val="000000"/>
+                </a:solidFill>
+                <a:latin typeface="Arial"/>
+                <a:ea typeface="Arial"/>
+                <a:cs typeface="Arial"/>
+                <a:sym typeface="Arial"/>
+              </a:defRPr>
+            </a:lvl6pPr>
+            <a:lvl7pPr marL="3200400" marR="0" lvl="6" indent="-311150" algn="l" rtl="0" eaLnBrk="1" hangingPunct="1">
+              <a:lnSpc>
+                <a:spcPct val="93000"/>
+              </a:lnSpc>
+              <a:spcBef>
+                <a:spcPts val="200"/>
+              </a:spcBef>
+              <a:spcAft>
+                <a:spcPts val="0"/>
+              </a:spcAft>
+              <a:buSzPts val="1300"/>
+              <a:buChar char="●"/>
+              <a:defRPr sz="1300" b="0" i="0" u="none" strike="noStrike" cap="none">
+                <a:solidFill>
+                  <a:srgbClr val="000000"/>
+                </a:solidFill>
+                <a:latin typeface="Arial"/>
+                <a:ea typeface="Arial"/>
+                <a:cs typeface="Arial"/>
+                <a:sym typeface="Arial"/>
+              </a:defRPr>
+            </a:lvl7pPr>
+            <a:lvl8pPr marL="3657600" marR="0" lvl="7" indent="-311150" algn="l" rtl="0" eaLnBrk="1" hangingPunct="1">
+              <a:lnSpc>
+                <a:spcPct val="93000"/>
+              </a:lnSpc>
+              <a:spcBef>
+                <a:spcPts val="200"/>
+              </a:spcBef>
+              <a:spcAft>
+                <a:spcPts val="0"/>
+              </a:spcAft>
+              <a:buSzPts val="1300"/>
+              <a:buChar char="○"/>
+              <a:defRPr sz="1300" b="0" i="0" u="none" strike="noStrike" cap="none">
+                <a:solidFill>
+                  <a:srgbClr val="000000"/>
+                </a:solidFill>
+                <a:latin typeface="Arial"/>
+                <a:ea typeface="Arial"/>
+                <a:cs typeface="Arial"/>
+                <a:sym typeface="Arial"/>
+              </a:defRPr>
+            </a:lvl8pPr>
+            <a:lvl9pPr marL="4114800" marR="0" lvl="8" indent="-311150" algn="l" rtl="0" eaLnBrk="1" hangingPunct="1">
+              <a:lnSpc>
+                <a:spcPct val="93000"/>
+              </a:lnSpc>
+              <a:spcBef>
+                <a:spcPts val="200"/>
+              </a:spcBef>
+              <a:spcAft>
+                <a:spcPts val="200"/>
+              </a:spcAft>
+              <a:buSzPts val="1300"/>
+              <a:buChar char="■"/>
+              <a:defRPr sz="1300" b="0" i="0" u="none" strike="noStrike" cap="none">
+                <a:solidFill>
+                  <a:srgbClr val="000000"/>
+                </a:solidFill>
+                <a:latin typeface="Arial"/>
+                <a:ea typeface="Arial"/>
+                <a:cs typeface="Arial"/>
+                <a:sym typeface="Arial"/>
+              </a:defRPr>
+            </a:lvl9pPr>
+          </a:lstStyle>
+          <a:p>
+            <a:pPr indent="-381000">
+              <a:lnSpc>
+                <a:spcPct val="115000"/>
+              </a:lnSpc>
+              <a:buClr>
+                <a:srgbClr val="9B0014"/>
+              </a:buClr>
+              <a:buSzPts val="2400"/>
+            </a:pPr>
+            <a:r>
+              <a:rPr lang="it-IT" sz="2000" dirty="0"/>
+              <a:t>Disaccoppia autorizzazione dai controller</a:t>
+            </a:r>
+          </a:p>
+          <a:p>
+            <a:pPr indent="-381000">
+              <a:lnSpc>
+                <a:spcPct val="115000"/>
+              </a:lnSpc>
+              <a:buClr>
+                <a:srgbClr val="9B0014"/>
+              </a:buClr>
+              <a:buSzPts val="2400"/>
+            </a:pPr>
+            <a:r>
+              <a:rPr lang="it-IT" sz="2000" dirty="0"/>
+              <a:t>Semplifica autorizzazioni complesse</a:t>
+            </a:r>
+          </a:p>
+          <a:p>
+            <a:pPr indent="-381000">
+              <a:lnSpc>
+                <a:spcPct val="115000"/>
+              </a:lnSpc>
+              <a:buClr>
+                <a:srgbClr val="9B0014"/>
+              </a:buClr>
+              <a:buSzPts val="2400"/>
+            </a:pPr>
+            <a:r>
+              <a:rPr lang="it-IT" sz="2000" dirty="0"/>
+              <a:t>Chiusura </a:t>
+            </a:r>
+            <a:r>
+              <a:rPr lang="it-IT" sz="2000" i="1" dirty="0"/>
+              <a:t>by default</a:t>
+            </a:r>
+          </a:p>
+        </p:txBody>
+      </p:sp>
+      <p:pic>
+        <p:nvPicPr>
+          <p:cNvPr id="6" name="Picture 5">
+            <a:extLst>
+              <a:ext uri="{FF2B5EF4-FFF2-40B4-BE49-F238E27FC236}">
+                <a16:creationId xmlns:a16="http://schemas.microsoft.com/office/drawing/2014/main" id="{0C539E4A-C42A-0A94-8A18-957604C012EB}"/>
+              </a:ext>
+            </a:extLst>
+          </p:cNvPr>
+          <p:cNvPicPr>
+            <a:picLocks noChangeAspect="1"/>
+          </p:cNvPicPr>
+          <p:nvPr/>
+        </p:nvPicPr>
+        <p:blipFill>
+          <a:blip r:embed="rId4"/>
+          <a:stretch>
+            <a:fillRect/>
+          </a:stretch>
+        </p:blipFill>
+        <p:spPr>
+          <a:xfrm>
+            <a:off x="6901544" y="3346685"/>
+            <a:ext cx="1402835" cy="1402835"/>
+          </a:xfrm>
+          <a:prstGeom prst="rect">
+            <a:avLst/>
+          </a:prstGeom>
+        </p:spPr>
+      </p:pic>
     </p:spTree>
     <p:extLst>
       <p:ext uri="{BB962C8B-B14F-4D97-AF65-F5344CB8AC3E}">
@@ -8796,28 +9172,15 @@
           </a:bodyPr>
           <a:lstStyle/>
           <a:p>
-            <a:pPr marL="0" lvl="0" indent="0" algn="ctr">
-              <a:spcBef>
-                <a:spcPts val="0"/>
-              </a:spcBef>
-              <a:spcAft>
-                <a:spcPts val="0"/>
-              </a:spcAft>
-              <a:buNone/>
-            </a:pPr>
+            <a:pPr lvl="0" algn="ctr"/>
             <a:r>
-              <a:rPr lang="en-US" dirty="0">
+              <a:rPr lang="it-IT" dirty="0">
                 <a:solidFill>
                   <a:srgbClr val="FF9696"/>
                 </a:solidFill>
               </a:rPr>
-              <a:t>X di Y</a:t>
+              <a:t>11 di 12</a:t>
             </a:r>
-            <a:endParaRPr dirty="0">
-              <a:solidFill>
-                <a:srgbClr val="FF9696"/>
-              </a:solidFill>
-            </a:endParaRPr>
           </a:p>
         </p:txBody>
       </p:sp>
@@ -9211,28 +9574,15 @@
           </a:bodyPr>
           <a:lstStyle/>
           <a:p>
-            <a:pPr marL="0" lvl="0" indent="0" algn="ctr">
-              <a:spcBef>
-                <a:spcPts val="0"/>
-              </a:spcBef>
-              <a:spcAft>
-                <a:spcPts val="0"/>
-              </a:spcAft>
-              <a:buNone/>
-            </a:pPr>
+            <a:pPr lvl="0" algn="ctr"/>
             <a:r>
-              <a:rPr lang="en-US" dirty="0">
+              <a:rPr lang="it-IT" dirty="0">
                 <a:solidFill>
                   <a:srgbClr val="FF9696"/>
                 </a:solidFill>
               </a:rPr>
-              <a:t>X di Y</a:t>
+              <a:t>12 di 12</a:t>
             </a:r>
-            <a:endParaRPr dirty="0">
-              <a:solidFill>
-                <a:srgbClr val="FF9696"/>
-              </a:solidFill>
-            </a:endParaRPr>
           </a:p>
         </p:txBody>
       </p:sp>
@@ -9640,8 +9990,8 @@
         </p:blipFill>
         <p:spPr>
           <a:xfrm>
-            <a:off x="2732346" y="4204613"/>
-            <a:ext cx="3679308" cy="1646541"/>
+            <a:off x="2923124" y="4345356"/>
+            <a:ext cx="3297751" cy="1475789"/>
           </a:xfrm>
           <a:prstGeom prst="rect">
             <a:avLst/>
@@ -9760,12 +10110,12 @@
               <a:buNone/>
             </a:pPr>
             <a:r>
-              <a:rPr lang="it-IT">
+              <a:rPr lang="it-IT" dirty="0">
                 <a:solidFill>
                   <a:srgbClr val="FF9696"/>
                 </a:solidFill>
               </a:rPr>
-              <a:t>X di Y</a:t>
+              <a:t>2 di 12</a:t>
             </a:r>
           </a:p>
         </p:txBody>
@@ -10222,28 +10572,15 @@
           </a:bodyPr>
           <a:lstStyle/>
           <a:p>
-            <a:pPr marL="0" lvl="0" indent="0" algn="ctr">
-              <a:spcBef>
-                <a:spcPts val="0"/>
-              </a:spcBef>
-              <a:spcAft>
-                <a:spcPts val="0"/>
-              </a:spcAft>
-              <a:buNone/>
-            </a:pPr>
+            <a:pPr lvl="0" algn="ctr"/>
             <a:r>
-              <a:rPr lang="en-US" dirty="0">
+              <a:rPr lang="it-IT" dirty="0">
                 <a:solidFill>
                   <a:srgbClr val="FF9696"/>
                 </a:solidFill>
               </a:rPr>
-              <a:t>X di Y</a:t>
+              <a:t>3 di 12</a:t>
             </a:r>
-            <a:endParaRPr dirty="0">
-              <a:solidFill>
-                <a:srgbClr val="FF9696"/>
-              </a:solidFill>
-            </a:endParaRPr>
           </a:p>
         </p:txBody>
       </p:sp>
@@ -10791,28 +11128,15 @@
           </a:bodyPr>
           <a:lstStyle/>
           <a:p>
-            <a:pPr marL="0" lvl="0" indent="0" algn="ctr">
-              <a:spcBef>
-                <a:spcPts val="0"/>
-              </a:spcBef>
-              <a:spcAft>
-                <a:spcPts val="0"/>
-              </a:spcAft>
-              <a:buNone/>
-            </a:pPr>
+            <a:pPr lvl="0" algn="ctr"/>
             <a:r>
-              <a:rPr lang="en-US" dirty="0">
+              <a:rPr lang="it-IT" dirty="0">
                 <a:solidFill>
                   <a:srgbClr val="FF9696"/>
                 </a:solidFill>
               </a:rPr>
-              <a:t>X di Y</a:t>
+              <a:t>4 di 12</a:t>
             </a:r>
-            <a:endParaRPr dirty="0">
-              <a:solidFill>
-                <a:srgbClr val="FF9696"/>
-              </a:solidFill>
-            </a:endParaRPr>
           </a:p>
         </p:txBody>
       </p:sp>
@@ -11208,22 +11532,14 @@
           </a:bodyPr>
           <a:lstStyle/>
           <a:p>
-            <a:pPr marL="0" lvl="0" indent="0" algn="ctr">
-              <a:spcBef>
-                <a:spcPts val="0"/>
-              </a:spcBef>
-              <a:spcAft>
-                <a:spcPts val="0"/>
-              </a:spcAft>
-              <a:buNone/>
-            </a:pPr>
+            <a:pPr lvl="0" algn="ctr"/>
             <a:r>
               <a:rPr lang="it-IT" dirty="0">
                 <a:solidFill>
                   <a:srgbClr val="FF9696"/>
                 </a:solidFill>
               </a:rPr>
-              <a:t>X di Y</a:t>
+              <a:t>5 di 12</a:t>
             </a:r>
           </a:p>
         </p:txBody>
@@ -11550,22 +11866,14 @@
           </a:bodyPr>
           <a:lstStyle/>
           <a:p>
-            <a:pPr marL="0" lvl="0" indent="0" algn="ctr">
-              <a:spcBef>
-                <a:spcPts val="0"/>
-              </a:spcBef>
-              <a:spcAft>
-                <a:spcPts val="0"/>
-              </a:spcAft>
-              <a:buNone/>
-            </a:pPr>
+            <a:pPr lvl="0" algn="ctr"/>
             <a:r>
-              <a:rPr lang="it-IT">
+              <a:rPr lang="it-IT" dirty="0">
                 <a:solidFill>
                   <a:srgbClr val="FF9696"/>
                 </a:solidFill>
               </a:rPr>
-              <a:t>X di Y</a:t>
+              <a:t>6 di 12</a:t>
             </a:r>
           </a:p>
         </p:txBody>
@@ -11972,22 +12280,14 @@
           </a:bodyPr>
           <a:lstStyle/>
           <a:p>
-            <a:pPr marL="0" lvl="0" indent="0" algn="ctr">
-              <a:spcBef>
-                <a:spcPts val="0"/>
-              </a:spcBef>
-              <a:spcAft>
-                <a:spcPts val="0"/>
-              </a:spcAft>
-              <a:buNone/>
-            </a:pPr>
+            <a:pPr lvl="0" algn="ctr"/>
             <a:r>
-              <a:rPr lang="it-IT">
+              <a:rPr lang="it-IT" dirty="0">
                 <a:solidFill>
                   <a:srgbClr val="FF9696"/>
                 </a:solidFill>
               </a:rPr>
-              <a:t>X di Y</a:t>
+              <a:t>7 di 12</a:t>
             </a:r>
           </a:p>
         </p:txBody>
@@ -13314,28 +13614,15 @@
           </a:bodyPr>
           <a:lstStyle/>
           <a:p>
-            <a:pPr marL="0" lvl="0" indent="0" algn="ctr">
-              <a:spcBef>
-                <a:spcPts val="0"/>
-              </a:spcBef>
-              <a:spcAft>
-                <a:spcPts val="0"/>
-              </a:spcAft>
-              <a:buNone/>
-            </a:pPr>
+            <a:pPr lvl="0" algn="ctr"/>
             <a:r>
-              <a:rPr lang="en-US" dirty="0">
+              <a:rPr lang="it-IT" dirty="0">
                 <a:solidFill>
                   <a:srgbClr val="FF9696"/>
                 </a:solidFill>
               </a:rPr>
-              <a:t>X di Y</a:t>
+              <a:t>8 di 12</a:t>
             </a:r>
-            <a:endParaRPr dirty="0">
-              <a:solidFill>
-                <a:srgbClr val="FF9696"/>
-              </a:solidFill>
-            </a:endParaRPr>
           </a:p>
         </p:txBody>
       </p:sp>
@@ -13778,28 +14065,15 @@
           </a:bodyPr>
           <a:lstStyle/>
           <a:p>
-            <a:pPr marL="0" lvl="0" indent="0" algn="ctr">
-              <a:spcBef>
-                <a:spcPts val="0"/>
-              </a:spcBef>
-              <a:spcAft>
-                <a:spcPts val="0"/>
-              </a:spcAft>
-              <a:buNone/>
-            </a:pPr>
+            <a:pPr lvl="0" algn="ctr"/>
             <a:r>
-              <a:rPr lang="en-US" dirty="0">
+              <a:rPr lang="it-IT" dirty="0">
                 <a:solidFill>
                   <a:srgbClr val="FF9696"/>
                 </a:solidFill>
               </a:rPr>
-              <a:t>X di Y</a:t>
+              <a:t>9 di 12</a:t>
             </a:r>
-            <a:endParaRPr dirty="0">
-              <a:solidFill>
-                <a:srgbClr val="FF9696"/>
-              </a:solidFill>
-            </a:endParaRPr>
           </a:p>
         </p:txBody>
       </p:sp>

--- a/src/presentazione/slide-discussione.pptx
+++ b/src/presentazione/slide-discussione.pptx
@@ -10898,21 +10898,6 @@
             </a:pPr>
             <a:r>
               <a:rPr lang="it-IT" sz="2000" dirty="0"/>
-              <a:t>Amministrazione del sistema</a:t>
-            </a:r>
-          </a:p>
-          <a:p>
-            <a:pPr indent="-381000">
-              <a:lnSpc>
-                <a:spcPct val="115000"/>
-              </a:lnSpc>
-              <a:buClr>
-                <a:srgbClr val="9B0014"/>
-              </a:buClr>
-              <a:buSzPts val="2400"/>
-            </a:pPr>
-            <a:r>
-              <a:rPr lang="it-IT" sz="2000" dirty="0"/>
               <a:t>Multi-</a:t>
             </a:r>
             <a:r>
@@ -10934,6 +10919,21 @@
             <a:r>
               <a:rPr lang="it-IT" sz="2000" dirty="0"/>
               <a:t>Integrazioni con sistemi di videoconferenza</a:t>
+            </a:r>
+          </a:p>
+          <a:p>
+            <a:pPr indent="-381000">
+              <a:lnSpc>
+                <a:spcPct val="115000"/>
+              </a:lnSpc>
+              <a:buClr>
+                <a:srgbClr val="9B0014"/>
+              </a:buClr>
+              <a:buSzPts val="2400"/>
+            </a:pPr>
+            <a:r>
+              <a:rPr lang="it-IT" sz="2000" dirty="0"/>
+              <a:t>Amministrazione del sistema</a:t>
             </a:r>
           </a:p>
         </p:txBody>
@@ -11140,266 +11140,6 @@
           </a:p>
         </p:txBody>
       </p:sp>
-      <p:sp>
-        <p:nvSpPr>
-          <p:cNvPr id="7" name="Shape 173">
-            <a:extLst>
-              <a:ext uri="{FF2B5EF4-FFF2-40B4-BE49-F238E27FC236}">
-                <a16:creationId xmlns:a16="http://schemas.microsoft.com/office/drawing/2014/main" id="{4E6DAD06-6803-BA81-CB34-20F976BE723F}"/>
-              </a:ext>
-            </a:extLst>
-          </p:cNvPr>
-          <p:cNvSpPr txBox="1">
-            <a:spLocks/>
-          </p:cNvSpPr>
-          <p:nvPr/>
-        </p:nvSpPr>
-        <p:spPr>
-          <a:xfrm>
-            <a:off x="2185308" y="5602759"/>
-            <a:ext cx="4773384" cy="545732"/>
-          </a:xfrm>
-          <a:prstGeom prst="rect">
-            <a:avLst/>
-          </a:prstGeom>
-          <a:noFill/>
-          <a:ln>
-            <a:noFill/>
-          </a:ln>
-        </p:spPr>
-        <p:txBody>
-          <a:bodyPr spcFirstLastPara="1" wrap="square" lIns="82925" tIns="82925" rIns="82925" bIns="82925" anchor="t" anchorCtr="0">
-            <a:noAutofit/>
-          </a:bodyPr>
-          <a:lstStyle>
-            <a:defPPr marR="0" lvl="0" algn="l" rtl="0">
-              <a:lnSpc>
-                <a:spcPct val="100000"/>
-              </a:lnSpc>
-              <a:spcBef>
-                <a:spcPts val="0"/>
-              </a:spcBef>
-              <a:spcAft>
-                <a:spcPts val="0"/>
-              </a:spcAft>
-            </a:defPPr>
-            <a:lvl1pPr marL="457200" marR="0" lvl="0" indent="-311150" algn="l" rtl="0" eaLnBrk="1" hangingPunct="1">
-              <a:lnSpc>
-                <a:spcPct val="93000"/>
-              </a:lnSpc>
-              <a:spcBef>
-                <a:spcPts val="0"/>
-              </a:spcBef>
-              <a:spcAft>
-                <a:spcPts val="0"/>
-              </a:spcAft>
-              <a:buSzPts val="1300"/>
-              <a:buChar char="●"/>
-              <a:defRPr sz="1300" b="0" i="0" u="none" strike="noStrike" cap="none">
-                <a:solidFill>
-                  <a:srgbClr val="000000"/>
-                </a:solidFill>
-                <a:latin typeface="Arial"/>
-                <a:ea typeface="Arial"/>
-                <a:cs typeface="Arial"/>
-                <a:sym typeface="Arial"/>
-              </a:defRPr>
-            </a:lvl1pPr>
-            <a:lvl2pPr marL="914400" marR="0" lvl="1" indent="-311150" algn="l" rtl="0" eaLnBrk="1" hangingPunct="1">
-              <a:lnSpc>
-                <a:spcPct val="93000"/>
-              </a:lnSpc>
-              <a:spcBef>
-                <a:spcPts val="1300"/>
-              </a:spcBef>
-              <a:spcAft>
-                <a:spcPts val="0"/>
-              </a:spcAft>
-              <a:buSzPts val="1300"/>
-              <a:buChar char="○"/>
-              <a:defRPr sz="1300" b="0" i="0" u="none" strike="noStrike" cap="none">
-                <a:solidFill>
-                  <a:srgbClr val="000000"/>
-                </a:solidFill>
-                <a:latin typeface="Arial"/>
-                <a:ea typeface="Arial"/>
-                <a:cs typeface="Arial"/>
-                <a:sym typeface="Arial"/>
-              </a:defRPr>
-            </a:lvl2pPr>
-            <a:lvl3pPr marL="1371600" marR="0" lvl="2" indent="-311150" algn="l" rtl="0" eaLnBrk="1" hangingPunct="1">
-              <a:lnSpc>
-                <a:spcPct val="93000"/>
-              </a:lnSpc>
-              <a:spcBef>
-                <a:spcPts val="1000"/>
-              </a:spcBef>
-              <a:spcAft>
-                <a:spcPts val="0"/>
-              </a:spcAft>
-              <a:buSzPts val="1300"/>
-              <a:buChar char="■"/>
-              <a:defRPr sz="1300" b="0" i="0" u="none" strike="noStrike" cap="none">
-                <a:solidFill>
-                  <a:srgbClr val="000000"/>
-                </a:solidFill>
-                <a:latin typeface="Arial"/>
-                <a:ea typeface="Arial"/>
-                <a:cs typeface="Arial"/>
-                <a:sym typeface="Arial"/>
-              </a:defRPr>
-            </a:lvl3pPr>
-            <a:lvl4pPr marL="1828800" marR="0" lvl="3" indent="-311150" algn="l" rtl="0" eaLnBrk="1" hangingPunct="1">
-              <a:lnSpc>
-                <a:spcPct val="93000"/>
-              </a:lnSpc>
-              <a:spcBef>
-                <a:spcPts val="700"/>
-              </a:spcBef>
-              <a:spcAft>
-                <a:spcPts val="0"/>
-              </a:spcAft>
-              <a:buSzPts val="1300"/>
-              <a:buChar char="●"/>
-              <a:defRPr sz="1300" b="0" i="0" u="none" strike="noStrike" cap="none">
-                <a:solidFill>
-                  <a:srgbClr val="000000"/>
-                </a:solidFill>
-                <a:latin typeface="Arial"/>
-                <a:ea typeface="Arial"/>
-                <a:cs typeface="Arial"/>
-                <a:sym typeface="Arial"/>
-              </a:defRPr>
-            </a:lvl4pPr>
-            <a:lvl5pPr marL="2286000" marR="0" lvl="4" indent="-311150" algn="l" rtl="0" eaLnBrk="1" hangingPunct="1">
-              <a:lnSpc>
-                <a:spcPct val="93000"/>
-              </a:lnSpc>
-              <a:spcBef>
-                <a:spcPts val="500"/>
-              </a:spcBef>
-              <a:spcAft>
-                <a:spcPts val="0"/>
-              </a:spcAft>
-              <a:buSzPts val="1300"/>
-              <a:buChar char="○"/>
-              <a:defRPr sz="1300" b="0" i="0" u="none" strike="noStrike" cap="none">
-                <a:solidFill>
-                  <a:srgbClr val="000000"/>
-                </a:solidFill>
-                <a:latin typeface="Arial"/>
-                <a:ea typeface="Arial"/>
-                <a:cs typeface="Arial"/>
-                <a:sym typeface="Arial"/>
-              </a:defRPr>
-            </a:lvl5pPr>
-            <a:lvl6pPr marL="2743200" marR="0" lvl="5" indent="-311150" algn="l" rtl="0" eaLnBrk="1" hangingPunct="1">
-              <a:lnSpc>
-                <a:spcPct val="93000"/>
-              </a:lnSpc>
-              <a:spcBef>
-                <a:spcPts val="200"/>
-              </a:spcBef>
-              <a:spcAft>
-                <a:spcPts val="0"/>
-              </a:spcAft>
-              <a:buSzPts val="1300"/>
-              <a:buChar char="■"/>
-              <a:defRPr sz="1300" b="0" i="0" u="none" strike="noStrike" cap="none">
-                <a:solidFill>
-                  <a:srgbClr val="000000"/>
-                </a:solidFill>
-                <a:latin typeface="Arial"/>
-                <a:ea typeface="Arial"/>
-                <a:cs typeface="Arial"/>
-                <a:sym typeface="Arial"/>
-              </a:defRPr>
-            </a:lvl6pPr>
-            <a:lvl7pPr marL="3200400" marR="0" lvl="6" indent="-311150" algn="l" rtl="0" eaLnBrk="1" hangingPunct="1">
-              <a:lnSpc>
-                <a:spcPct val="93000"/>
-              </a:lnSpc>
-              <a:spcBef>
-                <a:spcPts val="200"/>
-              </a:spcBef>
-              <a:spcAft>
-                <a:spcPts val="0"/>
-              </a:spcAft>
-              <a:buSzPts val="1300"/>
-              <a:buChar char="●"/>
-              <a:defRPr sz="1300" b="0" i="0" u="none" strike="noStrike" cap="none">
-                <a:solidFill>
-                  <a:srgbClr val="000000"/>
-                </a:solidFill>
-                <a:latin typeface="Arial"/>
-                <a:ea typeface="Arial"/>
-                <a:cs typeface="Arial"/>
-                <a:sym typeface="Arial"/>
-              </a:defRPr>
-            </a:lvl7pPr>
-            <a:lvl8pPr marL="3657600" marR="0" lvl="7" indent="-311150" algn="l" rtl="0" eaLnBrk="1" hangingPunct="1">
-              <a:lnSpc>
-                <a:spcPct val="93000"/>
-              </a:lnSpc>
-              <a:spcBef>
-                <a:spcPts val="200"/>
-              </a:spcBef>
-              <a:spcAft>
-                <a:spcPts val="0"/>
-              </a:spcAft>
-              <a:buSzPts val="1300"/>
-              <a:buChar char="○"/>
-              <a:defRPr sz="1300" b="0" i="0" u="none" strike="noStrike" cap="none">
-                <a:solidFill>
-                  <a:srgbClr val="000000"/>
-                </a:solidFill>
-                <a:latin typeface="Arial"/>
-                <a:ea typeface="Arial"/>
-                <a:cs typeface="Arial"/>
-                <a:sym typeface="Arial"/>
-              </a:defRPr>
-            </a:lvl8pPr>
-            <a:lvl9pPr marL="4114800" marR="0" lvl="8" indent="-311150" algn="l" rtl="0" eaLnBrk="1" hangingPunct="1">
-              <a:lnSpc>
-                <a:spcPct val="93000"/>
-              </a:lnSpc>
-              <a:spcBef>
-                <a:spcPts val="200"/>
-              </a:spcBef>
-              <a:spcAft>
-                <a:spcPts val="200"/>
-              </a:spcAft>
-              <a:buSzPts val="1300"/>
-              <a:buChar char="■"/>
-              <a:defRPr sz="1300" b="0" i="0" u="none" strike="noStrike" cap="none">
-                <a:solidFill>
-                  <a:srgbClr val="000000"/>
-                </a:solidFill>
-                <a:latin typeface="Arial"/>
-                <a:ea typeface="Arial"/>
-                <a:cs typeface="Arial"/>
-                <a:sym typeface="Arial"/>
-              </a:defRPr>
-            </a:lvl9pPr>
-          </a:lstStyle>
-          <a:p>
-            <a:pPr marL="76200" indent="0" algn="ctr">
-              <a:lnSpc>
-                <a:spcPct val="115000"/>
-              </a:lnSpc>
-              <a:buClr>
-                <a:srgbClr val="9B0014"/>
-              </a:buClr>
-              <a:buSzPts val="2400"/>
-              <a:buNone/>
-            </a:pPr>
-            <a:r>
-              <a:rPr lang="it-IT" sz="2000" dirty="0"/>
-              <a:t>Funzionalità basate sul ruolo dell’utente</a:t>
-            </a:r>
-          </a:p>
-        </p:txBody>
-      </p:sp>
       <p:pic>
         <p:nvPicPr>
           <p:cNvPr id="14" name="Picture 13" descr="Graphical user interface, application&#10;&#10;Description automatically generated">
@@ -11422,8 +11162,8 @@
         </p:blipFill>
         <p:spPr>
           <a:xfrm>
-            <a:off x="953463" y="1012973"/>
-            <a:ext cx="7237074" cy="4283709"/>
+            <a:off x="701225" y="1137843"/>
+            <a:ext cx="7741550" cy="4582314"/>
           </a:xfrm>
           <a:prstGeom prst="rect">
             <a:avLst/>
@@ -11774,6 +11514,286 @@
   <p:clrMapOvr>
     <a:masterClrMapping/>
   </p:clrMapOvr>
+  <p:timing>
+    <p:tnLst>
+      <p:par>
+        <p:cTn id="1" dur="indefinite" restart="never" nodeType="tmRoot">
+          <p:childTnLst>
+            <p:seq concurrent="1" nextAc="seek">
+              <p:cTn id="2" dur="indefinite" nodeType="mainSeq">
+                <p:childTnLst>
+                  <p:par>
+                    <p:cTn id="3" fill="hold">
+                      <p:stCondLst>
+                        <p:cond delay="indefinite"/>
+                      </p:stCondLst>
+                      <p:childTnLst>
+                        <p:par>
+                          <p:cTn id="4" fill="hold">
+                            <p:stCondLst>
+                              <p:cond delay="0"/>
+                            </p:stCondLst>
+                            <p:childTnLst>
+                              <p:par>
+                                <p:cTn id="5" presetID="10" presetClass="entr" presetSubtype="0" fill="hold" nodeType="clickEffect">
+                                  <p:stCondLst>
+                                    <p:cond delay="0"/>
+                                  </p:stCondLst>
+                                  <p:childTnLst>
+                                    <p:set>
+                                      <p:cBhvr>
+                                        <p:cTn id="6" dur="1" fill="hold">
+                                          <p:stCondLst>
+                                            <p:cond delay="0"/>
+                                          </p:stCondLst>
+                                        </p:cTn>
+                                        <p:tgtEl>
+                                          <p:spTgt spid="5"/>
+                                        </p:tgtEl>
+                                        <p:attrNameLst>
+                                          <p:attrName>style.visibility</p:attrName>
+                                        </p:attrNameLst>
+                                      </p:cBhvr>
+                                      <p:to>
+                                        <p:strVal val="visible"/>
+                                      </p:to>
+                                    </p:set>
+                                    <p:animEffect transition="in" filter="fade">
+                                      <p:cBhvr>
+                                        <p:cTn id="7" dur="500"/>
+                                        <p:tgtEl>
+                                          <p:spTgt spid="5"/>
+                                        </p:tgtEl>
+                                      </p:cBhvr>
+                                    </p:animEffect>
+                                  </p:childTnLst>
+                                </p:cTn>
+                              </p:par>
+                              <p:par>
+                                <p:cTn id="8" presetID="10" presetClass="entr" presetSubtype="0" fill="hold" nodeType="withEffect">
+                                  <p:stCondLst>
+                                    <p:cond delay="0"/>
+                                  </p:stCondLst>
+                                  <p:childTnLst>
+                                    <p:set>
+                                      <p:cBhvr>
+                                        <p:cTn id="9" dur="1" fill="hold">
+                                          <p:stCondLst>
+                                            <p:cond delay="0"/>
+                                          </p:stCondLst>
+                                        </p:cTn>
+                                        <p:tgtEl>
+                                          <p:spTgt spid="17"/>
+                                        </p:tgtEl>
+                                        <p:attrNameLst>
+                                          <p:attrName>style.visibility</p:attrName>
+                                        </p:attrNameLst>
+                                      </p:cBhvr>
+                                      <p:to>
+                                        <p:strVal val="visible"/>
+                                      </p:to>
+                                    </p:set>
+                                    <p:animEffect transition="in" filter="fade">
+                                      <p:cBhvr>
+                                        <p:cTn id="10" dur="500"/>
+                                        <p:tgtEl>
+                                          <p:spTgt spid="17"/>
+                                        </p:tgtEl>
+                                      </p:cBhvr>
+                                    </p:animEffect>
+                                  </p:childTnLst>
+                                </p:cTn>
+                              </p:par>
+                              <p:par>
+                                <p:cTn id="11" presetID="10" presetClass="entr" presetSubtype="0" fill="hold" grpId="0" nodeType="withEffect">
+                                  <p:stCondLst>
+                                    <p:cond delay="0"/>
+                                  </p:stCondLst>
+                                  <p:childTnLst>
+                                    <p:set>
+                                      <p:cBhvr>
+                                        <p:cTn id="12" dur="1" fill="hold">
+                                          <p:stCondLst>
+                                            <p:cond delay="0"/>
+                                          </p:stCondLst>
+                                        </p:cTn>
+                                        <p:tgtEl>
+                                          <p:spTgt spid="18"/>
+                                        </p:tgtEl>
+                                        <p:attrNameLst>
+                                          <p:attrName>style.visibility</p:attrName>
+                                        </p:attrNameLst>
+                                      </p:cBhvr>
+                                      <p:to>
+                                        <p:strVal val="visible"/>
+                                      </p:to>
+                                    </p:set>
+                                    <p:animEffect transition="in" filter="fade">
+                                      <p:cBhvr>
+                                        <p:cTn id="13" dur="500"/>
+                                        <p:tgtEl>
+                                          <p:spTgt spid="18"/>
+                                        </p:tgtEl>
+                                      </p:cBhvr>
+                                    </p:animEffect>
+                                  </p:childTnLst>
+                                </p:cTn>
+                              </p:par>
+                            </p:childTnLst>
+                          </p:cTn>
+                        </p:par>
+                      </p:childTnLst>
+                    </p:cTn>
+                  </p:par>
+                  <p:par>
+                    <p:cTn id="14" fill="hold">
+                      <p:stCondLst>
+                        <p:cond delay="indefinite"/>
+                      </p:stCondLst>
+                      <p:childTnLst>
+                        <p:par>
+                          <p:cTn id="15" fill="hold">
+                            <p:stCondLst>
+                              <p:cond delay="0"/>
+                            </p:stCondLst>
+                            <p:childTnLst>
+                              <p:par>
+                                <p:cTn id="16" presetID="10" presetClass="entr" presetSubtype="0" fill="hold" nodeType="clickEffect">
+                                  <p:stCondLst>
+                                    <p:cond delay="0"/>
+                                  </p:stCondLst>
+                                  <p:childTnLst>
+                                    <p:set>
+                                      <p:cBhvr>
+                                        <p:cTn id="17" dur="1" fill="hold">
+                                          <p:stCondLst>
+                                            <p:cond delay="0"/>
+                                          </p:stCondLst>
+                                        </p:cTn>
+                                        <p:tgtEl>
+                                          <p:spTgt spid="15"/>
+                                        </p:tgtEl>
+                                        <p:attrNameLst>
+                                          <p:attrName>style.visibility</p:attrName>
+                                        </p:attrNameLst>
+                                      </p:cBhvr>
+                                      <p:to>
+                                        <p:strVal val="visible"/>
+                                      </p:to>
+                                    </p:set>
+                                    <p:animEffect transition="in" filter="fade">
+                                      <p:cBhvr>
+                                        <p:cTn id="18" dur="500"/>
+                                        <p:tgtEl>
+                                          <p:spTgt spid="15"/>
+                                        </p:tgtEl>
+                                      </p:cBhvr>
+                                    </p:animEffect>
+                                  </p:childTnLst>
+                                </p:cTn>
+                              </p:par>
+                              <p:par>
+                                <p:cTn id="19" presetID="10" presetClass="entr" presetSubtype="0" fill="hold" nodeType="withEffect">
+                                  <p:stCondLst>
+                                    <p:cond delay="0"/>
+                                  </p:stCondLst>
+                                  <p:childTnLst>
+                                    <p:set>
+                                      <p:cBhvr>
+                                        <p:cTn id="20" dur="1" fill="hold">
+                                          <p:stCondLst>
+                                            <p:cond delay="0"/>
+                                          </p:stCondLst>
+                                        </p:cTn>
+                                        <p:tgtEl>
+                                          <p:spTgt spid="20"/>
+                                        </p:tgtEl>
+                                        <p:attrNameLst>
+                                          <p:attrName>style.visibility</p:attrName>
+                                        </p:attrNameLst>
+                                      </p:cBhvr>
+                                      <p:to>
+                                        <p:strVal val="visible"/>
+                                      </p:to>
+                                    </p:set>
+                                    <p:animEffect transition="in" filter="fade">
+                                      <p:cBhvr>
+                                        <p:cTn id="21" dur="500"/>
+                                        <p:tgtEl>
+                                          <p:spTgt spid="20"/>
+                                        </p:tgtEl>
+                                      </p:cBhvr>
+                                    </p:animEffect>
+                                  </p:childTnLst>
+                                </p:cTn>
+                              </p:par>
+                              <p:par>
+                                <p:cTn id="22" presetID="10" presetClass="entr" presetSubtype="0" fill="hold" grpId="0" nodeType="withEffect">
+                                  <p:stCondLst>
+                                    <p:cond delay="0"/>
+                                  </p:stCondLst>
+                                  <p:childTnLst>
+                                    <p:set>
+                                      <p:cBhvr>
+                                        <p:cTn id="23" dur="1" fill="hold">
+                                          <p:stCondLst>
+                                            <p:cond delay="0"/>
+                                          </p:stCondLst>
+                                        </p:cTn>
+                                        <p:tgtEl>
+                                          <p:spTgt spid="21"/>
+                                        </p:tgtEl>
+                                        <p:attrNameLst>
+                                          <p:attrName>style.visibility</p:attrName>
+                                        </p:attrNameLst>
+                                      </p:cBhvr>
+                                      <p:to>
+                                        <p:strVal val="visible"/>
+                                      </p:to>
+                                    </p:set>
+                                    <p:animEffect transition="in" filter="fade">
+                                      <p:cBhvr>
+                                        <p:cTn id="24" dur="500"/>
+                                        <p:tgtEl>
+                                          <p:spTgt spid="21"/>
+                                        </p:tgtEl>
+                                      </p:cBhvr>
+                                    </p:animEffect>
+                                  </p:childTnLst>
+                                </p:cTn>
+                              </p:par>
+                            </p:childTnLst>
+                          </p:cTn>
+                        </p:par>
+                      </p:childTnLst>
+                    </p:cTn>
+                  </p:par>
+                </p:childTnLst>
+              </p:cTn>
+              <p:prevCondLst>
+                <p:cond evt="onPrev" delay="0">
+                  <p:tgtEl>
+                    <p:sldTgt/>
+                  </p:tgtEl>
+                </p:cond>
+              </p:prevCondLst>
+              <p:nextCondLst>
+                <p:cond evt="onNext" delay="0">
+                  <p:tgtEl>
+                    <p:sldTgt/>
+                  </p:tgtEl>
+                </p:cond>
+              </p:nextCondLst>
+            </p:seq>
+          </p:childTnLst>
+        </p:cTn>
+      </p:par>
+    </p:tnLst>
+    <p:bldLst>
+      <p:bldP spid="18" grpId="0"/>
+      <p:bldP spid="21" grpId="0"/>
+    </p:bldLst>
+  </p:timing>
 </p:sld>
 </file>
 
